--- a/GestaoFinancaPessoal/GestaoFinancaPessoal/Documentos/Entrega-02/UserStories.pptx
+++ b/GestaoFinancaPessoal/GestaoFinancaPessoal/Documentos/Entrega-02/UserStories.pptx
@@ -10,8 +10,8 @@
   <p:sldIdLst>
     <p:sldId id="407" r:id="rId2"/>
     <p:sldId id="408" r:id="rId3"/>
-    <p:sldId id="410" r:id="rId4"/>
-    <p:sldId id="411" r:id="rId5"/>
+    <p:sldId id="412" r:id="rId4"/>
+    <p:sldId id="413" r:id="rId5"/>
   </p:sldIdLst>
   <p:sldSz cx="12192000" cy="6858000"/>
   <p:notesSz cx="6858000" cy="9144000"/>
@@ -200,7 +200,7 @@
           <a:p>
             <a:fld id="{59A9F43D-7447-447E-A29C-D6932C4AEFE9}" type="datetimeFigureOut">
               <a:rPr lang="pt-BR" smtClean="0"/>
-              <a:t>01/05/2019</a:t>
+              <a:t>03/05/2019</a:t>
             </a:fld>
             <a:endParaRPr lang="pt-BR"/>
           </a:p>
@@ -2187,1726 +2187,6 @@
 </p:notes>
 </file>
 
-<file path=ppt/notesSlides/notesSlide3.xml><?xml version="1.0" encoding="utf-8"?>
-<p:notes xmlns:a="http://schemas.openxmlformats.org/drawingml/2006/main" xmlns:r="http://schemas.openxmlformats.org/officeDocument/2006/relationships" xmlns:p="http://schemas.openxmlformats.org/presentationml/2006/main">
-  <p:cSld>
-    <p:bg>
-      <p:bgPr>
-        <a:solidFill>
-          <a:srgbClr val="FFFFFF"/>
-        </a:solidFill>
-        <a:effectLst/>
-      </p:bgPr>
-    </p:bg>
-    <p:spTree>
-      <p:nvGrpSpPr>
-        <p:cNvPr id="1" name=""/>
-        <p:cNvGrpSpPr/>
-        <p:nvPr/>
-      </p:nvGrpSpPr>
-      <p:grpSpPr>
-        <a:xfrm>
-          <a:off x="0" y="0"/>
-          <a:ext cx="0" cy="0"/>
-          <a:chOff x="0" y="0"/>
-          <a:chExt cx="0" cy="0"/>
-        </a:xfrm>
-      </p:grpSpPr>
-      <p:sp>
-        <p:nvSpPr>
-          <p:cNvPr id="31746" name="Rectangle 7">
-            <a:extLst>
-              <a:ext uri="{FF2B5EF4-FFF2-40B4-BE49-F238E27FC236}">
-                <a16:creationId xmlns:a16="http://schemas.microsoft.com/office/drawing/2014/main" id="{3EA01EAE-1AC5-48F1-B7E8-DDB420DCC041}"/>
-              </a:ext>
-            </a:extLst>
-          </p:cNvPr>
-          <p:cNvSpPr>
-            <a:spLocks noGrp="1" noChangeArrowheads="1"/>
-          </p:cNvSpPr>
-          <p:nvPr>
-            <p:ph type="sldNum" sz="quarter" idx="5"/>
-          </p:nvPr>
-        </p:nvSpPr>
-        <p:spPr>
-          <a:noFill/>
-          <a:ln/>
-          <a:extLst>
-            <a:ext uri="{909E8E84-426E-40DD-AFC4-6F175D3DCCD1}">
-              <a14:hiddenFill xmlns:a14="http://schemas.microsoft.com/office/drawing/2010/main">
-                <a:solidFill>
-                  <a:srgbClr val="FFFFFF"/>
-                </a:solidFill>
-              </a14:hiddenFill>
-            </a:ext>
-            <a:ext uri="{91240B29-F687-4F45-9708-019B960494DF}">
-              <a14:hiddenLine xmlns:a14="http://schemas.microsoft.com/office/drawing/2010/main" w="9525">
-                <a:solidFill>
-                  <a:srgbClr val="3465AF"/>
-                </a:solidFill>
-                <a:round/>
-                <a:headEnd/>
-                <a:tailEnd/>
-              </a14:hiddenLine>
-            </a:ext>
-          </a:extLst>
-        </p:spPr>
-        <p:txBody>
-          <a:bodyPr/>
-          <a:lstStyle>
-            <a:lvl1pPr>
-              <a:spcBef>
-                <a:spcPct val="30000"/>
-              </a:spcBef>
-              <a:tabLst>
-                <a:tab pos="449263" algn="l"/>
-                <a:tab pos="898525" algn="l"/>
-                <a:tab pos="1347788" algn="l"/>
-                <a:tab pos="1797050" algn="l"/>
-                <a:tab pos="2246313" algn="l"/>
-                <a:tab pos="2695575" algn="l"/>
-              </a:tabLst>
-              <a:defRPr kumimoji="1" sz="1200">
-                <a:solidFill>
-                  <a:schemeClr val="tx1"/>
-                </a:solidFill>
-                <a:latin typeface="Times New Roman" panose="02020603050405020304" pitchFamily="18" charset="0"/>
-                <a:ea typeface="MS PGothic" panose="020B0600070205080204" pitchFamily="34" charset="-128"/>
-              </a:defRPr>
-            </a:lvl1pPr>
-            <a:lvl2pPr marL="742950" indent="-285750">
-              <a:spcBef>
-                <a:spcPct val="30000"/>
-              </a:spcBef>
-              <a:tabLst>
-                <a:tab pos="449263" algn="l"/>
-                <a:tab pos="898525" algn="l"/>
-                <a:tab pos="1347788" algn="l"/>
-                <a:tab pos="1797050" algn="l"/>
-                <a:tab pos="2246313" algn="l"/>
-                <a:tab pos="2695575" algn="l"/>
-              </a:tabLst>
-              <a:defRPr kumimoji="1" sz="1200">
-                <a:solidFill>
-                  <a:schemeClr val="tx1"/>
-                </a:solidFill>
-                <a:latin typeface="Times New Roman" panose="02020603050405020304" pitchFamily="18" charset="0"/>
-                <a:ea typeface="MS PGothic" panose="020B0600070205080204" pitchFamily="34" charset="-128"/>
-              </a:defRPr>
-            </a:lvl2pPr>
-            <a:lvl3pPr marL="1143000" indent="-228600">
-              <a:spcBef>
-                <a:spcPct val="30000"/>
-              </a:spcBef>
-              <a:tabLst>
-                <a:tab pos="449263" algn="l"/>
-                <a:tab pos="898525" algn="l"/>
-                <a:tab pos="1347788" algn="l"/>
-                <a:tab pos="1797050" algn="l"/>
-                <a:tab pos="2246313" algn="l"/>
-                <a:tab pos="2695575" algn="l"/>
-              </a:tabLst>
-              <a:defRPr kumimoji="1" sz="1200">
-                <a:solidFill>
-                  <a:schemeClr val="tx1"/>
-                </a:solidFill>
-                <a:latin typeface="Times New Roman" panose="02020603050405020304" pitchFamily="18" charset="0"/>
-                <a:ea typeface="MS PGothic" panose="020B0600070205080204" pitchFamily="34" charset="-128"/>
-              </a:defRPr>
-            </a:lvl3pPr>
-            <a:lvl4pPr marL="1600200" indent="-228600">
-              <a:spcBef>
-                <a:spcPct val="30000"/>
-              </a:spcBef>
-              <a:tabLst>
-                <a:tab pos="449263" algn="l"/>
-                <a:tab pos="898525" algn="l"/>
-                <a:tab pos="1347788" algn="l"/>
-                <a:tab pos="1797050" algn="l"/>
-                <a:tab pos="2246313" algn="l"/>
-                <a:tab pos="2695575" algn="l"/>
-              </a:tabLst>
-              <a:defRPr kumimoji="1" sz="1200">
-                <a:solidFill>
-                  <a:schemeClr val="tx1"/>
-                </a:solidFill>
-                <a:latin typeface="Times New Roman" panose="02020603050405020304" pitchFamily="18" charset="0"/>
-                <a:ea typeface="MS PGothic" panose="020B0600070205080204" pitchFamily="34" charset="-128"/>
-              </a:defRPr>
-            </a:lvl4pPr>
-            <a:lvl5pPr marL="2057400" indent="-228600">
-              <a:spcBef>
-                <a:spcPct val="30000"/>
-              </a:spcBef>
-              <a:tabLst>
-                <a:tab pos="449263" algn="l"/>
-                <a:tab pos="898525" algn="l"/>
-                <a:tab pos="1347788" algn="l"/>
-                <a:tab pos="1797050" algn="l"/>
-                <a:tab pos="2246313" algn="l"/>
-                <a:tab pos="2695575" algn="l"/>
-              </a:tabLst>
-              <a:defRPr kumimoji="1" sz="1200">
-                <a:solidFill>
-                  <a:schemeClr val="tx1"/>
-                </a:solidFill>
-                <a:latin typeface="Times New Roman" panose="02020603050405020304" pitchFamily="18" charset="0"/>
-                <a:ea typeface="MS PGothic" panose="020B0600070205080204" pitchFamily="34" charset="-128"/>
-              </a:defRPr>
-            </a:lvl5pPr>
-            <a:lvl6pPr marL="2514600" indent="-228600" eaLnBrk="0" fontAlgn="base" hangingPunct="0">
-              <a:spcBef>
-                <a:spcPct val="30000"/>
-              </a:spcBef>
-              <a:spcAft>
-                <a:spcPct val="0"/>
-              </a:spcAft>
-              <a:tabLst>
-                <a:tab pos="449263" algn="l"/>
-                <a:tab pos="898525" algn="l"/>
-                <a:tab pos="1347788" algn="l"/>
-                <a:tab pos="1797050" algn="l"/>
-                <a:tab pos="2246313" algn="l"/>
-                <a:tab pos="2695575" algn="l"/>
-              </a:tabLst>
-              <a:defRPr kumimoji="1" sz="1200">
-                <a:solidFill>
-                  <a:schemeClr val="tx1"/>
-                </a:solidFill>
-                <a:latin typeface="Times New Roman" panose="02020603050405020304" pitchFamily="18" charset="0"/>
-                <a:ea typeface="MS PGothic" panose="020B0600070205080204" pitchFamily="34" charset="-128"/>
-              </a:defRPr>
-            </a:lvl6pPr>
-            <a:lvl7pPr marL="2971800" indent="-228600" eaLnBrk="0" fontAlgn="base" hangingPunct="0">
-              <a:spcBef>
-                <a:spcPct val="30000"/>
-              </a:spcBef>
-              <a:spcAft>
-                <a:spcPct val="0"/>
-              </a:spcAft>
-              <a:tabLst>
-                <a:tab pos="449263" algn="l"/>
-                <a:tab pos="898525" algn="l"/>
-                <a:tab pos="1347788" algn="l"/>
-                <a:tab pos="1797050" algn="l"/>
-                <a:tab pos="2246313" algn="l"/>
-                <a:tab pos="2695575" algn="l"/>
-              </a:tabLst>
-              <a:defRPr kumimoji="1" sz="1200">
-                <a:solidFill>
-                  <a:schemeClr val="tx1"/>
-                </a:solidFill>
-                <a:latin typeface="Times New Roman" panose="02020603050405020304" pitchFamily="18" charset="0"/>
-                <a:ea typeface="MS PGothic" panose="020B0600070205080204" pitchFamily="34" charset="-128"/>
-              </a:defRPr>
-            </a:lvl7pPr>
-            <a:lvl8pPr marL="3429000" indent="-228600" eaLnBrk="0" fontAlgn="base" hangingPunct="0">
-              <a:spcBef>
-                <a:spcPct val="30000"/>
-              </a:spcBef>
-              <a:spcAft>
-                <a:spcPct val="0"/>
-              </a:spcAft>
-              <a:tabLst>
-                <a:tab pos="449263" algn="l"/>
-                <a:tab pos="898525" algn="l"/>
-                <a:tab pos="1347788" algn="l"/>
-                <a:tab pos="1797050" algn="l"/>
-                <a:tab pos="2246313" algn="l"/>
-                <a:tab pos="2695575" algn="l"/>
-              </a:tabLst>
-              <a:defRPr kumimoji="1" sz="1200">
-                <a:solidFill>
-                  <a:schemeClr val="tx1"/>
-                </a:solidFill>
-                <a:latin typeface="Times New Roman" panose="02020603050405020304" pitchFamily="18" charset="0"/>
-                <a:ea typeface="MS PGothic" panose="020B0600070205080204" pitchFamily="34" charset="-128"/>
-              </a:defRPr>
-            </a:lvl8pPr>
-            <a:lvl9pPr marL="3886200" indent="-228600" eaLnBrk="0" fontAlgn="base" hangingPunct="0">
-              <a:spcBef>
-                <a:spcPct val="30000"/>
-              </a:spcBef>
-              <a:spcAft>
-                <a:spcPct val="0"/>
-              </a:spcAft>
-              <a:tabLst>
-                <a:tab pos="449263" algn="l"/>
-                <a:tab pos="898525" algn="l"/>
-                <a:tab pos="1347788" algn="l"/>
-                <a:tab pos="1797050" algn="l"/>
-                <a:tab pos="2246313" algn="l"/>
-                <a:tab pos="2695575" algn="l"/>
-              </a:tabLst>
-              <a:defRPr kumimoji="1" sz="1200">
-                <a:solidFill>
-                  <a:schemeClr val="tx1"/>
-                </a:solidFill>
-                <a:latin typeface="Times New Roman" panose="02020603050405020304" pitchFamily="18" charset="0"/>
-                <a:ea typeface="MS PGothic" panose="020B0600070205080204" pitchFamily="34" charset="-128"/>
-              </a:defRPr>
-            </a:lvl9pPr>
-          </a:lstStyle>
-          <a:p>
-            <a:pPr eaLnBrk="1" hangingPunct="1">
-              <a:spcBef>
-                <a:spcPct val="0"/>
-              </a:spcBef>
-            </a:pPr>
-            <a:fld id="{395397F1-A0E6-43B2-B3B8-F47DB068CA5B}" type="slidenum">
-              <a:rPr kumimoji="0" lang="en-US" altLang="pt-BR" b="1" smtClean="0">
-                <a:solidFill>
-                  <a:srgbClr val="000000"/>
-                </a:solidFill>
-              </a:rPr>
-              <a:pPr eaLnBrk="1" hangingPunct="1">
-                <a:spcBef>
-                  <a:spcPct val="0"/>
-                </a:spcBef>
-              </a:pPr>
-              <a:t>3</a:t>
-            </a:fld>
-            <a:endParaRPr kumimoji="0" lang="en-US" altLang="pt-BR" b="1">
-              <a:solidFill>
-                <a:srgbClr val="000000"/>
-              </a:solidFill>
-            </a:endParaRPr>
-          </a:p>
-        </p:txBody>
-      </p:sp>
-      <p:sp>
-        <p:nvSpPr>
-          <p:cNvPr id="31747" name="Rectangle 1">
-            <a:extLst>
-              <a:ext uri="{FF2B5EF4-FFF2-40B4-BE49-F238E27FC236}">
-                <a16:creationId xmlns:a16="http://schemas.microsoft.com/office/drawing/2014/main" id="{611F264E-8F7B-4825-8BB8-DFB813998E51}"/>
-              </a:ext>
-            </a:extLst>
-          </p:cNvPr>
-          <p:cNvSpPr>
-            <a:spLocks noGrp="1" noRot="1" noChangeAspect="1" noChangeArrowheads="1" noTextEdit="1"/>
-          </p:cNvSpPr>
-          <p:nvPr>
-            <p:ph type="sldImg"/>
-          </p:nvPr>
-        </p:nvSpPr>
-        <p:spPr>
-          <a:solidFill>
-            <a:srgbClr val="FFFFFF"/>
-          </a:solidFill>
-          <a:ln/>
-          <a:extLst>
-            <a:ext uri="{AF507438-7753-43E0-B8FC-AC1667EBCBE1}">
-              <a14:hiddenEffects xmlns:a14="http://schemas.microsoft.com/office/drawing/2010/main">
-                <a:effectLst>
-                  <a:outerShdw dist="35921" dir="2700000" algn="ctr" rotWithShape="0">
-                    <a:srgbClr val="808080"/>
-                  </a:outerShdw>
-                </a:effectLst>
-              </a14:hiddenEffects>
-            </a:ext>
-          </a:extLst>
-        </p:spPr>
-      </p:sp>
-      <p:sp>
-        <p:nvSpPr>
-          <p:cNvPr id="31748" name="Text Box 2">
-            <a:extLst>
-              <a:ext uri="{FF2B5EF4-FFF2-40B4-BE49-F238E27FC236}">
-                <a16:creationId xmlns:a16="http://schemas.microsoft.com/office/drawing/2014/main" id="{4815CAD0-0E30-41F0-9CF6-06E9D04BF6F9}"/>
-              </a:ext>
-            </a:extLst>
-          </p:cNvPr>
-          <p:cNvSpPr txBox="1">
-            <a:spLocks noChangeArrowheads="1"/>
-          </p:cNvSpPr>
-          <p:nvPr/>
-        </p:nvSpPr>
-        <p:spPr bwMode="auto">
-          <a:xfrm>
-            <a:off x="914400" y="4343400"/>
-            <a:ext cx="5029200" cy="4114800"/>
-          </a:xfrm>
-          <a:prstGeom prst="rect">
-            <a:avLst/>
-          </a:prstGeom>
-          <a:noFill/>
-          <a:ln>
-            <a:noFill/>
-          </a:ln>
-          <a:effectLst/>
-          <a:extLst>
-            <a:ext uri="{909E8E84-426E-40DD-AFC4-6F175D3DCCD1}">
-              <a14:hiddenFill xmlns:a14="http://schemas.microsoft.com/office/drawing/2010/main">
-                <a:solidFill>
-                  <a:srgbClr val="FFFFFF"/>
-                </a:solidFill>
-              </a14:hiddenFill>
-            </a:ext>
-            <a:ext uri="{91240B29-F687-4F45-9708-019B960494DF}">
-              <a14:hiddenLine xmlns:a14="http://schemas.microsoft.com/office/drawing/2010/main" w="9525">
-                <a:solidFill>
-                  <a:srgbClr val="3465AF"/>
-                </a:solidFill>
-                <a:round/>
-                <a:headEnd/>
-                <a:tailEnd/>
-              </a14:hiddenLine>
-            </a:ext>
-            <a:ext uri="{AF507438-7753-43E0-B8FC-AC1667EBCBE1}">
-              <a14:hiddenEffects xmlns:a14="http://schemas.microsoft.com/office/drawing/2010/main">
-                <a:effectLst>
-                  <a:outerShdw dist="35921" dir="2700000" algn="ctr" rotWithShape="0">
-                    <a:srgbClr val="808080"/>
-                  </a:outerShdw>
-                </a:effectLst>
-              </a14:hiddenEffects>
-            </a:ext>
-          </a:extLst>
-        </p:spPr>
-        <p:txBody>
-          <a:bodyPr wrap="none" anchor="ctr"/>
-          <a:lstStyle>
-            <a:lvl1pPr>
-              <a:spcBef>
-                <a:spcPct val="30000"/>
-              </a:spcBef>
-              <a:defRPr kumimoji="1" sz="1200">
-                <a:solidFill>
-                  <a:schemeClr val="tx1"/>
-                </a:solidFill>
-                <a:latin typeface="Times New Roman" panose="02020603050405020304" pitchFamily="18" charset="0"/>
-                <a:ea typeface="MS PGothic" panose="020B0600070205080204" pitchFamily="34" charset="-128"/>
-              </a:defRPr>
-            </a:lvl1pPr>
-            <a:lvl2pPr marL="742950" indent="-285750">
-              <a:spcBef>
-                <a:spcPct val="30000"/>
-              </a:spcBef>
-              <a:defRPr kumimoji="1" sz="1200">
-                <a:solidFill>
-                  <a:schemeClr val="tx1"/>
-                </a:solidFill>
-                <a:latin typeface="Times New Roman" panose="02020603050405020304" pitchFamily="18" charset="0"/>
-                <a:ea typeface="MS PGothic" panose="020B0600070205080204" pitchFamily="34" charset="-128"/>
-              </a:defRPr>
-            </a:lvl2pPr>
-            <a:lvl3pPr marL="1143000" indent="-228600">
-              <a:spcBef>
-                <a:spcPct val="30000"/>
-              </a:spcBef>
-              <a:defRPr kumimoji="1" sz="1200">
-                <a:solidFill>
-                  <a:schemeClr val="tx1"/>
-                </a:solidFill>
-                <a:latin typeface="Times New Roman" panose="02020603050405020304" pitchFamily="18" charset="0"/>
-                <a:ea typeface="MS PGothic" panose="020B0600070205080204" pitchFamily="34" charset="-128"/>
-              </a:defRPr>
-            </a:lvl3pPr>
-            <a:lvl4pPr marL="1600200" indent="-228600">
-              <a:spcBef>
-                <a:spcPct val="30000"/>
-              </a:spcBef>
-              <a:defRPr kumimoji="1" sz="1200">
-                <a:solidFill>
-                  <a:schemeClr val="tx1"/>
-                </a:solidFill>
-                <a:latin typeface="Times New Roman" panose="02020603050405020304" pitchFamily="18" charset="0"/>
-                <a:ea typeface="MS PGothic" panose="020B0600070205080204" pitchFamily="34" charset="-128"/>
-              </a:defRPr>
-            </a:lvl4pPr>
-            <a:lvl5pPr marL="2057400" indent="-228600">
-              <a:spcBef>
-                <a:spcPct val="30000"/>
-              </a:spcBef>
-              <a:defRPr kumimoji="1" sz="1200">
-                <a:solidFill>
-                  <a:schemeClr val="tx1"/>
-                </a:solidFill>
-                <a:latin typeface="Times New Roman" panose="02020603050405020304" pitchFamily="18" charset="0"/>
-                <a:ea typeface="MS PGothic" panose="020B0600070205080204" pitchFamily="34" charset="-128"/>
-              </a:defRPr>
-            </a:lvl5pPr>
-            <a:lvl6pPr marL="2514600" indent="-228600" eaLnBrk="0" fontAlgn="base" hangingPunct="0">
-              <a:spcBef>
-                <a:spcPct val="30000"/>
-              </a:spcBef>
-              <a:spcAft>
-                <a:spcPct val="0"/>
-              </a:spcAft>
-              <a:defRPr kumimoji="1" sz="1200">
-                <a:solidFill>
-                  <a:schemeClr val="tx1"/>
-                </a:solidFill>
-                <a:latin typeface="Times New Roman" panose="02020603050405020304" pitchFamily="18" charset="0"/>
-                <a:ea typeface="MS PGothic" panose="020B0600070205080204" pitchFamily="34" charset="-128"/>
-              </a:defRPr>
-            </a:lvl6pPr>
-            <a:lvl7pPr marL="2971800" indent="-228600" eaLnBrk="0" fontAlgn="base" hangingPunct="0">
-              <a:spcBef>
-                <a:spcPct val="30000"/>
-              </a:spcBef>
-              <a:spcAft>
-                <a:spcPct val="0"/>
-              </a:spcAft>
-              <a:defRPr kumimoji="1" sz="1200">
-                <a:solidFill>
-                  <a:schemeClr val="tx1"/>
-                </a:solidFill>
-                <a:latin typeface="Times New Roman" panose="02020603050405020304" pitchFamily="18" charset="0"/>
-                <a:ea typeface="MS PGothic" panose="020B0600070205080204" pitchFamily="34" charset="-128"/>
-              </a:defRPr>
-            </a:lvl7pPr>
-            <a:lvl8pPr marL="3429000" indent="-228600" eaLnBrk="0" fontAlgn="base" hangingPunct="0">
-              <a:spcBef>
-                <a:spcPct val="30000"/>
-              </a:spcBef>
-              <a:spcAft>
-                <a:spcPct val="0"/>
-              </a:spcAft>
-              <a:defRPr kumimoji="1" sz="1200">
-                <a:solidFill>
-                  <a:schemeClr val="tx1"/>
-                </a:solidFill>
-                <a:latin typeface="Times New Roman" panose="02020603050405020304" pitchFamily="18" charset="0"/>
-                <a:ea typeface="MS PGothic" panose="020B0600070205080204" pitchFamily="34" charset="-128"/>
-              </a:defRPr>
-            </a:lvl8pPr>
-            <a:lvl9pPr marL="3886200" indent="-228600" eaLnBrk="0" fontAlgn="base" hangingPunct="0">
-              <a:spcBef>
-                <a:spcPct val="30000"/>
-              </a:spcBef>
-              <a:spcAft>
-                <a:spcPct val="0"/>
-              </a:spcAft>
-              <a:defRPr kumimoji="1" sz="1200">
-                <a:solidFill>
-                  <a:schemeClr val="tx1"/>
-                </a:solidFill>
-                <a:latin typeface="Times New Roman" panose="02020603050405020304" pitchFamily="18" charset="0"/>
-                <a:ea typeface="MS PGothic" panose="020B0600070205080204" pitchFamily="34" charset="-128"/>
-              </a:defRPr>
-            </a:lvl9pPr>
-          </a:lstStyle>
-          <a:p>
-            <a:pPr eaLnBrk="1" hangingPunct="1">
-              <a:spcBef>
-                <a:spcPct val="0"/>
-              </a:spcBef>
-            </a:pPr>
-            <a:endParaRPr kumimoji="0" lang="pt-BR" altLang="pt-BR" sz="2400">
-              <a:latin typeface="Tahoma" panose="020B0604030504040204" pitchFamily="34" charset="0"/>
-            </a:endParaRPr>
-          </a:p>
-        </p:txBody>
-      </p:sp>
-      <p:sp>
-        <p:nvSpPr>
-          <p:cNvPr id="31749" name="Text Box 3">
-            <a:extLst>
-              <a:ext uri="{FF2B5EF4-FFF2-40B4-BE49-F238E27FC236}">
-                <a16:creationId xmlns:a16="http://schemas.microsoft.com/office/drawing/2014/main" id="{9D5A0D49-D02C-472B-A7CD-65117D93A222}"/>
-              </a:ext>
-            </a:extLst>
-          </p:cNvPr>
-          <p:cNvSpPr txBox="1">
-            <a:spLocks noChangeArrowheads="1"/>
-          </p:cNvSpPr>
-          <p:nvPr/>
-        </p:nvSpPr>
-        <p:spPr bwMode="auto">
-          <a:xfrm>
-            <a:off x="3886200" y="8686800"/>
-            <a:ext cx="2971800" cy="457200"/>
-          </a:xfrm>
-          <a:prstGeom prst="rect">
-            <a:avLst/>
-          </a:prstGeom>
-          <a:noFill/>
-          <a:ln>
-            <a:noFill/>
-          </a:ln>
-          <a:effectLst/>
-          <a:extLst>
-            <a:ext uri="{909E8E84-426E-40DD-AFC4-6F175D3DCCD1}">
-              <a14:hiddenFill xmlns:a14="http://schemas.microsoft.com/office/drawing/2010/main">
-                <a:solidFill>
-                  <a:srgbClr val="FFFFFF"/>
-                </a:solidFill>
-              </a14:hiddenFill>
-            </a:ext>
-            <a:ext uri="{91240B29-F687-4F45-9708-019B960494DF}">
-              <a14:hiddenLine xmlns:a14="http://schemas.microsoft.com/office/drawing/2010/main" w="9525">
-                <a:solidFill>
-                  <a:srgbClr val="3465AF"/>
-                </a:solidFill>
-                <a:round/>
-                <a:headEnd/>
-                <a:tailEnd/>
-              </a14:hiddenLine>
-            </a:ext>
-            <a:ext uri="{AF507438-7753-43E0-B8FC-AC1667EBCBE1}">
-              <a14:hiddenEffects xmlns:a14="http://schemas.microsoft.com/office/drawing/2010/main">
-                <a:effectLst>
-                  <a:outerShdw dist="35921" dir="2700000" algn="ctr" rotWithShape="0">
-                    <a:srgbClr val="808080"/>
-                  </a:outerShdw>
-                </a:effectLst>
-              </a14:hiddenEffects>
-            </a:ext>
-          </a:extLst>
-        </p:spPr>
-        <p:txBody>
-          <a:bodyPr lIns="90000" tIns="46800" rIns="90000" bIns="46800" anchor="b"/>
-          <a:lstStyle>
-            <a:lvl1pPr>
-              <a:spcBef>
-                <a:spcPct val="30000"/>
-              </a:spcBef>
-              <a:tabLst>
-                <a:tab pos="0" algn="l"/>
-                <a:tab pos="914400" algn="l"/>
-                <a:tab pos="1828800" algn="l"/>
-                <a:tab pos="2743200" algn="l"/>
-                <a:tab pos="3657600" algn="l"/>
-                <a:tab pos="4572000" algn="l"/>
-                <a:tab pos="5486400" algn="l"/>
-                <a:tab pos="6400800" algn="l"/>
-                <a:tab pos="7315200" algn="l"/>
-                <a:tab pos="8229600" algn="l"/>
-                <a:tab pos="9144000" algn="l"/>
-                <a:tab pos="10058400" algn="l"/>
-              </a:tabLst>
-              <a:defRPr kumimoji="1" sz="1200">
-                <a:solidFill>
-                  <a:schemeClr val="tx1"/>
-                </a:solidFill>
-                <a:latin typeface="Times New Roman" panose="02020603050405020304" pitchFamily="18" charset="0"/>
-                <a:ea typeface="MS PGothic" panose="020B0600070205080204" pitchFamily="34" charset="-128"/>
-              </a:defRPr>
-            </a:lvl1pPr>
-            <a:lvl2pPr marL="742950" indent="-285750">
-              <a:spcBef>
-                <a:spcPct val="30000"/>
-              </a:spcBef>
-              <a:tabLst>
-                <a:tab pos="0" algn="l"/>
-                <a:tab pos="914400" algn="l"/>
-                <a:tab pos="1828800" algn="l"/>
-                <a:tab pos="2743200" algn="l"/>
-                <a:tab pos="3657600" algn="l"/>
-                <a:tab pos="4572000" algn="l"/>
-                <a:tab pos="5486400" algn="l"/>
-                <a:tab pos="6400800" algn="l"/>
-                <a:tab pos="7315200" algn="l"/>
-                <a:tab pos="8229600" algn="l"/>
-                <a:tab pos="9144000" algn="l"/>
-                <a:tab pos="10058400" algn="l"/>
-              </a:tabLst>
-              <a:defRPr kumimoji="1" sz="1200">
-                <a:solidFill>
-                  <a:schemeClr val="tx1"/>
-                </a:solidFill>
-                <a:latin typeface="Times New Roman" panose="02020603050405020304" pitchFamily="18" charset="0"/>
-                <a:ea typeface="MS PGothic" panose="020B0600070205080204" pitchFamily="34" charset="-128"/>
-              </a:defRPr>
-            </a:lvl2pPr>
-            <a:lvl3pPr marL="1143000" indent="-228600">
-              <a:spcBef>
-                <a:spcPct val="30000"/>
-              </a:spcBef>
-              <a:tabLst>
-                <a:tab pos="0" algn="l"/>
-                <a:tab pos="914400" algn="l"/>
-                <a:tab pos="1828800" algn="l"/>
-                <a:tab pos="2743200" algn="l"/>
-                <a:tab pos="3657600" algn="l"/>
-                <a:tab pos="4572000" algn="l"/>
-                <a:tab pos="5486400" algn="l"/>
-                <a:tab pos="6400800" algn="l"/>
-                <a:tab pos="7315200" algn="l"/>
-                <a:tab pos="8229600" algn="l"/>
-                <a:tab pos="9144000" algn="l"/>
-                <a:tab pos="10058400" algn="l"/>
-              </a:tabLst>
-              <a:defRPr kumimoji="1" sz="1200">
-                <a:solidFill>
-                  <a:schemeClr val="tx1"/>
-                </a:solidFill>
-                <a:latin typeface="Times New Roman" panose="02020603050405020304" pitchFamily="18" charset="0"/>
-                <a:ea typeface="MS PGothic" panose="020B0600070205080204" pitchFamily="34" charset="-128"/>
-              </a:defRPr>
-            </a:lvl3pPr>
-            <a:lvl4pPr marL="1600200" indent="-228600">
-              <a:spcBef>
-                <a:spcPct val="30000"/>
-              </a:spcBef>
-              <a:tabLst>
-                <a:tab pos="0" algn="l"/>
-                <a:tab pos="914400" algn="l"/>
-                <a:tab pos="1828800" algn="l"/>
-                <a:tab pos="2743200" algn="l"/>
-                <a:tab pos="3657600" algn="l"/>
-                <a:tab pos="4572000" algn="l"/>
-                <a:tab pos="5486400" algn="l"/>
-                <a:tab pos="6400800" algn="l"/>
-                <a:tab pos="7315200" algn="l"/>
-                <a:tab pos="8229600" algn="l"/>
-                <a:tab pos="9144000" algn="l"/>
-                <a:tab pos="10058400" algn="l"/>
-              </a:tabLst>
-              <a:defRPr kumimoji="1" sz="1200">
-                <a:solidFill>
-                  <a:schemeClr val="tx1"/>
-                </a:solidFill>
-                <a:latin typeface="Times New Roman" panose="02020603050405020304" pitchFamily="18" charset="0"/>
-                <a:ea typeface="MS PGothic" panose="020B0600070205080204" pitchFamily="34" charset="-128"/>
-              </a:defRPr>
-            </a:lvl4pPr>
-            <a:lvl5pPr marL="2057400" indent="-228600">
-              <a:spcBef>
-                <a:spcPct val="30000"/>
-              </a:spcBef>
-              <a:tabLst>
-                <a:tab pos="0" algn="l"/>
-                <a:tab pos="914400" algn="l"/>
-                <a:tab pos="1828800" algn="l"/>
-                <a:tab pos="2743200" algn="l"/>
-                <a:tab pos="3657600" algn="l"/>
-                <a:tab pos="4572000" algn="l"/>
-                <a:tab pos="5486400" algn="l"/>
-                <a:tab pos="6400800" algn="l"/>
-                <a:tab pos="7315200" algn="l"/>
-                <a:tab pos="8229600" algn="l"/>
-                <a:tab pos="9144000" algn="l"/>
-                <a:tab pos="10058400" algn="l"/>
-              </a:tabLst>
-              <a:defRPr kumimoji="1" sz="1200">
-                <a:solidFill>
-                  <a:schemeClr val="tx1"/>
-                </a:solidFill>
-                <a:latin typeface="Times New Roman" panose="02020603050405020304" pitchFamily="18" charset="0"/>
-                <a:ea typeface="MS PGothic" panose="020B0600070205080204" pitchFamily="34" charset="-128"/>
-              </a:defRPr>
-            </a:lvl5pPr>
-            <a:lvl6pPr marL="2514600" indent="-228600" eaLnBrk="0" fontAlgn="base" hangingPunct="0">
-              <a:spcBef>
-                <a:spcPct val="30000"/>
-              </a:spcBef>
-              <a:spcAft>
-                <a:spcPct val="0"/>
-              </a:spcAft>
-              <a:tabLst>
-                <a:tab pos="0" algn="l"/>
-                <a:tab pos="914400" algn="l"/>
-                <a:tab pos="1828800" algn="l"/>
-                <a:tab pos="2743200" algn="l"/>
-                <a:tab pos="3657600" algn="l"/>
-                <a:tab pos="4572000" algn="l"/>
-                <a:tab pos="5486400" algn="l"/>
-                <a:tab pos="6400800" algn="l"/>
-                <a:tab pos="7315200" algn="l"/>
-                <a:tab pos="8229600" algn="l"/>
-                <a:tab pos="9144000" algn="l"/>
-                <a:tab pos="10058400" algn="l"/>
-              </a:tabLst>
-              <a:defRPr kumimoji="1" sz="1200">
-                <a:solidFill>
-                  <a:schemeClr val="tx1"/>
-                </a:solidFill>
-                <a:latin typeface="Times New Roman" panose="02020603050405020304" pitchFamily="18" charset="0"/>
-                <a:ea typeface="MS PGothic" panose="020B0600070205080204" pitchFamily="34" charset="-128"/>
-              </a:defRPr>
-            </a:lvl6pPr>
-            <a:lvl7pPr marL="2971800" indent="-228600" eaLnBrk="0" fontAlgn="base" hangingPunct="0">
-              <a:spcBef>
-                <a:spcPct val="30000"/>
-              </a:spcBef>
-              <a:spcAft>
-                <a:spcPct val="0"/>
-              </a:spcAft>
-              <a:tabLst>
-                <a:tab pos="0" algn="l"/>
-                <a:tab pos="914400" algn="l"/>
-                <a:tab pos="1828800" algn="l"/>
-                <a:tab pos="2743200" algn="l"/>
-                <a:tab pos="3657600" algn="l"/>
-                <a:tab pos="4572000" algn="l"/>
-                <a:tab pos="5486400" algn="l"/>
-                <a:tab pos="6400800" algn="l"/>
-                <a:tab pos="7315200" algn="l"/>
-                <a:tab pos="8229600" algn="l"/>
-                <a:tab pos="9144000" algn="l"/>
-                <a:tab pos="10058400" algn="l"/>
-              </a:tabLst>
-              <a:defRPr kumimoji="1" sz="1200">
-                <a:solidFill>
-                  <a:schemeClr val="tx1"/>
-                </a:solidFill>
-                <a:latin typeface="Times New Roman" panose="02020603050405020304" pitchFamily="18" charset="0"/>
-                <a:ea typeface="MS PGothic" panose="020B0600070205080204" pitchFamily="34" charset="-128"/>
-              </a:defRPr>
-            </a:lvl7pPr>
-            <a:lvl8pPr marL="3429000" indent="-228600" eaLnBrk="0" fontAlgn="base" hangingPunct="0">
-              <a:spcBef>
-                <a:spcPct val="30000"/>
-              </a:spcBef>
-              <a:spcAft>
-                <a:spcPct val="0"/>
-              </a:spcAft>
-              <a:tabLst>
-                <a:tab pos="0" algn="l"/>
-                <a:tab pos="914400" algn="l"/>
-                <a:tab pos="1828800" algn="l"/>
-                <a:tab pos="2743200" algn="l"/>
-                <a:tab pos="3657600" algn="l"/>
-                <a:tab pos="4572000" algn="l"/>
-                <a:tab pos="5486400" algn="l"/>
-                <a:tab pos="6400800" algn="l"/>
-                <a:tab pos="7315200" algn="l"/>
-                <a:tab pos="8229600" algn="l"/>
-                <a:tab pos="9144000" algn="l"/>
-                <a:tab pos="10058400" algn="l"/>
-              </a:tabLst>
-              <a:defRPr kumimoji="1" sz="1200">
-                <a:solidFill>
-                  <a:schemeClr val="tx1"/>
-                </a:solidFill>
-                <a:latin typeface="Times New Roman" panose="02020603050405020304" pitchFamily="18" charset="0"/>
-                <a:ea typeface="MS PGothic" panose="020B0600070205080204" pitchFamily="34" charset="-128"/>
-              </a:defRPr>
-            </a:lvl8pPr>
-            <a:lvl9pPr marL="3886200" indent="-228600" eaLnBrk="0" fontAlgn="base" hangingPunct="0">
-              <a:spcBef>
-                <a:spcPct val="30000"/>
-              </a:spcBef>
-              <a:spcAft>
-                <a:spcPct val="0"/>
-              </a:spcAft>
-              <a:tabLst>
-                <a:tab pos="0" algn="l"/>
-                <a:tab pos="914400" algn="l"/>
-                <a:tab pos="1828800" algn="l"/>
-                <a:tab pos="2743200" algn="l"/>
-                <a:tab pos="3657600" algn="l"/>
-                <a:tab pos="4572000" algn="l"/>
-                <a:tab pos="5486400" algn="l"/>
-                <a:tab pos="6400800" algn="l"/>
-                <a:tab pos="7315200" algn="l"/>
-                <a:tab pos="8229600" algn="l"/>
-                <a:tab pos="9144000" algn="l"/>
-                <a:tab pos="10058400" algn="l"/>
-              </a:tabLst>
-              <a:defRPr kumimoji="1" sz="1200">
-                <a:solidFill>
-                  <a:schemeClr val="tx1"/>
-                </a:solidFill>
-                <a:latin typeface="Times New Roman" panose="02020603050405020304" pitchFamily="18" charset="0"/>
-                <a:ea typeface="MS PGothic" panose="020B0600070205080204" pitchFamily="34" charset="-128"/>
-              </a:defRPr>
-            </a:lvl9pPr>
-          </a:lstStyle>
-          <a:p>
-            <a:pPr algn="r" eaLnBrk="1" hangingPunct="1">
-              <a:spcBef>
-                <a:spcPct val="0"/>
-              </a:spcBef>
-            </a:pPr>
-            <a:fld id="{14FCB3D9-BBC6-4D7D-8BB1-FF86626F76AA}" type="slidenum">
-              <a:rPr kumimoji="0" lang="pt-BR" altLang="pt-BR">
-                <a:solidFill>
-                  <a:srgbClr val="000000"/>
-                </a:solidFill>
-                <a:latin typeface="Arial" panose="020B0604020202020204" pitchFamily="34" charset="0"/>
-                <a:ea typeface="DejaVu Sans" charset="0"/>
-                <a:cs typeface="Arial" panose="020B0604020202020204" pitchFamily="34" charset="0"/>
-              </a:rPr>
-              <a:pPr algn="r" eaLnBrk="1" hangingPunct="1">
-                <a:spcBef>
-                  <a:spcPct val="0"/>
-                </a:spcBef>
-              </a:pPr>
-              <a:t>3</a:t>
-            </a:fld>
-            <a:endParaRPr kumimoji="0" lang="pt-BR" altLang="pt-BR">
-              <a:solidFill>
-                <a:srgbClr val="000000"/>
-              </a:solidFill>
-              <a:latin typeface="Arial" panose="020B0604020202020204" pitchFamily="34" charset="0"/>
-              <a:ea typeface="DejaVu Sans" charset="0"/>
-              <a:cs typeface="Arial" panose="020B0604020202020204" pitchFamily="34" charset="0"/>
-            </a:endParaRPr>
-          </a:p>
-        </p:txBody>
-      </p:sp>
-    </p:spTree>
-  </p:cSld>
-  <p:clrMapOvr>
-    <a:masterClrMapping/>
-  </p:clrMapOvr>
-</p:notes>
-</file>
-
-<file path=ppt/notesSlides/notesSlide4.xml><?xml version="1.0" encoding="utf-8"?>
-<p:notes xmlns:a="http://schemas.openxmlformats.org/drawingml/2006/main" xmlns:r="http://schemas.openxmlformats.org/officeDocument/2006/relationships" xmlns:p="http://schemas.openxmlformats.org/presentationml/2006/main">
-  <p:cSld>
-    <p:bg>
-      <p:bgPr>
-        <a:solidFill>
-          <a:srgbClr val="FFFFFF"/>
-        </a:solidFill>
-        <a:effectLst/>
-      </p:bgPr>
-    </p:bg>
-    <p:spTree>
-      <p:nvGrpSpPr>
-        <p:cNvPr id="1" name=""/>
-        <p:cNvGrpSpPr/>
-        <p:nvPr/>
-      </p:nvGrpSpPr>
-      <p:grpSpPr>
-        <a:xfrm>
-          <a:off x="0" y="0"/>
-          <a:ext cx="0" cy="0"/>
-          <a:chOff x="0" y="0"/>
-          <a:chExt cx="0" cy="0"/>
-        </a:xfrm>
-      </p:grpSpPr>
-      <p:sp>
-        <p:nvSpPr>
-          <p:cNvPr id="33794" name="Rectangle 7">
-            <a:extLst>
-              <a:ext uri="{FF2B5EF4-FFF2-40B4-BE49-F238E27FC236}">
-                <a16:creationId xmlns:a16="http://schemas.microsoft.com/office/drawing/2014/main" id="{12C52012-EA8D-4AA5-BF77-739EFED3FBFA}"/>
-              </a:ext>
-            </a:extLst>
-          </p:cNvPr>
-          <p:cNvSpPr>
-            <a:spLocks noGrp="1" noChangeArrowheads="1"/>
-          </p:cNvSpPr>
-          <p:nvPr>
-            <p:ph type="sldNum" sz="quarter" idx="5"/>
-          </p:nvPr>
-        </p:nvSpPr>
-        <p:spPr>
-          <a:noFill/>
-          <a:ln/>
-          <a:extLst>
-            <a:ext uri="{909E8E84-426E-40DD-AFC4-6F175D3DCCD1}">
-              <a14:hiddenFill xmlns:a14="http://schemas.microsoft.com/office/drawing/2010/main">
-                <a:solidFill>
-                  <a:srgbClr val="FFFFFF"/>
-                </a:solidFill>
-              </a14:hiddenFill>
-            </a:ext>
-            <a:ext uri="{91240B29-F687-4F45-9708-019B960494DF}">
-              <a14:hiddenLine xmlns:a14="http://schemas.microsoft.com/office/drawing/2010/main" w="9525">
-                <a:solidFill>
-                  <a:srgbClr val="3465AF"/>
-                </a:solidFill>
-                <a:round/>
-                <a:headEnd/>
-                <a:tailEnd/>
-              </a14:hiddenLine>
-            </a:ext>
-          </a:extLst>
-        </p:spPr>
-        <p:txBody>
-          <a:bodyPr/>
-          <a:lstStyle>
-            <a:lvl1pPr>
-              <a:spcBef>
-                <a:spcPct val="30000"/>
-              </a:spcBef>
-              <a:tabLst>
-                <a:tab pos="449263" algn="l"/>
-                <a:tab pos="898525" algn="l"/>
-                <a:tab pos="1347788" algn="l"/>
-                <a:tab pos="1797050" algn="l"/>
-                <a:tab pos="2246313" algn="l"/>
-                <a:tab pos="2695575" algn="l"/>
-              </a:tabLst>
-              <a:defRPr kumimoji="1" sz="1200">
-                <a:solidFill>
-                  <a:schemeClr val="tx1"/>
-                </a:solidFill>
-                <a:latin typeface="Times New Roman" panose="02020603050405020304" pitchFamily="18" charset="0"/>
-                <a:ea typeface="MS PGothic" panose="020B0600070205080204" pitchFamily="34" charset="-128"/>
-              </a:defRPr>
-            </a:lvl1pPr>
-            <a:lvl2pPr marL="742950" indent="-285750">
-              <a:spcBef>
-                <a:spcPct val="30000"/>
-              </a:spcBef>
-              <a:tabLst>
-                <a:tab pos="449263" algn="l"/>
-                <a:tab pos="898525" algn="l"/>
-                <a:tab pos="1347788" algn="l"/>
-                <a:tab pos="1797050" algn="l"/>
-                <a:tab pos="2246313" algn="l"/>
-                <a:tab pos="2695575" algn="l"/>
-              </a:tabLst>
-              <a:defRPr kumimoji="1" sz="1200">
-                <a:solidFill>
-                  <a:schemeClr val="tx1"/>
-                </a:solidFill>
-                <a:latin typeface="Times New Roman" panose="02020603050405020304" pitchFamily="18" charset="0"/>
-                <a:ea typeface="MS PGothic" panose="020B0600070205080204" pitchFamily="34" charset="-128"/>
-              </a:defRPr>
-            </a:lvl2pPr>
-            <a:lvl3pPr marL="1143000" indent="-228600">
-              <a:spcBef>
-                <a:spcPct val="30000"/>
-              </a:spcBef>
-              <a:tabLst>
-                <a:tab pos="449263" algn="l"/>
-                <a:tab pos="898525" algn="l"/>
-                <a:tab pos="1347788" algn="l"/>
-                <a:tab pos="1797050" algn="l"/>
-                <a:tab pos="2246313" algn="l"/>
-                <a:tab pos="2695575" algn="l"/>
-              </a:tabLst>
-              <a:defRPr kumimoji="1" sz="1200">
-                <a:solidFill>
-                  <a:schemeClr val="tx1"/>
-                </a:solidFill>
-                <a:latin typeface="Times New Roman" panose="02020603050405020304" pitchFamily="18" charset="0"/>
-                <a:ea typeface="MS PGothic" panose="020B0600070205080204" pitchFamily="34" charset="-128"/>
-              </a:defRPr>
-            </a:lvl3pPr>
-            <a:lvl4pPr marL="1600200" indent="-228600">
-              <a:spcBef>
-                <a:spcPct val="30000"/>
-              </a:spcBef>
-              <a:tabLst>
-                <a:tab pos="449263" algn="l"/>
-                <a:tab pos="898525" algn="l"/>
-                <a:tab pos="1347788" algn="l"/>
-                <a:tab pos="1797050" algn="l"/>
-                <a:tab pos="2246313" algn="l"/>
-                <a:tab pos="2695575" algn="l"/>
-              </a:tabLst>
-              <a:defRPr kumimoji="1" sz="1200">
-                <a:solidFill>
-                  <a:schemeClr val="tx1"/>
-                </a:solidFill>
-                <a:latin typeface="Times New Roman" panose="02020603050405020304" pitchFamily="18" charset="0"/>
-                <a:ea typeface="MS PGothic" panose="020B0600070205080204" pitchFamily="34" charset="-128"/>
-              </a:defRPr>
-            </a:lvl4pPr>
-            <a:lvl5pPr marL="2057400" indent="-228600">
-              <a:spcBef>
-                <a:spcPct val="30000"/>
-              </a:spcBef>
-              <a:tabLst>
-                <a:tab pos="449263" algn="l"/>
-                <a:tab pos="898525" algn="l"/>
-                <a:tab pos="1347788" algn="l"/>
-                <a:tab pos="1797050" algn="l"/>
-                <a:tab pos="2246313" algn="l"/>
-                <a:tab pos="2695575" algn="l"/>
-              </a:tabLst>
-              <a:defRPr kumimoji="1" sz="1200">
-                <a:solidFill>
-                  <a:schemeClr val="tx1"/>
-                </a:solidFill>
-                <a:latin typeface="Times New Roman" panose="02020603050405020304" pitchFamily="18" charset="0"/>
-                <a:ea typeface="MS PGothic" panose="020B0600070205080204" pitchFamily="34" charset="-128"/>
-              </a:defRPr>
-            </a:lvl5pPr>
-            <a:lvl6pPr marL="2514600" indent="-228600" eaLnBrk="0" fontAlgn="base" hangingPunct="0">
-              <a:spcBef>
-                <a:spcPct val="30000"/>
-              </a:spcBef>
-              <a:spcAft>
-                <a:spcPct val="0"/>
-              </a:spcAft>
-              <a:tabLst>
-                <a:tab pos="449263" algn="l"/>
-                <a:tab pos="898525" algn="l"/>
-                <a:tab pos="1347788" algn="l"/>
-                <a:tab pos="1797050" algn="l"/>
-                <a:tab pos="2246313" algn="l"/>
-                <a:tab pos="2695575" algn="l"/>
-              </a:tabLst>
-              <a:defRPr kumimoji="1" sz="1200">
-                <a:solidFill>
-                  <a:schemeClr val="tx1"/>
-                </a:solidFill>
-                <a:latin typeface="Times New Roman" panose="02020603050405020304" pitchFamily="18" charset="0"/>
-                <a:ea typeface="MS PGothic" panose="020B0600070205080204" pitchFamily="34" charset="-128"/>
-              </a:defRPr>
-            </a:lvl6pPr>
-            <a:lvl7pPr marL="2971800" indent="-228600" eaLnBrk="0" fontAlgn="base" hangingPunct="0">
-              <a:spcBef>
-                <a:spcPct val="30000"/>
-              </a:spcBef>
-              <a:spcAft>
-                <a:spcPct val="0"/>
-              </a:spcAft>
-              <a:tabLst>
-                <a:tab pos="449263" algn="l"/>
-                <a:tab pos="898525" algn="l"/>
-                <a:tab pos="1347788" algn="l"/>
-                <a:tab pos="1797050" algn="l"/>
-                <a:tab pos="2246313" algn="l"/>
-                <a:tab pos="2695575" algn="l"/>
-              </a:tabLst>
-              <a:defRPr kumimoji="1" sz="1200">
-                <a:solidFill>
-                  <a:schemeClr val="tx1"/>
-                </a:solidFill>
-                <a:latin typeface="Times New Roman" panose="02020603050405020304" pitchFamily="18" charset="0"/>
-                <a:ea typeface="MS PGothic" panose="020B0600070205080204" pitchFamily="34" charset="-128"/>
-              </a:defRPr>
-            </a:lvl7pPr>
-            <a:lvl8pPr marL="3429000" indent="-228600" eaLnBrk="0" fontAlgn="base" hangingPunct="0">
-              <a:spcBef>
-                <a:spcPct val="30000"/>
-              </a:spcBef>
-              <a:spcAft>
-                <a:spcPct val="0"/>
-              </a:spcAft>
-              <a:tabLst>
-                <a:tab pos="449263" algn="l"/>
-                <a:tab pos="898525" algn="l"/>
-                <a:tab pos="1347788" algn="l"/>
-                <a:tab pos="1797050" algn="l"/>
-                <a:tab pos="2246313" algn="l"/>
-                <a:tab pos="2695575" algn="l"/>
-              </a:tabLst>
-              <a:defRPr kumimoji="1" sz="1200">
-                <a:solidFill>
-                  <a:schemeClr val="tx1"/>
-                </a:solidFill>
-                <a:latin typeface="Times New Roman" panose="02020603050405020304" pitchFamily="18" charset="0"/>
-                <a:ea typeface="MS PGothic" panose="020B0600070205080204" pitchFamily="34" charset="-128"/>
-              </a:defRPr>
-            </a:lvl8pPr>
-            <a:lvl9pPr marL="3886200" indent="-228600" eaLnBrk="0" fontAlgn="base" hangingPunct="0">
-              <a:spcBef>
-                <a:spcPct val="30000"/>
-              </a:spcBef>
-              <a:spcAft>
-                <a:spcPct val="0"/>
-              </a:spcAft>
-              <a:tabLst>
-                <a:tab pos="449263" algn="l"/>
-                <a:tab pos="898525" algn="l"/>
-                <a:tab pos="1347788" algn="l"/>
-                <a:tab pos="1797050" algn="l"/>
-                <a:tab pos="2246313" algn="l"/>
-                <a:tab pos="2695575" algn="l"/>
-              </a:tabLst>
-              <a:defRPr kumimoji="1" sz="1200">
-                <a:solidFill>
-                  <a:schemeClr val="tx1"/>
-                </a:solidFill>
-                <a:latin typeface="Times New Roman" panose="02020603050405020304" pitchFamily="18" charset="0"/>
-                <a:ea typeface="MS PGothic" panose="020B0600070205080204" pitchFamily="34" charset="-128"/>
-              </a:defRPr>
-            </a:lvl9pPr>
-          </a:lstStyle>
-          <a:p>
-            <a:pPr eaLnBrk="1" hangingPunct="1">
-              <a:spcBef>
-                <a:spcPct val="0"/>
-              </a:spcBef>
-            </a:pPr>
-            <a:fld id="{7872324A-ABEE-42C5-8CBA-E8B41929F4AD}" type="slidenum">
-              <a:rPr kumimoji="0" lang="en-US" altLang="pt-BR" b="1" smtClean="0">
-                <a:solidFill>
-                  <a:srgbClr val="000000"/>
-                </a:solidFill>
-              </a:rPr>
-              <a:pPr eaLnBrk="1" hangingPunct="1">
-                <a:spcBef>
-                  <a:spcPct val="0"/>
-                </a:spcBef>
-              </a:pPr>
-              <a:t>4</a:t>
-            </a:fld>
-            <a:endParaRPr kumimoji="0" lang="en-US" altLang="pt-BR" b="1">
-              <a:solidFill>
-                <a:srgbClr val="000000"/>
-              </a:solidFill>
-            </a:endParaRPr>
-          </a:p>
-        </p:txBody>
-      </p:sp>
-      <p:sp>
-        <p:nvSpPr>
-          <p:cNvPr id="33795" name="Rectangle 1">
-            <a:extLst>
-              <a:ext uri="{FF2B5EF4-FFF2-40B4-BE49-F238E27FC236}">
-                <a16:creationId xmlns:a16="http://schemas.microsoft.com/office/drawing/2014/main" id="{4253DBB0-8810-414D-ADC8-0E9724250302}"/>
-              </a:ext>
-            </a:extLst>
-          </p:cNvPr>
-          <p:cNvSpPr>
-            <a:spLocks noGrp="1" noRot="1" noChangeAspect="1" noChangeArrowheads="1" noTextEdit="1"/>
-          </p:cNvSpPr>
-          <p:nvPr>
-            <p:ph type="sldImg"/>
-          </p:nvPr>
-        </p:nvSpPr>
-        <p:spPr>
-          <a:solidFill>
-            <a:srgbClr val="FFFFFF"/>
-          </a:solidFill>
-          <a:ln/>
-          <a:extLst>
-            <a:ext uri="{AF507438-7753-43E0-B8FC-AC1667EBCBE1}">
-              <a14:hiddenEffects xmlns:a14="http://schemas.microsoft.com/office/drawing/2010/main">
-                <a:effectLst>
-                  <a:outerShdw dist="35921" dir="2700000" algn="ctr" rotWithShape="0">
-                    <a:srgbClr val="808080"/>
-                  </a:outerShdw>
-                </a:effectLst>
-              </a14:hiddenEffects>
-            </a:ext>
-          </a:extLst>
-        </p:spPr>
-      </p:sp>
-      <p:sp>
-        <p:nvSpPr>
-          <p:cNvPr id="33796" name="Text Box 2">
-            <a:extLst>
-              <a:ext uri="{FF2B5EF4-FFF2-40B4-BE49-F238E27FC236}">
-                <a16:creationId xmlns:a16="http://schemas.microsoft.com/office/drawing/2014/main" id="{C54BA088-3349-4C33-85F2-1F0EC718CA00}"/>
-              </a:ext>
-            </a:extLst>
-          </p:cNvPr>
-          <p:cNvSpPr txBox="1">
-            <a:spLocks noChangeArrowheads="1"/>
-          </p:cNvSpPr>
-          <p:nvPr/>
-        </p:nvSpPr>
-        <p:spPr bwMode="auto">
-          <a:xfrm>
-            <a:off x="914400" y="4343400"/>
-            <a:ext cx="5029200" cy="4114800"/>
-          </a:xfrm>
-          <a:prstGeom prst="rect">
-            <a:avLst/>
-          </a:prstGeom>
-          <a:noFill/>
-          <a:ln>
-            <a:noFill/>
-          </a:ln>
-          <a:effectLst/>
-          <a:extLst>
-            <a:ext uri="{909E8E84-426E-40DD-AFC4-6F175D3DCCD1}">
-              <a14:hiddenFill xmlns:a14="http://schemas.microsoft.com/office/drawing/2010/main">
-                <a:solidFill>
-                  <a:srgbClr val="FFFFFF"/>
-                </a:solidFill>
-              </a14:hiddenFill>
-            </a:ext>
-            <a:ext uri="{91240B29-F687-4F45-9708-019B960494DF}">
-              <a14:hiddenLine xmlns:a14="http://schemas.microsoft.com/office/drawing/2010/main" w="9525">
-                <a:solidFill>
-                  <a:srgbClr val="3465AF"/>
-                </a:solidFill>
-                <a:round/>
-                <a:headEnd/>
-                <a:tailEnd/>
-              </a14:hiddenLine>
-            </a:ext>
-            <a:ext uri="{AF507438-7753-43E0-B8FC-AC1667EBCBE1}">
-              <a14:hiddenEffects xmlns:a14="http://schemas.microsoft.com/office/drawing/2010/main">
-                <a:effectLst>
-                  <a:outerShdw dist="35921" dir="2700000" algn="ctr" rotWithShape="0">
-                    <a:srgbClr val="808080"/>
-                  </a:outerShdw>
-                </a:effectLst>
-              </a14:hiddenEffects>
-            </a:ext>
-          </a:extLst>
-        </p:spPr>
-        <p:txBody>
-          <a:bodyPr wrap="none" anchor="ctr"/>
-          <a:lstStyle>
-            <a:lvl1pPr>
-              <a:spcBef>
-                <a:spcPct val="30000"/>
-              </a:spcBef>
-              <a:defRPr kumimoji="1" sz="1200">
-                <a:solidFill>
-                  <a:schemeClr val="tx1"/>
-                </a:solidFill>
-                <a:latin typeface="Times New Roman" panose="02020603050405020304" pitchFamily="18" charset="0"/>
-                <a:ea typeface="MS PGothic" panose="020B0600070205080204" pitchFamily="34" charset="-128"/>
-              </a:defRPr>
-            </a:lvl1pPr>
-            <a:lvl2pPr marL="742950" indent="-285750">
-              <a:spcBef>
-                <a:spcPct val="30000"/>
-              </a:spcBef>
-              <a:defRPr kumimoji="1" sz="1200">
-                <a:solidFill>
-                  <a:schemeClr val="tx1"/>
-                </a:solidFill>
-                <a:latin typeface="Times New Roman" panose="02020603050405020304" pitchFamily="18" charset="0"/>
-                <a:ea typeface="MS PGothic" panose="020B0600070205080204" pitchFamily="34" charset="-128"/>
-              </a:defRPr>
-            </a:lvl2pPr>
-            <a:lvl3pPr marL="1143000" indent="-228600">
-              <a:spcBef>
-                <a:spcPct val="30000"/>
-              </a:spcBef>
-              <a:defRPr kumimoji="1" sz="1200">
-                <a:solidFill>
-                  <a:schemeClr val="tx1"/>
-                </a:solidFill>
-                <a:latin typeface="Times New Roman" panose="02020603050405020304" pitchFamily="18" charset="0"/>
-                <a:ea typeface="MS PGothic" panose="020B0600070205080204" pitchFamily="34" charset="-128"/>
-              </a:defRPr>
-            </a:lvl3pPr>
-            <a:lvl4pPr marL="1600200" indent="-228600">
-              <a:spcBef>
-                <a:spcPct val="30000"/>
-              </a:spcBef>
-              <a:defRPr kumimoji="1" sz="1200">
-                <a:solidFill>
-                  <a:schemeClr val="tx1"/>
-                </a:solidFill>
-                <a:latin typeface="Times New Roman" panose="02020603050405020304" pitchFamily="18" charset="0"/>
-                <a:ea typeface="MS PGothic" panose="020B0600070205080204" pitchFamily="34" charset="-128"/>
-              </a:defRPr>
-            </a:lvl4pPr>
-            <a:lvl5pPr marL="2057400" indent="-228600">
-              <a:spcBef>
-                <a:spcPct val="30000"/>
-              </a:spcBef>
-              <a:defRPr kumimoji="1" sz="1200">
-                <a:solidFill>
-                  <a:schemeClr val="tx1"/>
-                </a:solidFill>
-                <a:latin typeface="Times New Roman" panose="02020603050405020304" pitchFamily="18" charset="0"/>
-                <a:ea typeface="MS PGothic" panose="020B0600070205080204" pitchFamily="34" charset="-128"/>
-              </a:defRPr>
-            </a:lvl5pPr>
-            <a:lvl6pPr marL="2514600" indent="-228600" eaLnBrk="0" fontAlgn="base" hangingPunct="0">
-              <a:spcBef>
-                <a:spcPct val="30000"/>
-              </a:spcBef>
-              <a:spcAft>
-                <a:spcPct val="0"/>
-              </a:spcAft>
-              <a:defRPr kumimoji="1" sz="1200">
-                <a:solidFill>
-                  <a:schemeClr val="tx1"/>
-                </a:solidFill>
-                <a:latin typeface="Times New Roman" panose="02020603050405020304" pitchFamily="18" charset="0"/>
-                <a:ea typeface="MS PGothic" panose="020B0600070205080204" pitchFamily="34" charset="-128"/>
-              </a:defRPr>
-            </a:lvl6pPr>
-            <a:lvl7pPr marL="2971800" indent="-228600" eaLnBrk="0" fontAlgn="base" hangingPunct="0">
-              <a:spcBef>
-                <a:spcPct val="30000"/>
-              </a:spcBef>
-              <a:spcAft>
-                <a:spcPct val="0"/>
-              </a:spcAft>
-              <a:defRPr kumimoji="1" sz="1200">
-                <a:solidFill>
-                  <a:schemeClr val="tx1"/>
-                </a:solidFill>
-                <a:latin typeface="Times New Roman" panose="02020603050405020304" pitchFamily="18" charset="0"/>
-                <a:ea typeface="MS PGothic" panose="020B0600070205080204" pitchFamily="34" charset="-128"/>
-              </a:defRPr>
-            </a:lvl7pPr>
-            <a:lvl8pPr marL="3429000" indent="-228600" eaLnBrk="0" fontAlgn="base" hangingPunct="0">
-              <a:spcBef>
-                <a:spcPct val="30000"/>
-              </a:spcBef>
-              <a:spcAft>
-                <a:spcPct val="0"/>
-              </a:spcAft>
-              <a:defRPr kumimoji="1" sz="1200">
-                <a:solidFill>
-                  <a:schemeClr val="tx1"/>
-                </a:solidFill>
-                <a:latin typeface="Times New Roman" panose="02020603050405020304" pitchFamily="18" charset="0"/>
-                <a:ea typeface="MS PGothic" panose="020B0600070205080204" pitchFamily="34" charset="-128"/>
-              </a:defRPr>
-            </a:lvl8pPr>
-            <a:lvl9pPr marL="3886200" indent="-228600" eaLnBrk="0" fontAlgn="base" hangingPunct="0">
-              <a:spcBef>
-                <a:spcPct val="30000"/>
-              </a:spcBef>
-              <a:spcAft>
-                <a:spcPct val="0"/>
-              </a:spcAft>
-              <a:defRPr kumimoji="1" sz="1200">
-                <a:solidFill>
-                  <a:schemeClr val="tx1"/>
-                </a:solidFill>
-                <a:latin typeface="Times New Roman" panose="02020603050405020304" pitchFamily="18" charset="0"/>
-                <a:ea typeface="MS PGothic" panose="020B0600070205080204" pitchFamily="34" charset="-128"/>
-              </a:defRPr>
-            </a:lvl9pPr>
-          </a:lstStyle>
-          <a:p>
-            <a:pPr eaLnBrk="1" hangingPunct="1">
-              <a:spcBef>
-                <a:spcPct val="0"/>
-              </a:spcBef>
-            </a:pPr>
-            <a:endParaRPr kumimoji="0" lang="pt-BR" altLang="pt-BR" sz="2400">
-              <a:latin typeface="Tahoma" panose="020B0604030504040204" pitchFamily="34" charset="0"/>
-            </a:endParaRPr>
-          </a:p>
-        </p:txBody>
-      </p:sp>
-      <p:sp>
-        <p:nvSpPr>
-          <p:cNvPr id="33797" name="Text Box 3">
-            <a:extLst>
-              <a:ext uri="{FF2B5EF4-FFF2-40B4-BE49-F238E27FC236}">
-                <a16:creationId xmlns:a16="http://schemas.microsoft.com/office/drawing/2014/main" id="{D8C4C4A3-4AB9-42E1-B6AE-013B848B06E9}"/>
-              </a:ext>
-            </a:extLst>
-          </p:cNvPr>
-          <p:cNvSpPr txBox="1">
-            <a:spLocks noChangeArrowheads="1"/>
-          </p:cNvSpPr>
-          <p:nvPr/>
-        </p:nvSpPr>
-        <p:spPr bwMode="auto">
-          <a:xfrm>
-            <a:off x="3886200" y="8686800"/>
-            <a:ext cx="2971800" cy="457200"/>
-          </a:xfrm>
-          <a:prstGeom prst="rect">
-            <a:avLst/>
-          </a:prstGeom>
-          <a:noFill/>
-          <a:ln>
-            <a:noFill/>
-          </a:ln>
-          <a:effectLst/>
-          <a:extLst>
-            <a:ext uri="{909E8E84-426E-40DD-AFC4-6F175D3DCCD1}">
-              <a14:hiddenFill xmlns:a14="http://schemas.microsoft.com/office/drawing/2010/main">
-                <a:solidFill>
-                  <a:srgbClr val="FFFFFF"/>
-                </a:solidFill>
-              </a14:hiddenFill>
-            </a:ext>
-            <a:ext uri="{91240B29-F687-4F45-9708-019B960494DF}">
-              <a14:hiddenLine xmlns:a14="http://schemas.microsoft.com/office/drawing/2010/main" w="9525">
-                <a:solidFill>
-                  <a:srgbClr val="3465AF"/>
-                </a:solidFill>
-                <a:round/>
-                <a:headEnd/>
-                <a:tailEnd/>
-              </a14:hiddenLine>
-            </a:ext>
-            <a:ext uri="{AF507438-7753-43E0-B8FC-AC1667EBCBE1}">
-              <a14:hiddenEffects xmlns:a14="http://schemas.microsoft.com/office/drawing/2010/main">
-                <a:effectLst>
-                  <a:outerShdw dist="35921" dir="2700000" algn="ctr" rotWithShape="0">
-                    <a:srgbClr val="808080"/>
-                  </a:outerShdw>
-                </a:effectLst>
-              </a14:hiddenEffects>
-            </a:ext>
-          </a:extLst>
-        </p:spPr>
-        <p:txBody>
-          <a:bodyPr lIns="90000" tIns="46800" rIns="90000" bIns="46800" anchor="b"/>
-          <a:lstStyle>
-            <a:lvl1pPr>
-              <a:spcBef>
-                <a:spcPct val="30000"/>
-              </a:spcBef>
-              <a:tabLst>
-                <a:tab pos="0" algn="l"/>
-                <a:tab pos="914400" algn="l"/>
-                <a:tab pos="1828800" algn="l"/>
-                <a:tab pos="2743200" algn="l"/>
-                <a:tab pos="3657600" algn="l"/>
-                <a:tab pos="4572000" algn="l"/>
-                <a:tab pos="5486400" algn="l"/>
-                <a:tab pos="6400800" algn="l"/>
-                <a:tab pos="7315200" algn="l"/>
-                <a:tab pos="8229600" algn="l"/>
-                <a:tab pos="9144000" algn="l"/>
-                <a:tab pos="10058400" algn="l"/>
-              </a:tabLst>
-              <a:defRPr kumimoji="1" sz="1200">
-                <a:solidFill>
-                  <a:schemeClr val="tx1"/>
-                </a:solidFill>
-                <a:latin typeface="Times New Roman" panose="02020603050405020304" pitchFamily="18" charset="0"/>
-                <a:ea typeface="MS PGothic" panose="020B0600070205080204" pitchFamily="34" charset="-128"/>
-              </a:defRPr>
-            </a:lvl1pPr>
-            <a:lvl2pPr marL="742950" indent="-285750">
-              <a:spcBef>
-                <a:spcPct val="30000"/>
-              </a:spcBef>
-              <a:tabLst>
-                <a:tab pos="0" algn="l"/>
-                <a:tab pos="914400" algn="l"/>
-                <a:tab pos="1828800" algn="l"/>
-                <a:tab pos="2743200" algn="l"/>
-                <a:tab pos="3657600" algn="l"/>
-                <a:tab pos="4572000" algn="l"/>
-                <a:tab pos="5486400" algn="l"/>
-                <a:tab pos="6400800" algn="l"/>
-                <a:tab pos="7315200" algn="l"/>
-                <a:tab pos="8229600" algn="l"/>
-                <a:tab pos="9144000" algn="l"/>
-                <a:tab pos="10058400" algn="l"/>
-              </a:tabLst>
-              <a:defRPr kumimoji="1" sz="1200">
-                <a:solidFill>
-                  <a:schemeClr val="tx1"/>
-                </a:solidFill>
-                <a:latin typeface="Times New Roman" panose="02020603050405020304" pitchFamily="18" charset="0"/>
-                <a:ea typeface="MS PGothic" panose="020B0600070205080204" pitchFamily="34" charset="-128"/>
-              </a:defRPr>
-            </a:lvl2pPr>
-            <a:lvl3pPr marL="1143000" indent="-228600">
-              <a:spcBef>
-                <a:spcPct val="30000"/>
-              </a:spcBef>
-              <a:tabLst>
-                <a:tab pos="0" algn="l"/>
-                <a:tab pos="914400" algn="l"/>
-                <a:tab pos="1828800" algn="l"/>
-                <a:tab pos="2743200" algn="l"/>
-                <a:tab pos="3657600" algn="l"/>
-                <a:tab pos="4572000" algn="l"/>
-                <a:tab pos="5486400" algn="l"/>
-                <a:tab pos="6400800" algn="l"/>
-                <a:tab pos="7315200" algn="l"/>
-                <a:tab pos="8229600" algn="l"/>
-                <a:tab pos="9144000" algn="l"/>
-                <a:tab pos="10058400" algn="l"/>
-              </a:tabLst>
-              <a:defRPr kumimoji="1" sz="1200">
-                <a:solidFill>
-                  <a:schemeClr val="tx1"/>
-                </a:solidFill>
-                <a:latin typeface="Times New Roman" panose="02020603050405020304" pitchFamily="18" charset="0"/>
-                <a:ea typeface="MS PGothic" panose="020B0600070205080204" pitchFamily="34" charset="-128"/>
-              </a:defRPr>
-            </a:lvl3pPr>
-            <a:lvl4pPr marL="1600200" indent="-228600">
-              <a:spcBef>
-                <a:spcPct val="30000"/>
-              </a:spcBef>
-              <a:tabLst>
-                <a:tab pos="0" algn="l"/>
-                <a:tab pos="914400" algn="l"/>
-                <a:tab pos="1828800" algn="l"/>
-                <a:tab pos="2743200" algn="l"/>
-                <a:tab pos="3657600" algn="l"/>
-                <a:tab pos="4572000" algn="l"/>
-                <a:tab pos="5486400" algn="l"/>
-                <a:tab pos="6400800" algn="l"/>
-                <a:tab pos="7315200" algn="l"/>
-                <a:tab pos="8229600" algn="l"/>
-                <a:tab pos="9144000" algn="l"/>
-                <a:tab pos="10058400" algn="l"/>
-              </a:tabLst>
-              <a:defRPr kumimoji="1" sz="1200">
-                <a:solidFill>
-                  <a:schemeClr val="tx1"/>
-                </a:solidFill>
-                <a:latin typeface="Times New Roman" panose="02020603050405020304" pitchFamily="18" charset="0"/>
-                <a:ea typeface="MS PGothic" panose="020B0600070205080204" pitchFamily="34" charset="-128"/>
-              </a:defRPr>
-            </a:lvl4pPr>
-            <a:lvl5pPr marL="2057400" indent="-228600">
-              <a:spcBef>
-                <a:spcPct val="30000"/>
-              </a:spcBef>
-              <a:tabLst>
-                <a:tab pos="0" algn="l"/>
-                <a:tab pos="914400" algn="l"/>
-                <a:tab pos="1828800" algn="l"/>
-                <a:tab pos="2743200" algn="l"/>
-                <a:tab pos="3657600" algn="l"/>
-                <a:tab pos="4572000" algn="l"/>
-                <a:tab pos="5486400" algn="l"/>
-                <a:tab pos="6400800" algn="l"/>
-                <a:tab pos="7315200" algn="l"/>
-                <a:tab pos="8229600" algn="l"/>
-                <a:tab pos="9144000" algn="l"/>
-                <a:tab pos="10058400" algn="l"/>
-              </a:tabLst>
-              <a:defRPr kumimoji="1" sz="1200">
-                <a:solidFill>
-                  <a:schemeClr val="tx1"/>
-                </a:solidFill>
-                <a:latin typeface="Times New Roman" panose="02020603050405020304" pitchFamily="18" charset="0"/>
-                <a:ea typeface="MS PGothic" panose="020B0600070205080204" pitchFamily="34" charset="-128"/>
-              </a:defRPr>
-            </a:lvl5pPr>
-            <a:lvl6pPr marL="2514600" indent="-228600" eaLnBrk="0" fontAlgn="base" hangingPunct="0">
-              <a:spcBef>
-                <a:spcPct val="30000"/>
-              </a:spcBef>
-              <a:spcAft>
-                <a:spcPct val="0"/>
-              </a:spcAft>
-              <a:tabLst>
-                <a:tab pos="0" algn="l"/>
-                <a:tab pos="914400" algn="l"/>
-                <a:tab pos="1828800" algn="l"/>
-                <a:tab pos="2743200" algn="l"/>
-                <a:tab pos="3657600" algn="l"/>
-                <a:tab pos="4572000" algn="l"/>
-                <a:tab pos="5486400" algn="l"/>
-                <a:tab pos="6400800" algn="l"/>
-                <a:tab pos="7315200" algn="l"/>
-                <a:tab pos="8229600" algn="l"/>
-                <a:tab pos="9144000" algn="l"/>
-                <a:tab pos="10058400" algn="l"/>
-              </a:tabLst>
-              <a:defRPr kumimoji="1" sz="1200">
-                <a:solidFill>
-                  <a:schemeClr val="tx1"/>
-                </a:solidFill>
-                <a:latin typeface="Times New Roman" panose="02020603050405020304" pitchFamily="18" charset="0"/>
-                <a:ea typeface="MS PGothic" panose="020B0600070205080204" pitchFamily="34" charset="-128"/>
-              </a:defRPr>
-            </a:lvl6pPr>
-            <a:lvl7pPr marL="2971800" indent="-228600" eaLnBrk="0" fontAlgn="base" hangingPunct="0">
-              <a:spcBef>
-                <a:spcPct val="30000"/>
-              </a:spcBef>
-              <a:spcAft>
-                <a:spcPct val="0"/>
-              </a:spcAft>
-              <a:tabLst>
-                <a:tab pos="0" algn="l"/>
-                <a:tab pos="914400" algn="l"/>
-                <a:tab pos="1828800" algn="l"/>
-                <a:tab pos="2743200" algn="l"/>
-                <a:tab pos="3657600" algn="l"/>
-                <a:tab pos="4572000" algn="l"/>
-                <a:tab pos="5486400" algn="l"/>
-                <a:tab pos="6400800" algn="l"/>
-                <a:tab pos="7315200" algn="l"/>
-                <a:tab pos="8229600" algn="l"/>
-                <a:tab pos="9144000" algn="l"/>
-                <a:tab pos="10058400" algn="l"/>
-              </a:tabLst>
-              <a:defRPr kumimoji="1" sz="1200">
-                <a:solidFill>
-                  <a:schemeClr val="tx1"/>
-                </a:solidFill>
-                <a:latin typeface="Times New Roman" panose="02020603050405020304" pitchFamily="18" charset="0"/>
-                <a:ea typeface="MS PGothic" panose="020B0600070205080204" pitchFamily="34" charset="-128"/>
-              </a:defRPr>
-            </a:lvl7pPr>
-            <a:lvl8pPr marL="3429000" indent="-228600" eaLnBrk="0" fontAlgn="base" hangingPunct="0">
-              <a:spcBef>
-                <a:spcPct val="30000"/>
-              </a:spcBef>
-              <a:spcAft>
-                <a:spcPct val="0"/>
-              </a:spcAft>
-              <a:tabLst>
-                <a:tab pos="0" algn="l"/>
-                <a:tab pos="914400" algn="l"/>
-                <a:tab pos="1828800" algn="l"/>
-                <a:tab pos="2743200" algn="l"/>
-                <a:tab pos="3657600" algn="l"/>
-                <a:tab pos="4572000" algn="l"/>
-                <a:tab pos="5486400" algn="l"/>
-                <a:tab pos="6400800" algn="l"/>
-                <a:tab pos="7315200" algn="l"/>
-                <a:tab pos="8229600" algn="l"/>
-                <a:tab pos="9144000" algn="l"/>
-                <a:tab pos="10058400" algn="l"/>
-              </a:tabLst>
-              <a:defRPr kumimoji="1" sz="1200">
-                <a:solidFill>
-                  <a:schemeClr val="tx1"/>
-                </a:solidFill>
-                <a:latin typeface="Times New Roman" panose="02020603050405020304" pitchFamily="18" charset="0"/>
-                <a:ea typeface="MS PGothic" panose="020B0600070205080204" pitchFamily="34" charset="-128"/>
-              </a:defRPr>
-            </a:lvl8pPr>
-            <a:lvl9pPr marL="3886200" indent="-228600" eaLnBrk="0" fontAlgn="base" hangingPunct="0">
-              <a:spcBef>
-                <a:spcPct val="30000"/>
-              </a:spcBef>
-              <a:spcAft>
-                <a:spcPct val="0"/>
-              </a:spcAft>
-              <a:tabLst>
-                <a:tab pos="0" algn="l"/>
-                <a:tab pos="914400" algn="l"/>
-                <a:tab pos="1828800" algn="l"/>
-                <a:tab pos="2743200" algn="l"/>
-                <a:tab pos="3657600" algn="l"/>
-                <a:tab pos="4572000" algn="l"/>
-                <a:tab pos="5486400" algn="l"/>
-                <a:tab pos="6400800" algn="l"/>
-                <a:tab pos="7315200" algn="l"/>
-                <a:tab pos="8229600" algn="l"/>
-                <a:tab pos="9144000" algn="l"/>
-                <a:tab pos="10058400" algn="l"/>
-              </a:tabLst>
-              <a:defRPr kumimoji="1" sz="1200">
-                <a:solidFill>
-                  <a:schemeClr val="tx1"/>
-                </a:solidFill>
-                <a:latin typeface="Times New Roman" panose="02020603050405020304" pitchFamily="18" charset="0"/>
-                <a:ea typeface="MS PGothic" panose="020B0600070205080204" pitchFamily="34" charset="-128"/>
-              </a:defRPr>
-            </a:lvl9pPr>
-          </a:lstStyle>
-          <a:p>
-            <a:pPr algn="r" eaLnBrk="1" hangingPunct="1">
-              <a:spcBef>
-                <a:spcPct val="0"/>
-              </a:spcBef>
-            </a:pPr>
-            <a:fld id="{4D03A339-4BBA-43A0-8137-AF5FD3E7682B}" type="slidenum">
-              <a:rPr kumimoji="0" lang="pt-BR" altLang="pt-BR">
-                <a:solidFill>
-                  <a:srgbClr val="000000"/>
-                </a:solidFill>
-                <a:latin typeface="Arial" panose="020B0604020202020204" pitchFamily="34" charset="0"/>
-                <a:ea typeface="DejaVu Sans" charset="0"/>
-                <a:cs typeface="Arial" panose="020B0604020202020204" pitchFamily="34" charset="0"/>
-              </a:rPr>
-              <a:pPr algn="r" eaLnBrk="1" hangingPunct="1">
-                <a:spcBef>
-                  <a:spcPct val="0"/>
-                </a:spcBef>
-              </a:pPr>
-              <a:t>4</a:t>
-            </a:fld>
-            <a:endParaRPr kumimoji="0" lang="pt-BR" altLang="pt-BR">
-              <a:solidFill>
-                <a:srgbClr val="000000"/>
-              </a:solidFill>
-              <a:latin typeface="Arial" panose="020B0604020202020204" pitchFamily="34" charset="0"/>
-              <a:ea typeface="DejaVu Sans" charset="0"/>
-              <a:cs typeface="Arial" panose="020B0604020202020204" pitchFamily="34" charset="0"/>
-            </a:endParaRPr>
-          </a:p>
-        </p:txBody>
-      </p:sp>
-    </p:spTree>
-  </p:cSld>
-  <p:clrMapOvr>
-    <a:masterClrMapping/>
-  </p:clrMapOvr>
-</p:notes>
-</file>
-
 <file path=ppt/slideLayouts/slideLayout1.xml><?xml version="1.0" encoding="utf-8"?>
 <p:sldLayout xmlns:a="http://schemas.openxmlformats.org/drawingml/2006/main" xmlns:r="http://schemas.openxmlformats.org/officeDocument/2006/relationships" xmlns:p="http://schemas.openxmlformats.org/presentationml/2006/main" type="title" preserve="1">
   <p:cSld name="Slide de Título">
@@ -4054,7 +2334,7 @@
           <a:p>
             <a:fld id="{41691924-F185-4213-BC46-97937F4C6F71}" type="datetimeFigureOut">
               <a:rPr lang="pt-BR" smtClean="0"/>
-              <a:t>01/05/2019</a:t>
+              <a:t>03/05/2019</a:t>
             </a:fld>
             <a:endParaRPr lang="pt-BR"/>
           </a:p>
@@ -4252,7 +2532,7 @@
           <a:p>
             <a:fld id="{41691924-F185-4213-BC46-97937F4C6F71}" type="datetimeFigureOut">
               <a:rPr lang="pt-BR" smtClean="0"/>
-              <a:t>01/05/2019</a:t>
+              <a:t>03/05/2019</a:t>
             </a:fld>
             <a:endParaRPr lang="pt-BR"/>
           </a:p>
@@ -4460,7 +2740,7 @@
           <a:p>
             <a:fld id="{41691924-F185-4213-BC46-97937F4C6F71}" type="datetimeFigureOut">
               <a:rPr lang="pt-BR" smtClean="0"/>
-              <a:t>01/05/2019</a:t>
+              <a:t>03/05/2019</a:t>
             </a:fld>
             <a:endParaRPr lang="pt-BR"/>
           </a:p>
@@ -4658,7 +2938,7 @@
           <a:p>
             <a:fld id="{41691924-F185-4213-BC46-97937F4C6F71}" type="datetimeFigureOut">
               <a:rPr lang="pt-BR" smtClean="0"/>
-              <a:t>01/05/2019</a:t>
+              <a:t>03/05/2019</a:t>
             </a:fld>
             <a:endParaRPr lang="pt-BR"/>
           </a:p>
@@ -4933,7 +3213,7 @@
           <a:p>
             <a:fld id="{41691924-F185-4213-BC46-97937F4C6F71}" type="datetimeFigureOut">
               <a:rPr lang="pt-BR" smtClean="0"/>
-              <a:t>01/05/2019</a:t>
+              <a:t>03/05/2019</a:t>
             </a:fld>
             <a:endParaRPr lang="pt-BR"/>
           </a:p>
@@ -5198,7 +3478,7 @@
           <a:p>
             <a:fld id="{41691924-F185-4213-BC46-97937F4C6F71}" type="datetimeFigureOut">
               <a:rPr lang="pt-BR" smtClean="0"/>
-              <a:t>01/05/2019</a:t>
+              <a:t>03/05/2019</a:t>
             </a:fld>
             <a:endParaRPr lang="pt-BR"/>
           </a:p>
@@ -5610,7 +3890,7 @@
           <a:p>
             <a:fld id="{41691924-F185-4213-BC46-97937F4C6F71}" type="datetimeFigureOut">
               <a:rPr lang="pt-BR" smtClean="0"/>
-              <a:t>01/05/2019</a:t>
+              <a:t>03/05/2019</a:t>
             </a:fld>
             <a:endParaRPr lang="pt-BR"/>
           </a:p>
@@ -5751,7 +4031,7 @@
           <a:p>
             <a:fld id="{41691924-F185-4213-BC46-97937F4C6F71}" type="datetimeFigureOut">
               <a:rPr lang="pt-BR" smtClean="0"/>
-              <a:t>01/05/2019</a:t>
+              <a:t>03/05/2019</a:t>
             </a:fld>
             <a:endParaRPr lang="pt-BR"/>
           </a:p>
@@ -5864,7 +4144,7 @@
           <a:p>
             <a:fld id="{41691924-F185-4213-BC46-97937F4C6F71}" type="datetimeFigureOut">
               <a:rPr lang="pt-BR" smtClean="0"/>
-              <a:t>01/05/2019</a:t>
+              <a:t>03/05/2019</a:t>
             </a:fld>
             <a:endParaRPr lang="pt-BR"/>
           </a:p>
@@ -6175,7 +4455,7 @@
           <a:p>
             <a:fld id="{41691924-F185-4213-BC46-97937F4C6F71}" type="datetimeFigureOut">
               <a:rPr lang="pt-BR" smtClean="0"/>
-              <a:t>01/05/2019</a:t>
+              <a:t>03/05/2019</a:t>
             </a:fld>
             <a:endParaRPr lang="pt-BR"/>
           </a:p>
@@ -6463,7 +4743,7 @@
           <a:p>
             <a:fld id="{41691924-F185-4213-BC46-97937F4C6F71}" type="datetimeFigureOut">
               <a:rPr lang="pt-BR" smtClean="0"/>
-              <a:t>01/05/2019</a:t>
+              <a:t>03/05/2019</a:t>
             </a:fld>
             <a:endParaRPr lang="pt-BR"/>
           </a:p>
@@ -6704,7 +4984,7 @@
           <a:p>
             <a:fld id="{41691924-F185-4213-BC46-97937F4C6F71}" type="datetimeFigureOut">
               <a:rPr lang="pt-BR" smtClean="0"/>
-              <a:t>01/05/2019</a:t>
+              <a:t>03/05/2019</a:t>
             </a:fld>
             <a:endParaRPr lang="pt-BR"/>
           </a:p>
@@ -7136,23 +5416,23 @@
           <p:nvPr>
             <p:extLst>
               <p:ext uri="{D42A27DB-BD31-4B8C-83A1-F6EECF244321}">
-                <p14:modId xmlns:p14="http://schemas.microsoft.com/office/powerpoint/2010/main" val="215907646"/>
+                <p14:modId xmlns:p14="http://schemas.microsoft.com/office/powerpoint/2010/main" val="923879999"/>
               </p:ext>
             </p:extLst>
           </p:nvPr>
         </p:nvGraphicFramePr>
         <p:xfrm>
-          <a:off x="635000" y="260351"/>
-          <a:ext cx="10947399" cy="6457951"/>
+          <a:off x="158482" y="200024"/>
+          <a:ext cx="11778145" cy="6457951"/>
         </p:xfrm>
         <a:graphic>
           <a:graphicData uri="http://schemas.openxmlformats.org/drawingml/2006/table">
             <a:tbl>
               <a:tblPr>
-                <a:tableStyleId>{5940675A-B579-460E-94D1-54222C63F5DA}</a:tableStyleId>
+                <a:tableStyleId>{69CF1AB2-1976-4502-BF36-3FF5EA218861}</a:tableStyleId>
               </a:tblPr>
               <a:tblGrid>
-                <a:gridCol w="10947399">
+                <a:gridCol w="11778145">
                   <a:extLst>
                     <a:ext uri="{9D8B030D-6E8A-4147-A177-3AD203B41FA5}">
                       <a16:colId xmlns:a16="http://schemas.microsoft.com/office/drawing/2014/main" val="20000"/>
@@ -7472,15 +5752,17 @@
                         </a:tabLst>
                       </a:pPr>
                       <a:r>
-                        <a:rPr kumimoji="0" lang="pt-BR" altLang="pt-BR" sz="1100" u="none" strike="noStrike" cap="none" normalizeH="0" baseline="0" dirty="0">
+                        <a:rPr kumimoji="0" lang="pt-BR" altLang="pt-BR" sz="800" u="none" strike="noStrike" cap="none" normalizeH="0" baseline="0" dirty="0">
                           <a:ln>
                             <a:noFill/>
                           </a:ln>
                           <a:effectLst/>
+                          <a:latin typeface="Arial" panose="020B0604020202020204" pitchFamily="34" charset="0"/>
+                          <a:cs typeface="Arial" panose="020B0604020202020204" pitchFamily="34" charset="0"/>
                         </a:rPr>
                         <a:t>US04 – REGISTRAR RECORRENTES</a:t>
                       </a:r>
-                      <a:endParaRPr kumimoji="0" lang="pt-BR" altLang="pt-BR" sz="1100" b="0" i="0" u="none" strike="noStrike" cap="none" normalizeH="0" baseline="0" dirty="0">
+                      <a:endParaRPr kumimoji="0" lang="pt-BR" altLang="pt-BR" sz="800" b="0" i="0" u="none" strike="noStrike" cap="none" normalizeH="0" baseline="0" dirty="0">
                         <a:ln>
                           <a:noFill/>
                         </a:ln>
@@ -7491,8 +5773,8 @@
                           </a:schemeClr>
                         </a:solidFill>
                         <a:effectLst/>
-                        <a:latin typeface="Arial" charset="0"/>
-                        <a:cs typeface="Arial" charset="0"/>
+                        <a:latin typeface="Arial" panose="020B0604020202020204" pitchFamily="34" charset="0"/>
+                        <a:cs typeface="Arial" panose="020B0604020202020204" pitchFamily="34" charset="0"/>
                       </a:endParaRPr>
                     </a:p>
                   </a:txBody>
@@ -7816,11 +6098,13 @@
                         </a:tabLst>
                       </a:pPr>
                       <a:r>
-                        <a:rPr kumimoji="0" lang="pt-BR" altLang="pt-BR" sz="1100" u="none" strike="noStrike" cap="none" normalizeH="0" baseline="0" dirty="0">
+                        <a:rPr kumimoji="0" lang="pt-BR" altLang="pt-BR" sz="800" u="none" strike="noStrike" cap="none" normalizeH="0" baseline="0" dirty="0">
                           <a:ln>
                             <a:noFill/>
                           </a:ln>
                           <a:effectLst/>
+                          <a:latin typeface="Arial" panose="020B0604020202020204" pitchFamily="34" charset="0"/>
+                          <a:cs typeface="Arial" panose="020B0604020202020204" pitchFamily="34" charset="0"/>
                         </a:rPr>
                         <a:t>Como usuário desejo criar uma despesa ou receita recorrente para gerar parcelas repetitivas a cada certa frequência. </a:t>
                       </a:r>
@@ -7856,15 +6140,17 @@
                         </a:tabLst>
                       </a:pPr>
                       <a:r>
-                        <a:rPr kumimoji="0" lang="pt-BR" altLang="pt-BR" sz="1100" u="none" strike="noStrike" cap="none" normalizeH="0" baseline="0" dirty="0">
+                        <a:rPr kumimoji="0" lang="pt-BR" altLang="pt-BR" sz="800" u="none" strike="noStrike" cap="none" normalizeH="0" baseline="0" dirty="0">
                           <a:ln>
                             <a:noFill/>
                           </a:ln>
                           <a:effectLst/>
+                          <a:latin typeface="Arial" panose="020B0604020202020204" pitchFamily="34" charset="0"/>
+                          <a:cs typeface="Arial" panose="020B0604020202020204" pitchFamily="34" charset="0"/>
                         </a:rPr>
                         <a:t>**Recorrente quer dizer que um lançamento se repete cada tanto tempo. </a:t>
                       </a:r>
-                      <a:endParaRPr kumimoji="0" lang="pt-BR" altLang="pt-BR" sz="1100" b="0" i="1" u="none" strike="noStrike" cap="none" normalizeH="0" baseline="0" dirty="0">
+                      <a:endParaRPr kumimoji="0" lang="pt-BR" altLang="pt-BR" sz="800" b="0" i="1" u="none" strike="noStrike" cap="none" normalizeH="0" baseline="0" dirty="0">
                         <a:ln>
                           <a:noFill/>
                         </a:ln>
@@ -7875,8 +6161,8 @@
                           </a:schemeClr>
                         </a:solidFill>
                         <a:effectLst/>
-                        <a:latin typeface="Arial" charset="0"/>
-                        <a:cs typeface="Arial" charset="0"/>
+                        <a:latin typeface="Arial" panose="020B0604020202020204" pitchFamily="34" charset="0"/>
+                        <a:cs typeface="Arial" panose="020B0604020202020204" pitchFamily="34" charset="0"/>
                       </a:endParaRPr>
                     </a:p>
                   </a:txBody>
@@ -8200,11 +6486,13 @@
                         </a:tabLst>
                       </a:pPr>
                       <a:r>
-                        <a:rPr kumimoji="0" lang="pt-BR" altLang="pt-BR" sz="1100" u="none" strike="noStrike" cap="none" normalizeH="0" baseline="0" dirty="0">
+                        <a:rPr kumimoji="0" lang="pt-BR" altLang="pt-BR" sz="800" u="none" strike="noStrike" cap="none" normalizeH="0" baseline="0" dirty="0">
                           <a:ln>
                             <a:noFill/>
                           </a:ln>
                           <a:effectLst/>
+                          <a:latin typeface="Arial" panose="020B0604020202020204" pitchFamily="34" charset="0"/>
+                          <a:cs typeface="Arial" panose="020B0604020202020204" pitchFamily="34" charset="0"/>
                         </a:rPr>
                         <a:t>Tarefas</a:t>
                       </a:r>
@@ -8242,11 +6530,13 @@
                         </a:tabLst>
                       </a:pPr>
                       <a:r>
-                        <a:rPr kumimoji="0" lang="pt-BR" altLang="pt-BR" sz="1100" u="none" strike="noStrike" cap="none" normalizeH="0" baseline="0" dirty="0">
+                        <a:rPr kumimoji="0" lang="pt-BR" altLang="pt-BR" sz="800" u="none" strike="noStrike" cap="none" normalizeH="0" baseline="0" dirty="0">
                           <a:ln>
                             <a:noFill/>
                           </a:ln>
                           <a:effectLst/>
+                          <a:latin typeface="Arial" panose="020B0604020202020204" pitchFamily="34" charset="0"/>
+                          <a:cs typeface="Arial" panose="020B0604020202020204" pitchFamily="34" charset="0"/>
                         </a:rPr>
                         <a:t>- Definir lançamento recorrente</a:t>
                       </a:r>
@@ -8284,15 +6574,17 @@
                         </a:tabLst>
                       </a:pPr>
                       <a:r>
-                        <a:rPr kumimoji="0" lang="pt-BR" altLang="pt-BR" sz="1100" u="none" strike="noStrike" cap="none" normalizeH="0" baseline="0" dirty="0">
+                        <a:rPr kumimoji="0" lang="pt-BR" altLang="pt-BR" sz="800" u="none" strike="noStrike" cap="none" normalizeH="0" baseline="0" dirty="0">
                           <a:ln>
                             <a:noFill/>
                           </a:ln>
                           <a:effectLst/>
+                          <a:latin typeface="Arial" panose="020B0604020202020204" pitchFamily="34" charset="0"/>
+                          <a:cs typeface="Arial" panose="020B0604020202020204" pitchFamily="34" charset="0"/>
                         </a:rPr>
                         <a:t> Atualizar lançamento recorrente</a:t>
                       </a:r>
-                      <a:endParaRPr kumimoji="0" lang="pt-BR" altLang="pt-BR" sz="1100" b="1" i="0" u="none" strike="noStrike" cap="none" normalizeH="0" baseline="0" dirty="0">
+                      <a:endParaRPr kumimoji="0" lang="pt-BR" altLang="pt-BR" sz="800" b="1" i="0" u="none" strike="noStrike" cap="none" normalizeH="0" baseline="0" dirty="0">
                         <a:ln>
                           <a:noFill/>
                         </a:ln>
@@ -8303,8 +6595,8 @@
                           </a:schemeClr>
                         </a:solidFill>
                         <a:effectLst/>
-                        <a:latin typeface="Arial" charset="0"/>
-                        <a:cs typeface="Arial" charset="0"/>
+                        <a:latin typeface="Arial" panose="020B0604020202020204" pitchFamily="34" charset="0"/>
+                        <a:cs typeface="Arial" panose="020B0604020202020204" pitchFamily="34" charset="0"/>
                       </a:endParaRPr>
                     </a:p>
                   </a:txBody>
@@ -8628,11 +6920,13 @@
                         </a:tabLst>
                       </a:pPr>
                       <a:r>
-                        <a:rPr kumimoji="0" lang="pt-BR" altLang="pt-BR" sz="1100" u="none" strike="noStrike" cap="none" normalizeH="0" baseline="0" dirty="0">
+                        <a:rPr kumimoji="0" lang="pt-BR" altLang="pt-BR" sz="800" u="none" strike="noStrike" cap="none" normalizeH="0" baseline="0" dirty="0">
                           <a:ln>
                             <a:noFill/>
                           </a:ln>
                           <a:effectLst/>
+                          <a:latin typeface="Arial" panose="020B0604020202020204" pitchFamily="34" charset="0"/>
+                          <a:cs typeface="Arial" panose="020B0604020202020204" pitchFamily="34" charset="0"/>
                         </a:rPr>
                         <a:t>Regras de Negócio</a:t>
                       </a:r>
@@ -8668,11 +6962,13 @@
                         </a:tabLst>
                       </a:pPr>
                       <a:r>
-                        <a:rPr kumimoji="0" lang="pt-BR" altLang="pt-BR" sz="1100" u="none" strike="noStrike" cap="none" normalizeH="0" baseline="0" dirty="0">
+                        <a:rPr kumimoji="0" lang="pt-BR" altLang="pt-BR" sz="800" u="none" strike="noStrike" cap="none" normalizeH="0" baseline="0" dirty="0">
                           <a:ln>
                             <a:noFill/>
                           </a:ln>
                           <a:effectLst/>
+                          <a:latin typeface="Arial" panose="020B0604020202020204" pitchFamily="34" charset="0"/>
+                          <a:cs typeface="Arial" panose="020B0604020202020204" pitchFamily="34" charset="0"/>
                         </a:rPr>
                         <a:t>RN41. Cada lançamento recorrente pode ser do tipo “Parcelamento (mensal)” ou “Avançado”.</a:t>
                       </a:r>
@@ -8708,11 +7004,13 @@
                         </a:tabLst>
                       </a:pPr>
                       <a:r>
-                        <a:rPr kumimoji="0" lang="pt-BR" altLang="pt-BR" sz="1100" u="none" strike="noStrike" cap="none" normalizeH="0" baseline="0" dirty="0">
+                        <a:rPr kumimoji="0" lang="pt-BR" altLang="pt-BR" sz="800" u="none" strike="noStrike" cap="none" normalizeH="0" baseline="0" dirty="0">
                           <a:ln>
                             <a:noFill/>
                           </a:ln>
                           <a:effectLst/>
+                          <a:latin typeface="Arial" panose="020B0604020202020204" pitchFamily="34" charset="0"/>
+                          <a:cs typeface="Arial" panose="020B0604020202020204" pitchFamily="34" charset="0"/>
                         </a:rPr>
                         <a:t>RN42. Os campos obrigatórios do tipo parcelamento (mensal) são: inicio número de parcela e total de parcelas.</a:t>
                       </a:r>
@@ -8749,11 +7047,13 @@
                         <a:defRPr/>
                       </a:pPr>
                       <a:r>
-                        <a:rPr kumimoji="0" lang="pt-BR" altLang="pt-BR" sz="1100" u="none" strike="noStrike" cap="none" normalizeH="0" baseline="0" dirty="0">
+                        <a:rPr kumimoji="0" lang="pt-BR" altLang="pt-BR" sz="800" u="none" strike="noStrike" cap="none" normalizeH="0" baseline="0" dirty="0">
                           <a:ln>
                             <a:noFill/>
                           </a:ln>
                           <a:effectLst/>
+                          <a:latin typeface="Arial" panose="020B0604020202020204" pitchFamily="34" charset="0"/>
+                          <a:cs typeface="Arial" panose="020B0604020202020204" pitchFamily="34" charset="0"/>
                         </a:rPr>
                         <a:t>RN43. Os campos obrigatório do tipo Avançado são: Repetir a cada (como mostra na imagem abaixo), iniciar na parcela número, Número de ocorrências, Valor Total.</a:t>
                       </a:r>
@@ -8789,15 +7089,17 @@
                         </a:tabLst>
                       </a:pPr>
                       <a:r>
-                        <a:rPr kumimoji="0" lang="pt-BR" altLang="pt-BR" sz="1100" u="none" strike="noStrike" cap="none" normalizeH="0" baseline="0" dirty="0">
+                        <a:rPr kumimoji="0" lang="pt-BR" altLang="pt-BR" sz="800" u="none" strike="noStrike" cap="none" normalizeH="0" baseline="0" dirty="0">
                           <a:ln>
                             <a:noFill/>
                           </a:ln>
                           <a:effectLst/>
+                          <a:latin typeface="Arial" panose="020B0604020202020204" pitchFamily="34" charset="0"/>
+                          <a:cs typeface="Arial" panose="020B0604020202020204" pitchFamily="34" charset="0"/>
                         </a:rPr>
                         <a:t>RN44. </a:t>
                       </a:r>
-                      <a:endParaRPr kumimoji="0" lang="pt-BR" altLang="pt-BR" sz="1100" b="1" i="0" u="none" strike="noStrike" cap="none" normalizeH="0" baseline="0" dirty="0">
+                      <a:endParaRPr kumimoji="0" lang="pt-BR" altLang="pt-BR" sz="800" b="1" i="0" u="none" strike="noStrike" cap="none" normalizeH="0" baseline="0" dirty="0">
                         <a:ln>
                           <a:noFill/>
                         </a:ln>
@@ -8808,8 +7110,8 @@
                           </a:schemeClr>
                         </a:solidFill>
                         <a:effectLst/>
-                        <a:latin typeface="Arial" charset="0"/>
-                        <a:cs typeface="Arial" charset="0"/>
+                        <a:latin typeface="Arial" panose="020B0604020202020204" pitchFamily="34" charset="0"/>
+                        <a:cs typeface="Arial" panose="020B0604020202020204" pitchFamily="34" charset="0"/>
                       </a:endParaRPr>
                     </a:p>
                   </a:txBody>
@@ -9133,11 +7435,13 @@
                         </a:tabLst>
                       </a:pPr>
                       <a:r>
-                        <a:rPr kumimoji="0" lang="pt-BR" altLang="pt-BR" sz="1100" u="none" strike="noStrike" cap="none" normalizeH="0" baseline="0" dirty="0">
+                        <a:rPr kumimoji="0" lang="pt-BR" altLang="pt-BR" sz="800" u="none" strike="noStrike" cap="none" normalizeH="0" baseline="0" dirty="0">
                           <a:ln>
                             <a:noFill/>
                           </a:ln>
                           <a:effectLst/>
+                          <a:latin typeface="Arial" panose="020B0604020202020204" pitchFamily="34" charset="0"/>
+                          <a:cs typeface="Arial" panose="020B0604020202020204" pitchFamily="34" charset="0"/>
                         </a:rPr>
                         <a:t>Testes de Aceitação</a:t>
                       </a:r>
@@ -9173,11 +7477,13 @@
                         </a:tabLst>
                         <a:defRPr/>
                       </a:pPr>
-                      <a:endParaRPr kumimoji="0" lang="pt-BR" altLang="pt-BR" sz="1100" u="none" strike="noStrike" cap="none" normalizeH="0" baseline="0" dirty="0">
+                      <a:endParaRPr kumimoji="0" lang="pt-BR" altLang="pt-BR" sz="800" u="none" strike="noStrike" cap="none" normalizeH="0" baseline="0" dirty="0">
                         <a:ln>
                           <a:noFill/>
                         </a:ln>
                         <a:effectLst/>
+                        <a:latin typeface="Arial" panose="020B0604020202020204" pitchFamily="34" charset="0"/>
+                        <a:cs typeface="Arial" panose="020B0604020202020204" pitchFamily="34" charset="0"/>
                       </a:endParaRPr>
                     </a:p>
                     <a:p>
@@ -9210,7 +7516,7 @@
                           <a:tab pos="10058400" algn="l"/>
                         </a:tabLst>
                       </a:pPr>
-                      <a:endParaRPr kumimoji="0" lang="pt-BR" altLang="pt-BR" sz="1100" b="1" i="0" u="none" strike="noStrike" cap="none" normalizeH="0" baseline="0" dirty="0">
+                      <a:endParaRPr kumimoji="0" lang="pt-BR" altLang="pt-BR" sz="800" b="1" i="0" u="none" strike="noStrike" cap="none" normalizeH="0" baseline="0" dirty="0">
                         <a:ln>
                           <a:noFill/>
                         </a:ln>
@@ -9221,8 +7527,8 @@
                           </a:schemeClr>
                         </a:solidFill>
                         <a:effectLst/>
-                        <a:latin typeface="Arial" charset="0"/>
-                        <a:cs typeface="Arial" charset="0"/>
+                        <a:latin typeface="Arial" panose="020B0604020202020204" pitchFamily="34" charset="0"/>
+                        <a:cs typeface="Arial" panose="020B0604020202020204" pitchFamily="34" charset="0"/>
                       </a:endParaRPr>
                     </a:p>
                   </a:txBody>
@@ -9270,11 +7576,13 @@
                         </a:tabLst>
                       </a:pPr>
                       <a:r>
-                        <a:rPr kumimoji="0" lang="pt-BR" altLang="pt-BR" sz="1100" u="none" strike="noStrike" cap="none" normalizeH="0" baseline="0" dirty="0">
+                        <a:rPr kumimoji="0" lang="pt-BR" altLang="pt-BR" sz="800" u="none" strike="noStrike" cap="none" normalizeH="0" baseline="0" dirty="0">
                           <a:ln>
                             <a:noFill/>
                           </a:ln>
                           <a:effectLst/>
+                          <a:latin typeface="Arial" panose="020B0604020202020204" pitchFamily="34" charset="0"/>
+                          <a:cs typeface="Arial" panose="020B0604020202020204" pitchFamily="34" charset="0"/>
                         </a:rPr>
                         <a:t>Requisitos de Dados</a:t>
                       </a:r>
@@ -9310,30 +7618,36 @@
                         </a:tabLst>
                       </a:pPr>
                       <a:r>
-                        <a:rPr kumimoji="0" lang="pt-BR" altLang="pt-BR" sz="1100" u="none" strike="noStrike" cap="none" normalizeH="0" baseline="0" dirty="0">
+                        <a:rPr kumimoji="0" lang="pt-BR" altLang="pt-BR" sz="800" u="none" strike="noStrike" cap="none" normalizeH="0" baseline="0" dirty="0">
                           <a:ln>
                             <a:noFill/>
                           </a:ln>
                           <a:effectLst/>
+                          <a:latin typeface="Arial" panose="020B0604020202020204" pitchFamily="34" charset="0"/>
+                          <a:cs typeface="Arial" panose="020B0604020202020204" pitchFamily="34" charset="0"/>
                         </a:rPr>
                         <a:t>Periodicidade, Data de inicio, Data fim, iniciar na parcela, </a:t>
                       </a:r>
                       <a:r>
-                        <a:rPr lang="pt-BR" sz="1100" kern="1200" dirty="0">
+                        <a:rPr lang="pt-BR" sz="800" kern="1200" dirty="0">
                           <a:effectLst/>
+                          <a:latin typeface="Arial" panose="020B0604020202020204" pitchFamily="34" charset="0"/>
+                          <a:cs typeface="Arial" panose="020B0604020202020204" pitchFamily="34" charset="0"/>
                         </a:rPr>
                         <a:t>Quantidade de Ocorrência, </a:t>
                       </a:r>
                       <a:r>
-                        <a:rPr kumimoji="0" lang="pt-BR" altLang="pt-BR" sz="1100" u="none" strike="noStrike" cap="none" normalizeH="0" baseline="0" dirty="0">
+                        <a:rPr kumimoji="0" lang="pt-BR" altLang="pt-BR" sz="800" u="none" strike="noStrike" cap="none" normalizeH="0" baseline="0" dirty="0">
                           <a:ln>
                             <a:noFill/>
                           </a:ln>
                           <a:effectLst/>
+                          <a:latin typeface="Arial" panose="020B0604020202020204" pitchFamily="34" charset="0"/>
+                          <a:cs typeface="Arial" panose="020B0604020202020204" pitchFamily="34" charset="0"/>
                         </a:rPr>
                         <a:t>Valor Total......</a:t>
                       </a:r>
-                      <a:endParaRPr kumimoji="0" lang="pt-BR" altLang="pt-BR" sz="1100" b="0" i="0" u="none" strike="noStrike" cap="none" normalizeH="0" baseline="0" dirty="0">
+                      <a:endParaRPr kumimoji="0" lang="pt-BR" altLang="pt-BR" sz="800" b="0" i="0" u="none" strike="noStrike" cap="none" normalizeH="0" baseline="0" dirty="0">
                         <a:ln>
                           <a:noFill/>
                         </a:ln>
@@ -9344,8 +7658,8 @@
                           </a:schemeClr>
                         </a:solidFill>
                         <a:effectLst/>
-                        <a:latin typeface="Arial" charset="0"/>
-                        <a:cs typeface="Arial" charset="0"/>
+                        <a:latin typeface="Arial" panose="020B0604020202020204" pitchFamily="34" charset="0"/>
+                        <a:cs typeface="Arial" panose="020B0604020202020204" pitchFamily="34" charset="0"/>
                       </a:endParaRPr>
                     </a:p>
                   </a:txBody>
@@ -9669,15 +7983,17 @@
                         </a:tabLst>
                       </a:pPr>
                       <a:r>
-                        <a:rPr kumimoji="0" lang="pt-BR" altLang="pt-BR" sz="1100" u="none" strike="noStrike" cap="none" normalizeH="0" baseline="0" dirty="0">
+                        <a:rPr kumimoji="0" lang="pt-BR" altLang="pt-BR" sz="800" u="none" strike="noStrike" cap="none" normalizeH="0" baseline="0" dirty="0">
                           <a:ln>
                             <a:noFill/>
                           </a:ln>
                           <a:effectLst/>
+                          <a:latin typeface="Arial" panose="020B0604020202020204" pitchFamily="34" charset="0"/>
+                          <a:cs typeface="Arial" panose="020B0604020202020204" pitchFamily="34" charset="0"/>
                         </a:rPr>
                         <a:t>Estimativa: ...horas                                           Tempo de Elaboração:  ...horas</a:t>
                       </a:r>
-                      <a:endParaRPr kumimoji="0" lang="pt-BR" altLang="pt-BR" sz="1100" b="0" i="1" u="none" strike="noStrike" cap="none" normalizeH="0" baseline="0" dirty="0">
+                      <a:endParaRPr kumimoji="0" lang="pt-BR" altLang="pt-BR" sz="800" b="0" i="1" u="none" strike="noStrike" cap="none" normalizeH="0" baseline="0" dirty="0">
                         <a:ln>
                           <a:noFill/>
                         </a:ln>
@@ -9688,8 +8004,8 @@
                           </a:schemeClr>
                         </a:solidFill>
                         <a:effectLst/>
-                        <a:latin typeface="Arial" charset="0"/>
-                        <a:cs typeface="Arial" charset="0"/>
+                        <a:latin typeface="Arial" panose="020B0604020202020204" pitchFamily="34" charset="0"/>
+                        <a:cs typeface="Arial" panose="020B0604020202020204" pitchFamily="34" charset="0"/>
                       </a:endParaRPr>
                     </a:p>
                   </a:txBody>
@@ -9773,23 +8089,23 @@
           <p:nvPr>
             <p:extLst>
               <p:ext uri="{D42A27DB-BD31-4B8C-83A1-F6EECF244321}">
-                <p14:modId xmlns:p14="http://schemas.microsoft.com/office/powerpoint/2010/main" val="2710227519"/>
+                <p14:modId xmlns:p14="http://schemas.microsoft.com/office/powerpoint/2010/main" val="1041981709"/>
               </p:ext>
             </p:extLst>
           </p:nvPr>
         </p:nvGraphicFramePr>
         <p:xfrm>
-          <a:off x="374650" y="114300"/>
-          <a:ext cx="8206105" cy="8906715"/>
+          <a:off x="117072" y="114300"/>
+          <a:ext cx="11899220" cy="8906715"/>
         </p:xfrm>
         <a:graphic>
           <a:graphicData uri="http://schemas.openxmlformats.org/drawingml/2006/table">
             <a:tbl>
               <a:tblPr>
-                <a:tableStyleId>{5940675A-B579-460E-94D1-54222C63F5DA}</a:tableStyleId>
+                <a:tableStyleId>{69CF1AB2-1976-4502-BF36-3FF5EA218861}</a:tableStyleId>
               </a:tblPr>
               <a:tblGrid>
-                <a:gridCol w="8206105">
+                <a:gridCol w="11899220">
                   <a:extLst>
                     <a:ext uri="{9D8B030D-6E8A-4147-A177-3AD203B41FA5}">
                       <a16:colId xmlns:a16="http://schemas.microsoft.com/office/drawing/2014/main" val="20000"/>
@@ -10109,15 +8425,10 @@
                         </a:tabLst>
                       </a:pPr>
                       <a:r>
-                        <a:rPr kumimoji="0" lang="pt-BR" altLang="pt-BR" sz="800" b="1" u="none" strike="noStrike" kern="1200" cap="none" normalizeH="0" baseline="0" dirty="0">
+                        <a:rPr kumimoji="0" lang="pt-BR" altLang="pt-BR" sz="800" u="none" strike="noStrike" kern="1200" cap="none" normalizeH="0" baseline="0" dirty="0">
                           <a:ln>
                             <a:noFill/>
                           </a:ln>
-                          <a:solidFill>
-                            <a:schemeClr val="accent6">
-                              <a:lumMod val="75000"/>
-                            </a:schemeClr>
-                          </a:solidFill>
                           <a:effectLst/>
                           <a:latin typeface="Arial" panose="020B0604020202020204" pitchFamily="34" charset="0"/>
                           <a:cs typeface="Arial" panose="020B0604020202020204" pitchFamily="34" charset="0"/>
@@ -10125,15 +8436,10 @@
                         <a:t>US05 – REGISTRAR FAVORECIDOS </a:t>
                       </a:r>
                       <a:r>
-                        <a:rPr kumimoji="0" lang="es-PY" altLang="pt-BR" sz="800" b="1" u="none" strike="noStrike" kern="1200" cap="none" normalizeH="0" baseline="0" dirty="0">
+                        <a:rPr kumimoji="0" lang="es-PY" altLang="pt-BR" sz="800" u="none" strike="noStrike" kern="1200" cap="none" normalizeH="0" baseline="0" dirty="0">
                           <a:ln>
                             <a:noFill/>
                           </a:ln>
-                          <a:solidFill>
-                            <a:schemeClr val="accent6">
-                              <a:lumMod val="75000"/>
-                            </a:schemeClr>
-                          </a:solidFill>
                           <a:effectLst/>
                           <a:latin typeface="Arial" panose="020B0604020202020204" pitchFamily="34" charset="0"/>
                           <a:cs typeface="Arial" panose="020B0604020202020204" pitchFamily="34" charset="0"/>
@@ -10822,11 +9128,6 @@
                           <a:ln>
                             <a:noFill/>
                           </a:ln>
-                          <a:solidFill>
-                            <a:schemeClr val="accent6">
-                              <a:lumMod val="75000"/>
-                            </a:schemeClr>
-                          </a:solidFill>
                           <a:effectLst/>
                           <a:latin typeface="Arial" panose="020B0604020202020204" pitchFamily="34" charset="0"/>
                           <a:cs typeface="Arial" panose="020B0604020202020204" pitchFamily="34" charset="0"/>
@@ -11338,11 +9639,6 @@
                           <a:ln>
                             <a:noFill/>
                           </a:ln>
-                          <a:solidFill>
-                            <a:schemeClr val="accent6">
-                              <a:lumMod val="75000"/>
-                            </a:schemeClr>
-                          </a:solidFill>
                           <a:effectLst/>
                           <a:latin typeface="Arial" panose="020B0604020202020204" pitchFamily="34" charset="0"/>
                           <a:cs typeface="Arial" panose="020B0604020202020204" pitchFamily="34" charset="0"/>
@@ -11604,17 +9900,6 @@
                         </a:rPr>
                         <a:t>RN5.6 -  todo favorecido ou pagador deve possuir CPF/CNPJ.</a:t>
                       </a:r>
-                      <a:endParaRPr kumimoji="0" lang="pt-BR" altLang="pt-BR" sz="800" u="none" strike="noStrike" kern="1200" cap="none" normalizeH="0" baseline="0" dirty="0">
-                        <a:ln>
-                          <a:noFill/>
-                        </a:ln>
-                        <a:solidFill>
-                          <a:srgbClr val="000000"/>
-                        </a:solidFill>
-                        <a:effectLst/>
-                        <a:latin typeface="Arial" panose="020B0604020202020204" pitchFamily="34" charset="0"/>
-                        <a:cs typeface="Arial" panose="020B0604020202020204" pitchFamily="34" charset="0"/>
-                      </a:endParaRPr>
                     </a:p>
                     <a:p>
                       <a:pPr marL="0" marR="0" lvl="0" indent="0" algn="l" defTabSz="449263" rtl="0" eaLnBrk="1" fontAlgn="base" latinLnBrk="0" hangingPunct="1">
@@ -11702,13 +9987,9 @@
                         <a:t>RN5.8 -  todo favorecido ou pagador deve possuir </a:t>
                       </a:r>
                       <a:r>
-                        <a:rPr lang="pt-BR" sz="800" b="0" i="0" kern="1200" dirty="0">
-                          <a:solidFill>
-                            <a:srgbClr val="000000"/>
-                          </a:solidFill>
+                        <a:rPr lang="pt-BR" sz="800" kern="1200" dirty="0">
                           <a:effectLst/>
                           <a:latin typeface="Arial" panose="020B0604020202020204" pitchFamily="34" charset="0"/>
-                          <a:ea typeface="DejaVu Sans" charset="0"/>
                           <a:cs typeface="Arial" panose="020B0604020202020204" pitchFamily="34" charset="0"/>
                         </a:rPr>
                         <a:t>E-mail</a:t>
@@ -11724,17 +10005,6 @@
                         </a:rPr>
                         <a:t>.</a:t>
                       </a:r>
-                      <a:endParaRPr kumimoji="0" lang="pt-BR" altLang="pt-BR" sz="800" u="none" strike="noStrike" kern="1200" cap="none" normalizeH="0" baseline="0" dirty="0">
-                        <a:ln>
-                          <a:noFill/>
-                        </a:ln>
-                        <a:solidFill>
-                          <a:srgbClr val="000000"/>
-                        </a:solidFill>
-                        <a:effectLst/>
-                        <a:latin typeface="Arial" panose="020B0604020202020204" pitchFamily="34" charset="0"/>
-                        <a:cs typeface="Arial" panose="020B0604020202020204" pitchFamily="34" charset="0"/>
-                      </a:endParaRPr>
                     </a:p>
                     <a:p>
                       <a:pPr marL="0" marR="0" lvl="0" indent="0" algn="l" defTabSz="449263" rtl="0" eaLnBrk="1" fontAlgn="base" latinLnBrk="0" hangingPunct="1">
@@ -11779,13 +10049,9 @@
                         <a:t>RN5.9 -  todo favorecido ou pagador deve possuir </a:t>
                       </a:r>
                       <a:r>
-                        <a:rPr lang="pt-BR" sz="800" b="0" i="0" kern="1200" dirty="0">
-                          <a:solidFill>
-                            <a:srgbClr val="000000"/>
-                          </a:solidFill>
+                        <a:rPr lang="pt-BR" sz="800" kern="1200" dirty="0">
                           <a:effectLst/>
                           <a:latin typeface="Arial" panose="020B0604020202020204" pitchFamily="34" charset="0"/>
-                          <a:ea typeface="DejaVu Sans" charset="0"/>
                           <a:cs typeface="Arial" panose="020B0604020202020204" pitchFamily="34" charset="0"/>
                         </a:rPr>
                         <a:t>Telefone</a:t>
@@ -11801,17 +10067,6 @@
                         </a:rPr>
                         <a:t>.</a:t>
                       </a:r>
-                      <a:endParaRPr kumimoji="0" lang="pt-BR" altLang="pt-BR" sz="800" u="none" strike="noStrike" kern="1200" cap="none" normalizeH="0" baseline="0" dirty="0">
-                        <a:ln>
-                          <a:noFill/>
-                        </a:ln>
-                        <a:solidFill>
-                          <a:srgbClr val="000000"/>
-                        </a:solidFill>
-                        <a:effectLst/>
-                        <a:latin typeface="Arial" panose="020B0604020202020204" pitchFamily="34" charset="0"/>
-                        <a:cs typeface="Arial" panose="020B0604020202020204" pitchFamily="34" charset="0"/>
-                      </a:endParaRPr>
                     </a:p>
                     <a:p>
                       <a:pPr marL="0" marR="0" lvl="0" indent="0" algn="l" defTabSz="449263" rtl="0" eaLnBrk="1" fontAlgn="base" latinLnBrk="0" hangingPunct="1">
@@ -11856,13 +10111,9 @@
                         <a:t>RN5.10 -  todo favorecido ou pagador deve possuir </a:t>
                       </a:r>
                       <a:r>
-                        <a:rPr lang="pt-BR" sz="800" b="0" i="0" kern="1200" dirty="0">
-                          <a:solidFill>
-                            <a:srgbClr val="000000"/>
-                          </a:solidFill>
+                        <a:rPr lang="pt-BR" sz="800" kern="1200" dirty="0">
                           <a:effectLst/>
                           <a:latin typeface="Arial" panose="020B0604020202020204" pitchFamily="34" charset="0"/>
-                          <a:ea typeface="DejaVu Sans" charset="0"/>
                           <a:cs typeface="Arial" panose="020B0604020202020204" pitchFamily="34" charset="0"/>
                         </a:rPr>
                         <a:t>Bairro</a:t>
@@ -11878,17 +10129,6 @@
                         </a:rPr>
                         <a:t>.</a:t>
                       </a:r>
-                      <a:endParaRPr kumimoji="0" lang="pt-BR" altLang="pt-BR" sz="800" u="none" strike="noStrike" kern="1200" cap="none" normalizeH="0" baseline="0" dirty="0">
-                        <a:ln>
-                          <a:noFill/>
-                        </a:ln>
-                        <a:solidFill>
-                          <a:srgbClr val="000000"/>
-                        </a:solidFill>
-                        <a:effectLst/>
-                        <a:latin typeface="Arial" panose="020B0604020202020204" pitchFamily="34" charset="0"/>
-                        <a:cs typeface="Arial" panose="020B0604020202020204" pitchFamily="34" charset="0"/>
-                      </a:endParaRPr>
                     </a:p>
                     <a:p>
                       <a:pPr marL="0" marR="0" lvl="0" indent="0" algn="l" defTabSz="449263" rtl="0" eaLnBrk="1" fontAlgn="base" latinLnBrk="0" hangingPunct="1">
@@ -11933,13 +10173,9 @@
                         <a:t>RN5.11 -  todo favorecido ou pagador deve possuir </a:t>
                       </a:r>
                       <a:r>
-                        <a:rPr lang="pt-BR" sz="800" b="0" i="0" kern="1200" dirty="0">
-                          <a:solidFill>
-                            <a:srgbClr val="000000"/>
-                          </a:solidFill>
+                        <a:rPr lang="pt-BR" sz="800" kern="1200" dirty="0">
                           <a:effectLst/>
                           <a:latin typeface="Arial" panose="020B0604020202020204" pitchFamily="34" charset="0"/>
-                          <a:ea typeface="DejaVu Sans" charset="0"/>
                           <a:cs typeface="Arial" panose="020B0604020202020204" pitchFamily="34" charset="0"/>
                         </a:rPr>
                         <a:t>Rua</a:t>
@@ -11955,17 +10191,6 @@
                         </a:rPr>
                         <a:t>.</a:t>
                       </a:r>
-                      <a:endParaRPr kumimoji="0" lang="pt-BR" altLang="pt-BR" sz="800" u="none" strike="noStrike" kern="1200" cap="none" normalizeH="0" baseline="0" dirty="0">
-                        <a:ln>
-                          <a:noFill/>
-                        </a:ln>
-                        <a:solidFill>
-                          <a:srgbClr val="000000"/>
-                        </a:solidFill>
-                        <a:effectLst/>
-                        <a:latin typeface="Arial" panose="020B0604020202020204" pitchFamily="34" charset="0"/>
-                        <a:cs typeface="Arial" panose="020B0604020202020204" pitchFamily="34" charset="0"/>
-                      </a:endParaRPr>
                     </a:p>
                     <a:p>
                       <a:pPr marL="0" marR="0" lvl="0" indent="0" algn="l" defTabSz="449263" rtl="0" eaLnBrk="1" fontAlgn="base" latinLnBrk="0" hangingPunct="1">
@@ -12010,13 +10235,9 @@
                         <a:t>RN5.12 -  todo favorecido ou pagador deve possuir </a:t>
                       </a:r>
                       <a:r>
-                        <a:rPr lang="pt-BR" sz="800" b="0" i="0" kern="1200" dirty="0">
-                          <a:solidFill>
-                            <a:srgbClr val="000000"/>
-                          </a:solidFill>
+                        <a:rPr lang="pt-BR" sz="800" kern="1200" dirty="0">
                           <a:effectLst/>
                           <a:latin typeface="Arial" panose="020B0604020202020204" pitchFamily="34" charset="0"/>
-                          <a:ea typeface="DejaVu Sans" charset="0"/>
                           <a:cs typeface="Arial" panose="020B0604020202020204" pitchFamily="34" charset="0"/>
                         </a:rPr>
                         <a:t>Numero</a:t>
@@ -12076,13 +10297,9 @@
                         <a:t>RN5.13 -  todo favorecido ou pagador deve possuir </a:t>
                       </a:r>
                       <a:r>
-                        <a:rPr lang="pt-BR" sz="800" b="0" i="0" kern="1200" dirty="0">
-                          <a:solidFill>
-                            <a:srgbClr val="000000"/>
-                          </a:solidFill>
+                        <a:rPr lang="pt-BR" sz="800" kern="1200" dirty="0">
                           <a:effectLst/>
                           <a:latin typeface="Arial" panose="020B0604020202020204" pitchFamily="34" charset="0"/>
-                          <a:ea typeface="DejaVu Sans" charset="0"/>
                           <a:cs typeface="Arial" panose="020B0604020202020204" pitchFamily="34" charset="0"/>
                         </a:rPr>
                         <a:t>Cidade</a:t>
@@ -12142,13 +10359,9 @@
                         <a:t>RN5.14 -  todo favorecido ou pagador deve possuir </a:t>
                       </a:r>
                       <a:r>
-                        <a:rPr lang="pt-BR" sz="800" b="0" i="0" kern="1200" dirty="0">
-                          <a:solidFill>
-                            <a:srgbClr val="000000"/>
-                          </a:solidFill>
+                        <a:rPr lang="pt-BR" sz="800" kern="1200" dirty="0">
                           <a:effectLst/>
                           <a:latin typeface="Arial" panose="020B0604020202020204" pitchFamily="34" charset="0"/>
-                          <a:ea typeface="DejaVu Sans" charset="0"/>
                           <a:cs typeface="Arial" panose="020B0604020202020204" pitchFamily="34" charset="0"/>
                         </a:rPr>
                         <a:t>Estado</a:t>
@@ -12164,17 +10377,6 @@
                         </a:rPr>
                         <a:t>.</a:t>
                       </a:r>
-                      <a:endParaRPr kumimoji="0" lang="pt-BR" altLang="pt-BR" sz="800" u="none" strike="noStrike" kern="1200" cap="none" normalizeH="0" baseline="0" dirty="0">
-                        <a:ln>
-                          <a:noFill/>
-                        </a:ln>
-                        <a:solidFill>
-                          <a:srgbClr val="000000"/>
-                        </a:solidFill>
-                        <a:effectLst/>
-                        <a:latin typeface="Arial" panose="020B0604020202020204" pitchFamily="34" charset="0"/>
-                        <a:cs typeface="Arial" panose="020B0604020202020204" pitchFamily="34" charset="0"/>
-                      </a:endParaRPr>
                     </a:p>
                     <a:p>
                       <a:pPr marL="0" marR="0" lvl="0" indent="0" algn="l" defTabSz="449263" rtl="0" eaLnBrk="1" fontAlgn="base" latinLnBrk="0" hangingPunct="1">
@@ -12219,28 +10421,20 @@
                         <a:t>RN5.15 -  todo favorecido ou pagador deve possuir </a:t>
                       </a:r>
                       <a:r>
-                        <a:rPr lang="pt-BR" sz="800" b="0" i="0" kern="1200" dirty="0">
-                          <a:solidFill>
-                            <a:srgbClr val="000000"/>
-                          </a:solidFill>
+                        <a:rPr lang="pt-BR" sz="800" kern="1200" dirty="0">
                           <a:effectLst/>
                           <a:latin typeface="Arial" panose="020B0604020202020204" pitchFamily="34" charset="0"/>
-                          <a:ea typeface="DejaVu Sans" charset="0"/>
                           <a:cs typeface="Arial" panose="020B0604020202020204" pitchFamily="34" charset="0"/>
                         </a:rPr>
                         <a:t>CEP</a:t>
                       </a:r>
                       <a:r>
-                        <a:rPr kumimoji="0" lang="pt-BR" sz="800" b="0" i="0" u="none" strike="noStrike" kern="1200" cap="none" normalizeH="0" baseline="0" dirty="0">
+                        <a:rPr kumimoji="0" lang="pt-BR" sz="800" u="none" strike="noStrike" kern="1200" cap="none" normalizeH="0" baseline="0" dirty="0">
                           <a:ln>
                             <a:noFill/>
                           </a:ln>
-                          <a:solidFill>
-                            <a:srgbClr val="000000"/>
-                          </a:solidFill>
                           <a:effectLst/>
                           <a:latin typeface="Arial" panose="020B0604020202020204" pitchFamily="34" charset="0"/>
-                          <a:ea typeface="DejaVu Sans" charset="0"/>
                           <a:cs typeface="Arial" panose="020B0604020202020204" pitchFamily="34" charset="0"/>
                         </a:rPr>
                         <a:t>.</a:t>
@@ -12249,9 +10443,6 @@
                         <a:ln>
                           <a:noFill/>
                         </a:ln>
-                        <a:solidFill>
-                          <a:srgbClr val="000000"/>
-                        </a:solidFill>
                         <a:effectLst/>
                         <a:latin typeface="Arial" panose="020B0604020202020204" pitchFamily="34" charset="0"/>
                         <a:cs typeface="Arial" panose="020B0604020202020204" pitchFamily="34" charset="0"/>
@@ -12625,11 +10816,6 @@
                           <a:ln>
                             <a:noFill/>
                           </a:ln>
-                          <a:solidFill>
-                            <a:schemeClr val="accent6">
-                              <a:lumMod val="75000"/>
-                            </a:schemeClr>
-                          </a:solidFill>
                           <a:effectLst/>
                           <a:latin typeface="Arial" panose="020B0604020202020204" pitchFamily="34" charset="0"/>
                           <a:cs typeface="Arial" panose="020B0604020202020204" pitchFamily="34" charset="0"/>
@@ -12668,13 +10854,10 @@
                         </a:tabLst>
                       </a:pPr>
                       <a:r>
-                        <a:rPr kumimoji="0" lang="pt-BR" altLang="pt-BR" sz="800" b="1" i="0" u="none" strike="noStrike" cap="none" normalizeH="0" baseline="0" dirty="0">
+                        <a:rPr kumimoji="0" lang="pt-BR" altLang="pt-BR" sz="800" u="none" strike="noStrike" cap="none" normalizeH="0" baseline="0" dirty="0">
                           <a:ln>
                             <a:noFill/>
                           </a:ln>
-                          <a:solidFill>
-                            <a:srgbClr val="FF0000"/>
-                          </a:solidFill>
                           <a:effectLst/>
                           <a:latin typeface="Arial" panose="020B0604020202020204" pitchFamily="34" charset="0"/>
                           <a:cs typeface="Arial" panose="020B0604020202020204" pitchFamily="34" charset="0"/>
@@ -12714,13 +10897,10 @@
                         <a:defRPr/>
                       </a:pPr>
                       <a:r>
-                        <a:rPr kumimoji="0" lang="pt-BR" altLang="pt-BR" sz="800" b="1" i="0" u="none" strike="noStrike" cap="none" normalizeH="0" baseline="0" dirty="0">
+                        <a:rPr kumimoji="0" lang="pt-BR" altLang="pt-BR" sz="800" u="none" strike="noStrike" cap="none" normalizeH="0" baseline="0" dirty="0">
                           <a:ln>
                             <a:noFill/>
                           </a:ln>
-                          <a:solidFill>
-                            <a:srgbClr val="00B050"/>
-                          </a:solidFill>
                           <a:effectLst/>
                           <a:latin typeface="Arial" panose="020B0604020202020204" pitchFamily="34" charset="0"/>
                           <a:cs typeface="Arial" panose="020B0604020202020204" pitchFamily="34" charset="0"/>
@@ -12759,13 +10939,10 @@
                         </a:tabLst>
                       </a:pPr>
                       <a:r>
-                        <a:rPr kumimoji="0" lang="pt-BR" altLang="pt-BR" sz="800" b="1" i="0" u="none" strike="noStrike" cap="none" normalizeH="0" baseline="0" dirty="0">
+                        <a:rPr kumimoji="0" lang="pt-BR" altLang="pt-BR" sz="800" u="none" strike="noStrike" cap="none" normalizeH="0" baseline="0" dirty="0">
                           <a:ln>
                             <a:noFill/>
                           </a:ln>
-                          <a:solidFill>
-                            <a:srgbClr val="FF0000"/>
-                          </a:solidFill>
                           <a:effectLst/>
                           <a:latin typeface="Arial" panose="020B0604020202020204" pitchFamily="34" charset="0"/>
                           <a:cs typeface="Arial" panose="020B0604020202020204" pitchFamily="34" charset="0"/>
@@ -12805,13 +10982,10 @@
                         <a:defRPr/>
                       </a:pPr>
                       <a:r>
-                        <a:rPr kumimoji="0" lang="pt-BR" altLang="pt-BR" sz="800" b="1" i="0" u="none" strike="noStrike" cap="none" normalizeH="0" baseline="0" dirty="0">
+                        <a:rPr kumimoji="0" lang="pt-BR" altLang="pt-BR" sz="800" u="none" strike="noStrike" cap="none" normalizeH="0" baseline="0" dirty="0">
                           <a:ln>
                             <a:noFill/>
                           </a:ln>
-                          <a:solidFill>
-                            <a:srgbClr val="00B050"/>
-                          </a:solidFill>
                           <a:effectLst/>
                           <a:latin typeface="Arial" panose="020B0604020202020204" pitchFamily="34" charset="0"/>
                           <a:cs typeface="Arial" panose="020B0604020202020204" pitchFamily="34" charset="0"/>
@@ -12851,13 +11025,10 @@
                         <a:defRPr/>
                       </a:pPr>
                       <a:r>
-                        <a:rPr kumimoji="0" lang="pt-BR" altLang="pt-BR" sz="800" b="1" i="0" u="none" strike="noStrike" cap="none" normalizeH="0" baseline="0" dirty="0">
+                        <a:rPr kumimoji="0" lang="pt-BR" altLang="pt-BR" sz="800" u="none" strike="noStrike" cap="none" normalizeH="0" baseline="0" dirty="0">
                           <a:ln>
                             <a:noFill/>
                           </a:ln>
-                          <a:solidFill>
-                            <a:srgbClr val="FF0000"/>
-                          </a:solidFill>
                           <a:effectLst/>
                           <a:latin typeface="Arial" panose="020B0604020202020204" pitchFamily="34" charset="0"/>
                           <a:cs typeface="Arial" panose="020B0604020202020204" pitchFamily="34" charset="0"/>
@@ -12897,30 +11068,16 @@
                         <a:defRPr/>
                       </a:pPr>
                       <a:r>
-                        <a:rPr kumimoji="0" lang="pt-BR" altLang="pt-BR" sz="800" b="1" i="0" u="none" strike="noStrike" cap="none" normalizeH="0" baseline="0" dirty="0">
+                        <a:rPr kumimoji="0" lang="pt-BR" altLang="pt-BR" sz="800" u="none" strike="noStrike" cap="none" normalizeH="0" baseline="0" dirty="0">
                           <a:ln>
                             <a:noFill/>
                           </a:ln>
-                          <a:solidFill>
-                            <a:srgbClr val="00B050"/>
-                          </a:solidFill>
                           <a:effectLst/>
                           <a:latin typeface="Arial" panose="020B0604020202020204" pitchFamily="34" charset="0"/>
                           <a:cs typeface="Arial" panose="020B0604020202020204" pitchFamily="34" charset="0"/>
                         </a:rPr>
                         <a:t>TA5.6 – Tentar criar pessoa do tipo jurídica indicando nome da pessoa física como contato.</a:t>
                       </a:r>
-                      <a:endParaRPr kumimoji="0" lang="pt-BR" altLang="pt-BR" sz="800" b="1" i="0" u="none" strike="noStrike" cap="none" normalizeH="0" baseline="0" dirty="0">
-                        <a:ln>
-                          <a:noFill/>
-                        </a:ln>
-                        <a:solidFill>
-                          <a:srgbClr val="FF0000"/>
-                        </a:solidFill>
-                        <a:effectLst/>
-                        <a:latin typeface="Arial" panose="020B0604020202020204" pitchFamily="34" charset="0"/>
-                        <a:cs typeface="Arial" panose="020B0604020202020204" pitchFamily="34" charset="0"/>
-                      </a:endParaRPr>
                     </a:p>
                     <a:p>
                       <a:pPr marL="0" marR="0" lvl="0" indent="0" algn="l" defTabSz="449263" rtl="0" eaLnBrk="1" fontAlgn="base" latinLnBrk="0" hangingPunct="1">
@@ -12954,13 +11111,10 @@
                         <a:defRPr/>
                       </a:pPr>
                       <a:r>
-                        <a:rPr kumimoji="0" lang="pt-BR" altLang="pt-BR" sz="800" b="0" i="0" u="none" strike="noStrike" cap="none" normalizeH="0" baseline="0" dirty="0">
+                        <a:rPr kumimoji="0" lang="pt-BR" altLang="pt-BR" sz="800" u="none" strike="noStrike" cap="none" normalizeH="0" baseline="0" dirty="0">
                           <a:ln>
                             <a:noFill/>
                           </a:ln>
-                          <a:solidFill>
-                            <a:srgbClr val="FF0000"/>
-                          </a:solidFill>
                           <a:effectLst/>
                           <a:latin typeface="Arial" panose="020B0604020202020204" pitchFamily="34" charset="0"/>
                           <a:cs typeface="Arial" panose="020B0604020202020204" pitchFamily="34" charset="0"/>
@@ -12968,13 +11122,10 @@
                         <a:t>TA5.7 – Tentar criar dois favorecidos ou pagadores sem </a:t>
                       </a:r>
                       <a:r>
-                        <a:rPr kumimoji="0" lang="pt-BR" altLang="pt-BR" sz="800" b="0" u="none" strike="noStrike" kern="1200" cap="none" normalizeH="0" baseline="0" dirty="0">
+                        <a:rPr kumimoji="0" lang="pt-BR" altLang="pt-BR" sz="800" u="none" strike="noStrike" kern="1200" cap="none" normalizeH="0" baseline="0" dirty="0">
                           <a:ln>
                             <a:noFill/>
                           </a:ln>
-                          <a:solidFill>
-                            <a:srgbClr val="FF0000"/>
-                          </a:solidFill>
                           <a:effectLst/>
                           <a:latin typeface="Arial" panose="020B0604020202020204" pitchFamily="34" charset="0"/>
                           <a:cs typeface="Arial" panose="020B0604020202020204" pitchFamily="34" charset="0"/>
@@ -13014,13 +11165,10 @@
                         <a:defRPr/>
                       </a:pPr>
                       <a:r>
-                        <a:rPr kumimoji="0" lang="pt-BR" altLang="pt-BR" sz="800" b="0" i="0" u="none" strike="noStrike" cap="none" normalizeH="0" baseline="0" dirty="0">
+                        <a:rPr kumimoji="0" lang="pt-BR" altLang="pt-BR" sz="800" u="none" strike="noStrike" cap="none" normalizeH="0" baseline="0" dirty="0">
                           <a:ln>
                             <a:noFill/>
                           </a:ln>
-                          <a:solidFill>
-                            <a:srgbClr val="FF0000"/>
-                          </a:solidFill>
                           <a:effectLst/>
                           <a:latin typeface="Arial" panose="020B0604020202020204" pitchFamily="34" charset="0"/>
                           <a:cs typeface="Arial" panose="020B0604020202020204" pitchFamily="34" charset="0"/>
@@ -13028,26 +11176,20 @@
                         <a:t>TA5.8 – Tentar criar dois favorecidos ou pagadores sem </a:t>
                       </a:r>
                       <a:r>
-                        <a:rPr kumimoji="0" lang="pt-BR" altLang="pt-BR" sz="800" b="0" i="0" u="none" strike="noStrike" kern="1200" cap="none" normalizeH="0" baseline="0" dirty="0">
+                        <a:rPr kumimoji="0" lang="pt-BR" altLang="pt-BR" sz="800" u="none" strike="noStrike" kern="1200" cap="none" normalizeH="0" baseline="0" dirty="0">
                           <a:ln>
                             <a:noFill/>
                           </a:ln>
-                          <a:solidFill>
-                            <a:srgbClr val="FF0000"/>
-                          </a:solidFill>
                           <a:effectLst/>
                           <a:latin typeface="Arial" panose="020B0604020202020204" pitchFamily="34" charset="0"/>
                           <a:cs typeface="Arial" panose="020B0604020202020204" pitchFamily="34" charset="0"/>
                         </a:rPr>
                         <a:t>Nome.</a:t>
                       </a:r>
-                      <a:endParaRPr kumimoji="0" lang="pt-BR" altLang="pt-BR" sz="800" b="0" i="0" u="none" strike="noStrike" cap="none" normalizeH="0" baseline="0" dirty="0">
+                      <a:endParaRPr kumimoji="0" lang="pt-BR" altLang="pt-BR" sz="800" u="none" strike="noStrike" cap="none" normalizeH="0" baseline="0" dirty="0">
                         <a:ln>
                           <a:noFill/>
                         </a:ln>
-                        <a:solidFill>
-                          <a:srgbClr val="FF0000"/>
-                        </a:solidFill>
                         <a:effectLst/>
                         <a:latin typeface="Arial" panose="020B0604020202020204" pitchFamily="34" charset="0"/>
                         <a:cs typeface="Arial" panose="020B0604020202020204" pitchFamily="34" charset="0"/>
@@ -13085,13 +11227,10 @@
                         <a:defRPr/>
                       </a:pPr>
                       <a:r>
-                        <a:rPr kumimoji="0" lang="pt-BR" altLang="pt-BR" sz="800" b="0" i="0" u="none" strike="noStrike" cap="none" normalizeH="0" baseline="0" dirty="0">
+                        <a:rPr kumimoji="0" lang="pt-BR" altLang="pt-BR" sz="800" u="none" strike="noStrike" cap="none" normalizeH="0" baseline="0" dirty="0">
                           <a:ln>
                             <a:noFill/>
                           </a:ln>
-                          <a:solidFill>
-                            <a:srgbClr val="FF0000"/>
-                          </a:solidFill>
                           <a:effectLst/>
                           <a:latin typeface="Arial" panose="020B0604020202020204" pitchFamily="34" charset="0"/>
                           <a:cs typeface="Arial" panose="020B0604020202020204" pitchFamily="34" charset="0"/>
@@ -13099,25 +11238,18 @@
                         <a:t>TA5.9 – Tentar criar dois favorecidos ou pagadores sem </a:t>
                       </a:r>
                       <a:r>
-                        <a:rPr lang="pt-BR" sz="800" b="0" i="0" kern="1200" dirty="0">
-                          <a:solidFill>
-                            <a:srgbClr val="FF0000"/>
-                          </a:solidFill>
+                        <a:rPr lang="pt-BR" sz="800" kern="1200" dirty="0">
                           <a:effectLst/>
                           <a:latin typeface="Arial" panose="020B0604020202020204" pitchFamily="34" charset="0"/>
-                          <a:ea typeface="DejaVu Sans" charset="0"/>
                           <a:cs typeface="Arial" panose="020B0604020202020204" pitchFamily="34" charset="0"/>
                         </a:rPr>
                         <a:t>E-mail</a:t>
                       </a:r>
                       <a:r>
-                        <a:rPr kumimoji="0" lang="pt-BR" altLang="pt-BR" sz="800" b="0" i="0" u="none" strike="noStrike" cap="none" normalizeH="0" baseline="0" dirty="0">
+                        <a:rPr kumimoji="0" lang="pt-BR" altLang="pt-BR" sz="800" u="none" strike="noStrike" cap="none" normalizeH="0" baseline="0" dirty="0">
                           <a:ln>
                             <a:noFill/>
                           </a:ln>
-                          <a:solidFill>
-                            <a:srgbClr val="FF0000"/>
-                          </a:solidFill>
                           <a:effectLst/>
                           <a:latin typeface="Arial" panose="020B0604020202020204" pitchFamily="34" charset="0"/>
                           <a:cs typeface="Arial" panose="020B0604020202020204" pitchFamily="34" charset="0"/>
@@ -13157,13 +11289,10 @@
                         <a:defRPr/>
                       </a:pPr>
                       <a:r>
-                        <a:rPr kumimoji="0" lang="pt-BR" altLang="pt-BR" sz="800" b="0" i="0" u="none" strike="noStrike" cap="none" normalizeH="0" baseline="0" dirty="0">
+                        <a:rPr kumimoji="0" lang="pt-BR" altLang="pt-BR" sz="800" u="none" strike="noStrike" cap="none" normalizeH="0" baseline="0" dirty="0">
                           <a:ln>
                             <a:noFill/>
                           </a:ln>
-                          <a:solidFill>
-                            <a:srgbClr val="FF0000"/>
-                          </a:solidFill>
                           <a:effectLst/>
                           <a:latin typeface="Arial" panose="020B0604020202020204" pitchFamily="34" charset="0"/>
                           <a:cs typeface="Arial" panose="020B0604020202020204" pitchFamily="34" charset="0"/>
@@ -13171,25 +11300,18 @@
                         <a:t>TA5.10 – Tentar criar dois favorecidos ou pagadores sem </a:t>
                       </a:r>
                       <a:r>
-                        <a:rPr lang="pt-BR" sz="800" b="0" i="0" kern="1200" dirty="0">
-                          <a:solidFill>
-                            <a:srgbClr val="FF0000"/>
-                          </a:solidFill>
+                        <a:rPr lang="pt-BR" sz="800" kern="1200" dirty="0">
                           <a:effectLst/>
                           <a:latin typeface="Arial" panose="020B0604020202020204" pitchFamily="34" charset="0"/>
-                          <a:ea typeface="DejaVu Sans" charset="0"/>
                           <a:cs typeface="Arial" panose="020B0604020202020204" pitchFamily="34" charset="0"/>
                         </a:rPr>
                         <a:t>Telefone</a:t>
                       </a:r>
                       <a:r>
-                        <a:rPr kumimoji="0" lang="pt-BR" altLang="pt-BR" sz="800" b="0" i="0" u="none" strike="noStrike" cap="none" normalizeH="0" baseline="0" dirty="0">
+                        <a:rPr kumimoji="0" lang="pt-BR" altLang="pt-BR" sz="800" u="none" strike="noStrike" cap="none" normalizeH="0" baseline="0" dirty="0">
                           <a:ln>
                             <a:noFill/>
                           </a:ln>
-                          <a:solidFill>
-                            <a:srgbClr val="FF0000"/>
-                          </a:solidFill>
                           <a:effectLst/>
                           <a:latin typeface="Arial" panose="020B0604020202020204" pitchFamily="34" charset="0"/>
                           <a:cs typeface="Arial" panose="020B0604020202020204" pitchFamily="34" charset="0"/>
@@ -13229,13 +11351,10 @@
                         <a:defRPr/>
                       </a:pPr>
                       <a:r>
-                        <a:rPr kumimoji="0" lang="pt-BR" altLang="pt-BR" sz="800" b="0" i="0" u="none" strike="noStrike" cap="none" normalizeH="0" baseline="0" dirty="0">
+                        <a:rPr kumimoji="0" lang="pt-BR" altLang="pt-BR" sz="800" u="none" strike="noStrike" cap="none" normalizeH="0" baseline="0" dirty="0">
                           <a:ln>
                             <a:noFill/>
                           </a:ln>
-                          <a:solidFill>
-                            <a:srgbClr val="FF0000"/>
-                          </a:solidFill>
                           <a:effectLst/>
                           <a:latin typeface="Arial" panose="020B0604020202020204" pitchFamily="34" charset="0"/>
                           <a:cs typeface="Arial" panose="020B0604020202020204" pitchFamily="34" charset="0"/>
@@ -13243,25 +11362,18 @@
                         <a:t>TA5.11 – Tentar criar dois favorecidos ou pagadores sem </a:t>
                       </a:r>
                       <a:r>
-                        <a:rPr lang="pt-BR" sz="800" b="0" i="0" kern="1200" dirty="0">
-                          <a:solidFill>
-                            <a:srgbClr val="FF0000"/>
-                          </a:solidFill>
+                        <a:rPr lang="pt-BR" sz="800" kern="1200" dirty="0">
                           <a:effectLst/>
                           <a:latin typeface="Arial" panose="020B0604020202020204" pitchFamily="34" charset="0"/>
-                          <a:ea typeface="DejaVu Sans" charset="0"/>
                           <a:cs typeface="Arial" panose="020B0604020202020204" pitchFamily="34" charset="0"/>
                         </a:rPr>
                         <a:t>Bairro</a:t>
                       </a:r>
                       <a:r>
-                        <a:rPr kumimoji="0" lang="pt-BR" altLang="pt-BR" sz="800" b="0" i="0" u="none" strike="noStrike" cap="none" normalizeH="0" baseline="0" dirty="0">
+                        <a:rPr kumimoji="0" lang="pt-BR" altLang="pt-BR" sz="800" u="none" strike="noStrike" cap="none" normalizeH="0" baseline="0" dirty="0">
                           <a:ln>
                             <a:noFill/>
                           </a:ln>
-                          <a:solidFill>
-                            <a:srgbClr val="FF0000"/>
-                          </a:solidFill>
                           <a:effectLst/>
                           <a:latin typeface="Arial" panose="020B0604020202020204" pitchFamily="34" charset="0"/>
                           <a:cs typeface="Arial" panose="020B0604020202020204" pitchFamily="34" charset="0"/>
@@ -13301,13 +11413,10 @@
                         <a:defRPr/>
                       </a:pPr>
                       <a:r>
-                        <a:rPr kumimoji="0" lang="pt-BR" altLang="pt-BR" sz="800" b="0" i="0" u="none" strike="noStrike" cap="none" normalizeH="0" baseline="0" dirty="0">
+                        <a:rPr kumimoji="0" lang="pt-BR" altLang="pt-BR" sz="800" u="none" strike="noStrike" cap="none" normalizeH="0" baseline="0" dirty="0">
                           <a:ln>
                             <a:noFill/>
                           </a:ln>
-                          <a:solidFill>
-                            <a:srgbClr val="FF0000"/>
-                          </a:solidFill>
                           <a:effectLst/>
                           <a:latin typeface="Arial" panose="020B0604020202020204" pitchFamily="34" charset="0"/>
                           <a:cs typeface="Arial" panose="020B0604020202020204" pitchFamily="34" charset="0"/>
@@ -13315,25 +11424,18 @@
                         <a:t>TA5.12 – Tentar criar dois favorecidos ou pagadores sem </a:t>
                       </a:r>
                       <a:r>
-                        <a:rPr lang="pt-BR" sz="800" b="0" i="0" kern="1200" dirty="0">
-                          <a:solidFill>
-                            <a:srgbClr val="FF0000"/>
-                          </a:solidFill>
+                        <a:rPr lang="pt-BR" sz="800" kern="1200" dirty="0">
                           <a:effectLst/>
                           <a:latin typeface="Arial" panose="020B0604020202020204" pitchFamily="34" charset="0"/>
-                          <a:ea typeface="DejaVu Sans" charset="0"/>
                           <a:cs typeface="Arial" panose="020B0604020202020204" pitchFamily="34" charset="0"/>
                         </a:rPr>
                         <a:t>Rua</a:t>
                       </a:r>
                       <a:r>
-                        <a:rPr kumimoji="0" lang="pt-BR" altLang="pt-BR" sz="800" b="0" i="0" u="none" strike="noStrike" cap="none" normalizeH="0" baseline="0" dirty="0">
+                        <a:rPr kumimoji="0" lang="pt-BR" altLang="pt-BR" sz="800" u="none" strike="noStrike" cap="none" normalizeH="0" baseline="0" dirty="0">
                           <a:ln>
                             <a:noFill/>
                           </a:ln>
-                          <a:solidFill>
-                            <a:srgbClr val="FF0000"/>
-                          </a:solidFill>
                           <a:effectLst/>
                           <a:latin typeface="Arial" panose="020B0604020202020204" pitchFamily="34" charset="0"/>
                           <a:cs typeface="Arial" panose="020B0604020202020204" pitchFamily="34" charset="0"/>
@@ -13373,13 +11475,10 @@
                         <a:defRPr/>
                       </a:pPr>
                       <a:r>
-                        <a:rPr kumimoji="0" lang="pt-BR" altLang="pt-BR" sz="800" b="0" i="0" u="none" strike="noStrike" cap="none" normalizeH="0" baseline="0" dirty="0">
+                        <a:rPr kumimoji="0" lang="pt-BR" altLang="pt-BR" sz="800" u="none" strike="noStrike" cap="none" normalizeH="0" baseline="0" dirty="0">
                           <a:ln>
                             <a:noFill/>
                           </a:ln>
-                          <a:solidFill>
-                            <a:srgbClr val="FF0000"/>
-                          </a:solidFill>
                           <a:effectLst/>
                           <a:latin typeface="Arial" panose="020B0604020202020204" pitchFamily="34" charset="0"/>
                           <a:cs typeface="Arial" panose="020B0604020202020204" pitchFamily="34" charset="0"/>
@@ -13387,25 +11486,18 @@
                         <a:t>TA5.13 – Tentar criar dois favorecidos ou pagadores sem </a:t>
                       </a:r>
                       <a:r>
-                        <a:rPr lang="pt-BR" sz="800" b="0" i="0" kern="1200" dirty="0">
-                          <a:solidFill>
-                            <a:srgbClr val="FF0000"/>
-                          </a:solidFill>
+                        <a:rPr lang="pt-BR" sz="800" kern="1200" dirty="0">
                           <a:effectLst/>
                           <a:latin typeface="Arial" panose="020B0604020202020204" pitchFamily="34" charset="0"/>
-                          <a:ea typeface="DejaVu Sans" charset="0"/>
                           <a:cs typeface="Arial" panose="020B0604020202020204" pitchFamily="34" charset="0"/>
                         </a:rPr>
                         <a:t>Numero</a:t>
                       </a:r>
                       <a:r>
-                        <a:rPr kumimoji="0" lang="pt-BR" altLang="pt-BR" sz="800" b="0" i="0" u="none" strike="noStrike" cap="none" normalizeH="0" baseline="0" dirty="0">
+                        <a:rPr kumimoji="0" lang="pt-BR" altLang="pt-BR" sz="800" u="none" strike="noStrike" cap="none" normalizeH="0" baseline="0" dirty="0">
                           <a:ln>
                             <a:noFill/>
                           </a:ln>
-                          <a:solidFill>
-                            <a:srgbClr val="FF0000"/>
-                          </a:solidFill>
                           <a:effectLst/>
                           <a:latin typeface="Arial" panose="020B0604020202020204" pitchFamily="34" charset="0"/>
                           <a:cs typeface="Arial" panose="020B0604020202020204" pitchFamily="34" charset="0"/>
@@ -13445,13 +11537,10 @@
                         <a:defRPr/>
                       </a:pPr>
                       <a:r>
-                        <a:rPr kumimoji="0" lang="pt-BR" altLang="pt-BR" sz="800" b="0" i="0" u="none" strike="noStrike" cap="none" normalizeH="0" baseline="0" dirty="0">
+                        <a:rPr kumimoji="0" lang="pt-BR" altLang="pt-BR" sz="800" u="none" strike="noStrike" cap="none" normalizeH="0" baseline="0" dirty="0">
                           <a:ln>
                             <a:noFill/>
                           </a:ln>
-                          <a:solidFill>
-                            <a:srgbClr val="FF0000"/>
-                          </a:solidFill>
                           <a:effectLst/>
                           <a:latin typeface="Arial" panose="020B0604020202020204" pitchFamily="34" charset="0"/>
                           <a:cs typeface="Arial" panose="020B0604020202020204" pitchFamily="34" charset="0"/>
@@ -13459,25 +11548,18 @@
                         <a:t>TA5.14 – Tentar criar dois favorecidos ou pagadores sem </a:t>
                       </a:r>
                       <a:r>
-                        <a:rPr lang="pt-BR" sz="800" b="0" i="0" kern="1200" dirty="0">
-                          <a:solidFill>
-                            <a:srgbClr val="FF0000"/>
-                          </a:solidFill>
+                        <a:rPr lang="pt-BR" sz="800" kern="1200" dirty="0">
                           <a:effectLst/>
                           <a:latin typeface="Arial" panose="020B0604020202020204" pitchFamily="34" charset="0"/>
-                          <a:ea typeface="DejaVu Sans" charset="0"/>
                           <a:cs typeface="Arial" panose="020B0604020202020204" pitchFamily="34" charset="0"/>
                         </a:rPr>
                         <a:t>Cidade</a:t>
                       </a:r>
                       <a:r>
-                        <a:rPr kumimoji="0" lang="pt-BR" altLang="pt-BR" sz="800" b="0" i="0" u="none" strike="noStrike" cap="none" normalizeH="0" baseline="0" dirty="0">
+                        <a:rPr kumimoji="0" lang="pt-BR" altLang="pt-BR" sz="800" u="none" strike="noStrike" cap="none" normalizeH="0" baseline="0" dirty="0">
                           <a:ln>
                             <a:noFill/>
                           </a:ln>
-                          <a:solidFill>
-                            <a:srgbClr val="FF0000"/>
-                          </a:solidFill>
                           <a:effectLst/>
                           <a:latin typeface="Arial" panose="020B0604020202020204" pitchFamily="34" charset="0"/>
                           <a:cs typeface="Arial" panose="020B0604020202020204" pitchFamily="34" charset="0"/>
@@ -13517,13 +11599,10 @@
                         <a:defRPr/>
                       </a:pPr>
                       <a:r>
-                        <a:rPr kumimoji="0" lang="pt-BR" altLang="pt-BR" sz="800" b="0" i="0" u="none" strike="noStrike" cap="none" normalizeH="0" baseline="0" dirty="0">
+                        <a:rPr kumimoji="0" lang="pt-BR" altLang="pt-BR" sz="800" u="none" strike="noStrike" cap="none" normalizeH="0" baseline="0" dirty="0">
                           <a:ln>
                             <a:noFill/>
                           </a:ln>
-                          <a:solidFill>
-                            <a:srgbClr val="FF0000"/>
-                          </a:solidFill>
                           <a:effectLst/>
                           <a:latin typeface="Arial" panose="020B0604020202020204" pitchFamily="34" charset="0"/>
                           <a:cs typeface="Arial" panose="020B0604020202020204" pitchFamily="34" charset="0"/>
@@ -13531,25 +11610,18 @@
                         <a:t>TA5.15 – Tentar criar dois favorecidos ou pagadores sem </a:t>
                       </a:r>
                       <a:r>
-                        <a:rPr lang="pt-BR" sz="800" b="0" i="0" kern="1200" dirty="0">
-                          <a:solidFill>
-                            <a:srgbClr val="FF0000"/>
-                          </a:solidFill>
+                        <a:rPr lang="pt-BR" sz="800" kern="1200" dirty="0">
                           <a:effectLst/>
                           <a:latin typeface="Arial" panose="020B0604020202020204" pitchFamily="34" charset="0"/>
-                          <a:ea typeface="DejaVu Sans" charset="0"/>
                           <a:cs typeface="Arial" panose="020B0604020202020204" pitchFamily="34" charset="0"/>
                         </a:rPr>
                         <a:t>Estado</a:t>
                       </a:r>
                       <a:r>
-                        <a:rPr kumimoji="0" lang="pt-BR" altLang="pt-BR" sz="800" b="0" i="0" u="none" strike="noStrike" cap="none" normalizeH="0" baseline="0" dirty="0">
+                        <a:rPr kumimoji="0" lang="pt-BR" altLang="pt-BR" sz="800" u="none" strike="noStrike" cap="none" normalizeH="0" baseline="0" dirty="0">
                           <a:ln>
                             <a:noFill/>
                           </a:ln>
-                          <a:solidFill>
-                            <a:srgbClr val="FF0000"/>
-                          </a:solidFill>
                           <a:effectLst/>
                           <a:latin typeface="Arial" panose="020B0604020202020204" pitchFamily="34" charset="0"/>
                           <a:cs typeface="Arial" panose="020B0604020202020204" pitchFamily="34" charset="0"/>
@@ -13589,13 +11661,10 @@
                         <a:defRPr/>
                       </a:pPr>
                       <a:r>
-                        <a:rPr kumimoji="0" lang="pt-BR" altLang="pt-BR" sz="800" b="0" i="0" u="none" strike="noStrike" cap="none" normalizeH="0" baseline="0" dirty="0">
+                        <a:rPr kumimoji="0" lang="pt-BR" altLang="pt-BR" sz="800" u="none" strike="noStrike" cap="none" normalizeH="0" baseline="0" dirty="0">
                           <a:ln>
                             <a:noFill/>
                           </a:ln>
-                          <a:solidFill>
-                            <a:srgbClr val="FF0000"/>
-                          </a:solidFill>
                           <a:effectLst/>
                           <a:latin typeface="Arial" panose="020B0604020202020204" pitchFamily="34" charset="0"/>
                           <a:cs typeface="Arial" panose="020B0604020202020204" pitchFamily="34" charset="0"/>
@@ -13603,25 +11672,18 @@
                         <a:t>TA5.16 – Tentar criar dois favorecidos ou pagadores sem </a:t>
                       </a:r>
                       <a:r>
-                        <a:rPr lang="pt-BR" sz="800" b="0" i="0" kern="1200" dirty="0">
-                          <a:solidFill>
-                            <a:srgbClr val="FF0000"/>
-                          </a:solidFill>
+                        <a:rPr lang="pt-BR" sz="800" kern="1200" dirty="0">
                           <a:effectLst/>
                           <a:latin typeface="Arial" panose="020B0604020202020204" pitchFamily="34" charset="0"/>
-                          <a:ea typeface="DejaVu Sans" charset="0"/>
                           <a:cs typeface="Arial" panose="020B0604020202020204" pitchFamily="34" charset="0"/>
                         </a:rPr>
                         <a:t>CEP</a:t>
                       </a:r>
                       <a:r>
-                        <a:rPr kumimoji="0" lang="pt-BR" altLang="pt-BR" sz="800" b="0" i="0" u="none" strike="noStrike" cap="none" normalizeH="0" baseline="0" dirty="0">
+                        <a:rPr kumimoji="0" lang="pt-BR" altLang="pt-BR" sz="800" u="none" strike="noStrike" cap="none" normalizeH="0" baseline="0" dirty="0">
                           <a:ln>
                             <a:noFill/>
                           </a:ln>
-                          <a:solidFill>
-                            <a:srgbClr val="FF0000"/>
-                          </a:solidFill>
                           <a:effectLst/>
                           <a:latin typeface="Arial" panose="020B0604020202020204" pitchFamily="34" charset="0"/>
                           <a:cs typeface="Arial" panose="020B0604020202020204" pitchFamily="34" charset="0"/>
@@ -13720,11 +11782,6 @@
                           <a:ln>
                             <a:noFill/>
                           </a:ln>
-                          <a:solidFill>
-                            <a:schemeClr val="accent6">
-                              <a:lumMod val="75000"/>
-                            </a:schemeClr>
-                          </a:solidFill>
                           <a:effectLst/>
                           <a:latin typeface="Arial" panose="020B0604020202020204" pitchFamily="34" charset="0"/>
                           <a:cs typeface="Arial" panose="020B0604020202020204" pitchFamily="34" charset="0"/>
@@ -13770,13 +11827,9 @@
                         <a:t>Tipo de Pessoa, CPF/CNPJ, </a:t>
                       </a:r>
                       <a:r>
-                        <a:rPr lang="pt-BR" sz="800" b="0" i="0" kern="1200" dirty="0">
-                          <a:solidFill>
-                            <a:schemeClr val="tx1"/>
-                          </a:solidFill>
+                        <a:rPr lang="pt-BR" sz="800" kern="1200" dirty="0">
                           <a:effectLst/>
                           <a:latin typeface="Arial" panose="020B0604020202020204" pitchFamily="34" charset="0"/>
-                          <a:ea typeface="+mn-ea"/>
                           <a:cs typeface="Arial" panose="020B0604020202020204" pitchFamily="34" charset="0"/>
                         </a:rPr>
                         <a:t>RG, </a:t>
@@ -13789,13 +11842,9 @@
                         <a:t>Nome, </a:t>
                       </a:r>
                       <a:r>
-                        <a:rPr lang="pt-BR" sz="800" b="0" i="0" kern="1200" dirty="0">
-                          <a:solidFill>
-                            <a:schemeClr val="tx1"/>
-                          </a:solidFill>
+                        <a:rPr lang="pt-BR" sz="800" kern="1200" dirty="0">
                           <a:effectLst/>
                           <a:latin typeface="Arial" panose="020B0604020202020204" pitchFamily="34" charset="0"/>
-                          <a:ea typeface="+mn-ea"/>
                           <a:cs typeface="Arial" panose="020B0604020202020204" pitchFamily="34" charset="0"/>
                         </a:rPr>
                         <a:t>E-mail, Telefone, Endereço, Observações.</a:t>
@@ -14223,10 +12272,10 @@
       </p:grpSpPr>
       <p:graphicFrame>
         <p:nvGraphicFramePr>
-          <p:cNvPr id="4" name="Group 1">
+          <p:cNvPr id="2" name="Group 1">
             <a:extLst>
               <a:ext uri="{FF2B5EF4-FFF2-40B4-BE49-F238E27FC236}">
-                <a16:creationId xmlns:a16="http://schemas.microsoft.com/office/drawing/2014/main" id="{1CB0F21D-7DD7-43E3-B3CC-D2254C0111FA}"/>
+                <a16:creationId xmlns:a16="http://schemas.microsoft.com/office/drawing/2014/main" id="{2BFCB24D-1254-4209-AEF2-9E90018FFA27}"/>
               </a:ext>
             </a:extLst>
           </p:cNvPr>
@@ -14236,21 +12285,23 @@
           <p:nvPr>
             <p:extLst>
               <p:ext uri="{D42A27DB-BD31-4B8C-83A1-F6EECF244321}">
-                <p14:modId xmlns:p14="http://schemas.microsoft.com/office/powerpoint/2010/main" val="4175209589"/>
+                <p14:modId xmlns:p14="http://schemas.microsoft.com/office/powerpoint/2010/main" val="3713938778"/>
               </p:ext>
             </p:extLst>
           </p:nvPr>
         </p:nvGraphicFramePr>
         <p:xfrm>
-          <a:off x="2351089" y="260351"/>
-          <a:ext cx="7921625" cy="6380163"/>
+          <a:off x="129952" y="114300"/>
+          <a:ext cx="11856102" cy="6382022"/>
         </p:xfrm>
         <a:graphic>
           <a:graphicData uri="http://schemas.openxmlformats.org/drawingml/2006/table">
             <a:tbl>
-              <a:tblPr/>
+              <a:tblPr>
+                <a:tableStyleId>{69CF1AB2-1976-4502-BF36-3FF5EA218861}</a:tableStyleId>
+              </a:tblPr>
               <a:tblGrid>
-                <a:gridCol w="7921625">
+                <a:gridCol w="11856102">
                   <a:extLst>
                     <a:ext uri="{9D8B030D-6E8A-4147-A177-3AD203B41FA5}">
                       <a16:colId xmlns:a16="http://schemas.microsoft.com/office/drawing/2014/main" val="20000"/>
@@ -14258,7 +12309,7 @@
                   </a:extLst>
                 </a:gridCol>
               </a:tblGrid>
-              <a:tr h="620849">
+              <a:tr h="360455">
                 <a:tc>
                   <a:txBody>
                     <a:bodyPr/>
@@ -14570,68 +12621,32 @@
                         </a:tabLst>
                       </a:pPr>
                       <a:r>
-                        <a:rPr kumimoji="0" lang="pt-BR" altLang="pt-BR" sz="1100" b="0" i="0" u="none" strike="noStrike" cap="none" normalizeH="0" baseline="0" dirty="0">
+                        <a:rPr kumimoji="0" lang="pt-BR" altLang="pt-BR" sz="800" u="none" strike="noStrike" kern="1200" cap="none" normalizeH="0" baseline="0" dirty="0">
                           <a:ln>
                             <a:noFill/>
                           </a:ln>
-                          <a:solidFill>
-                            <a:srgbClr val="123452"/>
-                          </a:solidFill>
                           <a:effectLst/>
-                          <a:latin typeface="Arial" charset="0"/>
-                          <a:cs typeface="Arial" charset="0"/>
+                          <a:latin typeface="Arial" panose="020B0604020202020204" pitchFamily="34" charset="0"/>
+                          <a:cs typeface="Arial" panose="020B0604020202020204" pitchFamily="34" charset="0"/>
                         </a:rPr>
                         <a:t>US07 – NOTIFICAR ALERTAS PARA LEMBRAR UM LANÇAMENTO PENDENTE</a:t>
                       </a:r>
+                      <a:endParaRPr kumimoji="0" lang="pt-BR" altLang="pt-BR" sz="800" b="1" u="none" strike="noStrike" kern="1200" cap="none" normalizeH="0" baseline="0" dirty="0">
+                        <a:ln>
+                          <a:noFill/>
+                        </a:ln>
+                        <a:solidFill>
+                          <a:schemeClr val="accent6">
+                            <a:lumMod val="75000"/>
+                          </a:schemeClr>
+                        </a:solidFill>
+                        <a:effectLst/>
+                        <a:latin typeface="Arial" panose="020B0604020202020204" pitchFamily="34" charset="0"/>
+                        <a:cs typeface="Arial" panose="020B0604020202020204" pitchFamily="34" charset="0"/>
+                      </a:endParaRPr>
                     </a:p>
                   </a:txBody>
-                  <a:tcPr marT="59329" marB="45722" horzOverflow="overflow">
-                    <a:lnL w="6840" cap="flat" cmpd="sng" algn="ctr">
-                      <a:solidFill>
-                        <a:srgbClr val="000000"/>
-                      </a:solidFill>
-                      <a:prstDash val="solid"/>
-                      <a:round/>
-                      <a:headEnd type="none" w="med" len="med"/>
-                      <a:tailEnd type="none" w="med" len="med"/>
-                    </a:lnL>
-                    <a:lnR w="6840" cap="flat" cmpd="sng" algn="ctr">
-                      <a:solidFill>
-                        <a:srgbClr val="000000"/>
-                      </a:solidFill>
-                      <a:prstDash val="solid"/>
-                      <a:round/>
-                      <a:headEnd type="none" w="med" len="med"/>
-                      <a:tailEnd type="none" w="med" len="med"/>
-                    </a:lnR>
-                    <a:lnT w="6840" cap="flat" cmpd="sng" algn="ctr">
-                      <a:solidFill>
-                        <a:srgbClr val="000000"/>
-                      </a:solidFill>
-                      <a:prstDash val="solid"/>
-                      <a:round/>
-                      <a:headEnd type="none" w="med" len="med"/>
-                      <a:tailEnd type="none" w="med" len="med"/>
-                    </a:lnT>
-                    <a:lnB w="2880" cap="flat" cmpd="sng" algn="ctr">
-                      <a:solidFill>
-                        <a:srgbClr val="000000"/>
-                      </a:solidFill>
-                      <a:prstDash val="solid"/>
-                      <a:round/>
-                      <a:headEnd type="none" w="med" len="med"/>
-                      <a:tailEnd type="none" w="med" len="med"/>
-                    </a:lnB>
-                    <a:lnTlToBr>
-                      <a:noFill/>
-                    </a:lnTlToBr>
-                    <a:lnBlToTr>
-                      <a:noFill/>
-                    </a:lnBlToTr>
-                    <a:solidFill>
-                      <a:srgbClr val="9B6261"/>
-                    </a:solidFill>
-                  </a:tcPr>
+                  <a:tcPr marT="59335" marB="45726" anchor="ctr" horzOverflow="overflow"/>
                 </a:tc>
                 <a:extLst>
                   <a:ext uri="{0D108BD9-81ED-4DB2-BD59-A6C34878D82A}">
@@ -14639,7 +12654,7 @@
                   </a:ext>
                 </a:extLst>
               </a:tr>
-              <a:tr h="562054">
+              <a:tr h="352121">
                 <a:tc>
                   <a:txBody>
                     <a:bodyPr/>
@@ -14926,7 +12941,7 @@
                           <a:spcPct val="94000"/>
                         </a:lnSpc>
                         <a:spcBef>
-                          <a:spcPts val="400"/>
+                          <a:spcPts val="450"/>
                         </a:spcBef>
                         <a:spcAft>
                           <a:spcPct val="0"/>
@@ -14949,142 +12964,21 @@
                           <a:tab pos="9144000" algn="l"/>
                           <a:tab pos="10058400" algn="l"/>
                         </a:tabLst>
-                        <a:defRPr/>
                       </a:pPr>
                       <a:r>
-                        <a:rPr kumimoji="0" lang="pt-BR" altLang="pt-BR" sz="1100" b="1" i="1" u="none" strike="noStrike" cap="none" normalizeH="0" baseline="0" dirty="0">
+                        <a:rPr kumimoji="0" lang="pt-BR" altLang="pt-BR" sz="800" u="none" strike="noStrike" kern="1200" cap="none" normalizeH="0" baseline="0" dirty="0">
                           <a:ln>
                             <a:noFill/>
                           </a:ln>
-                          <a:solidFill>
-                            <a:schemeClr val="accent4">
-                              <a:lumMod val="60000"/>
-                              <a:lumOff val="40000"/>
-                            </a:schemeClr>
-                          </a:solidFill>
                           <a:effectLst/>
-                          <a:latin typeface="Arial" charset="0"/>
-                          <a:cs typeface="Arial" charset="0"/>
+                          <a:latin typeface="Arial" panose="020B0604020202020204" pitchFamily="34" charset="0"/>
+                          <a:cs typeface="Arial" panose="020B0604020202020204" pitchFamily="34" charset="0"/>
                         </a:rPr>
-                        <a:t>Como</a:t>
-                      </a:r>
-                      <a:r>
-                        <a:rPr kumimoji="0" lang="pt-BR" altLang="pt-BR" sz="1100" b="1" i="1" u="none" strike="noStrike" cap="none" normalizeH="0" baseline="0" dirty="0">
-                          <a:ln>
-                            <a:noFill/>
-                          </a:ln>
-                          <a:solidFill>
-                            <a:srgbClr val="123452"/>
-                          </a:solidFill>
-                          <a:effectLst/>
-                          <a:latin typeface="Arial" charset="0"/>
-                          <a:cs typeface="Arial" charset="0"/>
-                        </a:rPr>
-                        <a:t> usuário </a:t>
-                      </a:r>
-                      <a:r>
-                        <a:rPr kumimoji="0" lang="pt-BR" altLang="pt-BR" sz="1100" b="1" i="1" u="none" strike="noStrike" cap="none" normalizeH="0" baseline="0" dirty="0">
-                          <a:ln>
-                            <a:noFill/>
-                          </a:ln>
-                          <a:solidFill>
-                            <a:srgbClr val="C05CA0"/>
-                          </a:solidFill>
-                          <a:effectLst/>
-                          <a:latin typeface="Arial" charset="0"/>
-                          <a:cs typeface="Arial" charset="0"/>
-                        </a:rPr>
-                        <a:t>desejo</a:t>
-                      </a:r>
-                      <a:r>
-                        <a:rPr kumimoji="0" lang="pt-BR" altLang="pt-BR" sz="1100" b="1" i="1" u="none" strike="noStrike" cap="none" normalizeH="0" baseline="0" dirty="0">
-                          <a:ln>
-                            <a:noFill/>
-                          </a:ln>
-                          <a:solidFill>
-                            <a:srgbClr val="123452"/>
-                          </a:solidFill>
-                          <a:effectLst/>
-                          <a:latin typeface="Arial" charset="0"/>
-                          <a:cs typeface="Arial" charset="0"/>
-                        </a:rPr>
-                        <a:t> definir uma notificação de alerta de um lançamento </a:t>
-                      </a:r>
-                      <a:r>
-                        <a:rPr kumimoji="0" lang="pt-BR" altLang="pt-BR" sz="1100" b="1" i="1" u="none" strike="noStrike" cap="none" normalizeH="0" baseline="0" dirty="0">
-                          <a:ln>
-                            <a:noFill/>
-                          </a:ln>
-                          <a:solidFill>
-                            <a:srgbClr val="C05CA0"/>
-                          </a:solidFill>
-                          <a:effectLst/>
-                          <a:latin typeface="Arial" charset="0"/>
-                          <a:cs typeface="Arial" charset="0"/>
-                        </a:rPr>
-                        <a:t>para</a:t>
-                      </a:r>
-                      <a:r>
-                        <a:rPr kumimoji="0" lang="pt-BR" altLang="pt-BR" sz="1100" b="1" i="1" u="none" strike="noStrike" cap="none" normalizeH="0" baseline="0" dirty="0">
-                          <a:ln>
-                            <a:noFill/>
-                          </a:ln>
-                          <a:solidFill>
-                            <a:srgbClr val="123452"/>
-                          </a:solidFill>
-                          <a:effectLst/>
-                          <a:latin typeface="Arial" charset="0"/>
-                          <a:cs typeface="Arial" charset="0"/>
-                        </a:rPr>
-                        <a:t> lembrar quando estiver próximo um lançamento pendente. </a:t>
+                        <a:t>Como usuário desejo definir uma notificação de alerta de um lançamento para lembrar quando estiver próximo um lançamento pendente. </a:t>
                       </a:r>
                     </a:p>
                   </a:txBody>
-                  <a:tcPr marT="57817" marB="45722" horzOverflow="overflow">
-                    <a:lnL w="6840" cap="flat" cmpd="sng" algn="ctr">
-                      <a:solidFill>
-                        <a:srgbClr val="000000"/>
-                      </a:solidFill>
-                      <a:prstDash val="solid"/>
-                      <a:round/>
-                      <a:headEnd type="none" w="med" len="med"/>
-                      <a:tailEnd type="none" w="med" len="med"/>
-                    </a:lnL>
-                    <a:lnR w="6840" cap="flat" cmpd="sng" algn="ctr">
-                      <a:solidFill>
-                        <a:srgbClr val="000000"/>
-                      </a:solidFill>
-                      <a:prstDash val="solid"/>
-                      <a:round/>
-                      <a:headEnd type="none" w="med" len="med"/>
-                      <a:tailEnd type="none" w="med" len="med"/>
-                    </a:lnR>
-                    <a:lnT w="2880" cap="flat" cmpd="sng" algn="ctr">
-                      <a:solidFill>
-                        <a:srgbClr val="000000"/>
-                      </a:solidFill>
-                      <a:prstDash val="solid"/>
-                      <a:round/>
-                      <a:headEnd type="none" w="med" len="med"/>
-                      <a:tailEnd type="none" w="med" len="med"/>
-                    </a:lnT>
-                    <a:lnB w="2880" cap="flat" cmpd="sng" algn="ctr">
-                      <a:solidFill>
-                        <a:srgbClr val="000000"/>
-                      </a:solidFill>
-                      <a:prstDash val="solid"/>
-                      <a:round/>
-                      <a:headEnd type="none" w="med" len="med"/>
-                      <a:tailEnd type="none" w="med" len="med"/>
-                    </a:lnB>
-                    <a:lnTlToBr>
-                      <a:noFill/>
-                    </a:lnTlToBr>
-                    <a:lnBlToTr>
-                      <a:noFill/>
-                    </a:lnBlToTr>
-                    <a:noFill/>
-                  </a:tcPr>
+                  <a:tcPr marT="57823" marB="45726" anchor="ctr" horzOverflow="overflow"/>
                 </a:tc>
                 <a:extLst>
                   <a:ext uri="{0D108BD9-81ED-4DB2-BD59-A6C34878D82A}">
@@ -15092,7 +12986,7 @@
                   </a:ext>
                 </a:extLst>
               </a:tr>
-              <a:tr h="833821">
+              <a:tr h="1097241">
                 <a:tc>
                   <a:txBody>
                     <a:bodyPr/>
@@ -15379,7 +13273,7 @@
                           <a:spcPct val="94000"/>
                         </a:lnSpc>
                         <a:spcBef>
-                          <a:spcPts val="400"/>
+                          <a:spcPts val="450"/>
                         </a:spcBef>
                         <a:spcAft>
                           <a:spcPct val="0"/>
@@ -15404,37 +13298,32 @@
                         </a:tabLst>
                       </a:pPr>
                       <a:r>
-                        <a:rPr kumimoji="0" lang="pt-BR" altLang="pt-BR" sz="1100" b="0" i="1" u="none" strike="noStrike" cap="none" normalizeH="0" baseline="0" dirty="0">
+                        <a:rPr kumimoji="0" lang="pt-BR" altLang="pt-BR" sz="800" u="none" strike="noStrike" kern="1200" cap="none" normalizeH="0" baseline="0" dirty="0">
                           <a:ln>
                             <a:noFill/>
                           </a:ln>
-                          <a:solidFill>
-                            <a:srgbClr val="C05CA0"/>
-                          </a:solidFill>
                           <a:effectLst/>
-                          <a:latin typeface="Arial" charset="0"/>
-                          <a:cs typeface="Arial" charset="0"/>
+                          <a:latin typeface="Arial" panose="020B0604020202020204" pitchFamily="34" charset="0"/>
+                          <a:cs typeface="Arial" panose="020B0604020202020204" pitchFamily="34" charset="0"/>
                         </a:rPr>
-                        <a:t>Tarefas</a:t>
+                        <a:t>TAREFAS</a:t>
                       </a:r>
                     </a:p>
                     <a:p>
-                      <a:pPr marL="285750" marR="0" lvl="0" indent="-285750" algn="l" defTabSz="449263" rtl="0" eaLnBrk="1" fontAlgn="base" latinLnBrk="0" hangingPunct="1">
+                      <a:pPr marL="171450" marR="0" lvl="0" indent="-171450" algn="l" defTabSz="449263" rtl="0" eaLnBrk="1" fontAlgn="base" latinLnBrk="0" hangingPunct="1">
                         <a:lnSpc>
                           <a:spcPct val="94000"/>
                         </a:lnSpc>
                         <a:spcBef>
-                          <a:spcPts val="350"/>
-                        </a:spcBef>
-                        <a:spcAft>
-                          <a:spcPct val="0"/>
-                        </a:spcAft>
-                        <a:buClr>
-                          <a:srgbClr val="000000"/>
-                        </a:buClr>
+                          <a:spcPts val="450"/>
+                        </a:spcBef>
+                        <a:spcAft>
+                          <a:spcPct val="0"/>
+                        </a:spcAft>
+                        <a:buClrTx/>
                         <a:buSzPct val="70000"/>
-                        <a:buFontTx/>
-                        <a:buChar char="-"/>
+                        <a:buFont typeface="Arial" panose="020B0604020202020204" pitchFamily="34" charset="0"/>
+                        <a:buChar char="•"/>
                         <a:tabLst>
                           <a:tab pos="0" algn="l"/>
                           <a:tab pos="914400" algn="l"/>
@@ -15451,37 +13340,32 @@
                         </a:tabLst>
                       </a:pPr>
                       <a:r>
-                        <a:rPr kumimoji="0" lang="pt-BR" altLang="pt-BR" sz="1100" b="1" i="0" u="none" strike="noStrike" cap="none" normalizeH="0" baseline="0" dirty="0">
+                        <a:rPr kumimoji="0" lang="pt-BR" altLang="pt-BR" sz="800" u="none" strike="noStrike" kern="1200" cap="none" normalizeH="0" baseline="0" dirty="0">
                           <a:ln>
                             <a:noFill/>
                           </a:ln>
-                          <a:solidFill>
-                            <a:srgbClr val="123452"/>
-                          </a:solidFill>
                           <a:effectLst/>
-                          <a:latin typeface="Arial" charset="0"/>
-                          <a:cs typeface="Arial" charset="0"/>
+                          <a:latin typeface="Arial" panose="020B0604020202020204" pitchFamily="34" charset="0"/>
+                          <a:cs typeface="Arial" panose="020B0604020202020204" pitchFamily="34" charset="0"/>
                         </a:rPr>
                         <a:t>Criar notificação de alerta</a:t>
                       </a:r>
                     </a:p>
                     <a:p>
-                      <a:pPr marL="285750" marR="0" lvl="0" indent="-285750" algn="l" defTabSz="449263" rtl="0" eaLnBrk="1" fontAlgn="base" latinLnBrk="0" hangingPunct="1">
+                      <a:pPr marL="171450" marR="0" lvl="0" indent="-171450" algn="l" defTabSz="449263" rtl="0" eaLnBrk="1" fontAlgn="base" latinLnBrk="0" hangingPunct="1">
                         <a:lnSpc>
                           <a:spcPct val="94000"/>
                         </a:lnSpc>
                         <a:spcBef>
-                          <a:spcPts val="350"/>
-                        </a:spcBef>
-                        <a:spcAft>
-                          <a:spcPct val="0"/>
-                        </a:spcAft>
-                        <a:buClr>
-                          <a:srgbClr val="000000"/>
-                        </a:buClr>
+                          <a:spcPts val="450"/>
+                        </a:spcBef>
+                        <a:spcAft>
+                          <a:spcPct val="0"/>
+                        </a:spcAft>
+                        <a:buClrTx/>
                         <a:buSzPct val="70000"/>
-                        <a:buFontTx/>
-                        <a:buChar char="-"/>
+                        <a:buFont typeface="Arial" panose="020B0604020202020204" pitchFamily="34" charset="0"/>
+                        <a:buChar char="•"/>
                         <a:tabLst>
                           <a:tab pos="0" algn="l"/>
                           <a:tab pos="914400" algn="l"/>
@@ -15498,66 +13382,19 @@
                         </a:tabLst>
                       </a:pPr>
                       <a:r>
-                        <a:rPr kumimoji="0" lang="pt-BR" altLang="pt-BR" sz="1100" b="1" i="0" u="none" strike="noStrike" cap="none" normalizeH="0" baseline="0" dirty="0">
+                        <a:rPr kumimoji="0" lang="pt-BR" altLang="pt-BR" sz="800" u="none" strike="noStrike" kern="1200" cap="none" normalizeH="0" baseline="0" dirty="0">
                           <a:ln>
                             <a:noFill/>
                           </a:ln>
-                          <a:solidFill>
-                            <a:srgbClr val="123452"/>
-                          </a:solidFill>
                           <a:effectLst/>
-                          <a:latin typeface="Arial" charset="0"/>
-                          <a:cs typeface="Arial" charset="0"/>
+                          <a:latin typeface="Arial" panose="020B0604020202020204" pitchFamily="34" charset="0"/>
+                          <a:cs typeface="Arial" panose="020B0604020202020204" pitchFamily="34" charset="0"/>
                         </a:rPr>
                         <a:t>Editar notificação de alerta</a:t>
                       </a:r>
                     </a:p>
                   </a:txBody>
-                  <a:tcPr marT="57817" marB="45722" horzOverflow="overflow">
-                    <a:lnL w="6840" cap="flat" cmpd="sng" algn="ctr">
-                      <a:solidFill>
-                        <a:srgbClr val="000000"/>
-                      </a:solidFill>
-                      <a:prstDash val="solid"/>
-                      <a:round/>
-                      <a:headEnd type="none" w="med" len="med"/>
-                      <a:tailEnd type="none" w="med" len="med"/>
-                    </a:lnL>
-                    <a:lnR w="6840" cap="flat" cmpd="sng" algn="ctr">
-                      <a:solidFill>
-                        <a:srgbClr val="000000"/>
-                      </a:solidFill>
-                      <a:prstDash val="solid"/>
-                      <a:round/>
-                      <a:headEnd type="none" w="med" len="med"/>
-                      <a:tailEnd type="none" w="med" len="med"/>
-                    </a:lnR>
-                    <a:lnT w="2880" cap="flat" cmpd="sng" algn="ctr">
-                      <a:solidFill>
-                        <a:srgbClr val="000000"/>
-                      </a:solidFill>
-                      <a:prstDash val="solid"/>
-                      <a:round/>
-                      <a:headEnd type="none" w="med" len="med"/>
-                      <a:tailEnd type="none" w="med" len="med"/>
-                    </a:lnT>
-                    <a:lnB w="2880" cap="flat" cmpd="sng" algn="ctr">
-                      <a:solidFill>
-                        <a:srgbClr val="000000"/>
-                      </a:solidFill>
-                      <a:prstDash val="solid"/>
-                      <a:round/>
-                      <a:headEnd type="none" w="med" len="med"/>
-                      <a:tailEnd type="none" w="med" len="med"/>
-                    </a:lnB>
-                    <a:lnTlToBr>
-                      <a:noFill/>
-                    </a:lnTlToBr>
-                    <a:lnBlToTr>
-                      <a:noFill/>
-                    </a:lnBlToTr>
-                    <a:noFill/>
-                  </a:tcPr>
+                  <a:tcPr marT="57823" marB="45726" anchor="ctr" horzOverflow="overflow"/>
                 </a:tc>
                 <a:extLst>
                   <a:ext uri="{0D108BD9-81ED-4DB2-BD59-A6C34878D82A}">
@@ -15565,7 +13402,7 @@
                   </a:ext>
                 </a:extLst>
               </a:tr>
-              <a:tr h="1790205">
+              <a:tr h="3295583">
                 <a:tc>
                   <a:txBody>
                     <a:bodyPr/>
@@ -15852,7 +13689,7 @@
                           <a:spcPct val="94000"/>
                         </a:lnSpc>
                         <a:spcBef>
-                          <a:spcPts val="400"/>
+                          <a:spcPts val="450"/>
                         </a:spcBef>
                         <a:spcAft>
                           <a:spcPct val="0"/>
@@ -15877,18 +13714,15 @@
                         </a:tabLst>
                       </a:pPr>
                       <a:r>
-                        <a:rPr kumimoji="0" lang="pt-BR" altLang="pt-BR" sz="1100" b="0" i="1" u="none" strike="noStrike" cap="none" normalizeH="0" baseline="0" dirty="0">
+                        <a:rPr kumimoji="0" lang="pt-BR" altLang="pt-BR" sz="800" u="none" strike="noStrike" kern="1200" cap="none" normalizeH="0" baseline="0" dirty="0">
                           <a:ln>
                             <a:noFill/>
                           </a:ln>
-                          <a:solidFill>
-                            <a:srgbClr val="C05CA0"/>
-                          </a:solidFill>
                           <a:effectLst/>
-                          <a:latin typeface="Arial" charset="0"/>
-                          <a:cs typeface="Arial" charset="0"/>
+                          <a:latin typeface="Arial" panose="020B0604020202020204" pitchFamily="34" charset="0"/>
+                          <a:cs typeface="Arial" panose="020B0604020202020204" pitchFamily="34" charset="0"/>
                         </a:rPr>
-                        <a:t>Regras de Negócio</a:t>
+                        <a:t>REGRAS DE NEGÓCIO</a:t>
                       </a:r>
                     </a:p>
                     <a:p>
@@ -15897,14 +13731,12 @@
                           <a:spcPct val="94000"/>
                         </a:lnSpc>
                         <a:spcBef>
-                          <a:spcPts val="350"/>
-                        </a:spcBef>
-                        <a:spcAft>
-                          <a:spcPct val="0"/>
-                        </a:spcAft>
-                        <a:buClr>
-                          <a:srgbClr val="000000"/>
-                        </a:buClr>
+                          <a:spcPts val="450"/>
+                        </a:spcBef>
+                        <a:spcAft>
+                          <a:spcPct val="0"/>
+                        </a:spcAft>
+                        <a:buClrTx/>
                         <a:buSzPct val="70000"/>
                         <a:buFontTx/>
                         <a:buNone/>
@@ -15924,16 +13756,13 @@
                         </a:tabLst>
                       </a:pPr>
                       <a:r>
-                        <a:rPr kumimoji="0" lang="pt-BR" altLang="pt-BR" sz="1100" b="1" i="0" u="none" strike="noStrike" cap="none" normalizeH="0" baseline="0" dirty="0">
+                        <a:rPr kumimoji="0" lang="pt-BR" altLang="pt-BR" sz="800" u="none" strike="noStrike" kern="1200" cap="none" normalizeH="0" baseline="0" dirty="0">
                           <a:ln>
                             <a:noFill/>
                           </a:ln>
-                          <a:solidFill>
-                            <a:srgbClr val="123452"/>
-                          </a:solidFill>
                           <a:effectLst/>
-                          <a:latin typeface="Arial" charset="0"/>
-                          <a:cs typeface="Arial" charset="0"/>
+                          <a:latin typeface="Arial" panose="020B0604020202020204" pitchFamily="34" charset="0"/>
+                          <a:cs typeface="Arial" panose="020B0604020202020204" pitchFamily="34" charset="0"/>
                         </a:rPr>
                         <a:t>RN71 – A criação de uma notificação de alerta está associada a um lançamento específico.</a:t>
                       </a:r>
@@ -15944,14 +13773,12 @@
                           <a:spcPct val="94000"/>
                         </a:lnSpc>
                         <a:spcBef>
-                          <a:spcPts val="350"/>
-                        </a:spcBef>
-                        <a:spcAft>
-                          <a:spcPct val="0"/>
-                        </a:spcAft>
-                        <a:buClr>
-                          <a:srgbClr val="000000"/>
-                        </a:buClr>
+                          <a:spcPts val="450"/>
+                        </a:spcBef>
+                        <a:spcAft>
+                          <a:spcPct val="0"/>
+                        </a:spcAft>
+                        <a:buClrTx/>
                         <a:buSzPct val="70000"/>
                         <a:buFontTx/>
                         <a:buNone/>
@@ -15971,16 +13798,13 @@
                         </a:tabLst>
                       </a:pPr>
                       <a:r>
-                        <a:rPr kumimoji="0" lang="pt-BR" altLang="pt-BR" sz="1100" b="1" i="0" u="none" strike="noStrike" cap="none" normalizeH="0" baseline="0" dirty="0">
+                        <a:rPr kumimoji="0" lang="pt-BR" altLang="pt-BR" sz="800" u="none" strike="noStrike" kern="1200" cap="none" normalizeH="0" baseline="0" dirty="0">
                           <a:ln>
                             <a:noFill/>
                           </a:ln>
-                          <a:solidFill>
-                            <a:srgbClr val="123452"/>
-                          </a:solidFill>
                           <a:effectLst/>
-                          <a:latin typeface="Arial" charset="0"/>
-                          <a:cs typeface="Arial" charset="0"/>
+                          <a:latin typeface="Arial" panose="020B0604020202020204" pitchFamily="34" charset="0"/>
+                          <a:cs typeface="Arial" panose="020B0604020202020204" pitchFamily="34" charset="0"/>
                         </a:rPr>
                         <a:t>RN72 – Para editar uma notificação de alerta, precisa editar primeiro o lançamento ao qual estará associada a notificação de alerta.</a:t>
                       </a:r>
@@ -15991,14 +13815,12 @@
                           <a:spcPct val="94000"/>
                         </a:lnSpc>
                         <a:spcBef>
-                          <a:spcPts val="350"/>
-                        </a:spcBef>
-                        <a:spcAft>
-                          <a:spcPct val="0"/>
-                        </a:spcAft>
-                        <a:buClr>
-                          <a:srgbClr val="000000"/>
-                        </a:buClr>
+                          <a:spcPts val="450"/>
+                        </a:spcBef>
+                        <a:spcAft>
+                          <a:spcPct val="0"/>
+                        </a:spcAft>
+                        <a:buClrTx/>
                         <a:buSzPct val="70000"/>
                         <a:buFontTx/>
                         <a:buNone/>
@@ -16018,16 +13840,13 @@
                         </a:tabLst>
                       </a:pPr>
                       <a:r>
-                        <a:rPr kumimoji="0" lang="pt-BR" altLang="pt-BR" sz="1100" b="1" i="0" u="none" strike="noStrike" cap="none" normalizeH="0" baseline="0" dirty="0">
+                        <a:rPr kumimoji="0" lang="pt-BR" altLang="pt-BR" sz="800" u="none" strike="noStrike" kern="1200" cap="none" normalizeH="0" baseline="0" dirty="0">
                           <a:ln>
                             <a:noFill/>
                           </a:ln>
-                          <a:solidFill>
-                            <a:srgbClr val="123452"/>
-                          </a:solidFill>
                           <a:effectLst/>
-                          <a:latin typeface="Arial" charset="0"/>
-                          <a:cs typeface="Arial" charset="0"/>
+                          <a:latin typeface="Arial" panose="020B0604020202020204" pitchFamily="34" charset="0"/>
+                          <a:cs typeface="Arial" panose="020B0604020202020204" pitchFamily="34" charset="0"/>
                         </a:rPr>
                         <a:t>RN72 – A notificação pode ser configurada para alertar N minutos, horas, dias ou semanas antes da data e hora do lançamento em questão.</a:t>
                       </a:r>
@@ -16038,14 +13857,12 @@
                           <a:spcPct val="94000"/>
                         </a:lnSpc>
                         <a:spcBef>
-                          <a:spcPts val="350"/>
-                        </a:spcBef>
-                        <a:spcAft>
-                          <a:spcPct val="0"/>
-                        </a:spcAft>
-                        <a:buClr>
-                          <a:srgbClr val="000000"/>
-                        </a:buClr>
+                          <a:spcPts val="450"/>
+                        </a:spcBef>
+                        <a:spcAft>
+                          <a:spcPct val="0"/>
+                        </a:spcAft>
+                        <a:buClrTx/>
                         <a:buSzPct val="70000"/>
                         <a:buFontTx/>
                         <a:buNone/>
@@ -16065,16 +13882,13 @@
                         </a:tabLst>
                       </a:pPr>
                       <a:r>
-                        <a:rPr kumimoji="0" lang="pt-BR" altLang="pt-BR" sz="1100" b="1" i="0" u="none" strike="noStrike" cap="none" normalizeH="0" baseline="0" dirty="0">
+                        <a:rPr kumimoji="0" lang="pt-BR" altLang="pt-BR" sz="800" u="none" strike="noStrike" kern="1200" cap="none" normalizeH="0" baseline="0" dirty="0">
                           <a:ln>
                             <a:noFill/>
                           </a:ln>
-                          <a:solidFill>
-                            <a:srgbClr val="123452"/>
-                          </a:solidFill>
                           <a:effectLst/>
-                          <a:latin typeface="Arial" charset="0"/>
-                          <a:cs typeface="Arial" charset="0"/>
+                          <a:latin typeface="Arial" panose="020B0604020202020204" pitchFamily="34" charset="0"/>
+                          <a:cs typeface="Arial" panose="020B0604020202020204" pitchFamily="34" charset="0"/>
                         </a:rPr>
                         <a:t>RN73 – A notificação deve ser visualizada na área de notificações do produto de software.</a:t>
                       </a:r>
@@ -16085,14 +13899,12 @@
                           <a:spcPct val="94000"/>
                         </a:lnSpc>
                         <a:spcBef>
-                          <a:spcPts val="350"/>
-                        </a:spcBef>
-                        <a:spcAft>
-                          <a:spcPct val="0"/>
-                        </a:spcAft>
-                        <a:buClr>
-                          <a:srgbClr val="000000"/>
-                        </a:buClr>
+                          <a:spcPts val="450"/>
+                        </a:spcBef>
+                        <a:spcAft>
+                          <a:spcPct val="0"/>
+                        </a:spcAft>
+                        <a:buClrTx/>
                         <a:buSzPct val="70000"/>
                         <a:buFontTx/>
                         <a:buNone/>
@@ -16112,77 +13924,62 @@
                         </a:tabLst>
                       </a:pPr>
                       <a:r>
-                        <a:rPr kumimoji="0" lang="pt-BR" altLang="pt-BR" sz="1100" b="1" i="0" u="none" strike="noStrike" cap="none" normalizeH="0" baseline="0" dirty="0">
+                        <a:rPr kumimoji="0" lang="pt-BR" altLang="pt-BR" sz="800" u="none" strike="noStrike" kern="1200" cap="none" normalizeH="0" baseline="0" dirty="0">
                           <a:ln>
                             <a:noFill/>
                           </a:ln>
-                          <a:solidFill>
-                            <a:srgbClr val="123452"/>
-                          </a:solidFill>
                           <a:effectLst/>
-                          <a:latin typeface="Arial" charset="0"/>
-                          <a:cs typeface="Arial" charset="0"/>
+                          <a:latin typeface="Arial" panose="020B0604020202020204" pitchFamily="34" charset="0"/>
+                          <a:cs typeface="Arial" panose="020B0604020202020204" pitchFamily="34" charset="0"/>
                         </a:rPr>
                         <a:t>RN74 - ...</a:t>
                       </a:r>
-                      <a:endParaRPr kumimoji="0" lang="pt-BR" altLang="pt-BR" sz="1100" b="0" i="1" u="none" strike="noStrike" cap="none" normalizeH="0" baseline="0" dirty="0">
+                    </a:p>
+                    <a:p>
+                      <a:pPr marL="0" marR="0" lvl="0" indent="0" algn="l" defTabSz="449263" rtl="0" eaLnBrk="1" fontAlgn="base" latinLnBrk="0" hangingPunct="1">
+                        <a:lnSpc>
+                          <a:spcPct val="94000"/>
+                        </a:lnSpc>
+                        <a:spcBef>
+                          <a:spcPts val="450"/>
+                        </a:spcBef>
+                        <a:spcAft>
+                          <a:spcPct val="0"/>
+                        </a:spcAft>
+                        <a:buClrTx/>
+                        <a:buSzPct val="70000"/>
+                        <a:buFontTx/>
+                        <a:buNone/>
+                        <a:tabLst>
+                          <a:tab pos="0" algn="l"/>
+                          <a:tab pos="914400" algn="l"/>
+                          <a:tab pos="1828800" algn="l"/>
+                          <a:tab pos="2743200" algn="l"/>
+                          <a:tab pos="3657600" algn="l"/>
+                          <a:tab pos="4572000" algn="l"/>
+                          <a:tab pos="5486400" algn="l"/>
+                          <a:tab pos="6400800" algn="l"/>
+                          <a:tab pos="7315200" algn="l"/>
+                          <a:tab pos="8229600" algn="l"/>
+                          <a:tab pos="9144000" algn="l"/>
+                          <a:tab pos="10058400" algn="l"/>
+                        </a:tabLst>
+                        <a:defRPr/>
+                      </a:pPr>
+                      <a:endParaRPr kumimoji="0" lang="pt-BR" altLang="pt-BR" sz="800" u="none" strike="noStrike" kern="1200" cap="none" normalizeH="0" baseline="0" dirty="0">
                         <a:ln>
                           <a:noFill/>
                         </a:ln>
                         <a:solidFill>
-                          <a:srgbClr val="C05CA0"/>
+                          <a:srgbClr val="000000"/>
                         </a:solidFill>
                         <a:effectLst/>
-                        <a:latin typeface="Arial" charset="0"/>
-                        <a:cs typeface="Arial" charset="0"/>
+                        <a:latin typeface="Arial" panose="020B0604020202020204" pitchFamily="34" charset="0"/>
+                        <a:cs typeface="Arial" panose="020B0604020202020204" pitchFamily="34" charset="0"/>
                       </a:endParaRPr>
                     </a:p>
                   </a:txBody>
-                  <a:tcPr marT="57817" marB="45722" horzOverflow="overflow">
-                    <a:lnL w="6840" cap="flat" cmpd="sng" algn="ctr">
-                      <a:solidFill>
-                        <a:srgbClr val="000000"/>
-                      </a:solidFill>
-                      <a:prstDash val="solid"/>
-                      <a:round/>
-                      <a:headEnd type="none" w="med" len="med"/>
-                      <a:tailEnd type="none" w="med" len="med"/>
-                    </a:lnL>
-                    <a:lnR w="6840" cap="flat" cmpd="sng" algn="ctr">
-                      <a:solidFill>
-                        <a:srgbClr val="000000"/>
-                      </a:solidFill>
-                      <a:prstDash val="solid"/>
-                      <a:round/>
-                      <a:headEnd type="none" w="med" len="med"/>
-                      <a:tailEnd type="none" w="med" len="med"/>
-                    </a:lnR>
-                    <a:lnT w="2880" cap="flat" cmpd="sng" algn="ctr">
-                      <a:solidFill>
-                        <a:srgbClr val="000000"/>
-                      </a:solidFill>
-                      <a:prstDash val="solid"/>
-                      <a:round/>
-                      <a:headEnd type="none" w="med" len="med"/>
-                      <a:tailEnd type="none" w="med" len="med"/>
-                    </a:lnT>
-                    <a:lnB w="2880" cap="flat" cmpd="sng" algn="ctr">
-                      <a:solidFill>
-                        <a:srgbClr val="000000"/>
-                      </a:solidFill>
-                      <a:prstDash val="solid"/>
-                      <a:round/>
-                      <a:headEnd type="none" w="med" len="med"/>
-                      <a:tailEnd type="none" w="med" len="med"/>
-                    </a:lnB>
-                    <a:lnTlToBr>
-                      <a:noFill/>
-                    </a:lnTlToBr>
-                    <a:lnBlToTr>
-                      <a:noFill/>
-                    </a:lnBlToTr>
-                    <a:noFill/>
-                  </a:tcPr>
+                  <a:tcPr marT="57823" marB="45726" anchor="ctr" horzOverflow="overflow"/>
                 </a:tc>
                 <a:extLst>
                   <a:ext uri="{0D108BD9-81ED-4DB2-BD59-A6C34878D82A}">
@@ -16190,7 +13987,7 @@
                   </a:ext>
                 </a:extLst>
               </a:tr>
-              <a:tr h="1449580">
+              <a:tr h="505571">
                 <a:tc>
                   <a:txBody>
                     <a:bodyPr/>
@@ -16477,7 +14274,7 @@
                           <a:spcPct val="94000"/>
                         </a:lnSpc>
                         <a:spcBef>
-                          <a:spcPts val="400"/>
+                          <a:spcPts val="450"/>
                         </a:spcBef>
                         <a:spcAft>
                           <a:spcPct val="0"/>
@@ -16502,18 +14299,15 @@
                         </a:tabLst>
                       </a:pPr>
                       <a:r>
-                        <a:rPr kumimoji="0" lang="pt-BR" altLang="pt-BR" sz="1100" b="0" i="1" u="none" strike="noStrike" cap="none" normalizeH="0" baseline="0" dirty="0">
+                        <a:rPr kumimoji="0" lang="pt-BR" altLang="pt-BR" sz="800" u="none" strike="noStrike" kern="1200" cap="none" normalizeH="0" baseline="0" dirty="0">
                           <a:ln>
                             <a:noFill/>
                           </a:ln>
-                          <a:solidFill>
-                            <a:srgbClr val="C05CA0"/>
-                          </a:solidFill>
                           <a:effectLst/>
-                          <a:latin typeface="Arial" charset="0"/>
-                          <a:cs typeface="Arial" charset="0"/>
+                          <a:latin typeface="Arial" panose="020B0604020202020204" pitchFamily="34" charset="0"/>
+                          <a:cs typeface="Arial" panose="020B0604020202020204" pitchFamily="34" charset="0"/>
                         </a:rPr>
-                        <a:t>Testes de Aceitação</a:t>
+                        <a:t>TESTES DE ACEITAÇÃO</a:t>
                       </a:r>
                     </a:p>
                     <a:p>
@@ -16546,67 +14340,20 @@
                           <a:tab pos="10058400" algn="l"/>
                         </a:tabLst>
                       </a:pPr>
-                      <a:r>
-                        <a:rPr kumimoji="0" lang="pt-BR" altLang="pt-BR" sz="1100" b="1" i="0" u="none" strike="noStrike" cap="none" normalizeH="0" baseline="0" dirty="0">
-                          <a:ln>
-                            <a:noFill/>
-                          </a:ln>
-                          <a:solidFill>
-                            <a:srgbClr val="00B050"/>
-                          </a:solidFill>
-                          <a:effectLst/>
-                          <a:latin typeface="Arial" charset="0"/>
-                          <a:cs typeface="Arial" charset="0"/>
-                        </a:rPr>
-                        <a:t>........</a:t>
-                      </a:r>
+                      <a:endParaRPr kumimoji="0" lang="pt-BR" altLang="pt-BR" sz="800" b="1" i="0" u="none" strike="noStrike" cap="none" normalizeH="0" baseline="0" dirty="0">
+                        <a:ln>
+                          <a:noFill/>
+                        </a:ln>
+                        <a:solidFill>
+                          <a:srgbClr val="00B050"/>
+                        </a:solidFill>
+                        <a:effectLst/>
+                        <a:latin typeface="Arial" panose="020B0604020202020204" pitchFamily="34" charset="0"/>
+                        <a:cs typeface="Arial" panose="020B0604020202020204" pitchFamily="34" charset="0"/>
+                      </a:endParaRPr>
                     </a:p>
                   </a:txBody>
-                  <a:tcPr marT="57817" marB="45722" horzOverflow="overflow">
-                    <a:lnL w="6840" cap="flat" cmpd="sng" algn="ctr">
-                      <a:solidFill>
-                        <a:srgbClr val="000000"/>
-                      </a:solidFill>
-                      <a:prstDash val="solid"/>
-                      <a:round/>
-                      <a:headEnd type="none" w="med" len="med"/>
-                      <a:tailEnd type="none" w="med" len="med"/>
-                    </a:lnL>
-                    <a:lnR w="6840" cap="flat" cmpd="sng" algn="ctr">
-                      <a:solidFill>
-                        <a:srgbClr val="000000"/>
-                      </a:solidFill>
-                      <a:prstDash val="solid"/>
-                      <a:round/>
-                      <a:headEnd type="none" w="med" len="med"/>
-                      <a:tailEnd type="none" w="med" len="med"/>
-                    </a:lnR>
-                    <a:lnT w="2880" cap="flat" cmpd="sng" algn="ctr">
-                      <a:solidFill>
-                        <a:srgbClr val="000000"/>
-                      </a:solidFill>
-                      <a:prstDash val="solid"/>
-                      <a:round/>
-                      <a:headEnd type="none" w="med" len="med"/>
-                      <a:tailEnd type="none" w="med" len="med"/>
-                    </a:lnT>
-                    <a:lnB w="2880" cap="flat" cmpd="sng" algn="ctr">
-                      <a:solidFill>
-                        <a:srgbClr val="000000"/>
-                      </a:solidFill>
-                      <a:prstDash val="solid"/>
-                      <a:round/>
-                      <a:headEnd type="none" w="med" len="med"/>
-                      <a:tailEnd type="none" w="med" len="med"/>
-                    </a:lnB>
-                    <a:lnTlToBr>
-                      <a:noFill/>
-                    </a:lnTlToBr>
-                    <a:lnBlToTr>
-                      <a:noFill/>
-                    </a:lnBlToTr>
-                    <a:noFill/>
-                  </a:tcPr>
+                  <a:tcPr marT="57823" marB="45726" anchor="ctr" horzOverflow="overflow"/>
                 </a:tc>
                 <a:extLst>
                   <a:ext uri="{0D108BD9-81ED-4DB2-BD59-A6C34878D82A}">
@@ -16614,7 +14361,7 @@
                   </a:ext>
                 </a:extLst>
               </a:tr>
-              <a:tr h="749525">
+              <a:tr h="525957">
                 <a:tc>
                   <a:txBody>
                     <a:bodyPr/>
@@ -16625,7 +14372,7 @@
                           <a:spcPct val="94000"/>
                         </a:lnSpc>
                         <a:spcBef>
-                          <a:spcPts val="350"/>
+                          <a:spcPts val="450"/>
                         </a:spcBef>
                         <a:spcAft>
                           <a:spcPct val="0"/>
@@ -16650,18 +14397,15 @@
                         </a:tabLst>
                       </a:pPr>
                       <a:r>
-                        <a:rPr kumimoji="0" lang="pt-BR" altLang="pt-BR" sz="1100" b="0" i="1" u="none" strike="noStrike" cap="none" normalizeH="0" baseline="0" dirty="0">
+                        <a:rPr kumimoji="0" lang="pt-BR" altLang="pt-BR" sz="800" u="none" strike="noStrike" kern="1200" cap="none" normalizeH="0" baseline="0" dirty="0">
                           <a:ln>
                             <a:noFill/>
                           </a:ln>
-                          <a:solidFill>
-                            <a:srgbClr val="C05CA0"/>
-                          </a:solidFill>
                           <a:effectLst/>
-                          <a:latin typeface="Arial" charset="0"/>
-                          <a:cs typeface="Arial" charset="0"/>
+                          <a:latin typeface="Arial" panose="020B0604020202020204" pitchFamily="34" charset="0"/>
+                          <a:cs typeface="Arial" panose="020B0604020202020204" pitchFamily="34" charset="0"/>
                         </a:rPr>
-                        <a:t>Requisitos de Dados</a:t>
+                        <a:t>REQUISITOS DE DADOS</a:t>
                       </a:r>
                     </a:p>
                     <a:p>
@@ -16670,7 +14414,7 @@
                           <a:spcPct val="94000"/>
                         </a:lnSpc>
                         <a:spcBef>
-                          <a:spcPts val="350"/>
+                          <a:spcPts val="450"/>
                         </a:spcBef>
                         <a:spcAft>
                           <a:spcPct val="0"/>
@@ -16695,150 +14439,15 @@
                         </a:tabLst>
                       </a:pPr>
                       <a:r>
-                        <a:rPr kumimoji="0" lang="pt-BR" altLang="pt-BR" sz="1100" b="1" i="0" u="none" strike="noStrike" cap="none" normalizeH="0" baseline="0" dirty="0">
-                          <a:ln>
-                            <a:noFill/>
-                          </a:ln>
-                          <a:solidFill>
-                            <a:srgbClr val="123452"/>
-                          </a:solidFill>
-                          <a:effectLst/>
-                          <a:latin typeface="Arial" charset="0"/>
-                          <a:cs typeface="Arial" charset="0"/>
+                        <a:rPr lang="pt-BR" sz="800" dirty="0">
+                          <a:latin typeface="Arial" panose="020B0604020202020204" pitchFamily="34" charset="0"/>
+                          <a:cs typeface="Arial" panose="020B0604020202020204" pitchFamily="34" charset="0"/>
                         </a:rPr>
-                        <a:t>Ativa</a:t>
-                      </a:r>
-                      <a:r>
-                        <a:rPr kumimoji="0" lang="es-PY" altLang="pt-BR" sz="1100" b="1" i="0" u="none" strike="noStrike" cap="none" normalizeH="0" baseline="0" dirty="0">
-                          <a:ln>
-                            <a:noFill/>
-                          </a:ln>
-                          <a:solidFill>
-                            <a:srgbClr val="123452"/>
-                          </a:solidFill>
-                          <a:effectLst/>
-                          <a:latin typeface="Arial" charset="0"/>
-                          <a:cs typeface="Arial" charset="0"/>
-                        </a:rPr>
-                        <a:t>/</a:t>
-                      </a:r>
-                      <a:r>
-                        <a:rPr kumimoji="0" lang="es-PY" altLang="pt-BR" sz="1100" b="1" i="0" u="none" strike="noStrike" cap="none" normalizeH="0" baseline="0" dirty="0" err="1">
-                          <a:ln>
-                            <a:noFill/>
-                          </a:ln>
-                          <a:solidFill>
-                            <a:srgbClr val="123452"/>
-                          </a:solidFill>
-                          <a:effectLst/>
-                          <a:latin typeface="Arial" charset="0"/>
-                          <a:cs typeface="Arial" charset="0"/>
-                        </a:rPr>
-                        <a:t>Desativa</a:t>
-                      </a:r>
-                      <a:r>
-                        <a:rPr kumimoji="0" lang="pt-BR" altLang="pt-BR" sz="1100" b="1" i="0" u="none" strike="noStrike" cap="none" normalizeH="0" baseline="0" dirty="0">
-                          <a:ln>
-                            <a:noFill/>
-                          </a:ln>
-                          <a:solidFill>
-                            <a:srgbClr val="123452"/>
-                          </a:solidFill>
-                          <a:effectLst/>
-                          <a:latin typeface="Arial" charset="0"/>
-                          <a:cs typeface="Arial" charset="0"/>
-                        </a:rPr>
-                        <a:t> notificação, quantidade, frequência (minutos, horas, dias ou semanas).</a:t>
+                        <a:t>Ativa/Desativa notificação, quantidade, frequência (minutos, horas, dias ou semanas).</a:t>
                       </a:r>
                     </a:p>
-                    <a:p>
-                      <a:pPr marL="0" marR="0" lvl="0" indent="0" algn="l" defTabSz="449263" rtl="0" eaLnBrk="1" fontAlgn="base" latinLnBrk="0" hangingPunct="1">
-                        <a:lnSpc>
-                          <a:spcPct val="94000"/>
-                        </a:lnSpc>
-                        <a:spcBef>
-                          <a:spcPts val="350"/>
-                        </a:spcBef>
-                        <a:spcAft>
-                          <a:spcPct val="0"/>
-                        </a:spcAft>
-                        <a:buClrTx/>
-                        <a:buSzPct val="70000"/>
-                        <a:buFontTx/>
-                        <a:buNone/>
-                        <a:tabLst>
-                          <a:tab pos="0" algn="l"/>
-                          <a:tab pos="914400" algn="l"/>
-                          <a:tab pos="1828800" algn="l"/>
-                          <a:tab pos="2743200" algn="l"/>
-                          <a:tab pos="3657600" algn="l"/>
-                          <a:tab pos="4572000" algn="l"/>
-                          <a:tab pos="5486400" algn="l"/>
-                          <a:tab pos="6400800" algn="l"/>
-                          <a:tab pos="7315200" algn="l"/>
-                          <a:tab pos="8229600" algn="l"/>
-                          <a:tab pos="9144000" algn="l"/>
-                          <a:tab pos="10058400" algn="l"/>
-                        </a:tabLst>
-                      </a:pPr>
-                      <a:endParaRPr kumimoji="0" lang="pt-BR" altLang="pt-BR" sz="1100" b="0" i="1" u="none" strike="noStrike" cap="none" normalizeH="0" baseline="0" dirty="0">
-                        <a:ln>
-                          <a:noFill/>
-                        </a:ln>
-                        <a:solidFill>
-                          <a:srgbClr val="C05CA0"/>
-                        </a:solidFill>
-                        <a:effectLst/>
-                        <a:latin typeface="Arial" charset="0"/>
-                        <a:cs typeface="Arial" charset="0"/>
-                      </a:endParaRPr>
-                    </a:p>
                   </a:txBody>
-                  <a:tcPr marT="57817" marB="45722" horzOverflow="overflow">
-                    <a:lnL w="6840" cap="flat" cmpd="sng" algn="ctr">
-                      <a:solidFill>
-                        <a:srgbClr val="000000"/>
-                      </a:solidFill>
-                      <a:prstDash val="solid"/>
-                      <a:round/>
-                      <a:headEnd type="none" w="med" len="med"/>
-                      <a:tailEnd type="none" w="med" len="med"/>
-                    </a:lnL>
-                    <a:lnR w="6840" cap="flat" cmpd="sng" algn="ctr">
-                      <a:solidFill>
-                        <a:srgbClr val="000000"/>
-                      </a:solidFill>
-                      <a:prstDash val="solid"/>
-                      <a:round/>
-                      <a:headEnd type="none" w="med" len="med"/>
-                      <a:tailEnd type="none" w="med" len="med"/>
-                    </a:lnR>
-                    <a:lnT w="2880" cap="flat" cmpd="sng" algn="ctr">
-                      <a:solidFill>
-                        <a:srgbClr val="000000"/>
-                      </a:solidFill>
-                      <a:prstDash val="solid"/>
-                      <a:round/>
-                      <a:headEnd type="none" w="med" len="med"/>
-                      <a:tailEnd type="none" w="med" len="med"/>
-                    </a:lnT>
-                    <a:lnB w="2880" cap="flat" cmpd="sng" algn="ctr">
-                      <a:solidFill>
-                        <a:srgbClr val="000000"/>
-                      </a:solidFill>
-                      <a:prstDash val="solid"/>
-                      <a:round/>
-                      <a:headEnd type="none" w="med" len="med"/>
-                      <a:tailEnd type="none" w="med" len="med"/>
-                    </a:lnB>
-                    <a:lnTlToBr>
-                      <a:noFill/>
-                    </a:lnTlToBr>
-                    <a:lnBlToTr>
-                      <a:noFill/>
-                    </a:lnBlToTr>
-                    <a:noFill/>
-                  </a:tcPr>
+                  <a:tcPr marT="57823" marB="45726" anchor="ctr" horzOverflow="overflow"/>
                 </a:tc>
                 <a:extLst>
                   <a:ext uri="{0D108BD9-81ED-4DB2-BD59-A6C34878D82A}">
@@ -16846,7 +14455,7 @@
                   </a:ext>
                 </a:extLst>
               </a:tr>
-              <a:tr h="374129">
+              <a:tr h="245094">
                 <a:tc>
                   <a:txBody>
                     <a:bodyPr/>
@@ -17133,7 +14742,7 @@
                           <a:spcPct val="94000"/>
                         </a:lnSpc>
                         <a:spcBef>
-                          <a:spcPts val="400"/>
+                          <a:spcPts val="450"/>
                         </a:spcBef>
                         <a:spcAft>
                           <a:spcPct val="0"/>
@@ -17158,119 +14767,30 @@
                         </a:tabLst>
                       </a:pPr>
                       <a:r>
-                        <a:rPr kumimoji="0" lang="pt-BR" altLang="pt-BR" sz="1100" b="0" i="1" u="none" strike="noStrike" cap="none" normalizeH="0" baseline="0" dirty="0">
+                        <a:rPr kumimoji="0" lang="pt-BR" altLang="pt-BR" sz="800" u="none" strike="noStrike" kern="1200" cap="none" normalizeH="0" baseline="0" dirty="0">
                           <a:ln>
                             <a:noFill/>
                           </a:ln>
-                          <a:solidFill>
-                            <a:srgbClr val="C05CA0"/>
-                          </a:solidFill>
                           <a:effectLst/>
-                          <a:latin typeface="Arial" charset="0"/>
-                          <a:cs typeface="Arial" charset="0"/>
+                          <a:latin typeface="Arial" panose="020B0604020202020204" pitchFamily="34" charset="0"/>
+                          <a:cs typeface="Arial" panose="020B0604020202020204" pitchFamily="34" charset="0"/>
                         </a:rPr>
-                        <a:t>Estimativa: ...</a:t>
+                        <a:t>Estimativa: ...horas                                           Tempo de Elaboração:  ...horas</a:t>
                       </a:r>
-                      <a:r>
-                        <a:rPr kumimoji="0" lang="pt-BR" altLang="pt-BR" sz="1100" b="0" i="1" u="none" strike="noStrike" cap="none" normalizeH="0" baseline="0" dirty="0">
-                          <a:ln>
-                            <a:noFill/>
-                          </a:ln>
-                          <a:solidFill>
-                            <a:schemeClr val="tx1"/>
-                          </a:solidFill>
-                          <a:effectLst/>
-                          <a:latin typeface="Arial" charset="0"/>
-                          <a:cs typeface="Arial" charset="0"/>
-                        </a:rPr>
-                        <a:t>horas                                           </a:t>
-                      </a:r>
-                      <a:r>
-                        <a:rPr kumimoji="0" lang="pt-BR" altLang="pt-BR" sz="1100" b="0" i="1" u="none" strike="noStrike" cap="none" normalizeH="0" baseline="0" dirty="0">
-                          <a:ln>
-                            <a:noFill/>
-                          </a:ln>
-                          <a:solidFill>
-                            <a:srgbClr val="C05CA0"/>
-                          </a:solidFill>
-                          <a:effectLst/>
-                          <a:latin typeface="Arial" charset="0"/>
-                          <a:cs typeface="Arial" charset="0"/>
-                        </a:rPr>
-                        <a:t>Tempo de Elaboração:  ...</a:t>
-                      </a:r>
-                      <a:r>
-                        <a:rPr kumimoji="0" lang="pt-BR" altLang="pt-BR" sz="1100" b="0" i="1" u="none" strike="noStrike" cap="none" normalizeH="0" baseline="0" dirty="0">
-                          <a:ln>
-                            <a:noFill/>
-                          </a:ln>
-                          <a:solidFill>
-                            <a:schemeClr val="tx1"/>
-                          </a:solidFill>
-                          <a:effectLst/>
-                          <a:latin typeface="Arial" charset="0"/>
-                          <a:cs typeface="Arial" charset="0"/>
-                        </a:rPr>
-                        <a:t>horas</a:t>
-                      </a:r>
-                      <a:endParaRPr kumimoji="0" lang="pt-BR" altLang="pt-BR" sz="1100" b="0" i="1" u="none" strike="noStrike" cap="none" normalizeH="0" baseline="0" dirty="0">
+                      <a:endParaRPr kumimoji="0" lang="pt-BR" altLang="pt-BR" sz="800" u="none" strike="noStrike" kern="1200" cap="none" normalizeH="0" baseline="0" dirty="0">
                         <a:ln>
                           <a:noFill/>
                         </a:ln>
                         <a:solidFill>
-                          <a:srgbClr val="C05CA0"/>
+                          <a:srgbClr val="000000"/>
                         </a:solidFill>
                         <a:effectLst/>
-                        <a:latin typeface="Arial" charset="0"/>
-                        <a:cs typeface="Arial" charset="0"/>
+                        <a:latin typeface="Arial" panose="020B0604020202020204" pitchFamily="34" charset="0"/>
+                        <a:cs typeface="Arial" panose="020B0604020202020204" pitchFamily="34" charset="0"/>
                       </a:endParaRPr>
                     </a:p>
                   </a:txBody>
-                  <a:tcPr marT="57817" marB="45722" horzOverflow="overflow">
-                    <a:lnL w="6840" cap="flat" cmpd="sng" algn="ctr">
-                      <a:solidFill>
-                        <a:srgbClr val="000000"/>
-                      </a:solidFill>
-                      <a:prstDash val="solid"/>
-                      <a:round/>
-                      <a:headEnd type="none" w="med" len="med"/>
-                      <a:tailEnd type="none" w="med" len="med"/>
-                    </a:lnL>
-                    <a:lnR w="6840" cap="flat" cmpd="sng" algn="ctr">
-                      <a:solidFill>
-                        <a:srgbClr val="000000"/>
-                      </a:solidFill>
-                      <a:prstDash val="solid"/>
-                      <a:round/>
-                      <a:headEnd type="none" w="med" len="med"/>
-                      <a:tailEnd type="none" w="med" len="med"/>
-                    </a:lnR>
-                    <a:lnT w="2880" cap="flat" cmpd="sng" algn="ctr">
-                      <a:solidFill>
-                        <a:srgbClr val="000000"/>
-                      </a:solidFill>
-                      <a:prstDash val="solid"/>
-                      <a:round/>
-                      <a:headEnd type="none" w="med" len="med"/>
-                      <a:tailEnd type="none" w="med" len="med"/>
-                    </a:lnT>
-                    <a:lnB w="2880" cap="flat" cmpd="sng" algn="ctr">
-                      <a:solidFill>
-                        <a:srgbClr val="000000"/>
-                      </a:solidFill>
-                      <a:prstDash val="solid"/>
-                      <a:round/>
-                      <a:headEnd type="none" w="med" len="med"/>
-                      <a:tailEnd type="none" w="med" len="med"/>
-                    </a:lnB>
-                    <a:lnTlToBr>
-                      <a:noFill/>
-                    </a:lnTlToBr>
-                    <a:lnBlToTr>
-                      <a:noFill/>
-                    </a:lnBlToTr>
-                    <a:noFill/>
-                  </a:tcPr>
+                  <a:tcPr marT="57823" marB="45726" anchor="ctr" horzOverflow="overflow"/>
                 </a:tc>
                 <a:extLst>
                   <a:ext uri="{0D108BD9-81ED-4DB2-BD59-A6C34878D82A}">
@@ -17282,99 +14802,16 @@
           </a:graphicData>
         </a:graphic>
       </p:graphicFrame>
-      <p:pic>
-        <p:nvPicPr>
-          <p:cNvPr id="30740" name="Imagen 1">
-            <a:extLst>
-              <a:ext uri="{FF2B5EF4-FFF2-40B4-BE49-F238E27FC236}">
-                <a16:creationId xmlns:a16="http://schemas.microsoft.com/office/drawing/2014/main" id="{662D63F0-550D-4533-8FC0-845483CFBEE2}"/>
-              </a:ext>
-            </a:extLst>
-          </p:cNvPr>
-          <p:cNvPicPr>
-            <a:picLocks noChangeAspect="1"/>
-          </p:cNvPicPr>
-          <p:nvPr/>
-        </p:nvPicPr>
-        <p:blipFill>
-          <a:blip r:embed="rId3">
-            <a:extLst>
-              <a:ext uri="{28A0092B-C50C-407E-A947-70E740481C1C}">
-                <a14:useLocalDpi xmlns:a14="http://schemas.microsoft.com/office/drawing/2010/main" val="0"/>
-              </a:ext>
-            </a:extLst>
-          </a:blip>
-          <a:srcRect/>
-          <a:stretch>
-            <a:fillRect/>
-          </a:stretch>
-        </p:blipFill>
-        <p:spPr bwMode="auto">
-          <a:xfrm>
-            <a:off x="6600825" y="4149726"/>
-            <a:ext cx="2457450" cy="1266825"/>
-          </a:xfrm>
-          <a:prstGeom prst="rect">
-            <a:avLst/>
-          </a:prstGeom>
-          <a:noFill/>
-          <a:ln>
-            <a:noFill/>
-          </a:ln>
-          <a:extLst>
-            <a:ext uri="{909E8E84-426E-40DD-AFC4-6F175D3DCCD1}">
-              <a14:hiddenFill xmlns:a14="http://schemas.microsoft.com/office/drawing/2010/main">
-                <a:solidFill>
-                  <a:srgbClr val="FFFFFF"/>
-                </a:solidFill>
-              </a14:hiddenFill>
-            </a:ext>
-            <a:ext uri="{91240B29-F687-4F45-9708-019B960494DF}">
-              <a14:hiddenLine xmlns:a14="http://schemas.microsoft.com/office/drawing/2010/main" w="9525">
-                <a:solidFill>
-                  <a:srgbClr val="000000"/>
-                </a:solidFill>
-                <a:miter lim="800000"/>
-                <a:headEnd/>
-                <a:tailEnd/>
-              </a14:hiddenLine>
-            </a:ext>
-          </a:extLst>
-        </p:spPr>
-      </p:pic>
     </p:spTree>
+    <p:extLst>
+      <p:ext uri="{BB962C8B-B14F-4D97-AF65-F5344CB8AC3E}">
+        <p14:creationId xmlns:p14="http://schemas.microsoft.com/office/powerpoint/2010/main" val="868713798"/>
+      </p:ext>
+    </p:extLst>
   </p:cSld>
   <p:clrMapOvr>
     <a:masterClrMapping/>
   </p:clrMapOvr>
-  <p:transition spd="med"/>
-  <p:timing>
-    <p:tnLst>
-      <p:par>
-        <p:cTn id="1" dur="indefinite" restart="never" nodeType="tmRoot">
-          <p:childTnLst>
-            <p:seq concurrent="1" nextAc="seek">
-              <p:cTn id="2" dur="0" nodeType="mainSeq"/>
-              <p:prevCondLst>
-                <p:cond evt="onPrev" delay="0">
-                  <p:tgtEl>
-                    <p:sldTgt/>
-                  </p:tgtEl>
-                </p:cond>
-              </p:prevCondLst>
-              <p:nextCondLst>
-                <p:cond evt="onNext" delay="0">
-                  <p:tgtEl>
-                    <p:sldTgt/>
-                  </p:tgtEl>
-                </p:cond>
-              </p:nextCondLst>
-            </p:seq>
-          </p:childTnLst>
-        </p:cTn>
-      </p:par>
-    </p:tnLst>
-  </p:timing>
 </p:sld>
 </file>
 
@@ -17397,10 +14834,10 @@
       </p:grpSpPr>
       <p:graphicFrame>
         <p:nvGraphicFramePr>
-          <p:cNvPr id="4" name="Group 1">
+          <p:cNvPr id="3" name="Tabela 2">
             <a:extLst>
               <a:ext uri="{FF2B5EF4-FFF2-40B4-BE49-F238E27FC236}">
-                <a16:creationId xmlns:a16="http://schemas.microsoft.com/office/drawing/2014/main" id="{FFB758A4-2FCB-43EB-B2F8-A8CAC01D3D8E}"/>
+                <a16:creationId xmlns:a16="http://schemas.microsoft.com/office/drawing/2014/main" id="{53C026DB-E38E-4A2A-8F56-4DA01CD9BE0B}"/>
               </a:ext>
             </a:extLst>
           </p:cNvPr>
@@ -17410,29 +14847,31 @@
           <p:nvPr>
             <p:extLst>
               <p:ext uri="{D42A27DB-BD31-4B8C-83A1-F6EECF244321}">
-                <p14:modId xmlns:p14="http://schemas.microsoft.com/office/powerpoint/2010/main" val="2299387332"/>
+                <p14:modId xmlns:p14="http://schemas.microsoft.com/office/powerpoint/2010/main" val="2720540347"/>
               </p:ext>
             </p:extLst>
           </p:nvPr>
         </p:nvGraphicFramePr>
         <p:xfrm>
-          <a:off x="2351089" y="260350"/>
-          <a:ext cx="7921625" cy="6343650"/>
+          <a:off x="155618" y="134958"/>
+          <a:ext cx="11805723" cy="6393535"/>
         </p:xfrm>
         <a:graphic>
           <a:graphicData uri="http://schemas.openxmlformats.org/drawingml/2006/table">
             <a:tbl>
-              <a:tblPr/>
+              <a:tblPr>
+                <a:tableStyleId>{69CF1AB2-1976-4502-BF36-3FF5EA218861}</a:tableStyleId>
+              </a:tblPr>
               <a:tblGrid>
-                <a:gridCol w="7921625">
+                <a:gridCol w="11805723">
                   <a:extLst>
                     <a:ext uri="{9D8B030D-6E8A-4147-A177-3AD203B41FA5}">
-                      <a16:colId xmlns:a16="http://schemas.microsoft.com/office/drawing/2014/main" val="20000"/>
+                      <a16:colId xmlns:a16="http://schemas.microsoft.com/office/drawing/2014/main" val="1898112026"/>
                     </a:ext>
                   </a:extLst>
                 </a:gridCol>
               </a:tblGrid>
-              <a:tr h="362966">
+              <a:tr h="360455">
                 <a:tc>
                   <a:txBody>
                     <a:bodyPr/>
@@ -17744,76 +15183,40 @@
                         </a:tabLst>
                       </a:pPr>
                       <a:r>
-                        <a:rPr kumimoji="0" lang="pt-BR" altLang="pt-BR" sz="1100" b="0" i="0" u="none" strike="noStrike" cap="none" normalizeH="0" baseline="0" dirty="0">
+                        <a:rPr kumimoji="0" lang="pt-BR" altLang="pt-BR" sz="800" u="none" strike="noStrike" kern="1200" cap="none" normalizeH="0" baseline="0" dirty="0">
                           <a:ln>
                             <a:noFill/>
                           </a:ln>
-                          <a:solidFill>
-                            <a:srgbClr val="123452"/>
-                          </a:solidFill>
                           <a:effectLst/>
-                          <a:latin typeface="Arial" charset="0"/>
-                          <a:cs typeface="Arial" charset="0"/>
+                          <a:latin typeface="Arial" panose="020B0604020202020204" pitchFamily="34" charset="0"/>
+                          <a:cs typeface="Arial" panose="020B0604020202020204" pitchFamily="34" charset="0"/>
                         </a:rPr>
                         <a:t>US08 – VISUALIZAR LANÇAMENTOS</a:t>
                       </a:r>
+                      <a:endParaRPr kumimoji="0" lang="pt-BR" altLang="pt-BR" sz="800" b="1" u="none" strike="noStrike" kern="1200" cap="none" normalizeH="0" baseline="0" dirty="0">
+                        <a:ln>
+                          <a:noFill/>
+                        </a:ln>
+                        <a:solidFill>
+                          <a:schemeClr val="accent6">
+                            <a:lumMod val="75000"/>
+                          </a:schemeClr>
+                        </a:solidFill>
+                        <a:effectLst/>
+                        <a:latin typeface="Arial" panose="020B0604020202020204" pitchFamily="34" charset="0"/>
+                        <a:cs typeface="Arial" panose="020B0604020202020204" pitchFamily="34" charset="0"/>
+                      </a:endParaRPr>
                     </a:p>
                   </a:txBody>
-                  <a:tcPr marT="59334" marB="45725" horzOverflow="overflow">
-                    <a:lnL w="6840" cap="flat" cmpd="sng" algn="ctr">
-                      <a:solidFill>
-                        <a:srgbClr val="000000"/>
-                      </a:solidFill>
-                      <a:prstDash val="solid"/>
-                      <a:round/>
-                      <a:headEnd type="none" w="med" len="med"/>
-                      <a:tailEnd type="none" w="med" len="med"/>
-                    </a:lnL>
-                    <a:lnR w="6840" cap="flat" cmpd="sng" algn="ctr">
-                      <a:solidFill>
-                        <a:srgbClr val="000000"/>
-                      </a:solidFill>
-                      <a:prstDash val="solid"/>
-                      <a:round/>
-                      <a:headEnd type="none" w="med" len="med"/>
-                      <a:tailEnd type="none" w="med" len="med"/>
-                    </a:lnR>
-                    <a:lnT w="6840" cap="flat" cmpd="sng" algn="ctr">
-                      <a:solidFill>
-                        <a:srgbClr val="000000"/>
-                      </a:solidFill>
-                      <a:prstDash val="solid"/>
-                      <a:round/>
-                      <a:headEnd type="none" w="med" len="med"/>
-                      <a:tailEnd type="none" w="med" len="med"/>
-                    </a:lnT>
-                    <a:lnB w="2880" cap="flat" cmpd="sng" algn="ctr">
-                      <a:solidFill>
-                        <a:srgbClr val="000000"/>
-                      </a:solidFill>
-                      <a:prstDash val="solid"/>
-                      <a:round/>
-                      <a:headEnd type="none" w="med" len="med"/>
-                      <a:tailEnd type="none" w="med" len="med"/>
-                    </a:lnB>
-                    <a:lnTlToBr>
-                      <a:noFill/>
-                    </a:lnTlToBr>
-                    <a:lnBlToTr>
-                      <a:noFill/>
-                    </a:lnBlToTr>
-                    <a:solidFill>
-                      <a:srgbClr val="9B6261"/>
-                    </a:solidFill>
-                  </a:tcPr>
+                  <a:tcPr marT="59335" marB="45726" anchor="ctr" horzOverflow="overflow"/>
                 </a:tc>
                 <a:extLst>
                   <a:ext uri="{0D108BD9-81ED-4DB2-BD59-A6C34878D82A}">
-                    <a16:rowId xmlns:a16="http://schemas.microsoft.com/office/drawing/2014/main" val="10000"/>
+                    <a16:rowId xmlns:a16="http://schemas.microsoft.com/office/drawing/2014/main" val="1838490526"/>
                   </a:ext>
                 </a:extLst>
               </a:tr>
-              <a:tr h="562052">
+              <a:tr h="352121">
                 <a:tc>
                   <a:txBody>
                     <a:bodyPr/>
@@ -18100,7 +15503,7 @@
                           <a:spcPct val="94000"/>
                         </a:lnSpc>
                         <a:spcBef>
-                          <a:spcPts val="400"/>
+                          <a:spcPts val="450"/>
                         </a:spcBef>
                         <a:spcAft>
                           <a:spcPct val="0"/>
@@ -18123,150 +15526,29 @@
                           <a:tab pos="9144000" algn="l"/>
                           <a:tab pos="10058400" algn="l"/>
                         </a:tabLst>
-                        <a:defRPr/>
                       </a:pPr>
                       <a:r>
-                        <a:rPr kumimoji="0" lang="pt-BR" altLang="pt-BR" sz="1100" b="1" i="1" u="none" strike="noStrike" cap="none" normalizeH="0" baseline="0" dirty="0">
+                        <a:rPr kumimoji="0" lang="pt-BR" altLang="pt-BR" sz="800" u="none" strike="noStrike" kern="1200" cap="none" normalizeH="0" baseline="0" dirty="0">
                           <a:ln>
                             <a:noFill/>
                           </a:ln>
-                          <a:solidFill>
-                            <a:schemeClr val="accent4">
-                              <a:lumMod val="60000"/>
-                              <a:lumOff val="40000"/>
-                            </a:schemeClr>
-                          </a:solidFill>
                           <a:effectLst/>
-                          <a:latin typeface="Arial" charset="0"/>
-                          <a:cs typeface="Arial" charset="0"/>
+                          <a:latin typeface="Arial" panose="020B0604020202020204" pitchFamily="34" charset="0"/>
+                          <a:cs typeface="Arial" panose="020B0604020202020204" pitchFamily="34" charset="0"/>
                         </a:rPr>
-                        <a:t>Como</a:t>
-                      </a:r>
-                      <a:r>
-                        <a:rPr kumimoji="0" lang="pt-BR" altLang="pt-BR" sz="1100" b="1" i="1" u="none" strike="noStrike" cap="none" normalizeH="0" baseline="0" dirty="0">
-                          <a:ln>
-                            <a:noFill/>
-                          </a:ln>
-                          <a:solidFill>
-                            <a:srgbClr val="123452"/>
-                          </a:solidFill>
-                          <a:effectLst/>
-                          <a:latin typeface="Arial" charset="0"/>
-                          <a:cs typeface="Arial" charset="0"/>
-                        </a:rPr>
-                        <a:t> usuário </a:t>
-                      </a:r>
-                      <a:r>
-                        <a:rPr kumimoji="0" lang="pt-BR" altLang="pt-BR" sz="1100" b="1" i="1" u="none" strike="noStrike" cap="none" normalizeH="0" baseline="0" dirty="0">
-                          <a:ln>
-                            <a:noFill/>
-                          </a:ln>
-                          <a:solidFill>
-                            <a:srgbClr val="C05CA0"/>
-                          </a:solidFill>
-                          <a:effectLst/>
-                          <a:latin typeface="Arial" charset="0"/>
-                          <a:cs typeface="Arial" charset="0"/>
-                        </a:rPr>
-                        <a:t>desejo</a:t>
-                      </a:r>
-                      <a:r>
-                        <a:rPr kumimoji="0" lang="pt-BR" altLang="pt-BR" sz="1100" b="1" i="1" u="none" strike="noStrike" cap="none" normalizeH="0" baseline="0" dirty="0">
-                          <a:ln>
-                            <a:noFill/>
-                          </a:ln>
-                          <a:solidFill>
-                            <a:srgbClr val="123452"/>
-                          </a:solidFill>
-                          <a:effectLst/>
-                          <a:latin typeface="Arial" charset="0"/>
-                          <a:cs typeface="Arial" charset="0"/>
-                        </a:rPr>
-                        <a:t> visualizar os lançamentos usando diferentes filtros </a:t>
-                      </a:r>
-                      <a:r>
-                        <a:rPr kumimoji="0" lang="pt-BR" altLang="pt-BR" sz="1100" b="1" i="1" u="none" strike="noStrike" cap="none" normalizeH="0" baseline="0" dirty="0">
-                          <a:ln>
-                            <a:noFill/>
-                          </a:ln>
-                          <a:solidFill>
-                            <a:srgbClr val="C05CA0"/>
-                          </a:solidFill>
-                          <a:effectLst/>
-                          <a:latin typeface="Arial" charset="0"/>
-                          <a:cs typeface="Arial" charset="0"/>
-                        </a:rPr>
-                        <a:t>para</a:t>
-                      </a:r>
-                      <a:r>
-                        <a:rPr kumimoji="0" lang="pt-BR" altLang="pt-BR" sz="1100" b="1" i="1" u="none" strike="noStrike" cap="none" normalizeH="0" baseline="0" dirty="0">
-                          <a:ln>
-                            <a:noFill/>
-                          </a:ln>
-                          <a:solidFill>
-                            <a:srgbClr val="123452"/>
-                          </a:solidFill>
-                          <a:effectLst/>
-                          <a:latin typeface="Arial" charset="0"/>
-                          <a:cs typeface="Arial" charset="0"/>
-                        </a:rPr>
-                        <a:t> ter várias visões dos lançamentos pendentes e já efetivados. </a:t>
+                        <a:t>Como usuário desejo visualizar os lançamentos usando diferentes filtros para ter várias visões dos lançamentos pendentes e já efetivados. </a:t>
                       </a:r>
                     </a:p>
                   </a:txBody>
-                  <a:tcPr marT="57822" marB="45725" horzOverflow="overflow">
-                    <a:lnL w="6840" cap="flat" cmpd="sng" algn="ctr">
-                      <a:solidFill>
-                        <a:srgbClr val="000000"/>
-                      </a:solidFill>
-                      <a:prstDash val="solid"/>
-                      <a:round/>
-                      <a:headEnd type="none" w="med" len="med"/>
-                      <a:tailEnd type="none" w="med" len="med"/>
-                    </a:lnL>
-                    <a:lnR w="6840" cap="flat" cmpd="sng" algn="ctr">
-                      <a:solidFill>
-                        <a:srgbClr val="000000"/>
-                      </a:solidFill>
-                      <a:prstDash val="solid"/>
-                      <a:round/>
-                      <a:headEnd type="none" w="med" len="med"/>
-                      <a:tailEnd type="none" w="med" len="med"/>
-                    </a:lnR>
-                    <a:lnT w="2880" cap="flat" cmpd="sng" algn="ctr">
-                      <a:solidFill>
-                        <a:srgbClr val="000000"/>
-                      </a:solidFill>
-                      <a:prstDash val="solid"/>
-                      <a:round/>
-                      <a:headEnd type="none" w="med" len="med"/>
-                      <a:tailEnd type="none" w="med" len="med"/>
-                    </a:lnT>
-                    <a:lnB w="2880" cap="flat" cmpd="sng" algn="ctr">
-                      <a:solidFill>
-                        <a:srgbClr val="000000"/>
-                      </a:solidFill>
-                      <a:prstDash val="solid"/>
-                      <a:round/>
-                      <a:headEnd type="none" w="med" len="med"/>
-                      <a:tailEnd type="none" w="med" len="med"/>
-                    </a:lnB>
-                    <a:lnTlToBr>
-                      <a:noFill/>
-                    </a:lnTlToBr>
-                    <a:lnBlToTr>
-                      <a:noFill/>
-                    </a:lnBlToTr>
-                    <a:noFill/>
-                  </a:tcPr>
+                  <a:tcPr marT="57823" marB="45726" anchor="ctr" horzOverflow="overflow"/>
                 </a:tc>
                 <a:extLst>
                   <a:ext uri="{0D108BD9-81ED-4DB2-BD59-A6C34878D82A}">
-                    <a16:rowId xmlns:a16="http://schemas.microsoft.com/office/drawing/2014/main" val="10001"/>
+                    <a16:rowId xmlns:a16="http://schemas.microsoft.com/office/drawing/2014/main" val="851695005"/>
                   </a:ext>
                 </a:extLst>
               </a:tr>
-              <a:tr h="1618262">
+              <a:tr h="1097241">
                 <a:tc>
                   <a:txBody>
                     <a:bodyPr/>
@@ -18553,7 +15835,7 @@
                           <a:spcPct val="94000"/>
                         </a:lnSpc>
                         <a:spcBef>
-                          <a:spcPts val="400"/>
+                          <a:spcPts val="450"/>
                         </a:spcBef>
                         <a:spcAft>
                           <a:spcPct val="0"/>
@@ -18578,18 +15860,557 @@
                         </a:tabLst>
                       </a:pPr>
                       <a:r>
-                        <a:rPr kumimoji="0" lang="pt-BR" altLang="pt-BR" sz="1100" b="0" i="1" u="none" strike="noStrike" cap="none" normalizeH="0" baseline="0" dirty="0">
+                        <a:rPr kumimoji="0" lang="pt-BR" altLang="pt-BR" sz="800" u="none" strike="noStrike" kern="1200" cap="none" normalizeH="0" baseline="0" dirty="0">
                           <a:ln>
                             <a:noFill/>
                           </a:ln>
-                          <a:solidFill>
-                            <a:srgbClr val="C05CA0"/>
-                          </a:solidFill>
                           <a:effectLst/>
-                          <a:latin typeface="Arial" charset="0"/>
-                          <a:cs typeface="Arial" charset="0"/>
+                          <a:latin typeface="Arial" panose="020B0604020202020204" pitchFamily="34" charset="0"/>
+                          <a:cs typeface="Arial" panose="020B0604020202020204" pitchFamily="34" charset="0"/>
                         </a:rPr>
-                        <a:t>Tarefas</a:t>
+                        <a:t>TAREFAS</a:t>
+                      </a:r>
+                    </a:p>
+                    <a:p>
+                      <a:pPr marL="171450" marR="0" lvl="0" indent="-171450" algn="l" defTabSz="449263" rtl="0" eaLnBrk="1" fontAlgn="base" latinLnBrk="0" hangingPunct="1">
+                        <a:lnSpc>
+                          <a:spcPct val="94000"/>
+                        </a:lnSpc>
+                        <a:spcBef>
+                          <a:spcPts val="450"/>
+                        </a:spcBef>
+                        <a:spcAft>
+                          <a:spcPct val="0"/>
+                        </a:spcAft>
+                        <a:buClrTx/>
+                        <a:buSzPct val="70000"/>
+                        <a:buFont typeface="Arial" panose="020B0604020202020204" pitchFamily="34" charset="0"/>
+                        <a:buChar char="•"/>
+                        <a:tabLst>
+                          <a:tab pos="0" algn="l"/>
+                          <a:tab pos="914400" algn="l"/>
+                          <a:tab pos="1828800" algn="l"/>
+                          <a:tab pos="2743200" algn="l"/>
+                          <a:tab pos="3657600" algn="l"/>
+                          <a:tab pos="4572000" algn="l"/>
+                          <a:tab pos="5486400" algn="l"/>
+                          <a:tab pos="6400800" algn="l"/>
+                          <a:tab pos="7315200" algn="l"/>
+                          <a:tab pos="8229600" algn="l"/>
+                          <a:tab pos="9144000" algn="l"/>
+                          <a:tab pos="10058400" algn="l"/>
+                        </a:tabLst>
+                      </a:pPr>
+                      <a:r>
+                        <a:rPr kumimoji="0" lang="pt-BR" altLang="pt-BR" sz="800" u="none" strike="noStrike" kern="1200" cap="none" normalizeH="0" baseline="0" dirty="0">
+                          <a:ln>
+                            <a:noFill/>
+                          </a:ln>
+                          <a:effectLst/>
+                          <a:latin typeface="Arial" panose="020B0604020202020204" pitchFamily="34" charset="0"/>
+                          <a:cs typeface="Arial" panose="020B0604020202020204" pitchFamily="34" charset="0"/>
+                        </a:rPr>
+                        <a:t>Filtrar lançamentos já efetivados por período de tempo</a:t>
+                      </a:r>
+                    </a:p>
+                    <a:p>
+                      <a:pPr marL="171450" marR="0" lvl="0" indent="-171450" algn="l" defTabSz="449263" rtl="0" eaLnBrk="1" fontAlgn="base" latinLnBrk="0" hangingPunct="1">
+                        <a:lnSpc>
+                          <a:spcPct val="94000"/>
+                        </a:lnSpc>
+                        <a:spcBef>
+                          <a:spcPts val="450"/>
+                        </a:spcBef>
+                        <a:spcAft>
+                          <a:spcPct val="0"/>
+                        </a:spcAft>
+                        <a:buClrTx/>
+                        <a:buSzPct val="70000"/>
+                        <a:buFont typeface="Arial" panose="020B0604020202020204" pitchFamily="34" charset="0"/>
+                        <a:buChar char="•"/>
+                        <a:tabLst>
+                          <a:tab pos="0" algn="l"/>
+                          <a:tab pos="914400" algn="l"/>
+                          <a:tab pos="1828800" algn="l"/>
+                          <a:tab pos="2743200" algn="l"/>
+                          <a:tab pos="3657600" algn="l"/>
+                          <a:tab pos="4572000" algn="l"/>
+                          <a:tab pos="5486400" algn="l"/>
+                          <a:tab pos="6400800" algn="l"/>
+                          <a:tab pos="7315200" algn="l"/>
+                          <a:tab pos="8229600" algn="l"/>
+                          <a:tab pos="9144000" algn="l"/>
+                          <a:tab pos="10058400" algn="l"/>
+                        </a:tabLst>
+                      </a:pPr>
+                      <a:r>
+                        <a:rPr kumimoji="0" lang="pt-BR" altLang="pt-BR" sz="800" u="none" strike="noStrike" kern="1200" cap="none" normalizeH="0" baseline="0" dirty="0">
+                          <a:ln>
+                            <a:noFill/>
+                          </a:ln>
+                          <a:effectLst/>
+                          <a:latin typeface="Arial" panose="020B0604020202020204" pitchFamily="34" charset="0"/>
+                          <a:cs typeface="Arial" panose="020B0604020202020204" pitchFamily="34" charset="0"/>
+                        </a:rPr>
+                        <a:t>Filtrar lançamentos por tipo de lançamento</a:t>
+                      </a:r>
+                    </a:p>
+                    <a:p>
+                      <a:pPr marL="171450" marR="0" lvl="0" indent="-171450" algn="l" defTabSz="449263" rtl="0" eaLnBrk="1" fontAlgn="base" latinLnBrk="0" hangingPunct="1">
+                        <a:lnSpc>
+                          <a:spcPct val="94000"/>
+                        </a:lnSpc>
+                        <a:spcBef>
+                          <a:spcPts val="450"/>
+                        </a:spcBef>
+                        <a:spcAft>
+                          <a:spcPct val="0"/>
+                        </a:spcAft>
+                        <a:buClrTx/>
+                        <a:buSzPct val="70000"/>
+                        <a:buFont typeface="Arial" panose="020B0604020202020204" pitchFamily="34" charset="0"/>
+                        <a:buChar char="•"/>
+                        <a:tabLst>
+                          <a:tab pos="0" algn="l"/>
+                          <a:tab pos="914400" algn="l"/>
+                          <a:tab pos="1828800" algn="l"/>
+                          <a:tab pos="2743200" algn="l"/>
+                          <a:tab pos="3657600" algn="l"/>
+                          <a:tab pos="4572000" algn="l"/>
+                          <a:tab pos="5486400" algn="l"/>
+                          <a:tab pos="6400800" algn="l"/>
+                          <a:tab pos="7315200" algn="l"/>
+                          <a:tab pos="8229600" algn="l"/>
+                          <a:tab pos="9144000" algn="l"/>
+                          <a:tab pos="10058400" algn="l"/>
+                        </a:tabLst>
+                      </a:pPr>
+                      <a:r>
+                        <a:rPr kumimoji="0" lang="pt-BR" altLang="pt-BR" sz="800" u="none" strike="noStrike" kern="1200" cap="none" normalizeH="0" baseline="0" dirty="0">
+                          <a:ln>
+                            <a:noFill/>
+                          </a:ln>
+                          <a:effectLst/>
+                          <a:latin typeface="Arial" panose="020B0604020202020204" pitchFamily="34" charset="0"/>
+                          <a:cs typeface="Arial" panose="020B0604020202020204" pitchFamily="34" charset="0"/>
+                        </a:rPr>
+                        <a:t>Filtrar lançamentos pendentes vencidos</a:t>
+                      </a:r>
+                    </a:p>
+                    <a:p>
+                      <a:pPr marL="171450" marR="0" lvl="0" indent="-171450" algn="l" defTabSz="449263" rtl="0" eaLnBrk="1" fontAlgn="base" latinLnBrk="0" hangingPunct="1">
+                        <a:lnSpc>
+                          <a:spcPct val="94000"/>
+                        </a:lnSpc>
+                        <a:spcBef>
+                          <a:spcPts val="450"/>
+                        </a:spcBef>
+                        <a:spcAft>
+                          <a:spcPct val="0"/>
+                        </a:spcAft>
+                        <a:buClrTx/>
+                        <a:buSzPct val="70000"/>
+                        <a:buFont typeface="Arial" panose="020B0604020202020204" pitchFamily="34" charset="0"/>
+                        <a:buChar char="•"/>
+                        <a:tabLst>
+                          <a:tab pos="0" algn="l"/>
+                          <a:tab pos="914400" algn="l"/>
+                          <a:tab pos="1828800" algn="l"/>
+                          <a:tab pos="2743200" algn="l"/>
+                          <a:tab pos="3657600" algn="l"/>
+                          <a:tab pos="4572000" algn="l"/>
+                          <a:tab pos="5486400" algn="l"/>
+                          <a:tab pos="6400800" algn="l"/>
+                          <a:tab pos="7315200" algn="l"/>
+                          <a:tab pos="8229600" algn="l"/>
+                          <a:tab pos="9144000" algn="l"/>
+                          <a:tab pos="10058400" algn="l"/>
+                        </a:tabLst>
+                      </a:pPr>
+                      <a:r>
+                        <a:rPr kumimoji="0" lang="pt-BR" altLang="pt-BR" sz="800" u="none" strike="noStrike" kern="1200" cap="none" normalizeH="0" baseline="0" dirty="0">
+                          <a:ln>
+                            <a:noFill/>
+                          </a:ln>
+                          <a:effectLst/>
+                          <a:latin typeface="Arial" panose="020B0604020202020204" pitchFamily="34" charset="0"/>
+                          <a:cs typeface="Arial" panose="020B0604020202020204" pitchFamily="34" charset="0"/>
+                        </a:rPr>
+                        <a:t>Filtrar lançamentos próximos a vencer</a:t>
+                      </a:r>
+                    </a:p>
+                    <a:p>
+                      <a:pPr marL="171450" marR="0" lvl="0" indent="-171450" algn="l" defTabSz="449263" rtl="0" eaLnBrk="1" fontAlgn="base" latinLnBrk="0" hangingPunct="1">
+                        <a:lnSpc>
+                          <a:spcPct val="94000"/>
+                        </a:lnSpc>
+                        <a:spcBef>
+                          <a:spcPts val="450"/>
+                        </a:spcBef>
+                        <a:spcAft>
+                          <a:spcPct val="0"/>
+                        </a:spcAft>
+                        <a:buClrTx/>
+                        <a:buSzPct val="70000"/>
+                        <a:buFont typeface="Arial" panose="020B0604020202020204" pitchFamily="34" charset="0"/>
+                        <a:buChar char="•"/>
+                        <a:tabLst>
+                          <a:tab pos="0" algn="l"/>
+                          <a:tab pos="914400" algn="l"/>
+                          <a:tab pos="1828800" algn="l"/>
+                          <a:tab pos="2743200" algn="l"/>
+                          <a:tab pos="3657600" algn="l"/>
+                          <a:tab pos="4572000" algn="l"/>
+                          <a:tab pos="5486400" algn="l"/>
+                          <a:tab pos="6400800" algn="l"/>
+                          <a:tab pos="7315200" algn="l"/>
+                          <a:tab pos="8229600" algn="l"/>
+                          <a:tab pos="9144000" algn="l"/>
+                          <a:tab pos="10058400" algn="l"/>
+                        </a:tabLst>
+                      </a:pPr>
+                      <a:r>
+                        <a:rPr kumimoji="0" lang="pt-BR" altLang="pt-BR" sz="800" u="none" strike="noStrike" kern="1200" cap="none" normalizeH="0" baseline="0" dirty="0">
+                          <a:ln>
+                            <a:noFill/>
+                          </a:ln>
+                          <a:effectLst/>
+                          <a:latin typeface="Arial" panose="020B0604020202020204" pitchFamily="34" charset="0"/>
+                          <a:cs typeface="Arial" panose="020B0604020202020204" pitchFamily="34" charset="0"/>
+                        </a:rPr>
+                        <a:t>Filtrar lançamentos por conta financeira</a:t>
+                      </a:r>
+                    </a:p>
+                  </a:txBody>
+                  <a:tcPr marT="57823" marB="45726" anchor="ctr" horzOverflow="overflow"/>
+                </a:tc>
+                <a:extLst>
+                  <a:ext uri="{0D108BD9-81ED-4DB2-BD59-A6C34878D82A}">
+                    <a16:rowId xmlns:a16="http://schemas.microsoft.com/office/drawing/2014/main" val="2162039666"/>
+                  </a:ext>
+                </a:extLst>
+              </a:tr>
+              <a:tr h="3295583">
+                <a:tc>
+                  <a:txBody>
+                    <a:bodyPr/>
+                    <a:lstStyle>
+                      <a:lvl1pPr eaLnBrk="0" hangingPunct="0">
+                        <a:spcBef>
+                          <a:spcPts val="800"/>
+                        </a:spcBef>
+                        <a:tabLst>
+                          <a:tab pos="0" algn="l"/>
+                          <a:tab pos="914400" algn="l"/>
+                          <a:tab pos="1828800" algn="l"/>
+                          <a:tab pos="2743200" algn="l"/>
+                          <a:tab pos="3657600" algn="l"/>
+                          <a:tab pos="4572000" algn="l"/>
+                          <a:tab pos="5486400" algn="l"/>
+                          <a:tab pos="6400800" algn="l"/>
+                          <a:tab pos="7315200" algn="l"/>
+                          <a:tab pos="8229600" algn="l"/>
+                          <a:tab pos="9144000" algn="l"/>
+                          <a:tab pos="10058400" algn="l"/>
+                        </a:tabLst>
+                        <a:defRPr sz="2800">
+                          <a:solidFill>
+                            <a:srgbClr val="000000"/>
+                          </a:solidFill>
+                          <a:latin typeface="Tahoma" pitchFamily="34" charset="0"/>
+                          <a:ea typeface="DejaVu Sans" charset="0"/>
+                          <a:cs typeface="DejaVu Sans" charset="0"/>
+                        </a:defRPr>
+                      </a:lvl1pPr>
+                      <a:lvl2pPr eaLnBrk="0" hangingPunct="0">
+                        <a:spcBef>
+                          <a:spcPts val="700"/>
+                        </a:spcBef>
+                        <a:tabLst>
+                          <a:tab pos="0" algn="l"/>
+                          <a:tab pos="914400" algn="l"/>
+                          <a:tab pos="1828800" algn="l"/>
+                          <a:tab pos="2743200" algn="l"/>
+                          <a:tab pos="3657600" algn="l"/>
+                          <a:tab pos="4572000" algn="l"/>
+                          <a:tab pos="5486400" algn="l"/>
+                          <a:tab pos="6400800" algn="l"/>
+                          <a:tab pos="7315200" algn="l"/>
+                          <a:tab pos="8229600" algn="l"/>
+                          <a:tab pos="9144000" algn="l"/>
+                          <a:tab pos="10058400" algn="l"/>
+                        </a:tabLst>
+                        <a:defRPr sz="2400">
+                          <a:solidFill>
+                            <a:srgbClr val="000000"/>
+                          </a:solidFill>
+                          <a:latin typeface="Tahoma" pitchFamily="34" charset="0"/>
+                          <a:ea typeface="DejaVu Sans" charset="0"/>
+                          <a:cs typeface="DejaVu Sans" charset="0"/>
+                        </a:defRPr>
+                      </a:lvl2pPr>
+                      <a:lvl3pPr eaLnBrk="0" hangingPunct="0">
+                        <a:spcBef>
+                          <a:spcPts val="600"/>
+                        </a:spcBef>
+                        <a:tabLst>
+                          <a:tab pos="0" algn="l"/>
+                          <a:tab pos="914400" algn="l"/>
+                          <a:tab pos="1828800" algn="l"/>
+                          <a:tab pos="2743200" algn="l"/>
+                          <a:tab pos="3657600" algn="l"/>
+                          <a:tab pos="4572000" algn="l"/>
+                          <a:tab pos="5486400" algn="l"/>
+                          <a:tab pos="6400800" algn="l"/>
+                          <a:tab pos="7315200" algn="l"/>
+                          <a:tab pos="8229600" algn="l"/>
+                          <a:tab pos="9144000" algn="l"/>
+                          <a:tab pos="10058400" algn="l"/>
+                        </a:tabLst>
+                        <a:defRPr sz="2000">
+                          <a:solidFill>
+                            <a:srgbClr val="000000"/>
+                          </a:solidFill>
+                          <a:latin typeface="Tahoma" pitchFamily="34" charset="0"/>
+                          <a:ea typeface="DejaVu Sans" charset="0"/>
+                          <a:cs typeface="DejaVu Sans" charset="0"/>
+                        </a:defRPr>
+                      </a:lvl3pPr>
+                      <a:lvl4pPr eaLnBrk="0" hangingPunct="0">
+                        <a:spcBef>
+                          <a:spcPts val="500"/>
+                        </a:spcBef>
+                        <a:tabLst>
+                          <a:tab pos="0" algn="l"/>
+                          <a:tab pos="914400" algn="l"/>
+                          <a:tab pos="1828800" algn="l"/>
+                          <a:tab pos="2743200" algn="l"/>
+                          <a:tab pos="3657600" algn="l"/>
+                          <a:tab pos="4572000" algn="l"/>
+                          <a:tab pos="5486400" algn="l"/>
+                          <a:tab pos="6400800" algn="l"/>
+                          <a:tab pos="7315200" algn="l"/>
+                          <a:tab pos="8229600" algn="l"/>
+                          <a:tab pos="9144000" algn="l"/>
+                          <a:tab pos="10058400" algn="l"/>
+                        </a:tabLst>
+                        <a:defRPr>
+                          <a:solidFill>
+                            <a:srgbClr val="000000"/>
+                          </a:solidFill>
+                          <a:latin typeface="Tahoma" pitchFamily="34" charset="0"/>
+                          <a:ea typeface="DejaVu Sans" charset="0"/>
+                          <a:cs typeface="DejaVu Sans" charset="0"/>
+                        </a:defRPr>
+                      </a:lvl4pPr>
+                      <a:lvl5pPr eaLnBrk="0" hangingPunct="0">
+                        <a:spcBef>
+                          <a:spcPts val="500"/>
+                        </a:spcBef>
+                        <a:tabLst>
+                          <a:tab pos="0" algn="l"/>
+                          <a:tab pos="914400" algn="l"/>
+                          <a:tab pos="1828800" algn="l"/>
+                          <a:tab pos="2743200" algn="l"/>
+                          <a:tab pos="3657600" algn="l"/>
+                          <a:tab pos="4572000" algn="l"/>
+                          <a:tab pos="5486400" algn="l"/>
+                          <a:tab pos="6400800" algn="l"/>
+                          <a:tab pos="7315200" algn="l"/>
+                          <a:tab pos="8229600" algn="l"/>
+                          <a:tab pos="9144000" algn="l"/>
+                          <a:tab pos="10058400" algn="l"/>
+                        </a:tabLst>
+                        <a:defRPr>
+                          <a:solidFill>
+                            <a:srgbClr val="000000"/>
+                          </a:solidFill>
+                          <a:latin typeface="Tahoma" pitchFamily="34" charset="0"/>
+                          <a:ea typeface="DejaVu Sans" charset="0"/>
+                          <a:cs typeface="DejaVu Sans" charset="0"/>
+                        </a:defRPr>
+                      </a:lvl5pPr>
+                      <a:lvl6pPr marL="2514600" indent="-228600" defTabSz="449263" eaLnBrk="0" fontAlgn="base" hangingPunct="0">
+                        <a:spcBef>
+                          <a:spcPts val="500"/>
+                        </a:spcBef>
+                        <a:spcAft>
+                          <a:spcPct val="0"/>
+                        </a:spcAft>
+                        <a:buClr>
+                          <a:srgbClr val="000000"/>
+                        </a:buClr>
+                        <a:buSzPct val="100000"/>
+                        <a:buFont typeface="Times New Roman" pitchFamily="18" charset="0"/>
+                        <a:tabLst>
+                          <a:tab pos="0" algn="l"/>
+                          <a:tab pos="914400" algn="l"/>
+                          <a:tab pos="1828800" algn="l"/>
+                          <a:tab pos="2743200" algn="l"/>
+                          <a:tab pos="3657600" algn="l"/>
+                          <a:tab pos="4572000" algn="l"/>
+                          <a:tab pos="5486400" algn="l"/>
+                          <a:tab pos="6400800" algn="l"/>
+                          <a:tab pos="7315200" algn="l"/>
+                          <a:tab pos="8229600" algn="l"/>
+                          <a:tab pos="9144000" algn="l"/>
+                          <a:tab pos="10058400" algn="l"/>
+                        </a:tabLst>
+                        <a:defRPr>
+                          <a:solidFill>
+                            <a:srgbClr val="000000"/>
+                          </a:solidFill>
+                          <a:latin typeface="Tahoma" pitchFamily="34" charset="0"/>
+                          <a:ea typeface="DejaVu Sans" charset="0"/>
+                          <a:cs typeface="DejaVu Sans" charset="0"/>
+                        </a:defRPr>
+                      </a:lvl6pPr>
+                      <a:lvl7pPr marL="2971800" indent="-228600" defTabSz="449263" eaLnBrk="0" fontAlgn="base" hangingPunct="0">
+                        <a:spcBef>
+                          <a:spcPts val="500"/>
+                        </a:spcBef>
+                        <a:spcAft>
+                          <a:spcPct val="0"/>
+                        </a:spcAft>
+                        <a:buClr>
+                          <a:srgbClr val="000000"/>
+                        </a:buClr>
+                        <a:buSzPct val="100000"/>
+                        <a:buFont typeface="Times New Roman" pitchFamily="18" charset="0"/>
+                        <a:tabLst>
+                          <a:tab pos="0" algn="l"/>
+                          <a:tab pos="914400" algn="l"/>
+                          <a:tab pos="1828800" algn="l"/>
+                          <a:tab pos="2743200" algn="l"/>
+                          <a:tab pos="3657600" algn="l"/>
+                          <a:tab pos="4572000" algn="l"/>
+                          <a:tab pos="5486400" algn="l"/>
+                          <a:tab pos="6400800" algn="l"/>
+                          <a:tab pos="7315200" algn="l"/>
+                          <a:tab pos="8229600" algn="l"/>
+                          <a:tab pos="9144000" algn="l"/>
+                          <a:tab pos="10058400" algn="l"/>
+                        </a:tabLst>
+                        <a:defRPr>
+                          <a:solidFill>
+                            <a:srgbClr val="000000"/>
+                          </a:solidFill>
+                          <a:latin typeface="Tahoma" pitchFamily="34" charset="0"/>
+                          <a:ea typeface="DejaVu Sans" charset="0"/>
+                          <a:cs typeface="DejaVu Sans" charset="0"/>
+                        </a:defRPr>
+                      </a:lvl7pPr>
+                      <a:lvl8pPr marL="3429000" indent="-228600" defTabSz="449263" eaLnBrk="0" fontAlgn="base" hangingPunct="0">
+                        <a:spcBef>
+                          <a:spcPts val="500"/>
+                        </a:spcBef>
+                        <a:spcAft>
+                          <a:spcPct val="0"/>
+                        </a:spcAft>
+                        <a:buClr>
+                          <a:srgbClr val="000000"/>
+                        </a:buClr>
+                        <a:buSzPct val="100000"/>
+                        <a:buFont typeface="Times New Roman" pitchFamily="18" charset="0"/>
+                        <a:tabLst>
+                          <a:tab pos="0" algn="l"/>
+                          <a:tab pos="914400" algn="l"/>
+                          <a:tab pos="1828800" algn="l"/>
+                          <a:tab pos="2743200" algn="l"/>
+                          <a:tab pos="3657600" algn="l"/>
+                          <a:tab pos="4572000" algn="l"/>
+                          <a:tab pos="5486400" algn="l"/>
+                          <a:tab pos="6400800" algn="l"/>
+                          <a:tab pos="7315200" algn="l"/>
+                          <a:tab pos="8229600" algn="l"/>
+                          <a:tab pos="9144000" algn="l"/>
+                          <a:tab pos="10058400" algn="l"/>
+                        </a:tabLst>
+                        <a:defRPr>
+                          <a:solidFill>
+                            <a:srgbClr val="000000"/>
+                          </a:solidFill>
+                          <a:latin typeface="Tahoma" pitchFamily="34" charset="0"/>
+                          <a:ea typeface="DejaVu Sans" charset="0"/>
+                          <a:cs typeface="DejaVu Sans" charset="0"/>
+                        </a:defRPr>
+                      </a:lvl8pPr>
+                      <a:lvl9pPr marL="3886200" indent="-228600" defTabSz="449263" eaLnBrk="0" fontAlgn="base" hangingPunct="0">
+                        <a:spcBef>
+                          <a:spcPts val="500"/>
+                        </a:spcBef>
+                        <a:spcAft>
+                          <a:spcPct val="0"/>
+                        </a:spcAft>
+                        <a:buClr>
+                          <a:srgbClr val="000000"/>
+                        </a:buClr>
+                        <a:buSzPct val="100000"/>
+                        <a:buFont typeface="Times New Roman" pitchFamily="18" charset="0"/>
+                        <a:tabLst>
+                          <a:tab pos="0" algn="l"/>
+                          <a:tab pos="914400" algn="l"/>
+                          <a:tab pos="1828800" algn="l"/>
+                          <a:tab pos="2743200" algn="l"/>
+                          <a:tab pos="3657600" algn="l"/>
+                          <a:tab pos="4572000" algn="l"/>
+                          <a:tab pos="5486400" algn="l"/>
+                          <a:tab pos="6400800" algn="l"/>
+                          <a:tab pos="7315200" algn="l"/>
+                          <a:tab pos="8229600" algn="l"/>
+                          <a:tab pos="9144000" algn="l"/>
+                          <a:tab pos="10058400" algn="l"/>
+                        </a:tabLst>
+                        <a:defRPr>
+                          <a:solidFill>
+                            <a:srgbClr val="000000"/>
+                          </a:solidFill>
+                          <a:latin typeface="Tahoma" pitchFamily="34" charset="0"/>
+                          <a:ea typeface="DejaVu Sans" charset="0"/>
+                          <a:cs typeface="DejaVu Sans" charset="0"/>
+                        </a:defRPr>
+                      </a:lvl9pPr>
+                    </a:lstStyle>
+                    <a:p>
+                      <a:pPr marL="0" marR="0" lvl="0" indent="0" algn="l" defTabSz="449263" rtl="0" eaLnBrk="1" fontAlgn="base" latinLnBrk="0" hangingPunct="1">
+                        <a:lnSpc>
+                          <a:spcPct val="94000"/>
+                        </a:lnSpc>
+                        <a:spcBef>
+                          <a:spcPts val="450"/>
+                        </a:spcBef>
+                        <a:spcAft>
+                          <a:spcPct val="0"/>
+                        </a:spcAft>
+                        <a:buClrTx/>
+                        <a:buSzPct val="70000"/>
+                        <a:buFontTx/>
+                        <a:buNone/>
+                        <a:tabLst>
+                          <a:tab pos="0" algn="l"/>
+                          <a:tab pos="914400" algn="l"/>
+                          <a:tab pos="1828800" algn="l"/>
+                          <a:tab pos="2743200" algn="l"/>
+                          <a:tab pos="3657600" algn="l"/>
+                          <a:tab pos="4572000" algn="l"/>
+                          <a:tab pos="5486400" algn="l"/>
+                          <a:tab pos="6400800" algn="l"/>
+                          <a:tab pos="7315200" algn="l"/>
+                          <a:tab pos="8229600" algn="l"/>
+                          <a:tab pos="9144000" algn="l"/>
+                          <a:tab pos="10058400" algn="l"/>
+                        </a:tabLst>
+                      </a:pPr>
+                      <a:r>
+                        <a:rPr kumimoji="0" lang="pt-BR" altLang="pt-BR" sz="800" u="none" strike="noStrike" kern="1200" cap="none" normalizeH="0" baseline="0" dirty="0">
+                          <a:ln>
+                            <a:noFill/>
+                          </a:ln>
+                          <a:effectLst/>
+                          <a:latin typeface="Arial" panose="020B0604020202020204" pitchFamily="34" charset="0"/>
+                          <a:cs typeface="Arial" panose="020B0604020202020204" pitchFamily="34" charset="0"/>
+                        </a:rPr>
+                        <a:t>REGRAS DE NEGÓCIO</a:t>
                       </a:r>
                     </a:p>
                     <a:p>
@@ -18598,587 +16419,7 @@
                           <a:spcPct val="94000"/>
                         </a:lnSpc>
                         <a:spcBef>
-                          <a:spcPts val="350"/>
-                        </a:spcBef>
-                        <a:spcAft>
-                          <a:spcPct val="0"/>
-                        </a:spcAft>
-                        <a:buClr>
-                          <a:srgbClr val="000000"/>
-                        </a:buClr>
-                        <a:buSzPct val="70000"/>
-                        <a:buFont typeface="Arial" charset="0"/>
-                        <a:buNone/>
-                        <a:tabLst>
-                          <a:tab pos="0" algn="l"/>
-                          <a:tab pos="914400" algn="l"/>
-                          <a:tab pos="1828800" algn="l"/>
-                          <a:tab pos="2743200" algn="l"/>
-                          <a:tab pos="3657600" algn="l"/>
-                          <a:tab pos="4572000" algn="l"/>
-                          <a:tab pos="5486400" algn="l"/>
-                          <a:tab pos="6400800" algn="l"/>
-                          <a:tab pos="7315200" algn="l"/>
-                          <a:tab pos="8229600" algn="l"/>
-                          <a:tab pos="9144000" algn="l"/>
-                          <a:tab pos="10058400" algn="l"/>
-                        </a:tabLst>
-                      </a:pPr>
-                      <a:r>
-                        <a:rPr kumimoji="0" lang="pt-BR" altLang="pt-BR" sz="1100" b="1" i="0" u="none" strike="noStrike" cap="none" normalizeH="0" baseline="0" dirty="0">
-                          <a:ln>
-                            <a:noFill/>
-                          </a:ln>
-                          <a:solidFill>
-                            <a:srgbClr val="123452"/>
-                          </a:solidFill>
-                          <a:effectLst/>
-                          <a:latin typeface="Arial" charset="0"/>
-                          <a:cs typeface="Arial" charset="0"/>
-                        </a:rPr>
-                        <a:t>-    Filtrar lançamentos já efetivados por período de tempo</a:t>
-                      </a:r>
-                    </a:p>
-                    <a:p>
-                      <a:pPr marL="285750" marR="0" lvl="0" indent="-285750" algn="l" defTabSz="449263" rtl="0" eaLnBrk="1" fontAlgn="base" latinLnBrk="0" hangingPunct="1">
-                        <a:lnSpc>
-                          <a:spcPct val="94000"/>
-                        </a:lnSpc>
-                        <a:spcBef>
-                          <a:spcPts val="350"/>
-                        </a:spcBef>
-                        <a:spcAft>
-                          <a:spcPct val="0"/>
-                        </a:spcAft>
-                        <a:buClr>
-                          <a:srgbClr val="000000"/>
-                        </a:buClr>
-                        <a:buSzPct val="70000"/>
-                        <a:buFontTx/>
-                        <a:buChar char="-"/>
-                        <a:tabLst>
-                          <a:tab pos="0" algn="l"/>
-                          <a:tab pos="914400" algn="l"/>
-                          <a:tab pos="1828800" algn="l"/>
-                          <a:tab pos="2743200" algn="l"/>
-                          <a:tab pos="3657600" algn="l"/>
-                          <a:tab pos="4572000" algn="l"/>
-                          <a:tab pos="5486400" algn="l"/>
-                          <a:tab pos="6400800" algn="l"/>
-                          <a:tab pos="7315200" algn="l"/>
-                          <a:tab pos="8229600" algn="l"/>
-                          <a:tab pos="9144000" algn="l"/>
-                          <a:tab pos="10058400" algn="l"/>
-                        </a:tabLst>
-                      </a:pPr>
-                      <a:r>
-                        <a:rPr kumimoji="0" lang="pt-BR" altLang="pt-BR" sz="1100" b="1" i="0" u="none" strike="noStrike" cap="none" normalizeH="0" baseline="0" dirty="0">
-                          <a:ln>
-                            <a:noFill/>
-                          </a:ln>
-                          <a:solidFill>
-                            <a:srgbClr val="123452"/>
-                          </a:solidFill>
-                          <a:effectLst/>
-                          <a:latin typeface="Arial" charset="0"/>
-                          <a:cs typeface="Arial" charset="0"/>
-                        </a:rPr>
-                        <a:t>Filtrar lançamentos por tipo de lançamento</a:t>
-                      </a:r>
-                    </a:p>
-                    <a:p>
-                      <a:pPr marL="285750" marR="0" lvl="0" indent="-285750" algn="l" defTabSz="449263" rtl="0" eaLnBrk="1" fontAlgn="base" latinLnBrk="0" hangingPunct="1">
-                        <a:lnSpc>
-                          <a:spcPct val="94000"/>
-                        </a:lnSpc>
-                        <a:spcBef>
-                          <a:spcPts val="350"/>
-                        </a:spcBef>
-                        <a:spcAft>
-                          <a:spcPct val="0"/>
-                        </a:spcAft>
-                        <a:buClr>
-                          <a:srgbClr val="000000"/>
-                        </a:buClr>
-                        <a:buSzPct val="70000"/>
-                        <a:buFontTx/>
-                        <a:buChar char="-"/>
-                        <a:tabLst>
-                          <a:tab pos="0" algn="l"/>
-                          <a:tab pos="914400" algn="l"/>
-                          <a:tab pos="1828800" algn="l"/>
-                          <a:tab pos="2743200" algn="l"/>
-                          <a:tab pos="3657600" algn="l"/>
-                          <a:tab pos="4572000" algn="l"/>
-                          <a:tab pos="5486400" algn="l"/>
-                          <a:tab pos="6400800" algn="l"/>
-                          <a:tab pos="7315200" algn="l"/>
-                          <a:tab pos="8229600" algn="l"/>
-                          <a:tab pos="9144000" algn="l"/>
-                          <a:tab pos="10058400" algn="l"/>
-                        </a:tabLst>
-                      </a:pPr>
-                      <a:r>
-                        <a:rPr kumimoji="0" lang="pt-BR" altLang="pt-BR" sz="1100" b="1" i="0" u="none" strike="noStrike" cap="none" normalizeH="0" baseline="0" dirty="0">
-                          <a:ln>
-                            <a:noFill/>
-                          </a:ln>
-                          <a:solidFill>
-                            <a:srgbClr val="123452"/>
-                          </a:solidFill>
-                          <a:effectLst/>
-                          <a:latin typeface="Arial" charset="0"/>
-                          <a:cs typeface="Arial" charset="0"/>
-                        </a:rPr>
-                        <a:t>Filtrar lançamentos pendentes vencidos</a:t>
-                      </a:r>
-                    </a:p>
-                    <a:p>
-                      <a:pPr marL="285750" marR="0" lvl="0" indent="-285750" algn="l" defTabSz="449263" rtl="0" eaLnBrk="1" fontAlgn="base" latinLnBrk="0" hangingPunct="1">
-                        <a:lnSpc>
-                          <a:spcPct val="94000"/>
-                        </a:lnSpc>
-                        <a:spcBef>
-                          <a:spcPts val="350"/>
-                        </a:spcBef>
-                        <a:spcAft>
-                          <a:spcPct val="0"/>
-                        </a:spcAft>
-                        <a:buClr>
-                          <a:srgbClr val="000000"/>
-                        </a:buClr>
-                        <a:buSzPct val="70000"/>
-                        <a:buFontTx/>
-                        <a:buChar char="-"/>
-                        <a:tabLst>
-                          <a:tab pos="0" algn="l"/>
-                          <a:tab pos="914400" algn="l"/>
-                          <a:tab pos="1828800" algn="l"/>
-                          <a:tab pos="2743200" algn="l"/>
-                          <a:tab pos="3657600" algn="l"/>
-                          <a:tab pos="4572000" algn="l"/>
-                          <a:tab pos="5486400" algn="l"/>
-                          <a:tab pos="6400800" algn="l"/>
-                          <a:tab pos="7315200" algn="l"/>
-                          <a:tab pos="8229600" algn="l"/>
-                          <a:tab pos="9144000" algn="l"/>
-                          <a:tab pos="10058400" algn="l"/>
-                        </a:tabLst>
-                      </a:pPr>
-                      <a:r>
-                        <a:rPr kumimoji="0" lang="pt-BR" altLang="pt-BR" sz="1100" b="1" i="0" u="none" strike="noStrike" cap="none" normalizeH="0" baseline="0" dirty="0">
-                          <a:ln>
-                            <a:noFill/>
-                          </a:ln>
-                          <a:solidFill>
-                            <a:srgbClr val="123452"/>
-                          </a:solidFill>
-                          <a:effectLst/>
-                          <a:latin typeface="Arial" charset="0"/>
-                          <a:cs typeface="Arial" charset="0"/>
-                        </a:rPr>
-                        <a:t>Filtrar lançamentos próximos a vencer</a:t>
-                      </a:r>
-                    </a:p>
-                    <a:p>
-                      <a:pPr marL="285750" marR="0" lvl="0" indent="-285750" algn="l" defTabSz="449263" rtl="0" eaLnBrk="1" fontAlgn="base" latinLnBrk="0" hangingPunct="1">
-                        <a:lnSpc>
-                          <a:spcPct val="94000"/>
-                        </a:lnSpc>
-                        <a:spcBef>
-                          <a:spcPts val="350"/>
-                        </a:spcBef>
-                        <a:spcAft>
-                          <a:spcPct val="0"/>
-                        </a:spcAft>
-                        <a:buClr>
-                          <a:srgbClr val="000000"/>
-                        </a:buClr>
-                        <a:buSzPct val="70000"/>
-                        <a:buFontTx/>
-                        <a:buChar char="-"/>
-                        <a:tabLst>
-                          <a:tab pos="0" algn="l"/>
-                          <a:tab pos="914400" algn="l"/>
-                          <a:tab pos="1828800" algn="l"/>
-                          <a:tab pos="2743200" algn="l"/>
-                          <a:tab pos="3657600" algn="l"/>
-                          <a:tab pos="4572000" algn="l"/>
-                          <a:tab pos="5486400" algn="l"/>
-                          <a:tab pos="6400800" algn="l"/>
-                          <a:tab pos="7315200" algn="l"/>
-                          <a:tab pos="8229600" algn="l"/>
-                          <a:tab pos="9144000" algn="l"/>
-                          <a:tab pos="10058400" algn="l"/>
-                        </a:tabLst>
-                      </a:pPr>
-                      <a:r>
-                        <a:rPr kumimoji="0" lang="pt-BR" altLang="pt-BR" sz="1100" b="1" i="0" u="none" strike="noStrike" cap="none" normalizeH="0" baseline="0" dirty="0">
-                          <a:ln>
-                            <a:noFill/>
-                          </a:ln>
-                          <a:solidFill>
-                            <a:srgbClr val="123452"/>
-                          </a:solidFill>
-                          <a:effectLst/>
-                          <a:latin typeface="Arial" charset="0"/>
-                          <a:cs typeface="Arial" charset="0"/>
-                        </a:rPr>
-                        <a:t>Filtrar lançamentos por conta financeira</a:t>
-                      </a:r>
-                      <a:endParaRPr kumimoji="0" lang="pt-BR" altLang="pt-BR" sz="1100" b="0" i="1" u="none" strike="noStrike" cap="none" normalizeH="0" baseline="0" dirty="0">
-                        <a:ln>
-                          <a:noFill/>
-                        </a:ln>
-                        <a:solidFill>
-                          <a:srgbClr val="C05CA0"/>
-                        </a:solidFill>
-                        <a:effectLst/>
-                        <a:latin typeface="Arial" charset="0"/>
-                        <a:cs typeface="Arial" charset="0"/>
-                      </a:endParaRPr>
-                    </a:p>
-                  </a:txBody>
-                  <a:tcPr marT="57822" marB="45725" horzOverflow="overflow">
-                    <a:lnL w="6840" cap="flat" cmpd="sng" algn="ctr">
-                      <a:solidFill>
-                        <a:srgbClr val="000000"/>
-                      </a:solidFill>
-                      <a:prstDash val="solid"/>
-                      <a:round/>
-                      <a:headEnd type="none" w="med" len="med"/>
-                      <a:tailEnd type="none" w="med" len="med"/>
-                    </a:lnL>
-                    <a:lnR w="6840" cap="flat" cmpd="sng" algn="ctr">
-                      <a:solidFill>
-                        <a:srgbClr val="000000"/>
-                      </a:solidFill>
-                      <a:prstDash val="solid"/>
-                      <a:round/>
-                      <a:headEnd type="none" w="med" len="med"/>
-                      <a:tailEnd type="none" w="med" len="med"/>
-                    </a:lnR>
-                    <a:lnT w="2880" cap="flat" cmpd="sng" algn="ctr">
-                      <a:solidFill>
-                        <a:srgbClr val="000000"/>
-                      </a:solidFill>
-                      <a:prstDash val="solid"/>
-                      <a:round/>
-                      <a:headEnd type="none" w="med" len="med"/>
-                      <a:tailEnd type="none" w="med" len="med"/>
-                    </a:lnT>
-                    <a:lnB w="2880" cap="flat" cmpd="sng" algn="ctr">
-                      <a:solidFill>
-                        <a:srgbClr val="000000"/>
-                      </a:solidFill>
-                      <a:prstDash val="solid"/>
-                      <a:round/>
-                      <a:headEnd type="none" w="med" len="med"/>
-                      <a:tailEnd type="none" w="med" len="med"/>
-                    </a:lnB>
-                    <a:lnTlToBr>
-                      <a:noFill/>
-                    </a:lnTlToBr>
-                    <a:lnBlToTr>
-                      <a:noFill/>
-                    </a:lnBlToTr>
-                    <a:noFill/>
-                  </a:tcPr>
-                </a:tc>
-                <a:extLst>
-                  <a:ext uri="{0D108BD9-81ED-4DB2-BD59-A6C34878D82A}">
-                    <a16:rowId xmlns:a16="http://schemas.microsoft.com/office/drawing/2014/main" val="10002"/>
-                  </a:ext>
-                </a:extLst>
-              </a:tr>
-              <a:tr h="1220484">
-                <a:tc>
-                  <a:txBody>
-                    <a:bodyPr/>
-                    <a:lstStyle>
-                      <a:lvl1pPr eaLnBrk="0" hangingPunct="0">
-                        <a:spcBef>
-                          <a:spcPts val="800"/>
-                        </a:spcBef>
-                        <a:tabLst>
-                          <a:tab pos="0" algn="l"/>
-                          <a:tab pos="914400" algn="l"/>
-                          <a:tab pos="1828800" algn="l"/>
-                          <a:tab pos="2743200" algn="l"/>
-                          <a:tab pos="3657600" algn="l"/>
-                          <a:tab pos="4572000" algn="l"/>
-                          <a:tab pos="5486400" algn="l"/>
-                          <a:tab pos="6400800" algn="l"/>
-                          <a:tab pos="7315200" algn="l"/>
-                          <a:tab pos="8229600" algn="l"/>
-                          <a:tab pos="9144000" algn="l"/>
-                          <a:tab pos="10058400" algn="l"/>
-                        </a:tabLst>
-                        <a:defRPr sz="2800">
-                          <a:solidFill>
-                            <a:srgbClr val="000000"/>
-                          </a:solidFill>
-                          <a:latin typeface="Tahoma" pitchFamily="34" charset="0"/>
-                          <a:ea typeface="DejaVu Sans" charset="0"/>
-                          <a:cs typeface="DejaVu Sans" charset="0"/>
-                        </a:defRPr>
-                      </a:lvl1pPr>
-                      <a:lvl2pPr eaLnBrk="0" hangingPunct="0">
-                        <a:spcBef>
-                          <a:spcPts val="700"/>
-                        </a:spcBef>
-                        <a:tabLst>
-                          <a:tab pos="0" algn="l"/>
-                          <a:tab pos="914400" algn="l"/>
-                          <a:tab pos="1828800" algn="l"/>
-                          <a:tab pos="2743200" algn="l"/>
-                          <a:tab pos="3657600" algn="l"/>
-                          <a:tab pos="4572000" algn="l"/>
-                          <a:tab pos="5486400" algn="l"/>
-                          <a:tab pos="6400800" algn="l"/>
-                          <a:tab pos="7315200" algn="l"/>
-                          <a:tab pos="8229600" algn="l"/>
-                          <a:tab pos="9144000" algn="l"/>
-                          <a:tab pos="10058400" algn="l"/>
-                        </a:tabLst>
-                        <a:defRPr sz="2400">
-                          <a:solidFill>
-                            <a:srgbClr val="000000"/>
-                          </a:solidFill>
-                          <a:latin typeface="Tahoma" pitchFamily="34" charset="0"/>
-                          <a:ea typeface="DejaVu Sans" charset="0"/>
-                          <a:cs typeface="DejaVu Sans" charset="0"/>
-                        </a:defRPr>
-                      </a:lvl2pPr>
-                      <a:lvl3pPr eaLnBrk="0" hangingPunct="0">
-                        <a:spcBef>
-                          <a:spcPts val="600"/>
-                        </a:spcBef>
-                        <a:tabLst>
-                          <a:tab pos="0" algn="l"/>
-                          <a:tab pos="914400" algn="l"/>
-                          <a:tab pos="1828800" algn="l"/>
-                          <a:tab pos="2743200" algn="l"/>
-                          <a:tab pos="3657600" algn="l"/>
-                          <a:tab pos="4572000" algn="l"/>
-                          <a:tab pos="5486400" algn="l"/>
-                          <a:tab pos="6400800" algn="l"/>
-                          <a:tab pos="7315200" algn="l"/>
-                          <a:tab pos="8229600" algn="l"/>
-                          <a:tab pos="9144000" algn="l"/>
-                          <a:tab pos="10058400" algn="l"/>
-                        </a:tabLst>
-                        <a:defRPr sz="2000">
-                          <a:solidFill>
-                            <a:srgbClr val="000000"/>
-                          </a:solidFill>
-                          <a:latin typeface="Tahoma" pitchFamily="34" charset="0"/>
-                          <a:ea typeface="DejaVu Sans" charset="0"/>
-                          <a:cs typeface="DejaVu Sans" charset="0"/>
-                        </a:defRPr>
-                      </a:lvl3pPr>
-                      <a:lvl4pPr eaLnBrk="0" hangingPunct="0">
-                        <a:spcBef>
-                          <a:spcPts val="500"/>
-                        </a:spcBef>
-                        <a:tabLst>
-                          <a:tab pos="0" algn="l"/>
-                          <a:tab pos="914400" algn="l"/>
-                          <a:tab pos="1828800" algn="l"/>
-                          <a:tab pos="2743200" algn="l"/>
-                          <a:tab pos="3657600" algn="l"/>
-                          <a:tab pos="4572000" algn="l"/>
-                          <a:tab pos="5486400" algn="l"/>
-                          <a:tab pos="6400800" algn="l"/>
-                          <a:tab pos="7315200" algn="l"/>
-                          <a:tab pos="8229600" algn="l"/>
-                          <a:tab pos="9144000" algn="l"/>
-                          <a:tab pos="10058400" algn="l"/>
-                        </a:tabLst>
-                        <a:defRPr>
-                          <a:solidFill>
-                            <a:srgbClr val="000000"/>
-                          </a:solidFill>
-                          <a:latin typeface="Tahoma" pitchFamily="34" charset="0"/>
-                          <a:ea typeface="DejaVu Sans" charset="0"/>
-                          <a:cs typeface="DejaVu Sans" charset="0"/>
-                        </a:defRPr>
-                      </a:lvl4pPr>
-                      <a:lvl5pPr eaLnBrk="0" hangingPunct="0">
-                        <a:spcBef>
-                          <a:spcPts val="500"/>
-                        </a:spcBef>
-                        <a:tabLst>
-                          <a:tab pos="0" algn="l"/>
-                          <a:tab pos="914400" algn="l"/>
-                          <a:tab pos="1828800" algn="l"/>
-                          <a:tab pos="2743200" algn="l"/>
-                          <a:tab pos="3657600" algn="l"/>
-                          <a:tab pos="4572000" algn="l"/>
-                          <a:tab pos="5486400" algn="l"/>
-                          <a:tab pos="6400800" algn="l"/>
-                          <a:tab pos="7315200" algn="l"/>
-                          <a:tab pos="8229600" algn="l"/>
-                          <a:tab pos="9144000" algn="l"/>
-                          <a:tab pos="10058400" algn="l"/>
-                        </a:tabLst>
-                        <a:defRPr>
-                          <a:solidFill>
-                            <a:srgbClr val="000000"/>
-                          </a:solidFill>
-                          <a:latin typeface="Tahoma" pitchFamily="34" charset="0"/>
-                          <a:ea typeface="DejaVu Sans" charset="0"/>
-                          <a:cs typeface="DejaVu Sans" charset="0"/>
-                        </a:defRPr>
-                      </a:lvl5pPr>
-                      <a:lvl6pPr marL="2514600" indent="-228600" defTabSz="449263" eaLnBrk="0" fontAlgn="base" hangingPunct="0">
-                        <a:spcBef>
-                          <a:spcPts val="500"/>
-                        </a:spcBef>
-                        <a:spcAft>
-                          <a:spcPct val="0"/>
-                        </a:spcAft>
-                        <a:buClr>
-                          <a:srgbClr val="000000"/>
-                        </a:buClr>
-                        <a:buSzPct val="100000"/>
-                        <a:buFont typeface="Times New Roman" pitchFamily="18" charset="0"/>
-                        <a:tabLst>
-                          <a:tab pos="0" algn="l"/>
-                          <a:tab pos="914400" algn="l"/>
-                          <a:tab pos="1828800" algn="l"/>
-                          <a:tab pos="2743200" algn="l"/>
-                          <a:tab pos="3657600" algn="l"/>
-                          <a:tab pos="4572000" algn="l"/>
-                          <a:tab pos="5486400" algn="l"/>
-                          <a:tab pos="6400800" algn="l"/>
-                          <a:tab pos="7315200" algn="l"/>
-                          <a:tab pos="8229600" algn="l"/>
-                          <a:tab pos="9144000" algn="l"/>
-                          <a:tab pos="10058400" algn="l"/>
-                        </a:tabLst>
-                        <a:defRPr>
-                          <a:solidFill>
-                            <a:srgbClr val="000000"/>
-                          </a:solidFill>
-                          <a:latin typeface="Tahoma" pitchFamily="34" charset="0"/>
-                          <a:ea typeface="DejaVu Sans" charset="0"/>
-                          <a:cs typeface="DejaVu Sans" charset="0"/>
-                        </a:defRPr>
-                      </a:lvl6pPr>
-                      <a:lvl7pPr marL="2971800" indent="-228600" defTabSz="449263" eaLnBrk="0" fontAlgn="base" hangingPunct="0">
-                        <a:spcBef>
-                          <a:spcPts val="500"/>
-                        </a:spcBef>
-                        <a:spcAft>
-                          <a:spcPct val="0"/>
-                        </a:spcAft>
-                        <a:buClr>
-                          <a:srgbClr val="000000"/>
-                        </a:buClr>
-                        <a:buSzPct val="100000"/>
-                        <a:buFont typeface="Times New Roman" pitchFamily="18" charset="0"/>
-                        <a:tabLst>
-                          <a:tab pos="0" algn="l"/>
-                          <a:tab pos="914400" algn="l"/>
-                          <a:tab pos="1828800" algn="l"/>
-                          <a:tab pos="2743200" algn="l"/>
-                          <a:tab pos="3657600" algn="l"/>
-                          <a:tab pos="4572000" algn="l"/>
-                          <a:tab pos="5486400" algn="l"/>
-                          <a:tab pos="6400800" algn="l"/>
-                          <a:tab pos="7315200" algn="l"/>
-                          <a:tab pos="8229600" algn="l"/>
-                          <a:tab pos="9144000" algn="l"/>
-                          <a:tab pos="10058400" algn="l"/>
-                        </a:tabLst>
-                        <a:defRPr>
-                          <a:solidFill>
-                            <a:srgbClr val="000000"/>
-                          </a:solidFill>
-                          <a:latin typeface="Tahoma" pitchFamily="34" charset="0"/>
-                          <a:ea typeface="DejaVu Sans" charset="0"/>
-                          <a:cs typeface="DejaVu Sans" charset="0"/>
-                        </a:defRPr>
-                      </a:lvl7pPr>
-                      <a:lvl8pPr marL="3429000" indent="-228600" defTabSz="449263" eaLnBrk="0" fontAlgn="base" hangingPunct="0">
-                        <a:spcBef>
-                          <a:spcPts val="500"/>
-                        </a:spcBef>
-                        <a:spcAft>
-                          <a:spcPct val="0"/>
-                        </a:spcAft>
-                        <a:buClr>
-                          <a:srgbClr val="000000"/>
-                        </a:buClr>
-                        <a:buSzPct val="100000"/>
-                        <a:buFont typeface="Times New Roman" pitchFamily="18" charset="0"/>
-                        <a:tabLst>
-                          <a:tab pos="0" algn="l"/>
-                          <a:tab pos="914400" algn="l"/>
-                          <a:tab pos="1828800" algn="l"/>
-                          <a:tab pos="2743200" algn="l"/>
-                          <a:tab pos="3657600" algn="l"/>
-                          <a:tab pos="4572000" algn="l"/>
-                          <a:tab pos="5486400" algn="l"/>
-                          <a:tab pos="6400800" algn="l"/>
-                          <a:tab pos="7315200" algn="l"/>
-                          <a:tab pos="8229600" algn="l"/>
-                          <a:tab pos="9144000" algn="l"/>
-                          <a:tab pos="10058400" algn="l"/>
-                        </a:tabLst>
-                        <a:defRPr>
-                          <a:solidFill>
-                            <a:srgbClr val="000000"/>
-                          </a:solidFill>
-                          <a:latin typeface="Tahoma" pitchFamily="34" charset="0"/>
-                          <a:ea typeface="DejaVu Sans" charset="0"/>
-                          <a:cs typeface="DejaVu Sans" charset="0"/>
-                        </a:defRPr>
-                      </a:lvl8pPr>
-                      <a:lvl9pPr marL="3886200" indent="-228600" defTabSz="449263" eaLnBrk="0" fontAlgn="base" hangingPunct="0">
-                        <a:spcBef>
-                          <a:spcPts val="500"/>
-                        </a:spcBef>
-                        <a:spcAft>
-                          <a:spcPct val="0"/>
-                        </a:spcAft>
-                        <a:buClr>
-                          <a:srgbClr val="000000"/>
-                        </a:buClr>
-                        <a:buSzPct val="100000"/>
-                        <a:buFont typeface="Times New Roman" pitchFamily="18" charset="0"/>
-                        <a:tabLst>
-                          <a:tab pos="0" algn="l"/>
-                          <a:tab pos="914400" algn="l"/>
-                          <a:tab pos="1828800" algn="l"/>
-                          <a:tab pos="2743200" algn="l"/>
-                          <a:tab pos="3657600" algn="l"/>
-                          <a:tab pos="4572000" algn="l"/>
-                          <a:tab pos="5486400" algn="l"/>
-                          <a:tab pos="6400800" algn="l"/>
-                          <a:tab pos="7315200" algn="l"/>
-                          <a:tab pos="8229600" algn="l"/>
-                          <a:tab pos="9144000" algn="l"/>
-                          <a:tab pos="10058400" algn="l"/>
-                        </a:tabLst>
-                        <a:defRPr>
-                          <a:solidFill>
-                            <a:srgbClr val="000000"/>
-                          </a:solidFill>
-                          <a:latin typeface="Tahoma" pitchFamily="34" charset="0"/>
-                          <a:ea typeface="DejaVu Sans" charset="0"/>
-                          <a:cs typeface="DejaVu Sans" charset="0"/>
-                        </a:defRPr>
-                      </a:lvl9pPr>
-                    </a:lstStyle>
-                    <a:p>
-                      <a:pPr marL="0" marR="0" lvl="0" indent="0" algn="l" defTabSz="449263" rtl="0" eaLnBrk="1" fontAlgn="base" latinLnBrk="0" hangingPunct="1">
-                        <a:lnSpc>
-                          <a:spcPct val="94000"/>
-                        </a:lnSpc>
-                        <a:spcBef>
-                          <a:spcPts val="400"/>
+                          <a:spcPts val="450"/>
                         </a:spcBef>
                         <a:spcAft>
                           <a:spcPct val="0"/>
@@ -19203,61 +16444,13 @@
                         </a:tabLst>
                       </a:pPr>
                       <a:r>
-                        <a:rPr kumimoji="0" lang="pt-BR" altLang="pt-BR" sz="1100" b="0" i="1" u="none" strike="noStrike" cap="none" normalizeH="0" baseline="0" dirty="0">
+                        <a:rPr kumimoji="0" lang="pt-BR" altLang="pt-BR" sz="800" u="none" strike="noStrike" kern="1200" cap="none" normalizeH="0" baseline="0" dirty="0">
                           <a:ln>
                             <a:noFill/>
                           </a:ln>
-                          <a:solidFill>
-                            <a:srgbClr val="C05CA0"/>
-                          </a:solidFill>
                           <a:effectLst/>
-                          <a:latin typeface="Arial" charset="0"/>
-                          <a:cs typeface="Arial" charset="0"/>
-                        </a:rPr>
-                        <a:t>Regras de Negócio</a:t>
-                      </a:r>
-                    </a:p>
-                    <a:p>
-                      <a:pPr marL="0" marR="0" lvl="0" indent="0" algn="l" defTabSz="449263" rtl="0" eaLnBrk="1" fontAlgn="base" latinLnBrk="0" hangingPunct="1">
-                        <a:lnSpc>
-                          <a:spcPct val="94000"/>
-                        </a:lnSpc>
-                        <a:spcBef>
-                          <a:spcPts val="400"/>
-                        </a:spcBef>
-                        <a:spcAft>
-                          <a:spcPct val="0"/>
-                        </a:spcAft>
-                        <a:buClrTx/>
-                        <a:buSzPct val="70000"/>
-                        <a:buFontTx/>
-                        <a:buNone/>
-                        <a:tabLst>
-                          <a:tab pos="0" algn="l"/>
-                          <a:tab pos="914400" algn="l"/>
-                          <a:tab pos="1828800" algn="l"/>
-                          <a:tab pos="2743200" algn="l"/>
-                          <a:tab pos="3657600" algn="l"/>
-                          <a:tab pos="4572000" algn="l"/>
-                          <a:tab pos="5486400" algn="l"/>
-                          <a:tab pos="6400800" algn="l"/>
-                          <a:tab pos="7315200" algn="l"/>
-                          <a:tab pos="8229600" algn="l"/>
-                          <a:tab pos="9144000" algn="l"/>
-                          <a:tab pos="10058400" algn="l"/>
-                        </a:tabLst>
-                      </a:pPr>
-                      <a:r>
-                        <a:rPr kumimoji="0" lang="pt-BR" altLang="pt-BR" sz="1100" b="1" i="0" u="none" strike="noStrike" cap="none" normalizeH="0" baseline="0" dirty="0">
-                          <a:ln>
-                            <a:noFill/>
-                          </a:ln>
-                          <a:solidFill>
-                            <a:srgbClr val="123452"/>
-                          </a:solidFill>
-                          <a:effectLst/>
-                          <a:latin typeface="Arial" charset="0"/>
-                          <a:cs typeface="Arial" charset="0"/>
+                          <a:latin typeface="Arial" panose="020B0604020202020204" pitchFamily="34" charset="0"/>
+                          <a:cs typeface="Arial" panose="020B0604020202020204" pitchFamily="34" charset="0"/>
                         </a:rPr>
                         <a:t>RN81 – Os possíveis filtros de lançamentos devem ser no mínimo: por período de tempo, por tipo de lançamento, por conta, vencidos, próximos a vencer, e,  já efetivados.</a:t>
                       </a:r>
@@ -19268,7 +16461,7 @@
                           <a:spcPct val="94000"/>
                         </a:lnSpc>
                         <a:spcBef>
-                          <a:spcPts val="400"/>
+                          <a:spcPts val="450"/>
                         </a:spcBef>
                         <a:spcAft>
                           <a:spcPct val="0"/>
@@ -19293,75 +16486,70 @@
                         </a:tabLst>
                       </a:pPr>
                       <a:r>
-                        <a:rPr kumimoji="0" lang="pt-BR" altLang="pt-BR" sz="1100" b="1" i="0" u="none" strike="noStrike" kern="1200" cap="none" normalizeH="0" baseline="0" dirty="0">
+                        <a:rPr kumimoji="0" lang="pt-BR" altLang="pt-BR" sz="800" u="none" strike="noStrike" kern="1200" cap="none" normalizeH="0" baseline="0" dirty="0">
                           <a:ln>
                             <a:noFill/>
                           </a:ln>
-                          <a:solidFill>
-                            <a:srgbClr val="123452"/>
-                          </a:solidFill>
                           <a:effectLst/>
-                          <a:latin typeface="Arial" charset="0"/>
-                          <a:ea typeface="DejaVu Sans" charset="0"/>
-                          <a:cs typeface="Arial" charset="0"/>
+                          <a:latin typeface="Arial" panose="020B0604020202020204" pitchFamily="34" charset="0"/>
+                          <a:cs typeface="Arial" panose="020B0604020202020204" pitchFamily="34" charset="0"/>
                         </a:rPr>
                         <a:t>RN82 - ...</a:t>
                       </a:r>
                     </a:p>
+                    <a:p>
+                      <a:pPr marL="0" marR="0" lvl="0" indent="0" algn="l" defTabSz="449263" rtl="0" eaLnBrk="1" fontAlgn="base" latinLnBrk="0" hangingPunct="1">
+                        <a:lnSpc>
+                          <a:spcPct val="94000"/>
+                        </a:lnSpc>
+                        <a:spcBef>
+                          <a:spcPts val="450"/>
+                        </a:spcBef>
+                        <a:spcAft>
+                          <a:spcPct val="0"/>
+                        </a:spcAft>
+                        <a:buClrTx/>
+                        <a:buSzPct val="70000"/>
+                        <a:buFontTx/>
+                        <a:buNone/>
+                        <a:tabLst>
+                          <a:tab pos="0" algn="l"/>
+                          <a:tab pos="914400" algn="l"/>
+                          <a:tab pos="1828800" algn="l"/>
+                          <a:tab pos="2743200" algn="l"/>
+                          <a:tab pos="3657600" algn="l"/>
+                          <a:tab pos="4572000" algn="l"/>
+                          <a:tab pos="5486400" algn="l"/>
+                          <a:tab pos="6400800" algn="l"/>
+                          <a:tab pos="7315200" algn="l"/>
+                          <a:tab pos="8229600" algn="l"/>
+                          <a:tab pos="9144000" algn="l"/>
+                          <a:tab pos="10058400" algn="l"/>
+                        </a:tabLst>
+                        <a:defRPr/>
+                      </a:pPr>
+                      <a:endParaRPr kumimoji="0" lang="pt-BR" altLang="pt-BR" sz="800" u="none" strike="noStrike" kern="1200" cap="none" normalizeH="0" baseline="0" dirty="0">
+                        <a:ln>
+                          <a:noFill/>
+                        </a:ln>
+                        <a:solidFill>
+                          <a:srgbClr val="000000"/>
+                        </a:solidFill>
+                        <a:effectLst/>
+                        <a:latin typeface="Arial" panose="020B0604020202020204" pitchFamily="34" charset="0"/>
+                        <a:cs typeface="Arial" panose="020B0604020202020204" pitchFamily="34" charset="0"/>
+                      </a:endParaRPr>
+                    </a:p>
                   </a:txBody>
-                  <a:tcPr marT="57822" marB="45725" horzOverflow="overflow">
-                    <a:lnL w="6840" cap="flat" cmpd="sng" algn="ctr">
-                      <a:solidFill>
-                        <a:srgbClr val="000000"/>
-                      </a:solidFill>
-                      <a:prstDash val="solid"/>
-                      <a:round/>
-                      <a:headEnd type="none" w="med" len="med"/>
-                      <a:tailEnd type="none" w="med" len="med"/>
-                    </a:lnL>
-                    <a:lnR w="6840" cap="flat" cmpd="sng" algn="ctr">
-                      <a:solidFill>
-                        <a:srgbClr val="000000"/>
-                      </a:solidFill>
-                      <a:prstDash val="solid"/>
-                      <a:round/>
-                      <a:headEnd type="none" w="med" len="med"/>
-                      <a:tailEnd type="none" w="med" len="med"/>
-                    </a:lnR>
-                    <a:lnT w="2880" cap="flat" cmpd="sng" algn="ctr">
-                      <a:solidFill>
-                        <a:srgbClr val="000000"/>
-                      </a:solidFill>
-                      <a:prstDash val="solid"/>
-                      <a:round/>
-                      <a:headEnd type="none" w="med" len="med"/>
-                      <a:tailEnd type="none" w="med" len="med"/>
-                    </a:lnT>
-                    <a:lnB w="2880" cap="flat" cmpd="sng" algn="ctr">
-                      <a:solidFill>
-                        <a:srgbClr val="000000"/>
-                      </a:solidFill>
-                      <a:prstDash val="solid"/>
-                      <a:round/>
-                      <a:headEnd type="none" w="med" len="med"/>
-                      <a:tailEnd type="none" w="med" len="med"/>
-                    </a:lnB>
-                    <a:lnTlToBr>
-                      <a:noFill/>
-                    </a:lnTlToBr>
-                    <a:lnBlToTr>
-                      <a:noFill/>
-                    </a:lnBlToTr>
-                    <a:noFill/>
-                  </a:tcPr>
+                  <a:tcPr marT="57823" marB="45726" anchor="ctr" horzOverflow="overflow"/>
                 </a:tc>
                 <a:extLst>
                   <a:ext uri="{0D108BD9-81ED-4DB2-BD59-A6C34878D82A}">
-                    <a16:rowId xmlns:a16="http://schemas.microsoft.com/office/drawing/2014/main" val="10003"/>
+                    <a16:rowId xmlns:a16="http://schemas.microsoft.com/office/drawing/2014/main" val="38654939"/>
                   </a:ext>
                 </a:extLst>
               </a:tr>
-              <a:tr h="1449726">
+              <a:tr h="505571">
                 <a:tc>
                   <a:txBody>
                     <a:bodyPr/>
@@ -19648,7 +16836,7 @@
                           <a:spcPct val="94000"/>
                         </a:lnSpc>
                         <a:spcBef>
-                          <a:spcPts val="400"/>
+                          <a:spcPts val="450"/>
                         </a:spcBef>
                         <a:spcAft>
                           <a:spcPct val="0"/>
@@ -19673,18 +16861,15 @@
                         </a:tabLst>
                       </a:pPr>
                       <a:r>
-                        <a:rPr kumimoji="0" lang="pt-BR" altLang="pt-BR" sz="1100" b="0" i="1" u="none" strike="noStrike" cap="none" normalizeH="0" baseline="0" dirty="0">
+                        <a:rPr kumimoji="0" lang="pt-BR" altLang="pt-BR" sz="800" u="none" strike="noStrike" kern="1200" cap="none" normalizeH="0" baseline="0" dirty="0">
                           <a:ln>
                             <a:noFill/>
                           </a:ln>
-                          <a:solidFill>
-                            <a:srgbClr val="C05CA0"/>
-                          </a:solidFill>
                           <a:effectLst/>
-                          <a:latin typeface="Arial" charset="0"/>
-                          <a:cs typeface="Arial" charset="0"/>
+                          <a:latin typeface="Arial" panose="020B0604020202020204" pitchFamily="34" charset="0"/>
+                          <a:cs typeface="Arial" panose="020B0604020202020204" pitchFamily="34" charset="0"/>
                         </a:rPr>
-                        <a:t>Testes de Aceitação</a:t>
+                        <a:t>TESTES DE ACEITAÇÃO</a:t>
                       </a:r>
                     </a:p>
                     <a:p>
@@ -19717,75 +16902,28 @@
                           <a:tab pos="10058400" algn="l"/>
                         </a:tabLst>
                       </a:pPr>
-                      <a:r>
-                        <a:rPr kumimoji="0" lang="pt-BR" altLang="pt-BR" sz="1100" b="1" i="0" u="none" strike="noStrike" cap="none" normalizeH="0" baseline="0" dirty="0">
-                          <a:ln>
-                            <a:noFill/>
-                          </a:ln>
-                          <a:solidFill>
-                            <a:srgbClr val="00B050"/>
-                          </a:solidFill>
-                          <a:effectLst/>
-                          <a:latin typeface="Arial" charset="0"/>
-                          <a:cs typeface="Arial" charset="0"/>
-                        </a:rPr>
-                        <a:t>........</a:t>
-                      </a:r>
+                      <a:endParaRPr kumimoji="0" lang="pt-BR" altLang="pt-BR" sz="800" b="1" i="0" u="none" strike="noStrike" cap="none" normalizeH="0" baseline="0" dirty="0">
+                        <a:ln>
+                          <a:noFill/>
+                        </a:ln>
+                        <a:solidFill>
+                          <a:srgbClr val="00B050"/>
+                        </a:solidFill>
+                        <a:effectLst/>
+                        <a:latin typeface="Arial" panose="020B0604020202020204" pitchFamily="34" charset="0"/>
+                        <a:cs typeface="Arial" panose="020B0604020202020204" pitchFamily="34" charset="0"/>
+                      </a:endParaRPr>
                     </a:p>
                   </a:txBody>
-                  <a:tcPr marT="57822" marB="45725" horzOverflow="overflow">
-                    <a:lnL w="6840" cap="flat" cmpd="sng" algn="ctr">
-                      <a:solidFill>
-                        <a:srgbClr val="000000"/>
-                      </a:solidFill>
-                      <a:prstDash val="solid"/>
-                      <a:round/>
-                      <a:headEnd type="none" w="med" len="med"/>
-                      <a:tailEnd type="none" w="med" len="med"/>
-                    </a:lnL>
-                    <a:lnR w="6840" cap="flat" cmpd="sng" algn="ctr">
-                      <a:solidFill>
-                        <a:srgbClr val="000000"/>
-                      </a:solidFill>
-                      <a:prstDash val="solid"/>
-                      <a:round/>
-                      <a:headEnd type="none" w="med" len="med"/>
-                      <a:tailEnd type="none" w="med" len="med"/>
-                    </a:lnR>
-                    <a:lnT w="2880" cap="flat" cmpd="sng" algn="ctr">
-                      <a:solidFill>
-                        <a:srgbClr val="000000"/>
-                      </a:solidFill>
-                      <a:prstDash val="solid"/>
-                      <a:round/>
-                      <a:headEnd type="none" w="med" len="med"/>
-                      <a:tailEnd type="none" w="med" len="med"/>
-                    </a:lnT>
-                    <a:lnB w="2880" cap="flat" cmpd="sng" algn="ctr">
-                      <a:solidFill>
-                        <a:srgbClr val="000000"/>
-                      </a:solidFill>
-                      <a:prstDash val="solid"/>
-                      <a:round/>
-                      <a:headEnd type="none" w="med" len="med"/>
-                      <a:tailEnd type="none" w="med" len="med"/>
-                    </a:lnB>
-                    <a:lnTlToBr>
-                      <a:noFill/>
-                    </a:lnTlToBr>
-                    <a:lnBlToTr>
-                      <a:noFill/>
-                    </a:lnBlToTr>
-                    <a:noFill/>
-                  </a:tcPr>
+                  <a:tcPr marT="57823" marB="45726" anchor="ctr" horzOverflow="overflow"/>
                 </a:tc>
                 <a:extLst>
                   <a:ext uri="{0D108BD9-81ED-4DB2-BD59-A6C34878D82A}">
-                    <a16:rowId xmlns:a16="http://schemas.microsoft.com/office/drawing/2014/main" val="10004"/>
+                    <a16:rowId xmlns:a16="http://schemas.microsoft.com/office/drawing/2014/main" val="2617871744"/>
                   </a:ext>
                 </a:extLst>
               </a:tr>
-              <a:tr h="755995">
+              <a:tr h="525957">
                 <a:tc>
                   <a:txBody>
                     <a:bodyPr/>
@@ -19796,7 +16934,7 @@
                           <a:spcPct val="94000"/>
                         </a:lnSpc>
                         <a:spcBef>
-                          <a:spcPts val="350"/>
+                          <a:spcPts val="450"/>
                         </a:spcBef>
                         <a:spcAft>
                           <a:spcPct val="0"/>
@@ -19821,18 +16959,15 @@
                         </a:tabLst>
                       </a:pPr>
                       <a:r>
-                        <a:rPr kumimoji="0" lang="pt-BR" altLang="pt-BR" sz="1100" b="0" i="1" u="none" strike="noStrike" cap="none" normalizeH="0" baseline="0" dirty="0">
+                        <a:rPr kumimoji="0" lang="pt-BR" altLang="pt-BR" sz="800" u="none" strike="noStrike" kern="1200" cap="none" normalizeH="0" baseline="0" dirty="0">
                           <a:ln>
                             <a:noFill/>
                           </a:ln>
-                          <a:solidFill>
-                            <a:srgbClr val="C05CA0"/>
-                          </a:solidFill>
                           <a:effectLst/>
-                          <a:latin typeface="Arial" charset="0"/>
-                          <a:cs typeface="Arial" charset="0"/>
+                          <a:latin typeface="Arial" panose="020B0604020202020204" pitchFamily="34" charset="0"/>
+                          <a:cs typeface="Arial" panose="020B0604020202020204" pitchFamily="34" charset="0"/>
                         </a:rPr>
-                        <a:t>Requisitos de Dados</a:t>
+                        <a:t>REQUISITOS DE DADOS</a:t>
                       </a:r>
                     </a:p>
                     <a:p>
@@ -19841,7 +16976,7 @@
                           <a:spcPct val="94000"/>
                         </a:lnSpc>
                         <a:spcBef>
-                          <a:spcPts val="350"/>
+                          <a:spcPts val="450"/>
                         </a:spcBef>
                         <a:spcAft>
                           <a:spcPct val="0"/>
@@ -19866,85 +17001,23 @@
                         </a:tabLst>
                       </a:pPr>
                       <a:r>
-                        <a:rPr kumimoji="0" lang="pt-BR" altLang="pt-BR" sz="1100" b="0" i="0" u="none" strike="noStrike" cap="none" normalizeH="0" baseline="0" dirty="0">
-                          <a:ln>
-                            <a:noFill/>
-                          </a:ln>
-                          <a:solidFill>
-                            <a:schemeClr val="tx1"/>
-                          </a:solidFill>
-                          <a:effectLst/>
-                          <a:latin typeface="Arial" charset="0"/>
-                          <a:cs typeface="Arial" charset="0"/>
+                        <a:rPr lang="pt-BR" sz="800" dirty="0">
+                          <a:latin typeface="Arial" panose="020B0604020202020204" pitchFamily="34" charset="0"/>
+                          <a:cs typeface="Arial" panose="020B0604020202020204" pitchFamily="34" charset="0"/>
                         </a:rPr>
                         <a:t>Visualizar somente os dados mais relevantes dos lançamentos. Para visualizar o detalhe do precisaria clicar encima do lançamento desejado.</a:t>
                       </a:r>
-                      <a:endParaRPr kumimoji="0" lang="pt-BR" altLang="pt-BR" sz="1100" b="0" i="1" u="none" strike="noStrike" cap="none" normalizeH="0" baseline="0" dirty="0">
-                        <a:ln>
-                          <a:noFill/>
-                        </a:ln>
-                        <a:solidFill>
-                          <a:srgbClr val="C05CA0"/>
-                        </a:solidFill>
-                        <a:effectLst/>
-                        <a:latin typeface="Arial" charset="0"/>
-                        <a:cs typeface="Arial" charset="0"/>
-                      </a:endParaRPr>
                     </a:p>
                   </a:txBody>
-                  <a:tcPr marT="57822" marB="45725" horzOverflow="overflow">
-                    <a:lnL w="6840" cap="flat" cmpd="sng" algn="ctr">
-                      <a:solidFill>
-                        <a:srgbClr val="000000"/>
-                      </a:solidFill>
-                      <a:prstDash val="solid"/>
-                      <a:round/>
-                      <a:headEnd type="none" w="med" len="med"/>
-                      <a:tailEnd type="none" w="med" len="med"/>
-                    </a:lnL>
-                    <a:lnR w="6840" cap="flat" cmpd="sng" algn="ctr">
-                      <a:solidFill>
-                        <a:srgbClr val="000000"/>
-                      </a:solidFill>
-                      <a:prstDash val="solid"/>
-                      <a:round/>
-                      <a:headEnd type="none" w="med" len="med"/>
-                      <a:tailEnd type="none" w="med" len="med"/>
-                    </a:lnR>
-                    <a:lnT w="2880" cap="flat" cmpd="sng" algn="ctr">
-                      <a:solidFill>
-                        <a:srgbClr val="000000"/>
-                      </a:solidFill>
-                      <a:prstDash val="solid"/>
-                      <a:round/>
-                      <a:headEnd type="none" w="med" len="med"/>
-                      <a:tailEnd type="none" w="med" len="med"/>
-                    </a:lnT>
-                    <a:lnB w="2880" cap="flat" cmpd="sng" algn="ctr">
-                      <a:solidFill>
-                        <a:srgbClr val="000000"/>
-                      </a:solidFill>
-                      <a:prstDash val="solid"/>
-                      <a:round/>
-                      <a:headEnd type="none" w="med" len="med"/>
-                      <a:tailEnd type="none" w="med" len="med"/>
-                    </a:lnB>
-                    <a:lnTlToBr>
-                      <a:noFill/>
-                    </a:lnTlToBr>
-                    <a:lnBlToTr>
-                      <a:noFill/>
-                    </a:lnBlToTr>
-                    <a:noFill/>
-                  </a:tcPr>
+                  <a:tcPr marT="57823" marB="45726" anchor="ctr" horzOverflow="overflow"/>
                 </a:tc>
                 <a:extLst>
                   <a:ext uri="{0D108BD9-81ED-4DB2-BD59-A6C34878D82A}">
-                    <a16:rowId xmlns:a16="http://schemas.microsoft.com/office/drawing/2014/main" val="10005"/>
+                    <a16:rowId xmlns:a16="http://schemas.microsoft.com/office/drawing/2014/main" val="2435833958"/>
                   </a:ext>
                 </a:extLst>
               </a:tr>
-              <a:tr h="374165">
+              <a:tr h="245094">
                 <a:tc>
                   <a:txBody>
                     <a:bodyPr/>
@@ -20231,7 +17304,7 @@
                           <a:spcPct val="94000"/>
                         </a:lnSpc>
                         <a:spcBef>
-                          <a:spcPts val="400"/>
+                          <a:spcPts val="450"/>
                         </a:spcBef>
                         <a:spcAft>
                           <a:spcPct val="0"/>
@@ -20256,123 +17329,34 @@
                         </a:tabLst>
                       </a:pPr>
                       <a:r>
-                        <a:rPr kumimoji="0" lang="pt-BR" altLang="pt-BR" sz="1100" b="0" i="1" u="none" strike="noStrike" cap="none" normalizeH="0" baseline="0" dirty="0">
+                        <a:rPr kumimoji="0" lang="pt-BR" altLang="pt-BR" sz="800" u="none" strike="noStrike" kern="1200" cap="none" normalizeH="0" baseline="0" dirty="0">
                           <a:ln>
                             <a:noFill/>
                           </a:ln>
-                          <a:solidFill>
-                            <a:srgbClr val="C05CA0"/>
-                          </a:solidFill>
                           <a:effectLst/>
-                          <a:latin typeface="Arial" charset="0"/>
-                          <a:cs typeface="Arial" charset="0"/>
+                          <a:latin typeface="Arial" panose="020B0604020202020204" pitchFamily="34" charset="0"/>
+                          <a:cs typeface="Arial" panose="020B0604020202020204" pitchFamily="34" charset="0"/>
                         </a:rPr>
-                        <a:t>Estimativa: ...</a:t>
+                        <a:t>Estimativa: ...horas                                           Tempo de Elaboração:  ...horas</a:t>
                       </a:r>
-                      <a:r>
-                        <a:rPr kumimoji="0" lang="pt-BR" altLang="pt-BR" sz="1100" b="0" i="1" u="none" strike="noStrike" cap="none" normalizeH="0" baseline="0" dirty="0">
-                          <a:ln>
-                            <a:noFill/>
-                          </a:ln>
-                          <a:solidFill>
-                            <a:schemeClr val="tx1"/>
-                          </a:solidFill>
-                          <a:effectLst/>
-                          <a:latin typeface="Arial" charset="0"/>
-                          <a:cs typeface="Arial" charset="0"/>
-                        </a:rPr>
-                        <a:t>horas                                           </a:t>
-                      </a:r>
-                      <a:r>
-                        <a:rPr kumimoji="0" lang="pt-BR" altLang="pt-BR" sz="1100" b="0" i="1" u="none" strike="noStrike" cap="none" normalizeH="0" baseline="0" dirty="0">
-                          <a:ln>
-                            <a:noFill/>
-                          </a:ln>
-                          <a:solidFill>
-                            <a:srgbClr val="C05CA0"/>
-                          </a:solidFill>
-                          <a:effectLst/>
-                          <a:latin typeface="Arial" charset="0"/>
-                          <a:cs typeface="Arial" charset="0"/>
-                        </a:rPr>
-                        <a:t>Tempo de Elaboração:  ...</a:t>
-                      </a:r>
-                      <a:r>
-                        <a:rPr kumimoji="0" lang="pt-BR" altLang="pt-BR" sz="1100" b="0" i="1" u="none" strike="noStrike" cap="none" normalizeH="0" baseline="0" dirty="0">
-                          <a:ln>
-                            <a:noFill/>
-                          </a:ln>
-                          <a:solidFill>
-                            <a:schemeClr val="tx1"/>
-                          </a:solidFill>
-                          <a:effectLst/>
-                          <a:latin typeface="Arial" charset="0"/>
-                          <a:cs typeface="Arial" charset="0"/>
-                        </a:rPr>
-                        <a:t>horas</a:t>
-                      </a:r>
-                      <a:endParaRPr kumimoji="0" lang="pt-BR" altLang="pt-BR" sz="1100" b="0" i="1" u="none" strike="noStrike" cap="none" normalizeH="0" baseline="0" dirty="0">
+                      <a:endParaRPr kumimoji="0" lang="pt-BR" altLang="pt-BR" sz="800" u="none" strike="noStrike" kern="1200" cap="none" normalizeH="0" baseline="0" dirty="0">
                         <a:ln>
                           <a:noFill/>
                         </a:ln>
                         <a:solidFill>
-                          <a:srgbClr val="C05CA0"/>
+                          <a:srgbClr val="000000"/>
                         </a:solidFill>
                         <a:effectLst/>
-                        <a:latin typeface="Arial" charset="0"/>
-                        <a:cs typeface="Arial" charset="0"/>
+                        <a:latin typeface="Arial" panose="020B0604020202020204" pitchFamily="34" charset="0"/>
+                        <a:cs typeface="Arial" panose="020B0604020202020204" pitchFamily="34" charset="0"/>
                       </a:endParaRPr>
                     </a:p>
                   </a:txBody>
-                  <a:tcPr marT="57822" marB="45725" horzOverflow="overflow">
-                    <a:lnL w="6840" cap="flat" cmpd="sng" algn="ctr">
-                      <a:solidFill>
-                        <a:srgbClr val="000000"/>
-                      </a:solidFill>
-                      <a:prstDash val="solid"/>
-                      <a:round/>
-                      <a:headEnd type="none" w="med" len="med"/>
-                      <a:tailEnd type="none" w="med" len="med"/>
-                    </a:lnL>
-                    <a:lnR w="6840" cap="flat" cmpd="sng" algn="ctr">
-                      <a:solidFill>
-                        <a:srgbClr val="000000"/>
-                      </a:solidFill>
-                      <a:prstDash val="solid"/>
-                      <a:round/>
-                      <a:headEnd type="none" w="med" len="med"/>
-                      <a:tailEnd type="none" w="med" len="med"/>
-                    </a:lnR>
-                    <a:lnT w="2880" cap="flat" cmpd="sng" algn="ctr">
-                      <a:solidFill>
-                        <a:srgbClr val="000000"/>
-                      </a:solidFill>
-                      <a:prstDash val="solid"/>
-                      <a:round/>
-                      <a:headEnd type="none" w="med" len="med"/>
-                      <a:tailEnd type="none" w="med" len="med"/>
-                    </a:lnT>
-                    <a:lnB w="2880" cap="flat" cmpd="sng" algn="ctr">
-                      <a:solidFill>
-                        <a:srgbClr val="000000"/>
-                      </a:solidFill>
-                      <a:prstDash val="solid"/>
-                      <a:round/>
-                      <a:headEnd type="none" w="med" len="med"/>
-                      <a:tailEnd type="none" w="med" len="med"/>
-                    </a:lnB>
-                    <a:lnTlToBr>
-                      <a:noFill/>
-                    </a:lnTlToBr>
-                    <a:lnBlToTr>
-                      <a:noFill/>
-                    </a:lnBlToTr>
-                    <a:noFill/>
-                  </a:tcPr>
+                  <a:tcPr marT="57823" marB="45726" anchor="ctr" horzOverflow="overflow"/>
                 </a:tc>
                 <a:extLst>
                   <a:ext uri="{0D108BD9-81ED-4DB2-BD59-A6C34878D82A}">
-                    <a16:rowId xmlns:a16="http://schemas.microsoft.com/office/drawing/2014/main" val="10006"/>
+                    <a16:rowId xmlns:a16="http://schemas.microsoft.com/office/drawing/2014/main" val="3267566363"/>
                   </a:ext>
                 </a:extLst>
               </a:tr>
@@ -20381,38 +17365,15 @@
         </a:graphic>
       </p:graphicFrame>
     </p:spTree>
+    <p:extLst>
+      <p:ext uri="{BB962C8B-B14F-4D97-AF65-F5344CB8AC3E}">
+        <p14:creationId xmlns:p14="http://schemas.microsoft.com/office/powerpoint/2010/main" val="2094020657"/>
+      </p:ext>
+    </p:extLst>
   </p:cSld>
   <p:clrMapOvr>
     <a:masterClrMapping/>
   </p:clrMapOvr>
-  <p:transition spd="med"/>
-  <p:timing>
-    <p:tnLst>
-      <p:par>
-        <p:cTn id="1" dur="indefinite" restart="never" nodeType="tmRoot">
-          <p:childTnLst>
-            <p:seq concurrent="1" nextAc="seek">
-              <p:cTn id="2" dur="0" nodeType="mainSeq"/>
-              <p:prevCondLst>
-                <p:cond evt="onPrev" delay="0">
-                  <p:tgtEl>
-                    <p:sldTgt/>
-                  </p:tgtEl>
-                </p:cond>
-              </p:prevCondLst>
-              <p:nextCondLst>
-                <p:cond evt="onNext" delay="0">
-                  <p:tgtEl>
-                    <p:sldTgt/>
-                  </p:tgtEl>
-                </p:cond>
-              </p:nextCondLst>
-            </p:seq>
-          </p:childTnLst>
-        </p:cTn>
-      </p:par>
-    </p:tnLst>
-  </p:timing>
 </p:sld>
 </file>
 

--- a/GestaoFinancaPessoal/GestaoFinancaPessoal/Documentos/Entrega-02/UserStories.pptx
+++ b/GestaoFinancaPessoal/GestaoFinancaPessoal/Documentos/Entrega-02/UserStories.pptx
@@ -200,7 +200,7 @@
           <a:p>
             <a:fld id="{59A9F43D-7447-447E-A29C-D6932C4AEFE9}" type="datetimeFigureOut">
               <a:rPr lang="pt-BR" smtClean="0"/>
-              <a:t>03/05/2019</a:t>
+              <a:t>04/05/2019</a:t>
             </a:fld>
             <a:endParaRPr lang="pt-BR"/>
           </a:p>
@@ -2334,7 +2334,7 @@
           <a:p>
             <a:fld id="{41691924-F185-4213-BC46-97937F4C6F71}" type="datetimeFigureOut">
               <a:rPr lang="pt-BR" smtClean="0"/>
-              <a:t>03/05/2019</a:t>
+              <a:t>04/05/2019</a:t>
             </a:fld>
             <a:endParaRPr lang="pt-BR"/>
           </a:p>
@@ -2532,7 +2532,7 @@
           <a:p>
             <a:fld id="{41691924-F185-4213-BC46-97937F4C6F71}" type="datetimeFigureOut">
               <a:rPr lang="pt-BR" smtClean="0"/>
-              <a:t>03/05/2019</a:t>
+              <a:t>04/05/2019</a:t>
             </a:fld>
             <a:endParaRPr lang="pt-BR"/>
           </a:p>
@@ -2740,7 +2740,7 @@
           <a:p>
             <a:fld id="{41691924-F185-4213-BC46-97937F4C6F71}" type="datetimeFigureOut">
               <a:rPr lang="pt-BR" smtClean="0"/>
-              <a:t>03/05/2019</a:t>
+              <a:t>04/05/2019</a:t>
             </a:fld>
             <a:endParaRPr lang="pt-BR"/>
           </a:p>
@@ -2938,7 +2938,7 @@
           <a:p>
             <a:fld id="{41691924-F185-4213-BC46-97937F4C6F71}" type="datetimeFigureOut">
               <a:rPr lang="pt-BR" smtClean="0"/>
-              <a:t>03/05/2019</a:t>
+              <a:t>04/05/2019</a:t>
             </a:fld>
             <a:endParaRPr lang="pt-BR"/>
           </a:p>
@@ -3213,7 +3213,7 @@
           <a:p>
             <a:fld id="{41691924-F185-4213-BC46-97937F4C6F71}" type="datetimeFigureOut">
               <a:rPr lang="pt-BR" smtClean="0"/>
-              <a:t>03/05/2019</a:t>
+              <a:t>04/05/2019</a:t>
             </a:fld>
             <a:endParaRPr lang="pt-BR"/>
           </a:p>
@@ -3478,7 +3478,7 @@
           <a:p>
             <a:fld id="{41691924-F185-4213-BC46-97937F4C6F71}" type="datetimeFigureOut">
               <a:rPr lang="pt-BR" smtClean="0"/>
-              <a:t>03/05/2019</a:t>
+              <a:t>04/05/2019</a:t>
             </a:fld>
             <a:endParaRPr lang="pt-BR"/>
           </a:p>
@@ -3890,7 +3890,7 @@
           <a:p>
             <a:fld id="{41691924-F185-4213-BC46-97937F4C6F71}" type="datetimeFigureOut">
               <a:rPr lang="pt-BR" smtClean="0"/>
-              <a:t>03/05/2019</a:t>
+              <a:t>04/05/2019</a:t>
             </a:fld>
             <a:endParaRPr lang="pt-BR"/>
           </a:p>
@@ -4031,7 +4031,7 @@
           <a:p>
             <a:fld id="{41691924-F185-4213-BC46-97937F4C6F71}" type="datetimeFigureOut">
               <a:rPr lang="pt-BR" smtClean="0"/>
-              <a:t>03/05/2019</a:t>
+              <a:t>04/05/2019</a:t>
             </a:fld>
             <a:endParaRPr lang="pt-BR"/>
           </a:p>
@@ -4144,7 +4144,7 @@
           <a:p>
             <a:fld id="{41691924-F185-4213-BC46-97937F4C6F71}" type="datetimeFigureOut">
               <a:rPr lang="pt-BR" smtClean="0"/>
-              <a:t>03/05/2019</a:t>
+              <a:t>04/05/2019</a:t>
             </a:fld>
             <a:endParaRPr lang="pt-BR"/>
           </a:p>
@@ -4455,7 +4455,7 @@
           <a:p>
             <a:fld id="{41691924-F185-4213-BC46-97937F4C6F71}" type="datetimeFigureOut">
               <a:rPr lang="pt-BR" smtClean="0"/>
-              <a:t>03/05/2019</a:t>
+              <a:t>04/05/2019</a:t>
             </a:fld>
             <a:endParaRPr lang="pt-BR"/>
           </a:p>
@@ -4743,7 +4743,7 @@
           <a:p>
             <a:fld id="{41691924-F185-4213-BC46-97937F4C6F71}" type="datetimeFigureOut">
               <a:rPr lang="pt-BR" smtClean="0"/>
-              <a:t>03/05/2019</a:t>
+              <a:t>04/05/2019</a:t>
             </a:fld>
             <a:endParaRPr lang="pt-BR"/>
           </a:p>
@@ -4984,7 +4984,7 @@
           <a:p>
             <a:fld id="{41691924-F185-4213-BC46-97937F4C6F71}" type="datetimeFigureOut">
               <a:rPr lang="pt-BR" smtClean="0"/>
-              <a:t>03/05/2019</a:t>
+              <a:t>04/05/2019</a:t>
             </a:fld>
             <a:endParaRPr lang="pt-BR"/>
           </a:p>
@@ -5416,14 +5416,14 @@
           <p:nvPr>
             <p:extLst>
               <p:ext uri="{D42A27DB-BD31-4B8C-83A1-F6EECF244321}">
-                <p14:modId xmlns:p14="http://schemas.microsoft.com/office/powerpoint/2010/main" val="923879999"/>
+                <p14:modId xmlns:p14="http://schemas.microsoft.com/office/powerpoint/2010/main" val="1548597955"/>
               </p:ext>
             </p:extLst>
           </p:nvPr>
         </p:nvGraphicFramePr>
         <p:xfrm>
-          <a:off x="158482" y="200024"/>
-          <a:ext cx="11778145" cy="6457951"/>
+          <a:off x="158482" y="200026"/>
+          <a:ext cx="11778145" cy="6584541"/>
         </p:xfrm>
         <a:graphic>
           <a:graphicData uri="http://schemas.openxmlformats.org/drawingml/2006/table">
@@ -5440,7 +5440,7 @@
                   </a:extLst>
                 </a:gridCol>
               </a:tblGrid>
-              <a:tr h="362931">
+              <a:tr h="212617">
                 <a:tc>
                   <a:txBody>
                     <a:bodyPr/>
@@ -5752,25 +5752,25 @@
                         </a:tabLst>
                       </a:pPr>
                       <a:r>
-                        <a:rPr kumimoji="0" lang="pt-BR" altLang="pt-BR" sz="800" u="none" strike="noStrike" cap="none" normalizeH="0" baseline="0" dirty="0">
+                        <a:rPr kumimoji="0" lang="pt-BR" altLang="pt-BR" sz="1000" b="0" u="none" strike="noStrike" cap="none" normalizeH="0" baseline="0" dirty="0">
                           <a:ln>
                             <a:noFill/>
                           </a:ln>
+                          <a:solidFill>
+                            <a:schemeClr val="tx1"/>
+                          </a:solidFill>
                           <a:effectLst/>
                           <a:latin typeface="Arial" panose="020B0604020202020204" pitchFamily="34" charset="0"/>
                           <a:cs typeface="Arial" panose="020B0604020202020204" pitchFamily="34" charset="0"/>
                         </a:rPr>
                         <a:t>US04 – REGISTRAR RECORRENTES</a:t>
                       </a:r>
-                      <a:endParaRPr kumimoji="0" lang="pt-BR" altLang="pt-BR" sz="800" b="0" i="0" u="none" strike="noStrike" cap="none" normalizeH="0" baseline="0" dirty="0">
+                      <a:endParaRPr kumimoji="0" lang="pt-BR" altLang="pt-BR" sz="1000" b="0" i="0" u="none" strike="noStrike" cap="none" normalizeH="0" baseline="0" dirty="0">
                         <a:ln>
                           <a:noFill/>
                         </a:ln>
                         <a:solidFill>
-                          <a:schemeClr val="tx1">
-                            <a:lumMod val="95000"/>
-                            <a:lumOff val="5000"/>
-                          </a:schemeClr>
+                          <a:schemeClr val="tx1"/>
                         </a:solidFill>
                         <a:effectLst/>
                         <a:latin typeface="Arial" panose="020B0604020202020204" pitchFamily="34" charset="0"/>
@@ -5786,7 +5786,7 @@
                   </a:ext>
                 </a:extLst>
               </a:tr>
-              <a:tr h="842061">
+              <a:tr h="399258">
                 <a:tc>
                   <a:txBody>
                     <a:bodyPr/>
@@ -6098,10 +6098,13 @@
                         </a:tabLst>
                       </a:pPr>
                       <a:r>
-                        <a:rPr kumimoji="0" lang="pt-BR" altLang="pt-BR" sz="800" u="none" strike="noStrike" cap="none" normalizeH="0" baseline="0" dirty="0">
+                        <a:rPr kumimoji="0" lang="pt-BR" altLang="pt-BR" sz="1000" b="0" u="none" strike="noStrike" cap="none" normalizeH="0" baseline="0" dirty="0">
                           <a:ln>
                             <a:noFill/>
                           </a:ln>
+                          <a:solidFill>
+                            <a:schemeClr val="tx1"/>
+                          </a:solidFill>
                           <a:effectLst/>
                           <a:latin typeface="Arial" panose="020B0604020202020204" pitchFamily="34" charset="0"/>
                           <a:cs typeface="Arial" panose="020B0604020202020204" pitchFamily="34" charset="0"/>
@@ -6140,25 +6143,25 @@
                         </a:tabLst>
                       </a:pPr>
                       <a:r>
-                        <a:rPr kumimoji="0" lang="pt-BR" altLang="pt-BR" sz="800" u="none" strike="noStrike" cap="none" normalizeH="0" baseline="0" dirty="0">
+                        <a:rPr kumimoji="0" lang="pt-BR" altLang="pt-BR" sz="1000" b="0" u="none" strike="noStrike" cap="none" normalizeH="0" baseline="0" dirty="0">
                           <a:ln>
                             <a:noFill/>
                           </a:ln>
+                          <a:solidFill>
+                            <a:schemeClr val="tx1"/>
+                          </a:solidFill>
                           <a:effectLst/>
                           <a:latin typeface="Arial" panose="020B0604020202020204" pitchFamily="34" charset="0"/>
                           <a:cs typeface="Arial" panose="020B0604020202020204" pitchFamily="34" charset="0"/>
                         </a:rPr>
                         <a:t>**Recorrente quer dizer que um lançamento se repete cada tanto tempo. </a:t>
                       </a:r>
-                      <a:endParaRPr kumimoji="0" lang="pt-BR" altLang="pt-BR" sz="800" b="0" i="1" u="none" strike="noStrike" cap="none" normalizeH="0" baseline="0" dirty="0">
+                      <a:endParaRPr kumimoji="0" lang="pt-BR" altLang="pt-BR" sz="1000" b="0" i="1" u="none" strike="noStrike" cap="none" normalizeH="0" baseline="0" dirty="0">
                         <a:ln>
                           <a:noFill/>
                         </a:ln>
                         <a:solidFill>
-                          <a:schemeClr val="tx1">
-                            <a:lumMod val="95000"/>
-                            <a:lumOff val="5000"/>
-                          </a:schemeClr>
+                          <a:schemeClr val="tx1"/>
                         </a:solidFill>
                         <a:effectLst/>
                         <a:latin typeface="Arial" panose="020B0604020202020204" pitchFamily="34" charset="0"/>
@@ -6174,7 +6177,7 @@
                   </a:ext>
                 </a:extLst>
               </a:tr>
-              <a:tr h="883294">
+              <a:tr h="531367">
                 <a:tc>
                   <a:txBody>
                     <a:bodyPr/>
@@ -6486,10 +6489,13 @@
                         </a:tabLst>
                       </a:pPr>
                       <a:r>
-                        <a:rPr kumimoji="0" lang="pt-BR" altLang="pt-BR" sz="800" u="none" strike="noStrike" cap="none" normalizeH="0" baseline="0" dirty="0">
+                        <a:rPr kumimoji="0" lang="pt-BR" altLang="pt-BR" sz="1000" b="0" u="none" strike="noStrike" cap="none" normalizeH="0" baseline="0" dirty="0">
                           <a:ln>
                             <a:noFill/>
                           </a:ln>
+                          <a:solidFill>
+                            <a:schemeClr val="tx1"/>
+                          </a:solidFill>
                           <a:effectLst/>
                           <a:latin typeface="Arial" panose="020B0604020202020204" pitchFamily="34" charset="0"/>
                           <a:cs typeface="Arial" panose="020B0604020202020204" pitchFamily="34" charset="0"/>
@@ -6530,10 +6536,13 @@
                         </a:tabLst>
                       </a:pPr>
                       <a:r>
-                        <a:rPr kumimoji="0" lang="pt-BR" altLang="pt-BR" sz="800" u="none" strike="noStrike" cap="none" normalizeH="0" baseline="0" dirty="0">
+                        <a:rPr kumimoji="0" lang="pt-BR" altLang="pt-BR" sz="1000" b="0" u="none" strike="noStrike" cap="none" normalizeH="0" baseline="0" dirty="0">
                           <a:ln>
                             <a:noFill/>
                           </a:ln>
+                          <a:solidFill>
+                            <a:schemeClr val="tx1"/>
+                          </a:solidFill>
                           <a:effectLst/>
                           <a:latin typeface="Arial" panose="020B0604020202020204" pitchFamily="34" charset="0"/>
                           <a:cs typeface="Arial" panose="020B0604020202020204" pitchFamily="34" charset="0"/>
@@ -6574,25 +6583,25 @@
                         </a:tabLst>
                       </a:pPr>
                       <a:r>
-                        <a:rPr kumimoji="0" lang="pt-BR" altLang="pt-BR" sz="800" u="none" strike="noStrike" cap="none" normalizeH="0" baseline="0" dirty="0">
+                        <a:rPr kumimoji="0" lang="pt-BR" altLang="pt-BR" sz="1000" b="0" u="none" strike="noStrike" cap="none" normalizeH="0" baseline="0" dirty="0">
                           <a:ln>
                             <a:noFill/>
                           </a:ln>
+                          <a:solidFill>
+                            <a:schemeClr val="tx1"/>
+                          </a:solidFill>
                           <a:effectLst/>
                           <a:latin typeface="Arial" panose="020B0604020202020204" pitchFamily="34" charset="0"/>
                           <a:cs typeface="Arial" panose="020B0604020202020204" pitchFamily="34" charset="0"/>
                         </a:rPr>
                         <a:t> Atualizar lançamento recorrente</a:t>
                       </a:r>
-                      <a:endParaRPr kumimoji="0" lang="pt-BR" altLang="pt-BR" sz="800" b="1" i="0" u="none" strike="noStrike" cap="none" normalizeH="0" baseline="0" dirty="0">
+                      <a:endParaRPr kumimoji="0" lang="pt-BR" altLang="pt-BR" sz="1000" b="0" i="0" u="none" strike="noStrike" cap="none" normalizeH="0" baseline="0" dirty="0">
                         <a:ln>
                           <a:noFill/>
                         </a:ln>
                         <a:solidFill>
-                          <a:schemeClr val="tx1">
-                            <a:lumMod val="95000"/>
-                            <a:lumOff val="5000"/>
-                          </a:schemeClr>
+                          <a:schemeClr val="tx1"/>
                         </a:solidFill>
                         <a:effectLst/>
                         <a:latin typeface="Arial" panose="020B0604020202020204" pitchFamily="34" charset="0"/>
@@ -6608,7 +6617,7 @@
                   </a:ext>
                 </a:extLst>
               </a:tr>
-              <a:tr h="1739213">
+              <a:tr h="1492009">
                 <a:tc>
                   <a:txBody>
                     <a:bodyPr/>
@@ -6920,10 +6929,13 @@
                         </a:tabLst>
                       </a:pPr>
                       <a:r>
-                        <a:rPr kumimoji="0" lang="pt-BR" altLang="pt-BR" sz="800" u="none" strike="noStrike" cap="none" normalizeH="0" baseline="0" dirty="0">
+                        <a:rPr kumimoji="0" lang="pt-BR" altLang="pt-BR" sz="1000" b="0" u="none" strike="noStrike" cap="none" normalizeH="0" baseline="0" dirty="0">
                           <a:ln>
                             <a:noFill/>
                           </a:ln>
+                          <a:solidFill>
+                            <a:schemeClr val="tx1"/>
+                          </a:solidFill>
                           <a:effectLst/>
                           <a:latin typeface="Arial" panose="020B0604020202020204" pitchFamily="34" charset="0"/>
                           <a:cs typeface="Arial" panose="020B0604020202020204" pitchFamily="34" charset="0"/>
@@ -6962,15 +6974,18 @@
                         </a:tabLst>
                       </a:pPr>
                       <a:r>
-                        <a:rPr kumimoji="0" lang="pt-BR" altLang="pt-BR" sz="800" u="none" strike="noStrike" cap="none" normalizeH="0" baseline="0" dirty="0">
+                        <a:rPr kumimoji="0" lang="pt-BR" altLang="pt-BR" sz="1000" b="0" u="none" strike="noStrike" cap="none" normalizeH="0" baseline="0" dirty="0">
                           <a:ln>
                             <a:noFill/>
                           </a:ln>
+                          <a:solidFill>
+                            <a:schemeClr val="tx1"/>
+                          </a:solidFill>
                           <a:effectLst/>
                           <a:latin typeface="Arial" panose="020B0604020202020204" pitchFamily="34" charset="0"/>
                           <a:cs typeface="Arial" panose="020B0604020202020204" pitchFamily="34" charset="0"/>
                         </a:rPr>
-                        <a:t>RN41. Cada lançamento recorrente pode ser do tipo “Parcelamento (mensal)” ou “Avançado”.</a:t>
+                        <a:t>RN4.1. Cada lançamento recorrente pode ser do tipo “Parcelamento (mensal)” ou “Avançado”.</a:t>
                       </a:r>
                     </a:p>
                     <a:p>
@@ -7004,15 +7019,18 @@
                         </a:tabLst>
                       </a:pPr>
                       <a:r>
-                        <a:rPr kumimoji="0" lang="pt-BR" altLang="pt-BR" sz="800" u="none" strike="noStrike" cap="none" normalizeH="0" baseline="0" dirty="0">
+                        <a:rPr kumimoji="0" lang="pt-BR" altLang="pt-BR" sz="1000" b="0" u="none" strike="noStrike" cap="none" normalizeH="0" baseline="0" dirty="0">
                           <a:ln>
                             <a:noFill/>
                           </a:ln>
+                          <a:solidFill>
+                            <a:schemeClr val="tx1"/>
+                          </a:solidFill>
                           <a:effectLst/>
                           <a:latin typeface="Arial" panose="020B0604020202020204" pitchFamily="34" charset="0"/>
                           <a:cs typeface="Arial" panose="020B0604020202020204" pitchFamily="34" charset="0"/>
                         </a:rPr>
-                        <a:t>RN42. Os campos obrigatórios do tipo parcelamento (mensal) são: inicio número de parcela e total de parcelas.</a:t>
+                        <a:t>RN4.2. Os campos obrigatórios do tipo parcelamento (mensal) são: inicio número de parcela e total de parcelas.</a:t>
                       </a:r>
                     </a:p>
                     <a:p>
@@ -7047,15 +7065,18 @@
                         <a:defRPr/>
                       </a:pPr>
                       <a:r>
-                        <a:rPr kumimoji="0" lang="pt-BR" altLang="pt-BR" sz="800" u="none" strike="noStrike" cap="none" normalizeH="0" baseline="0" dirty="0">
+                        <a:rPr kumimoji="0" lang="pt-BR" altLang="pt-BR" sz="1000" b="0" u="none" strike="noStrike" cap="none" normalizeH="0" baseline="0" dirty="0">
                           <a:ln>
                             <a:noFill/>
                           </a:ln>
+                          <a:solidFill>
+                            <a:schemeClr val="tx1"/>
+                          </a:solidFill>
                           <a:effectLst/>
                           <a:latin typeface="Arial" panose="020B0604020202020204" pitchFamily="34" charset="0"/>
                           <a:cs typeface="Arial" panose="020B0604020202020204" pitchFamily="34" charset="0"/>
                         </a:rPr>
-                        <a:t>RN43. Os campos obrigatório do tipo Avançado são: Repetir a cada (como mostra na imagem abaixo), iniciar na parcela número, Número de ocorrências, Valor Total.</a:t>
+                        <a:t>RN4.3. Os campos obrigatório do tipo Avançado são: Repetir a cada (como mostra na imagem abaixo), iniciar na parcela número, Número de ocorrências, Valor Total.</a:t>
                       </a:r>
                     </a:p>
                     <a:p>
@@ -7089,30 +7110,222 @@
                         </a:tabLst>
                       </a:pPr>
                       <a:r>
-                        <a:rPr kumimoji="0" lang="pt-BR" altLang="pt-BR" sz="800" u="none" strike="noStrike" cap="none" normalizeH="0" baseline="0" dirty="0">
+                        <a:rPr kumimoji="0" lang="pt-BR" altLang="pt-BR" sz="1000" b="0" u="none" strike="noStrike" cap="none" normalizeH="0" baseline="0" dirty="0">
                           <a:ln>
                             <a:noFill/>
                           </a:ln>
+                          <a:solidFill>
+                            <a:schemeClr val="tx1"/>
+                          </a:solidFill>
                           <a:effectLst/>
                           <a:latin typeface="Arial" panose="020B0604020202020204" pitchFamily="34" charset="0"/>
                           <a:cs typeface="Arial" panose="020B0604020202020204" pitchFamily="34" charset="0"/>
                         </a:rPr>
-                        <a:t>RN44. </a:t>
+                        <a:t>RN4.4. </a:t>
                       </a:r>
-                      <a:endParaRPr kumimoji="0" lang="pt-BR" altLang="pt-BR" sz="800" b="1" i="0" u="none" strike="noStrike" cap="none" normalizeH="0" baseline="0" dirty="0">
-                        <a:ln>
-                          <a:noFill/>
-                        </a:ln>
-                        <a:solidFill>
-                          <a:schemeClr val="tx1">
-                            <a:lumMod val="95000"/>
-                            <a:lumOff val="5000"/>
-                          </a:schemeClr>
-                        </a:solidFill>
-                        <a:effectLst/>
-                        <a:latin typeface="Arial" panose="020B0604020202020204" pitchFamily="34" charset="0"/>
-                        <a:cs typeface="Arial" panose="020B0604020202020204" pitchFamily="34" charset="0"/>
-                      </a:endParaRPr>
+                      <a:r>
+                        <a:rPr kumimoji="0" lang="pt-BR" altLang="pt-BR" sz="1000" b="0" i="0" u="none" strike="noStrike" cap="none" normalizeH="0" baseline="0" dirty="0">
+                          <a:ln>
+                            <a:noFill/>
+                          </a:ln>
+                          <a:solidFill>
+                            <a:schemeClr val="tx1"/>
+                          </a:solidFill>
+                          <a:effectLst/>
+                          <a:latin typeface="Arial" panose="020B0604020202020204" pitchFamily="34" charset="0"/>
+                          <a:ea typeface="MS PGothic" panose="020B0600070205080204" pitchFamily="34" charset="-128"/>
+                          <a:cs typeface="DejaVu Sans" charset="0"/>
+                        </a:rPr>
+                        <a:t>Todo lançamento recorrente de transferência deve ter uma conta origem e uma destino.</a:t>
+                      </a:r>
+                    </a:p>
+                    <a:p>
+                      <a:pPr marL="0" marR="0" lvl="0" indent="0" algn="l" defTabSz="449263" rtl="0" eaLnBrk="1" fontAlgn="base" latinLnBrk="0" hangingPunct="1">
+                        <a:lnSpc>
+                          <a:spcPct val="94000"/>
+                        </a:lnSpc>
+                        <a:spcBef>
+                          <a:spcPts val="350"/>
+                        </a:spcBef>
+                        <a:spcAft>
+                          <a:spcPct val="0"/>
+                        </a:spcAft>
+                        <a:buClrTx/>
+                        <a:buSzPct val="70000"/>
+                        <a:buFontTx/>
+                        <a:buNone/>
+                        <a:tabLst>
+                          <a:tab pos="0" algn="l"/>
+                          <a:tab pos="914400" algn="l"/>
+                          <a:tab pos="1828800" algn="l"/>
+                          <a:tab pos="2743200" algn="l"/>
+                          <a:tab pos="3657600" algn="l"/>
+                          <a:tab pos="4572000" algn="l"/>
+                          <a:tab pos="5486400" algn="l"/>
+                          <a:tab pos="6400800" algn="l"/>
+                          <a:tab pos="7315200" algn="l"/>
+                          <a:tab pos="8229600" algn="l"/>
+                          <a:tab pos="9144000" algn="l"/>
+                          <a:tab pos="10058400" algn="l"/>
+                        </a:tabLst>
+                        <a:defRPr/>
+                      </a:pPr>
+                      <a:r>
+                        <a:rPr kumimoji="0" lang="pt-BR" altLang="pt-BR" sz="1000" b="0" i="0" u="none" strike="noStrike" cap="none" normalizeH="0" baseline="0" dirty="0">
+                          <a:ln>
+                            <a:noFill/>
+                          </a:ln>
+                          <a:solidFill>
+                            <a:schemeClr val="tx1"/>
+                          </a:solidFill>
+                          <a:effectLst/>
+                          <a:latin typeface="Arial" panose="020B0604020202020204" pitchFamily="34" charset="0"/>
+                          <a:ea typeface="MS PGothic" panose="020B0600070205080204" pitchFamily="34" charset="-128"/>
+                          <a:cs typeface="DejaVu Sans" charset="0"/>
+                        </a:rPr>
+                        <a:t>RN4.5. Todo lançamento recorrente de despesa ou receita deve estar associada a uma conta financeira.</a:t>
+                      </a:r>
+                    </a:p>
+                    <a:p>
+                      <a:pPr marL="0" marR="0" lvl="0" indent="0" algn="l" defTabSz="449263" rtl="0" eaLnBrk="1" fontAlgn="base" latinLnBrk="0" hangingPunct="1">
+                        <a:lnSpc>
+                          <a:spcPct val="94000"/>
+                        </a:lnSpc>
+                        <a:spcBef>
+                          <a:spcPts val="350"/>
+                        </a:spcBef>
+                        <a:spcAft>
+                          <a:spcPct val="0"/>
+                        </a:spcAft>
+                        <a:buClrTx/>
+                        <a:buSzPct val="70000"/>
+                        <a:buFontTx/>
+                        <a:buNone/>
+                        <a:tabLst>
+                          <a:tab pos="0" algn="l"/>
+                          <a:tab pos="914400" algn="l"/>
+                          <a:tab pos="1828800" algn="l"/>
+                          <a:tab pos="2743200" algn="l"/>
+                          <a:tab pos="3657600" algn="l"/>
+                          <a:tab pos="4572000" algn="l"/>
+                          <a:tab pos="5486400" algn="l"/>
+                          <a:tab pos="6400800" algn="l"/>
+                          <a:tab pos="7315200" algn="l"/>
+                          <a:tab pos="8229600" algn="l"/>
+                          <a:tab pos="9144000" algn="l"/>
+                          <a:tab pos="10058400" algn="l"/>
+                        </a:tabLst>
+                        <a:defRPr/>
+                      </a:pPr>
+                      <a:r>
+                        <a:rPr kumimoji="0" lang="pt-BR" altLang="pt-BR" sz="1000" b="0" i="0" u="none" strike="noStrike" cap="none" normalizeH="0" baseline="0" dirty="0">
+                          <a:ln>
+                            <a:noFill/>
+                          </a:ln>
+                          <a:solidFill>
+                            <a:schemeClr val="tx1"/>
+                          </a:solidFill>
+                          <a:effectLst/>
+                          <a:latin typeface="Arial" panose="020B0604020202020204" pitchFamily="34" charset="0"/>
+                          <a:ea typeface="MS PGothic" panose="020B0600070205080204" pitchFamily="34" charset="-128"/>
+                          <a:cs typeface="DejaVu Sans" charset="0"/>
+                        </a:rPr>
+                        <a:t>RN4.8. Todo lançamento recorrente de receitas ou despesas deve ter uma categoria, valor.</a:t>
+                      </a:r>
+                    </a:p>
+                    <a:p>
+                      <a:pPr marL="0" marR="0" lvl="0" indent="0" algn="l" defTabSz="449263" rtl="0" eaLnBrk="1" fontAlgn="base" latinLnBrk="0" hangingPunct="1">
+                        <a:lnSpc>
+                          <a:spcPct val="94000"/>
+                        </a:lnSpc>
+                        <a:spcBef>
+                          <a:spcPts val="350"/>
+                        </a:spcBef>
+                        <a:spcAft>
+                          <a:spcPct val="0"/>
+                        </a:spcAft>
+                        <a:buClrTx/>
+                        <a:buSzPct val="70000"/>
+                        <a:buFontTx/>
+                        <a:buNone/>
+                        <a:tabLst>
+                          <a:tab pos="0" algn="l"/>
+                          <a:tab pos="914400" algn="l"/>
+                          <a:tab pos="1828800" algn="l"/>
+                          <a:tab pos="2743200" algn="l"/>
+                          <a:tab pos="3657600" algn="l"/>
+                          <a:tab pos="4572000" algn="l"/>
+                          <a:tab pos="5486400" algn="l"/>
+                          <a:tab pos="6400800" algn="l"/>
+                          <a:tab pos="7315200" algn="l"/>
+                          <a:tab pos="8229600" algn="l"/>
+                          <a:tab pos="9144000" algn="l"/>
+                          <a:tab pos="10058400" algn="l"/>
+                        </a:tabLst>
+                        <a:defRPr/>
+                      </a:pPr>
+                      <a:r>
+                        <a:rPr kumimoji="0" lang="pt-BR" altLang="pt-BR" sz="1000" b="0" i="0" u="none" strike="noStrike" cap="none" normalizeH="0" baseline="0" dirty="0">
+                          <a:ln>
+                            <a:noFill/>
+                          </a:ln>
+                          <a:solidFill>
+                            <a:schemeClr val="tx1"/>
+                          </a:solidFill>
+                          <a:effectLst/>
+                          <a:latin typeface="Arial" panose="020B0604020202020204" pitchFamily="34" charset="0"/>
+                          <a:ea typeface="MS PGothic" panose="020B0600070205080204" pitchFamily="34" charset="-128"/>
+                          <a:cs typeface="DejaVu Sans" charset="0"/>
+                        </a:rPr>
+                        <a:t>RN4.7. Todo lançamento recorrente de transferência não pode ser negativo.</a:t>
+                      </a:r>
+                    </a:p>
+                    <a:p>
+                      <a:pPr marL="0" marR="0" lvl="0" indent="0" algn="l" defTabSz="449263" rtl="0" eaLnBrk="1" fontAlgn="base" latinLnBrk="0" hangingPunct="1">
+                        <a:lnSpc>
+                          <a:spcPct val="94000"/>
+                        </a:lnSpc>
+                        <a:spcBef>
+                          <a:spcPts val="350"/>
+                        </a:spcBef>
+                        <a:spcAft>
+                          <a:spcPct val="0"/>
+                        </a:spcAft>
+                        <a:buClrTx/>
+                        <a:buSzPct val="70000"/>
+                        <a:buFontTx/>
+                        <a:buNone/>
+                        <a:tabLst>
+                          <a:tab pos="0" algn="l"/>
+                          <a:tab pos="914400" algn="l"/>
+                          <a:tab pos="1828800" algn="l"/>
+                          <a:tab pos="2743200" algn="l"/>
+                          <a:tab pos="3657600" algn="l"/>
+                          <a:tab pos="4572000" algn="l"/>
+                          <a:tab pos="5486400" algn="l"/>
+                          <a:tab pos="6400800" algn="l"/>
+                          <a:tab pos="7315200" algn="l"/>
+                          <a:tab pos="8229600" algn="l"/>
+                          <a:tab pos="9144000" algn="l"/>
+                          <a:tab pos="10058400" algn="l"/>
+                        </a:tabLst>
+                        <a:defRPr/>
+                      </a:pPr>
+                      <a:r>
+                        <a:rPr kumimoji="0" lang="pt-BR" altLang="pt-BR" sz="1000" b="0" i="0" u="none" strike="noStrike" cap="none" normalizeH="0" baseline="0" dirty="0">
+                          <a:ln>
+                            <a:noFill/>
+                          </a:ln>
+                          <a:solidFill>
+                            <a:schemeClr val="tx1"/>
+                          </a:solidFill>
+                          <a:effectLst/>
+                          <a:latin typeface="Arial" panose="020B0604020202020204" pitchFamily="34" charset="0"/>
+                          <a:ea typeface="MS PGothic" panose="020B0600070205080204" pitchFamily="34" charset="-128"/>
+                          <a:cs typeface="DejaVu Sans" charset="0"/>
+                        </a:rPr>
+                        <a:t>RN4.9. Todos campos podem ser alterados.</a:t>
+                      </a:r>
                     </a:p>
                   </a:txBody>
                   <a:tcPr marT="57817" marB="45722" horzOverflow="overflow"/>
@@ -7123,7 +7336,7 @@
                   </a:ext>
                 </a:extLst>
               </a:tr>
-              <a:tr h="1449585">
+              <a:tr h="2315038">
                 <a:tc>
                   <a:txBody>
                     <a:bodyPr/>
@@ -7435,10 +7648,13 @@
                         </a:tabLst>
                       </a:pPr>
                       <a:r>
-                        <a:rPr kumimoji="0" lang="pt-BR" altLang="pt-BR" sz="800" u="none" strike="noStrike" cap="none" normalizeH="0" baseline="0" dirty="0">
+                        <a:rPr kumimoji="0" lang="pt-BR" altLang="pt-BR" sz="1000" b="0" u="none" strike="noStrike" cap="none" normalizeH="0" baseline="0" dirty="0">
                           <a:ln>
                             <a:noFill/>
                           </a:ln>
+                          <a:solidFill>
+                            <a:schemeClr val="tx1"/>
+                          </a:solidFill>
                           <a:effectLst/>
                           <a:latin typeface="Arial" panose="020B0604020202020204" pitchFamily="34" charset="0"/>
                           <a:cs typeface="Arial" panose="020B0604020202020204" pitchFamily="34" charset="0"/>
@@ -7449,10 +7665,10 @@
                     <a:p>
                       <a:pPr marL="0" marR="0" lvl="0" indent="0" algn="l" defTabSz="449263" rtl="0" eaLnBrk="1" fontAlgn="base" latinLnBrk="0" hangingPunct="1">
                         <a:lnSpc>
-                          <a:spcPct val="94000"/>
+                          <a:spcPct val="76000"/>
                         </a:lnSpc>
                         <a:spcBef>
-                          <a:spcPts val="350"/>
+                          <a:spcPts val="400"/>
                         </a:spcBef>
                         <a:spcAft>
                           <a:spcPct val="0"/>
@@ -7475,16 +7691,344 @@
                           <a:tab pos="9144000" algn="l"/>
                           <a:tab pos="10058400" algn="l"/>
                         </a:tabLst>
-                        <a:defRPr/>
                       </a:pPr>
-                      <a:endParaRPr kumimoji="0" lang="pt-BR" altLang="pt-BR" sz="800" u="none" strike="noStrike" cap="none" normalizeH="0" baseline="0" dirty="0">
-                        <a:ln>
-                          <a:noFill/>
-                        </a:ln>
-                        <a:effectLst/>
-                        <a:latin typeface="Arial" panose="020B0604020202020204" pitchFamily="34" charset="0"/>
-                        <a:cs typeface="Arial" panose="020B0604020202020204" pitchFamily="34" charset="0"/>
-                      </a:endParaRPr>
+                      <a:r>
+                        <a:rPr kumimoji="0" lang="pt-BR" altLang="pt-BR" sz="1000" b="0" i="0" u="none" strike="noStrike" cap="none" normalizeH="0" baseline="0" dirty="0">
+                          <a:ln>
+                            <a:noFill/>
+                          </a:ln>
+                          <a:solidFill>
+                            <a:schemeClr val="tx1"/>
+                          </a:solidFill>
+                          <a:effectLst/>
+                          <a:latin typeface="Arial" panose="020B0604020202020204" pitchFamily="34" charset="0"/>
+                          <a:ea typeface="DejaVu Sans" charset="0"/>
+                          <a:cs typeface="Arial" panose="020B0604020202020204" pitchFamily="34" charset="0"/>
+                        </a:rPr>
+                        <a:t>TA4.1 – Tentar gerar um lançamento recorrente de despesa ou receita sem uma categoria ou subcategoria .</a:t>
+                      </a:r>
+                    </a:p>
+                    <a:p>
+                      <a:pPr marL="0" marR="0" lvl="0" indent="0" algn="l" defTabSz="449263" rtl="0" eaLnBrk="1" fontAlgn="base" latinLnBrk="0" hangingPunct="1">
+                        <a:lnSpc>
+                          <a:spcPct val="76000"/>
+                        </a:lnSpc>
+                        <a:spcBef>
+                          <a:spcPts val="400"/>
+                        </a:spcBef>
+                        <a:spcAft>
+                          <a:spcPct val="0"/>
+                        </a:spcAft>
+                        <a:buClrTx/>
+                        <a:buSzPct val="70000"/>
+                        <a:buFontTx/>
+                        <a:buNone/>
+                        <a:tabLst>
+                          <a:tab pos="0" algn="l"/>
+                          <a:tab pos="914400" algn="l"/>
+                          <a:tab pos="1828800" algn="l"/>
+                          <a:tab pos="2743200" algn="l"/>
+                          <a:tab pos="3657600" algn="l"/>
+                          <a:tab pos="4572000" algn="l"/>
+                          <a:tab pos="5486400" algn="l"/>
+                          <a:tab pos="6400800" algn="l"/>
+                          <a:tab pos="7315200" algn="l"/>
+                          <a:tab pos="8229600" algn="l"/>
+                          <a:tab pos="9144000" algn="l"/>
+                          <a:tab pos="10058400" algn="l"/>
+                        </a:tabLst>
+                      </a:pPr>
+                      <a:r>
+                        <a:rPr kumimoji="0" lang="pt-BR" altLang="pt-BR" sz="1000" b="0" i="0" u="none" strike="noStrike" cap="none" normalizeH="0" baseline="0" dirty="0">
+                          <a:ln>
+                            <a:noFill/>
+                          </a:ln>
+                          <a:solidFill>
+                            <a:schemeClr val="tx1"/>
+                          </a:solidFill>
+                          <a:effectLst/>
+                          <a:latin typeface="Arial" panose="020B0604020202020204" pitchFamily="34" charset="0"/>
+                          <a:ea typeface="DejaVu Sans" charset="0"/>
+                          <a:cs typeface="Arial" panose="020B0604020202020204" pitchFamily="34" charset="0"/>
+                        </a:rPr>
+                        <a:t>TA4.2 – Tentar gerar um lançamento recorrente de despesa ou receita com categoria ou subcategoria.</a:t>
+                      </a:r>
+                    </a:p>
+                    <a:p>
+                      <a:pPr marL="0" marR="0" lvl="0" indent="0" algn="l" defTabSz="449263" rtl="0" eaLnBrk="1" fontAlgn="base" latinLnBrk="0" hangingPunct="1">
+                        <a:lnSpc>
+                          <a:spcPct val="76000"/>
+                        </a:lnSpc>
+                        <a:spcBef>
+                          <a:spcPts val="400"/>
+                        </a:spcBef>
+                        <a:spcAft>
+                          <a:spcPct val="0"/>
+                        </a:spcAft>
+                        <a:buClrTx/>
+                        <a:buSzPct val="70000"/>
+                        <a:buFontTx/>
+                        <a:buNone/>
+                        <a:tabLst>
+                          <a:tab pos="0" algn="l"/>
+                          <a:tab pos="914400" algn="l"/>
+                          <a:tab pos="1828800" algn="l"/>
+                          <a:tab pos="2743200" algn="l"/>
+                          <a:tab pos="3657600" algn="l"/>
+                          <a:tab pos="4572000" algn="l"/>
+                          <a:tab pos="5486400" algn="l"/>
+                          <a:tab pos="6400800" algn="l"/>
+                          <a:tab pos="7315200" algn="l"/>
+                          <a:tab pos="8229600" algn="l"/>
+                          <a:tab pos="9144000" algn="l"/>
+                          <a:tab pos="10058400" algn="l"/>
+                        </a:tabLst>
+                      </a:pPr>
+                      <a:r>
+                        <a:rPr kumimoji="0" lang="pt-BR" altLang="pt-BR" sz="1000" b="0" i="0" u="none" strike="noStrike" cap="none" normalizeH="0" baseline="0" dirty="0">
+                          <a:ln>
+                            <a:noFill/>
+                          </a:ln>
+                          <a:solidFill>
+                            <a:schemeClr val="tx1"/>
+                          </a:solidFill>
+                          <a:effectLst/>
+                          <a:latin typeface="Arial" panose="020B0604020202020204" pitchFamily="34" charset="0"/>
+                          <a:ea typeface="DejaVu Sans" charset="0"/>
+                          <a:cs typeface="Arial" panose="020B0604020202020204" pitchFamily="34" charset="0"/>
+                        </a:rPr>
+                        <a:t>TA4.3 – Tentar gerar um lançamento recorrente de transferência sem conta origem e destino.</a:t>
+                      </a:r>
+                    </a:p>
+                    <a:p>
+                      <a:pPr marL="0" marR="0" lvl="0" indent="0" algn="l" defTabSz="449263" rtl="0" eaLnBrk="1" fontAlgn="base" latinLnBrk="0" hangingPunct="1">
+                        <a:lnSpc>
+                          <a:spcPct val="76000"/>
+                        </a:lnSpc>
+                        <a:spcBef>
+                          <a:spcPts val="400"/>
+                        </a:spcBef>
+                        <a:spcAft>
+                          <a:spcPct val="0"/>
+                        </a:spcAft>
+                        <a:buClrTx/>
+                        <a:buSzPct val="70000"/>
+                        <a:buFontTx/>
+                        <a:buNone/>
+                        <a:tabLst>
+                          <a:tab pos="0" algn="l"/>
+                          <a:tab pos="914400" algn="l"/>
+                          <a:tab pos="1828800" algn="l"/>
+                          <a:tab pos="2743200" algn="l"/>
+                          <a:tab pos="3657600" algn="l"/>
+                          <a:tab pos="4572000" algn="l"/>
+                          <a:tab pos="5486400" algn="l"/>
+                          <a:tab pos="6400800" algn="l"/>
+                          <a:tab pos="7315200" algn="l"/>
+                          <a:tab pos="8229600" algn="l"/>
+                          <a:tab pos="9144000" algn="l"/>
+                          <a:tab pos="10058400" algn="l"/>
+                        </a:tabLst>
+                      </a:pPr>
+                      <a:r>
+                        <a:rPr kumimoji="0" lang="pt-BR" altLang="pt-BR" sz="1000" b="0" i="0" u="none" strike="noStrike" cap="none" normalizeH="0" baseline="0" dirty="0">
+                          <a:ln>
+                            <a:noFill/>
+                          </a:ln>
+                          <a:solidFill>
+                            <a:schemeClr val="tx1"/>
+                          </a:solidFill>
+                          <a:effectLst/>
+                          <a:latin typeface="Arial" panose="020B0604020202020204" pitchFamily="34" charset="0"/>
+                          <a:ea typeface="DejaVu Sans" charset="0"/>
+                          <a:cs typeface="Arial" panose="020B0604020202020204" pitchFamily="34" charset="0"/>
+                        </a:rPr>
+                        <a:t>TA4.4 – Tentar gerar um lançamento recorrente de transferência com conta origem e destino.</a:t>
+                      </a:r>
+                    </a:p>
+                    <a:p>
+                      <a:pPr marL="0" marR="0" lvl="0" indent="0" algn="l" defTabSz="449263" rtl="0" eaLnBrk="1" fontAlgn="base" latinLnBrk="0" hangingPunct="1">
+                        <a:lnSpc>
+                          <a:spcPct val="76000"/>
+                        </a:lnSpc>
+                        <a:spcBef>
+                          <a:spcPts val="400"/>
+                        </a:spcBef>
+                        <a:spcAft>
+                          <a:spcPct val="0"/>
+                        </a:spcAft>
+                        <a:buClrTx/>
+                        <a:buSzPct val="70000"/>
+                        <a:buFontTx/>
+                        <a:buNone/>
+                        <a:tabLst>
+                          <a:tab pos="0" algn="l"/>
+                          <a:tab pos="914400" algn="l"/>
+                          <a:tab pos="1828800" algn="l"/>
+                          <a:tab pos="2743200" algn="l"/>
+                          <a:tab pos="3657600" algn="l"/>
+                          <a:tab pos="4572000" algn="l"/>
+                          <a:tab pos="5486400" algn="l"/>
+                          <a:tab pos="6400800" algn="l"/>
+                          <a:tab pos="7315200" algn="l"/>
+                          <a:tab pos="8229600" algn="l"/>
+                          <a:tab pos="9144000" algn="l"/>
+                          <a:tab pos="10058400" algn="l"/>
+                        </a:tabLst>
+                      </a:pPr>
+                      <a:r>
+                        <a:rPr kumimoji="0" lang="pt-BR" altLang="pt-BR" sz="1000" b="0" i="0" u="none" strike="noStrike" cap="none" normalizeH="0" baseline="0" dirty="0">
+                          <a:ln>
+                            <a:noFill/>
+                          </a:ln>
+                          <a:solidFill>
+                            <a:schemeClr val="tx1"/>
+                          </a:solidFill>
+                          <a:effectLst/>
+                          <a:latin typeface="Arial" panose="020B0604020202020204" pitchFamily="34" charset="0"/>
+                          <a:ea typeface="DejaVu Sans" charset="0"/>
+                          <a:cs typeface="Arial" panose="020B0604020202020204" pitchFamily="34" charset="0"/>
+                        </a:rPr>
+                        <a:t>TA4.5 – Tentar gerar um lançamento recorrente de despesa ou receita sem uma conta.</a:t>
+                      </a:r>
+                    </a:p>
+                    <a:p>
+                      <a:pPr marL="0" marR="0" lvl="0" indent="0" algn="l" defTabSz="449263" rtl="0" eaLnBrk="1" fontAlgn="base" latinLnBrk="0" hangingPunct="1">
+                        <a:lnSpc>
+                          <a:spcPct val="76000"/>
+                        </a:lnSpc>
+                        <a:spcBef>
+                          <a:spcPts val="400"/>
+                        </a:spcBef>
+                        <a:spcAft>
+                          <a:spcPct val="0"/>
+                        </a:spcAft>
+                        <a:buClrTx/>
+                        <a:buSzPct val="70000"/>
+                        <a:buFontTx/>
+                        <a:buNone/>
+                        <a:tabLst>
+                          <a:tab pos="0" algn="l"/>
+                          <a:tab pos="914400" algn="l"/>
+                          <a:tab pos="1828800" algn="l"/>
+                          <a:tab pos="2743200" algn="l"/>
+                          <a:tab pos="3657600" algn="l"/>
+                          <a:tab pos="4572000" algn="l"/>
+                          <a:tab pos="5486400" algn="l"/>
+                          <a:tab pos="6400800" algn="l"/>
+                          <a:tab pos="7315200" algn="l"/>
+                          <a:tab pos="8229600" algn="l"/>
+                          <a:tab pos="9144000" algn="l"/>
+                          <a:tab pos="10058400" algn="l"/>
+                        </a:tabLst>
+                      </a:pPr>
+                      <a:r>
+                        <a:rPr kumimoji="0" lang="pt-BR" altLang="pt-BR" sz="1000" b="0" i="0" u="none" strike="noStrike" cap="none" normalizeH="0" baseline="0" dirty="0">
+                          <a:ln>
+                            <a:noFill/>
+                          </a:ln>
+                          <a:solidFill>
+                            <a:schemeClr val="tx1"/>
+                          </a:solidFill>
+                          <a:effectLst/>
+                          <a:latin typeface="Arial" panose="020B0604020202020204" pitchFamily="34" charset="0"/>
+                          <a:ea typeface="DejaVu Sans" charset="0"/>
+                          <a:cs typeface="Arial" panose="020B0604020202020204" pitchFamily="34" charset="0"/>
+                        </a:rPr>
+                        <a:t>TA4.6 – Tentar gerar um lançamento recorrente de despesa ou receita com uma conta.</a:t>
+                      </a:r>
+                    </a:p>
+                    <a:p>
+                      <a:pPr marL="0" marR="0" lvl="0" indent="0" algn="l" defTabSz="449263" rtl="0" eaLnBrk="1" fontAlgn="base" latinLnBrk="0" hangingPunct="1">
+                        <a:lnSpc>
+                          <a:spcPct val="76000"/>
+                        </a:lnSpc>
+                        <a:spcBef>
+                          <a:spcPts val="400"/>
+                        </a:spcBef>
+                        <a:spcAft>
+                          <a:spcPct val="0"/>
+                        </a:spcAft>
+                        <a:buClrTx/>
+                        <a:buSzPct val="70000"/>
+                        <a:buFontTx/>
+                        <a:buNone/>
+                        <a:tabLst>
+                          <a:tab pos="0" algn="l"/>
+                          <a:tab pos="914400" algn="l"/>
+                          <a:tab pos="1828800" algn="l"/>
+                          <a:tab pos="2743200" algn="l"/>
+                          <a:tab pos="3657600" algn="l"/>
+                          <a:tab pos="4572000" algn="l"/>
+                          <a:tab pos="5486400" algn="l"/>
+                          <a:tab pos="6400800" algn="l"/>
+                          <a:tab pos="7315200" algn="l"/>
+                          <a:tab pos="8229600" algn="l"/>
+                          <a:tab pos="9144000" algn="l"/>
+                          <a:tab pos="10058400" algn="l"/>
+                        </a:tabLst>
+                      </a:pPr>
+                      <a:r>
+                        <a:rPr kumimoji="0" lang="pt-BR" altLang="pt-BR" sz="1000" b="0" i="0" u="none" strike="noStrike" cap="none" normalizeH="0" baseline="0" dirty="0">
+                          <a:ln>
+                            <a:noFill/>
+                          </a:ln>
+                          <a:solidFill>
+                            <a:schemeClr val="tx1"/>
+                          </a:solidFill>
+                          <a:effectLst/>
+                          <a:latin typeface="Arial" panose="020B0604020202020204" pitchFamily="34" charset="0"/>
+                          <a:ea typeface="DejaVu Sans" charset="0"/>
+                          <a:cs typeface="Arial" panose="020B0604020202020204" pitchFamily="34" charset="0"/>
+                        </a:rPr>
+                        <a:t>TA4.7 – Tentar gerar um lançamento recorrente de transferência sem informar um valor.</a:t>
+                      </a:r>
+                    </a:p>
+                    <a:p>
+                      <a:pPr marL="0" marR="0" lvl="0" indent="0" algn="l" defTabSz="449263" rtl="0" eaLnBrk="1" fontAlgn="base" latinLnBrk="0" hangingPunct="1">
+                        <a:lnSpc>
+                          <a:spcPct val="76000"/>
+                        </a:lnSpc>
+                        <a:spcBef>
+                          <a:spcPts val="400"/>
+                        </a:spcBef>
+                        <a:spcAft>
+                          <a:spcPct val="0"/>
+                        </a:spcAft>
+                        <a:buClrTx/>
+                        <a:buSzPct val="70000"/>
+                        <a:buFontTx/>
+                        <a:buNone/>
+                        <a:tabLst>
+                          <a:tab pos="0" algn="l"/>
+                          <a:tab pos="914400" algn="l"/>
+                          <a:tab pos="1828800" algn="l"/>
+                          <a:tab pos="2743200" algn="l"/>
+                          <a:tab pos="3657600" algn="l"/>
+                          <a:tab pos="4572000" algn="l"/>
+                          <a:tab pos="5486400" algn="l"/>
+                          <a:tab pos="6400800" algn="l"/>
+                          <a:tab pos="7315200" algn="l"/>
+                          <a:tab pos="8229600" algn="l"/>
+                          <a:tab pos="9144000" algn="l"/>
+                          <a:tab pos="10058400" algn="l"/>
+                        </a:tabLst>
+                      </a:pPr>
+                      <a:r>
+                        <a:rPr kumimoji="0" lang="pt-BR" altLang="pt-BR" sz="1000" b="0" i="0" u="none" strike="noStrike" cap="none" normalizeH="0" baseline="0" dirty="0">
+                          <a:ln>
+                            <a:noFill/>
+                          </a:ln>
+                          <a:solidFill>
+                            <a:schemeClr val="tx1"/>
+                          </a:solidFill>
+                          <a:effectLst/>
+                          <a:latin typeface="Arial" panose="020B0604020202020204" pitchFamily="34" charset="0"/>
+                          <a:ea typeface="DejaVu Sans" charset="0"/>
+                          <a:cs typeface="Arial" panose="020B0604020202020204" pitchFamily="34" charset="0"/>
+                        </a:rPr>
+                        <a:t>TA4.8 – Tentar gerar um lançamento recorrente de despesa ou receita sem numero de inicio e final de parcela.</a:t>
+                      </a:r>
                     </a:p>
                     <a:p>
                       <a:pPr marL="0" marR="0" lvl="0" indent="0" algn="l" defTabSz="449263" rtl="0" eaLnBrk="1" fontAlgn="base" latinLnBrk="0" hangingPunct="1">
@@ -7515,16 +8059,305 @@
                           <a:tab pos="9144000" algn="l"/>
                           <a:tab pos="10058400" algn="l"/>
                         </a:tabLst>
+                        <a:defRPr/>
                       </a:pPr>
-                      <a:endParaRPr kumimoji="0" lang="pt-BR" altLang="pt-BR" sz="800" b="1" i="0" u="none" strike="noStrike" cap="none" normalizeH="0" baseline="0" dirty="0">
+                      <a:r>
+                        <a:rPr kumimoji="0" lang="pt-BR" altLang="pt-BR" sz="1000" b="0" i="0" u="none" strike="noStrike" cap="none" normalizeH="0" baseline="0" dirty="0">
+                          <a:ln>
+                            <a:noFill/>
+                          </a:ln>
+                          <a:solidFill>
+                            <a:schemeClr val="tx1"/>
+                          </a:solidFill>
+                          <a:effectLst/>
+                          <a:latin typeface="Arial" panose="020B0604020202020204" pitchFamily="34" charset="0"/>
+                          <a:ea typeface="DejaVu Sans" charset="0"/>
+                          <a:cs typeface="Arial" panose="020B0604020202020204" pitchFamily="34" charset="0"/>
+                        </a:rPr>
+                        <a:t>TA4.9 – Tentar gerar um lançamento recorrente de despesa ou receita com numero de inicio e final de parcela.</a:t>
+                      </a:r>
+                    </a:p>
+                    <a:p>
+                      <a:pPr marL="0" marR="0" lvl="0" indent="0" algn="l" defTabSz="449263" rtl="0" eaLnBrk="1" fontAlgn="base" latinLnBrk="0" hangingPunct="1">
+                        <a:lnSpc>
+                          <a:spcPct val="76000"/>
+                        </a:lnSpc>
+                        <a:spcBef>
+                          <a:spcPts val="400"/>
+                        </a:spcBef>
+                        <a:spcAft>
+                          <a:spcPct val="0"/>
+                        </a:spcAft>
+                        <a:buClrTx/>
+                        <a:buSzPct val="70000"/>
+                        <a:buFontTx/>
+                        <a:buNone/>
+                        <a:tabLst>
+                          <a:tab pos="0" algn="l"/>
+                          <a:tab pos="914400" algn="l"/>
+                          <a:tab pos="1828800" algn="l"/>
+                          <a:tab pos="2743200" algn="l"/>
+                          <a:tab pos="3657600" algn="l"/>
+                          <a:tab pos="4572000" algn="l"/>
+                          <a:tab pos="5486400" algn="l"/>
+                          <a:tab pos="6400800" algn="l"/>
+                          <a:tab pos="7315200" algn="l"/>
+                          <a:tab pos="8229600" algn="l"/>
+                          <a:tab pos="9144000" algn="l"/>
+                          <a:tab pos="10058400" algn="l"/>
+                        </a:tabLst>
+                      </a:pPr>
+                      <a:r>
+                        <a:rPr kumimoji="0" lang="pt-BR" altLang="pt-BR" sz="1000" b="0" i="0" u="none" strike="noStrike" cap="none" normalizeH="0" baseline="0" dirty="0">
+                          <a:ln>
+                            <a:noFill/>
+                          </a:ln>
+                          <a:solidFill>
+                            <a:schemeClr val="tx1"/>
+                          </a:solidFill>
+                          <a:effectLst/>
+                          <a:latin typeface="Arial" panose="020B0604020202020204" pitchFamily="34" charset="0"/>
+                          <a:ea typeface="DejaVu Sans" charset="0"/>
+                          <a:cs typeface="Arial" panose="020B0604020202020204" pitchFamily="34" charset="0"/>
+                        </a:rPr>
+                        <a:t>TA4.10 – Tentar editar um lançamento recorrente de despesa ou receita sem uma conta.</a:t>
+                      </a:r>
+                    </a:p>
+                    <a:p>
+                      <a:pPr marL="0" marR="0" lvl="0" indent="0" algn="l" defTabSz="449263" rtl="0" eaLnBrk="1" fontAlgn="base" latinLnBrk="0" hangingPunct="1">
+                        <a:lnSpc>
+                          <a:spcPct val="76000"/>
+                        </a:lnSpc>
+                        <a:spcBef>
+                          <a:spcPts val="400"/>
+                        </a:spcBef>
+                        <a:spcAft>
+                          <a:spcPct val="0"/>
+                        </a:spcAft>
+                        <a:buClrTx/>
+                        <a:buSzPct val="70000"/>
+                        <a:buFontTx/>
+                        <a:buNone/>
+                        <a:tabLst>
+                          <a:tab pos="0" algn="l"/>
+                          <a:tab pos="914400" algn="l"/>
+                          <a:tab pos="1828800" algn="l"/>
+                          <a:tab pos="2743200" algn="l"/>
+                          <a:tab pos="3657600" algn="l"/>
+                          <a:tab pos="4572000" algn="l"/>
+                          <a:tab pos="5486400" algn="l"/>
+                          <a:tab pos="6400800" algn="l"/>
+                          <a:tab pos="7315200" algn="l"/>
+                          <a:tab pos="8229600" algn="l"/>
+                          <a:tab pos="9144000" algn="l"/>
+                          <a:tab pos="10058400" algn="l"/>
+                        </a:tabLst>
+                      </a:pPr>
+                      <a:r>
+                        <a:rPr kumimoji="0" lang="pt-BR" altLang="pt-BR" sz="1000" b="0" i="0" u="none" strike="noStrike" cap="none" normalizeH="0" baseline="0" dirty="0">
+                          <a:ln>
+                            <a:noFill/>
+                          </a:ln>
+                          <a:solidFill>
+                            <a:schemeClr val="tx1"/>
+                          </a:solidFill>
+                          <a:effectLst/>
+                          <a:latin typeface="Arial" panose="020B0604020202020204" pitchFamily="34" charset="0"/>
+                          <a:ea typeface="DejaVu Sans" charset="0"/>
+                          <a:cs typeface="Arial" panose="020B0604020202020204" pitchFamily="34" charset="0"/>
+                        </a:rPr>
+                        <a:t>TA4.11 – Tentar editar um lançamento recorrente de despesa ou receita com uma conta.</a:t>
+                      </a:r>
+                    </a:p>
+                    <a:p>
+                      <a:pPr marL="0" marR="0" lvl="0" indent="0" algn="l" defTabSz="449263" rtl="0" eaLnBrk="1" fontAlgn="base" latinLnBrk="0" hangingPunct="1">
+                        <a:lnSpc>
+                          <a:spcPct val="76000"/>
+                        </a:lnSpc>
+                        <a:spcBef>
+                          <a:spcPts val="400"/>
+                        </a:spcBef>
+                        <a:spcAft>
+                          <a:spcPct val="0"/>
+                        </a:spcAft>
+                        <a:buClrTx/>
+                        <a:buSzPct val="70000"/>
+                        <a:buFontTx/>
+                        <a:buNone/>
+                        <a:tabLst>
+                          <a:tab pos="0" algn="l"/>
+                          <a:tab pos="914400" algn="l"/>
+                          <a:tab pos="1828800" algn="l"/>
+                          <a:tab pos="2743200" algn="l"/>
+                          <a:tab pos="3657600" algn="l"/>
+                          <a:tab pos="4572000" algn="l"/>
+                          <a:tab pos="5486400" algn="l"/>
+                          <a:tab pos="6400800" algn="l"/>
+                          <a:tab pos="7315200" algn="l"/>
+                          <a:tab pos="8229600" algn="l"/>
+                          <a:tab pos="9144000" algn="l"/>
+                          <a:tab pos="10058400" algn="l"/>
+                        </a:tabLst>
+                      </a:pPr>
+                      <a:r>
+                        <a:rPr kumimoji="0" lang="pt-BR" altLang="pt-BR" sz="1000" b="0" i="0" u="none" strike="noStrike" cap="none" normalizeH="0" baseline="0" dirty="0">
+                          <a:ln>
+                            <a:noFill/>
+                          </a:ln>
+                          <a:solidFill>
+                            <a:schemeClr val="tx1"/>
+                          </a:solidFill>
+                          <a:effectLst/>
+                          <a:latin typeface="Arial" panose="020B0604020202020204" pitchFamily="34" charset="0"/>
+                          <a:ea typeface="DejaVu Sans" charset="0"/>
+                          <a:cs typeface="Arial" panose="020B0604020202020204" pitchFamily="34" charset="0"/>
+                        </a:rPr>
+                        <a:t>TA4.12 – Tentar editar um lançamento recorrente de despesa ou receita sem uma categoria ou subcategoria .</a:t>
+                      </a:r>
+                    </a:p>
+                    <a:p>
+                      <a:pPr marL="0" marR="0" lvl="0" indent="0" algn="l" defTabSz="449263" rtl="0" eaLnBrk="1" fontAlgn="base" latinLnBrk="0" hangingPunct="1">
+                        <a:lnSpc>
+                          <a:spcPct val="76000"/>
+                        </a:lnSpc>
+                        <a:spcBef>
+                          <a:spcPts val="400"/>
+                        </a:spcBef>
+                        <a:spcAft>
+                          <a:spcPct val="0"/>
+                        </a:spcAft>
+                        <a:buClrTx/>
+                        <a:buSzPct val="70000"/>
+                        <a:buFontTx/>
+                        <a:buNone/>
+                        <a:tabLst>
+                          <a:tab pos="0" algn="l"/>
+                          <a:tab pos="914400" algn="l"/>
+                          <a:tab pos="1828800" algn="l"/>
+                          <a:tab pos="2743200" algn="l"/>
+                          <a:tab pos="3657600" algn="l"/>
+                          <a:tab pos="4572000" algn="l"/>
+                          <a:tab pos="5486400" algn="l"/>
+                          <a:tab pos="6400800" algn="l"/>
+                          <a:tab pos="7315200" algn="l"/>
+                          <a:tab pos="8229600" algn="l"/>
+                          <a:tab pos="9144000" algn="l"/>
+                          <a:tab pos="10058400" algn="l"/>
+                        </a:tabLst>
+                      </a:pPr>
+                      <a:r>
+                        <a:rPr kumimoji="0" lang="pt-BR" altLang="pt-BR" sz="1000" b="0" i="0" u="none" strike="noStrike" cap="none" normalizeH="0" baseline="0" dirty="0">
+                          <a:ln>
+                            <a:noFill/>
+                          </a:ln>
+                          <a:solidFill>
+                            <a:schemeClr val="tx1"/>
+                          </a:solidFill>
+                          <a:effectLst/>
+                          <a:latin typeface="Arial" panose="020B0604020202020204" pitchFamily="34" charset="0"/>
+                          <a:ea typeface="DejaVu Sans" charset="0"/>
+                          <a:cs typeface="Arial" panose="020B0604020202020204" pitchFamily="34" charset="0"/>
+                        </a:rPr>
+                        <a:t>TA4.13 – Tentar editar um lançamento recorrente de despesa ou receita com categoria ou subcategoria.</a:t>
+                      </a:r>
+                    </a:p>
+                    <a:p>
+                      <a:pPr marL="0" marR="0" lvl="0" indent="0" algn="l" defTabSz="449263" rtl="0" eaLnBrk="1" fontAlgn="base" latinLnBrk="0" hangingPunct="1">
+                        <a:lnSpc>
+                          <a:spcPct val="76000"/>
+                        </a:lnSpc>
+                        <a:spcBef>
+                          <a:spcPts val="400"/>
+                        </a:spcBef>
+                        <a:spcAft>
+                          <a:spcPct val="0"/>
+                        </a:spcAft>
+                        <a:buClrTx/>
+                        <a:buSzPct val="70000"/>
+                        <a:buFontTx/>
+                        <a:buNone/>
+                        <a:tabLst>
+                          <a:tab pos="0" algn="l"/>
+                          <a:tab pos="914400" algn="l"/>
+                          <a:tab pos="1828800" algn="l"/>
+                          <a:tab pos="2743200" algn="l"/>
+                          <a:tab pos="3657600" algn="l"/>
+                          <a:tab pos="4572000" algn="l"/>
+                          <a:tab pos="5486400" algn="l"/>
+                          <a:tab pos="6400800" algn="l"/>
+                          <a:tab pos="7315200" algn="l"/>
+                          <a:tab pos="8229600" algn="l"/>
+                          <a:tab pos="9144000" algn="l"/>
+                          <a:tab pos="10058400" algn="l"/>
+                        </a:tabLst>
+                      </a:pPr>
+                      <a:r>
+                        <a:rPr kumimoji="0" lang="pt-BR" altLang="pt-BR" sz="1000" b="0" i="0" u="none" strike="noStrike" cap="none" normalizeH="0" baseline="0" dirty="0">
+                          <a:ln>
+                            <a:noFill/>
+                          </a:ln>
+                          <a:solidFill>
+                            <a:schemeClr val="tx1"/>
+                          </a:solidFill>
+                          <a:effectLst/>
+                          <a:latin typeface="Arial" panose="020B0604020202020204" pitchFamily="34" charset="0"/>
+                          <a:ea typeface="DejaVu Sans" charset="0"/>
+                          <a:cs typeface="Arial" panose="020B0604020202020204" pitchFamily="34" charset="0"/>
+                        </a:rPr>
+                        <a:t>TA4.14 – Tentar editar um lançamento recorrente de despesa ou receita sem numero de inicio e final de parcela.</a:t>
+                      </a:r>
+                    </a:p>
+                    <a:p>
+                      <a:pPr marL="0" marR="0" lvl="0" indent="0" algn="l" defTabSz="449263" rtl="0" eaLnBrk="1" fontAlgn="base" latinLnBrk="0" hangingPunct="1">
+                        <a:lnSpc>
+                          <a:spcPct val="76000"/>
+                        </a:lnSpc>
+                        <a:spcBef>
+                          <a:spcPts val="400"/>
+                        </a:spcBef>
+                        <a:spcAft>
+                          <a:spcPct val="0"/>
+                        </a:spcAft>
+                        <a:buClrTx/>
+                        <a:buSzPct val="70000"/>
+                        <a:buFontTx/>
+                        <a:buNone/>
+                        <a:tabLst>
+                          <a:tab pos="0" algn="l"/>
+                          <a:tab pos="914400" algn="l"/>
+                          <a:tab pos="1828800" algn="l"/>
+                          <a:tab pos="2743200" algn="l"/>
+                          <a:tab pos="3657600" algn="l"/>
+                          <a:tab pos="4572000" algn="l"/>
+                          <a:tab pos="5486400" algn="l"/>
+                          <a:tab pos="6400800" algn="l"/>
+                          <a:tab pos="7315200" algn="l"/>
+                          <a:tab pos="8229600" algn="l"/>
+                          <a:tab pos="9144000" algn="l"/>
+                          <a:tab pos="10058400" algn="l"/>
+                        </a:tabLst>
+                      </a:pPr>
+                      <a:r>
+                        <a:rPr kumimoji="0" lang="pt-BR" altLang="pt-BR" sz="1000" b="0" i="0" u="none" strike="noStrike" cap="none" normalizeH="0" baseline="0" dirty="0">
+                          <a:ln>
+                            <a:noFill/>
+                          </a:ln>
+                          <a:solidFill>
+                            <a:schemeClr val="tx1"/>
+                          </a:solidFill>
+                          <a:effectLst/>
+                          <a:latin typeface="Arial" panose="020B0604020202020204" pitchFamily="34" charset="0"/>
+                          <a:ea typeface="DejaVu Sans" charset="0"/>
+                          <a:cs typeface="Arial" panose="020B0604020202020204" pitchFamily="34" charset="0"/>
+                        </a:rPr>
+                        <a:t>TA4.15 – Tentar editar um lançamento recorrente de despesa ou receita com numero de inicio e final de parcela.</a:t>
+                      </a:r>
+                      <a:endParaRPr kumimoji="0" lang="pt-BR" altLang="pt-BR" sz="1000" b="0" i="0" u="none" strike="noStrike" cap="none" normalizeH="0" baseline="0" dirty="0">
                         <a:ln>
                           <a:noFill/>
                         </a:ln>
                         <a:solidFill>
-                          <a:schemeClr val="tx1">
-                            <a:lumMod val="95000"/>
-                            <a:lumOff val="5000"/>
-                          </a:schemeClr>
+                          <a:schemeClr val="tx1"/>
                         </a:solidFill>
                         <a:effectLst/>
                         <a:latin typeface="Arial" panose="020B0604020202020204" pitchFamily="34" charset="0"/>
@@ -7540,7 +8373,7 @@
                   </a:ext>
                 </a:extLst>
               </a:tr>
-              <a:tr h="806738">
+              <a:tr h="382510">
                 <a:tc>
                   <a:txBody>
                     <a:bodyPr/>
@@ -7576,10 +8409,13 @@
                         </a:tabLst>
                       </a:pPr>
                       <a:r>
-                        <a:rPr kumimoji="0" lang="pt-BR" altLang="pt-BR" sz="800" u="none" strike="noStrike" cap="none" normalizeH="0" baseline="0" dirty="0">
+                        <a:rPr kumimoji="0" lang="pt-BR" altLang="pt-BR" sz="1000" b="0" u="none" strike="noStrike" cap="none" normalizeH="0" baseline="0" dirty="0">
                           <a:ln>
                             <a:noFill/>
                           </a:ln>
+                          <a:solidFill>
+                            <a:schemeClr val="tx1"/>
+                          </a:solidFill>
                           <a:effectLst/>
                           <a:latin typeface="Arial" panose="020B0604020202020204" pitchFamily="34" charset="0"/>
                           <a:cs typeface="Arial" panose="020B0604020202020204" pitchFamily="34" charset="0"/>
@@ -7618,10 +8454,13 @@
                         </a:tabLst>
                       </a:pPr>
                       <a:r>
-                        <a:rPr kumimoji="0" lang="pt-BR" altLang="pt-BR" sz="800" u="none" strike="noStrike" cap="none" normalizeH="0" baseline="0" dirty="0">
+                        <a:rPr kumimoji="0" lang="pt-BR" altLang="pt-BR" sz="1000" b="0" u="none" strike="noStrike" cap="none" normalizeH="0" baseline="0" dirty="0">
                           <a:ln>
                             <a:noFill/>
                           </a:ln>
+                          <a:solidFill>
+                            <a:schemeClr val="tx1"/>
+                          </a:solidFill>
                           <a:effectLst/>
                           <a:latin typeface="Arial" panose="020B0604020202020204" pitchFamily="34" charset="0"/>
                           <a:cs typeface="Arial" panose="020B0604020202020204" pitchFamily="34" charset="0"/>
@@ -7629,7 +8468,10 @@
                         <a:t>Periodicidade, Data de inicio, Data fim, iniciar na parcela, </a:t>
                       </a:r>
                       <a:r>
-                        <a:rPr lang="pt-BR" sz="800" kern="1200" dirty="0">
+                        <a:rPr lang="pt-BR" sz="1000" b="0" kern="1200" dirty="0">
+                          <a:solidFill>
+                            <a:schemeClr val="tx1"/>
+                          </a:solidFill>
                           <a:effectLst/>
                           <a:latin typeface="Arial" panose="020B0604020202020204" pitchFamily="34" charset="0"/>
                           <a:cs typeface="Arial" panose="020B0604020202020204" pitchFamily="34" charset="0"/>
@@ -7637,25 +8479,25 @@
                         <a:t>Quantidade de Ocorrência, </a:t>
                       </a:r>
                       <a:r>
-                        <a:rPr kumimoji="0" lang="pt-BR" altLang="pt-BR" sz="800" u="none" strike="noStrike" cap="none" normalizeH="0" baseline="0" dirty="0">
+                        <a:rPr kumimoji="0" lang="pt-BR" altLang="pt-BR" sz="1000" b="0" u="none" strike="noStrike" cap="none" normalizeH="0" baseline="0" dirty="0">
                           <a:ln>
                             <a:noFill/>
                           </a:ln>
+                          <a:solidFill>
+                            <a:schemeClr val="tx1"/>
+                          </a:solidFill>
                           <a:effectLst/>
                           <a:latin typeface="Arial" panose="020B0604020202020204" pitchFamily="34" charset="0"/>
                           <a:cs typeface="Arial" panose="020B0604020202020204" pitchFamily="34" charset="0"/>
                         </a:rPr>
                         <a:t>Valor Total......</a:t>
                       </a:r>
-                      <a:endParaRPr kumimoji="0" lang="pt-BR" altLang="pt-BR" sz="800" b="0" i="0" u="none" strike="noStrike" cap="none" normalizeH="0" baseline="0" dirty="0">
+                      <a:endParaRPr kumimoji="0" lang="pt-BR" altLang="pt-BR" sz="1000" b="0" i="0" u="none" strike="noStrike" cap="none" normalizeH="0" baseline="0" dirty="0">
                         <a:ln>
                           <a:noFill/>
                         </a:ln>
                         <a:solidFill>
-                          <a:schemeClr val="tx1">
-                            <a:lumMod val="95000"/>
-                            <a:lumOff val="5000"/>
-                          </a:schemeClr>
+                          <a:schemeClr val="tx1"/>
                         </a:solidFill>
                         <a:effectLst/>
                         <a:latin typeface="Arial" panose="020B0604020202020204" pitchFamily="34" charset="0"/>
@@ -7671,7 +8513,7 @@
                   </a:ext>
                 </a:extLst>
               </a:tr>
-              <a:tr h="374129">
+              <a:tr h="211153">
                 <a:tc>
                   <a:txBody>
                     <a:bodyPr/>
@@ -7983,25 +8825,25 @@
                         </a:tabLst>
                       </a:pPr>
                       <a:r>
-                        <a:rPr kumimoji="0" lang="pt-BR" altLang="pt-BR" sz="800" u="none" strike="noStrike" cap="none" normalizeH="0" baseline="0" dirty="0">
+                        <a:rPr kumimoji="0" lang="pt-BR" altLang="pt-BR" sz="1000" b="0" u="none" strike="noStrike" cap="none" normalizeH="0" baseline="0" dirty="0">
                           <a:ln>
                             <a:noFill/>
                           </a:ln>
+                          <a:solidFill>
+                            <a:schemeClr val="tx1"/>
+                          </a:solidFill>
                           <a:effectLst/>
                           <a:latin typeface="Arial" panose="020B0604020202020204" pitchFamily="34" charset="0"/>
                           <a:cs typeface="Arial" panose="020B0604020202020204" pitchFamily="34" charset="0"/>
                         </a:rPr>
                         <a:t>Estimativa: ...horas                                           Tempo de Elaboração:  ...horas</a:t>
                       </a:r>
-                      <a:endParaRPr kumimoji="0" lang="pt-BR" altLang="pt-BR" sz="800" b="0" i="1" u="none" strike="noStrike" cap="none" normalizeH="0" baseline="0" dirty="0">
+                      <a:endParaRPr kumimoji="0" lang="pt-BR" altLang="pt-BR" sz="1000" b="0" i="1" u="none" strike="noStrike" cap="none" normalizeH="0" baseline="0" dirty="0">
                         <a:ln>
                           <a:noFill/>
                         </a:ln>
                         <a:solidFill>
-                          <a:schemeClr val="tx1">
-                            <a:lumMod val="95000"/>
-                            <a:lumOff val="5000"/>
-                          </a:schemeClr>
+                          <a:schemeClr val="tx1"/>
                         </a:solidFill>
                         <a:effectLst/>
                         <a:latin typeface="Arial" panose="020B0604020202020204" pitchFamily="34" charset="0"/>
@@ -8089,14 +8931,14 @@
           <p:nvPr>
             <p:extLst>
               <p:ext uri="{D42A27DB-BD31-4B8C-83A1-F6EECF244321}">
-                <p14:modId xmlns:p14="http://schemas.microsoft.com/office/powerpoint/2010/main" val="1041981709"/>
+                <p14:modId xmlns:p14="http://schemas.microsoft.com/office/powerpoint/2010/main" val="2905120726"/>
               </p:ext>
             </p:extLst>
           </p:nvPr>
         </p:nvGraphicFramePr>
         <p:xfrm>
-          <a:off x="117072" y="114300"/>
-          <a:ext cx="11899220" cy="8906715"/>
+          <a:off x="117072" y="114301"/>
+          <a:ext cx="11899220" cy="8244276"/>
         </p:xfrm>
         <a:graphic>
           <a:graphicData uri="http://schemas.openxmlformats.org/drawingml/2006/table">
@@ -8113,7 +8955,7 @@
                   </a:extLst>
                 </a:gridCol>
               </a:tblGrid>
-              <a:tr h="360455">
+              <a:tr h="329968">
                 <a:tc>
                   <a:txBody>
                     <a:bodyPr/>
@@ -8469,7 +9311,7 @@
                   </a:ext>
                 </a:extLst>
               </a:tr>
-              <a:tr h="352121">
+              <a:tr h="322339">
                 <a:tc>
                   <a:txBody>
                     <a:bodyPr/>
@@ -8812,7 +9654,7 @@
                   </a:ext>
                 </a:extLst>
               </a:tr>
-              <a:tr h="1097241">
+              <a:tr h="1004438">
                 <a:tc>
                   <a:txBody>
                     <a:bodyPr/>
@@ -9323,7 +10165,7 @@
                   </a:ext>
                 </a:extLst>
               </a:tr>
-              <a:tr h="3295583">
+              <a:tr h="3016848">
                 <a:tc>
                   <a:txBody>
                     <a:bodyPr/>
@@ -10448,49 +11290,6 @@
                         <a:cs typeface="Arial" panose="020B0604020202020204" pitchFamily="34" charset="0"/>
                       </a:endParaRPr>
                     </a:p>
-                    <a:p>
-                      <a:pPr marL="0" marR="0" lvl="0" indent="0" algn="l" defTabSz="449263" rtl="0" eaLnBrk="1" fontAlgn="base" latinLnBrk="0" hangingPunct="1">
-                        <a:lnSpc>
-                          <a:spcPct val="94000"/>
-                        </a:lnSpc>
-                        <a:spcBef>
-                          <a:spcPts val="450"/>
-                        </a:spcBef>
-                        <a:spcAft>
-                          <a:spcPct val="0"/>
-                        </a:spcAft>
-                        <a:buClrTx/>
-                        <a:buSzPct val="70000"/>
-                        <a:buFontTx/>
-                        <a:buNone/>
-                        <a:tabLst>
-                          <a:tab pos="0" algn="l"/>
-                          <a:tab pos="914400" algn="l"/>
-                          <a:tab pos="1828800" algn="l"/>
-                          <a:tab pos="2743200" algn="l"/>
-                          <a:tab pos="3657600" algn="l"/>
-                          <a:tab pos="4572000" algn="l"/>
-                          <a:tab pos="5486400" algn="l"/>
-                          <a:tab pos="6400800" algn="l"/>
-                          <a:tab pos="7315200" algn="l"/>
-                          <a:tab pos="8229600" algn="l"/>
-                          <a:tab pos="9144000" algn="l"/>
-                          <a:tab pos="10058400" algn="l"/>
-                        </a:tabLst>
-                        <a:defRPr/>
-                      </a:pPr>
-                      <a:endParaRPr kumimoji="0" lang="pt-BR" altLang="pt-BR" sz="800" u="none" strike="noStrike" kern="1200" cap="none" normalizeH="0" baseline="0" dirty="0">
-                        <a:ln>
-                          <a:noFill/>
-                        </a:ln>
-                        <a:solidFill>
-                          <a:srgbClr val="000000"/>
-                        </a:solidFill>
-                        <a:effectLst/>
-                        <a:latin typeface="Arial" panose="020B0604020202020204" pitchFamily="34" charset="0"/>
-                        <a:cs typeface="Arial" panose="020B0604020202020204" pitchFamily="34" charset="0"/>
-                      </a:endParaRPr>
-                    </a:p>
                   </a:txBody>
                   <a:tcPr marT="57823" marB="45726" anchor="ctr" horzOverflow="overflow"/>
                 </a:tc>
@@ -10500,7 +11299,7 @@
                   </a:ext>
                 </a:extLst>
               </a:tr>
-              <a:tr h="505571">
+              <a:tr h="2773969">
                 <a:tc>
                   <a:txBody>
                     <a:bodyPr/>
@@ -11691,48 +12490,6 @@
                         <a:t>.</a:t>
                       </a:r>
                     </a:p>
-                    <a:p>
-                      <a:pPr marL="0" marR="0" lvl="0" indent="0" algn="l" defTabSz="449263" rtl="0" eaLnBrk="1" fontAlgn="base" latinLnBrk="0" hangingPunct="1">
-                        <a:lnSpc>
-                          <a:spcPct val="94000"/>
-                        </a:lnSpc>
-                        <a:spcBef>
-                          <a:spcPts val="350"/>
-                        </a:spcBef>
-                        <a:spcAft>
-                          <a:spcPct val="0"/>
-                        </a:spcAft>
-                        <a:buClrTx/>
-                        <a:buSzPct val="70000"/>
-                        <a:buFontTx/>
-                        <a:buNone/>
-                        <a:tabLst>
-                          <a:tab pos="0" algn="l"/>
-                          <a:tab pos="914400" algn="l"/>
-                          <a:tab pos="1828800" algn="l"/>
-                          <a:tab pos="2743200" algn="l"/>
-                          <a:tab pos="3657600" algn="l"/>
-                          <a:tab pos="4572000" algn="l"/>
-                          <a:tab pos="5486400" algn="l"/>
-                          <a:tab pos="6400800" algn="l"/>
-                          <a:tab pos="7315200" algn="l"/>
-                          <a:tab pos="8229600" algn="l"/>
-                          <a:tab pos="9144000" algn="l"/>
-                          <a:tab pos="10058400" algn="l"/>
-                        </a:tabLst>
-                      </a:pPr>
-                      <a:endParaRPr kumimoji="0" lang="pt-BR" altLang="pt-BR" sz="800" b="1" i="0" u="none" strike="noStrike" cap="none" normalizeH="0" baseline="0" dirty="0">
-                        <a:ln>
-                          <a:noFill/>
-                        </a:ln>
-                        <a:solidFill>
-                          <a:srgbClr val="00B050"/>
-                        </a:solidFill>
-                        <a:effectLst/>
-                        <a:latin typeface="Arial" panose="020B0604020202020204" pitchFamily="34" charset="0"/>
-                        <a:cs typeface="Arial" panose="020B0604020202020204" pitchFamily="34" charset="0"/>
-                      </a:endParaRPr>
-                    </a:p>
                   </a:txBody>
                   <a:tcPr marT="57823" marB="45726" anchor="ctr" horzOverflow="overflow"/>
                 </a:tc>
@@ -11742,7 +12499,7 @@
                   </a:ext>
                 </a:extLst>
               </a:tr>
-              <a:tr h="525957">
+              <a:tr h="481472">
                 <a:tc>
                   <a:txBody>
                     <a:bodyPr/>
@@ -11870,7 +12627,7 @@
                   </a:ext>
                 </a:extLst>
               </a:tr>
-              <a:tr h="245094">
+              <a:tr h="224364">
                 <a:tc>
                   <a:txBody>
                     <a:bodyPr/>
@@ -12285,14 +13042,14 @@
           <p:nvPr>
             <p:extLst>
               <p:ext uri="{D42A27DB-BD31-4B8C-83A1-F6EECF244321}">
-                <p14:modId xmlns:p14="http://schemas.microsoft.com/office/powerpoint/2010/main" val="3713938778"/>
+                <p14:modId xmlns:p14="http://schemas.microsoft.com/office/powerpoint/2010/main" val="715418448"/>
               </p:ext>
             </p:extLst>
           </p:nvPr>
         </p:nvGraphicFramePr>
         <p:xfrm>
-          <a:off x="129952" y="114300"/>
-          <a:ext cx="11856102" cy="6382022"/>
+          <a:off x="167949" y="165817"/>
+          <a:ext cx="11856102" cy="4691295"/>
         </p:xfrm>
         <a:graphic>
           <a:graphicData uri="http://schemas.openxmlformats.org/drawingml/2006/table">
@@ -12309,7 +13066,7 @@
                   </a:extLst>
                 </a:gridCol>
               </a:tblGrid>
-              <a:tr h="360455">
+              <a:tr h="209093">
                 <a:tc>
                   <a:txBody>
                     <a:bodyPr/>
@@ -12621,7 +13378,7 @@
                         </a:tabLst>
                       </a:pPr>
                       <a:r>
-                        <a:rPr kumimoji="0" lang="pt-BR" altLang="pt-BR" sz="800" u="none" strike="noStrike" kern="1200" cap="none" normalizeH="0" baseline="0" dirty="0">
+                        <a:rPr kumimoji="0" lang="pt-BR" altLang="pt-BR" sz="1100" b="0" i="0" u="none" strike="noStrike" kern="1200" cap="none" normalizeH="0" baseline="0" dirty="0">
                           <a:ln>
                             <a:noFill/>
                           </a:ln>
@@ -12631,7 +13388,7 @@
                         </a:rPr>
                         <a:t>US07 – NOTIFICAR ALERTAS PARA LEMBRAR UM LANÇAMENTO PENDENTE</a:t>
                       </a:r>
-                      <a:endParaRPr kumimoji="0" lang="pt-BR" altLang="pt-BR" sz="800" b="1" u="none" strike="noStrike" kern="1200" cap="none" normalizeH="0" baseline="0" dirty="0">
+                      <a:endParaRPr kumimoji="0" lang="pt-BR" altLang="pt-BR" sz="1100" b="0" i="0" u="none" strike="noStrike" kern="1200" cap="none" normalizeH="0" baseline="0" dirty="0">
                         <a:ln>
                           <a:noFill/>
                         </a:ln>
@@ -12654,7 +13411,7 @@
                   </a:ext>
                 </a:extLst>
               </a:tr>
-              <a:tr h="352121">
+              <a:tr h="207654">
                 <a:tc>
                   <a:txBody>
                     <a:bodyPr/>
@@ -12966,7 +13723,7 @@
                         </a:tabLst>
                       </a:pPr>
                       <a:r>
-                        <a:rPr kumimoji="0" lang="pt-BR" altLang="pt-BR" sz="800" u="none" strike="noStrike" kern="1200" cap="none" normalizeH="0" baseline="0" dirty="0">
+                        <a:rPr kumimoji="0" lang="pt-BR" altLang="pt-BR" sz="1100" b="0" i="0" u="none" strike="noStrike" kern="1200" cap="none" normalizeH="0" baseline="0" dirty="0">
                           <a:ln>
                             <a:noFill/>
                           </a:ln>
@@ -12986,7 +13743,7 @@
                   </a:ext>
                 </a:extLst>
               </a:tr>
-              <a:tr h="1097241">
+              <a:tr h="546723">
                 <a:tc>
                   <a:txBody>
                     <a:bodyPr/>
@@ -13298,7 +14055,7 @@
                         </a:tabLst>
                       </a:pPr>
                       <a:r>
-                        <a:rPr kumimoji="0" lang="pt-BR" altLang="pt-BR" sz="800" u="none" strike="noStrike" kern="1200" cap="none" normalizeH="0" baseline="0" dirty="0">
+                        <a:rPr kumimoji="0" lang="pt-BR" altLang="pt-BR" sz="1100" b="0" i="0" u="none" strike="noStrike" kern="1200" cap="none" normalizeH="0" baseline="0" dirty="0">
                           <a:ln>
                             <a:noFill/>
                           </a:ln>
@@ -13340,7 +14097,7 @@
                         </a:tabLst>
                       </a:pPr>
                       <a:r>
-                        <a:rPr kumimoji="0" lang="pt-BR" altLang="pt-BR" sz="800" u="none" strike="noStrike" kern="1200" cap="none" normalizeH="0" baseline="0" dirty="0">
+                        <a:rPr kumimoji="0" lang="pt-BR" altLang="pt-BR" sz="1100" b="0" i="0" u="none" strike="noStrike" kern="1200" cap="none" normalizeH="0" baseline="0" dirty="0">
                           <a:ln>
                             <a:noFill/>
                           </a:ln>
@@ -13382,7 +14139,7 @@
                         </a:tabLst>
                       </a:pPr>
                       <a:r>
-                        <a:rPr kumimoji="0" lang="pt-BR" altLang="pt-BR" sz="800" u="none" strike="noStrike" kern="1200" cap="none" normalizeH="0" baseline="0" dirty="0">
+                        <a:rPr kumimoji="0" lang="pt-BR" altLang="pt-BR" sz="1100" b="0" i="0" u="none" strike="noStrike" kern="1200" cap="none" normalizeH="0" baseline="0" dirty="0">
                           <a:ln>
                             <a:noFill/>
                           </a:ln>
@@ -13402,7 +14159,7 @@
                   </a:ext>
                 </a:extLst>
               </a:tr>
-              <a:tr h="3295583">
+              <a:tr h="1054781">
                 <a:tc>
                   <a:txBody>
                     <a:bodyPr/>
@@ -13714,7 +14471,7 @@
                         </a:tabLst>
                       </a:pPr>
                       <a:r>
-                        <a:rPr kumimoji="0" lang="pt-BR" altLang="pt-BR" sz="800" u="none" strike="noStrike" kern="1200" cap="none" normalizeH="0" baseline="0" dirty="0">
+                        <a:rPr kumimoji="0" lang="pt-BR" altLang="pt-BR" sz="1100" b="0" i="0" u="none" strike="noStrike" kern="1200" cap="none" normalizeH="0" baseline="0" dirty="0">
                           <a:ln>
                             <a:noFill/>
                           </a:ln>
@@ -13756,7 +14513,7 @@
                         </a:tabLst>
                       </a:pPr>
                       <a:r>
-                        <a:rPr kumimoji="0" lang="pt-BR" altLang="pt-BR" sz="800" u="none" strike="noStrike" kern="1200" cap="none" normalizeH="0" baseline="0" dirty="0">
+                        <a:rPr kumimoji="0" lang="pt-BR" altLang="pt-BR" sz="1100" b="0" i="0" u="none" strike="noStrike" kern="1200" cap="none" normalizeH="0" baseline="0" dirty="0">
                           <a:ln>
                             <a:noFill/>
                           </a:ln>
@@ -13764,7 +14521,7 @@
                           <a:latin typeface="Arial" panose="020B0604020202020204" pitchFamily="34" charset="0"/>
                           <a:cs typeface="Arial" panose="020B0604020202020204" pitchFamily="34" charset="0"/>
                         </a:rPr>
-                        <a:t>RN71 – A criação de uma notificação de alerta está associada a um lançamento específico.</a:t>
+                        <a:t>RN7.1 – A criação de uma notificação de alerta está associada a um lançamento específico.</a:t>
                       </a:r>
                     </a:p>
                     <a:p>
@@ -13798,7 +14555,7 @@
                         </a:tabLst>
                       </a:pPr>
                       <a:r>
-                        <a:rPr kumimoji="0" lang="pt-BR" altLang="pt-BR" sz="800" u="none" strike="noStrike" kern="1200" cap="none" normalizeH="0" baseline="0" dirty="0">
+                        <a:rPr kumimoji="0" lang="pt-BR" altLang="pt-BR" sz="1100" b="0" i="0" u="none" strike="noStrike" kern="1200" cap="none" normalizeH="0" baseline="0" dirty="0">
                           <a:ln>
                             <a:noFill/>
                           </a:ln>
@@ -13806,7 +14563,7 @@
                           <a:latin typeface="Arial" panose="020B0604020202020204" pitchFamily="34" charset="0"/>
                           <a:cs typeface="Arial" panose="020B0604020202020204" pitchFamily="34" charset="0"/>
                         </a:rPr>
-                        <a:t>RN72 – Para editar uma notificação de alerta, precisa editar primeiro o lançamento ao qual estará associada a notificação de alerta.</a:t>
+                        <a:t>RN7.2 – Para editar uma notificação de alerta, precisa editar primeiro o lançamento ao qual estará associada a notificação de alerta.</a:t>
                       </a:r>
                     </a:p>
                     <a:p>
@@ -13840,7 +14597,7 @@
                         </a:tabLst>
                       </a:pPr>
                       <a:r>
-                        <a:rPr kumimoji="0" lang="pt-BR" altLang="pt-BR" sz="800" u="none" strike="noStrike" kern="1200" cap="none" normalizeH="0" baseline="0" dirty="0">
+                        <a:rPr kumimoji="0" lang="pt-BR" altLang="pt-BR" sz="1100" b="0" i="0" u="none" strike="noStrike" kern="1200" cap="none" normalizeH="0" baseline="0" dirty="0">
                           <a:ln>
                             <a:noFill/>
                           </a:ln>
@@ -13848,7 +14605,7 @@
                           <a:latin typeface="Arial" panose="020B0604020202020204" pitchFamily="34" charset="0"/>
                           <a:cs typeface="Arial" panose="020B0604020202020204" pitchFamily="34" charset="0"/>
                         </a:rPr>
-                        <a:t>RN72 – A notificação pode ser configurada para alertar N minutos, horas, dias ou semanas antes da data e hora do lançamento em questão.</a:t>
+                        <a:t>RN7.3 – A notificação pode ser configurada para alertar N minutos, horas, dias ou semanas antes da data e hora do lançamento em questão.</a:t>
                       </a:r>
                     </a:p>
                     <a:p>
@@ -13882,7 +14639,7 @@
                         </a:tabLst>
                       </a:pPr>
                       <a:r>
-                        <a:rPr kumimoji="0" lang="pt-BR" altLang="pt-BR" sz="800" u="none" strike="noStrike" kern="1200" cap="none" normalizeH="0" baseline="0" dirty="0">
+                        <a:rPr kumimoji="0" lang="pt-BR" altLang="pt-BR" sz="1100" b="0" i="0" u="none" strike="noStrike" kern="1200" cap="none" normalizeH="0" baseline="0" dirty="0">
                           <a:ln>
                             <a:noFill/>
                           </a:ln>
@@ -13890,7 +14647,7 @@
                           <a:latin typeface="Arial" panose="020B0604020202020204" pitchFamily="34" charset="0"/>
                           <a:cs typeface="Arial" panose="020B0604020202020204" pitchFamily="34" charset="0"/>
                         </a:rPr>
-                        <a:t>RN73 – A notificação deve ser visualizada na área de notificações do produto de software.</a:t>
+                        <a:t>RN7.4 – A notificação deve ser visualizada na área de notificações do produto de software.</a:t>
                       </a:r>
                     </a:p>
                     <a:p>
@@ -13922,51 +14679,9 @@
                           <a:tab pos="9144000" algn="l"/>
                           <a:tab pos="10058400" algn="l"/>
                         </a:tabLst>
-                      </a:pPr>
-                      <a:r>
-                        <a:rPr kumimoji="0" lang="pt-BR" altLang="pt-BR" sz="800" u="none" strike="noStrike" kern="1200" cap="none" normalizeH="0" baseline="0" dirty="0">
-                          <a:ln>
-                            <a:noFill/>
-                          </a:ln>
-                          <a:effectLst/>
-                          <a:latin typeface="Arial" panose="020B0604020202020204" pitchFamily="34" charset="0"/>
-                          <a:cs typeface="Arial" panose="020B0604020202020204" pitchFamily="34" charset="0"/>
-                        </a:rPr>
-                        <a:t>RN74 - ...</a:t>
-                      </a:r>
-                    </a:p>
-                    <a:p>
-                      <a:pPr marL="0" marR="0" lvl="0" indent="0" algn="l" defTabSz="449263" rtl="0" eaLnBrk="1" fontAlgn="base" latinLnBrk="0" hangingPunct="1">
-                        <a:lnSpc>
-                          <a:spcPct val="94000"/>
-                        </a:lnSpc>
-                        <a:spcBef>
-                          <a:spcPts val="450"/>
-                        </a:spcBef>
-                        <a:spcAft>
-                          <a:spcPct val="0"/>
-                        </a:spcAft>
-                        <a:buClrTx/>
-                        <a:buSzPct val="70000"/>
-                        <a:buFontTx/>
-                        <a:buNone/>
-                        <a:tabLst>
-                          <a:tab pos="0" algn="l"/>
-                          <a:tab pos="914400" algn="l"/>
-                          <a:tab pos="1828800" algn="l"/>
-                          <a:tab pos="2743200" algn="l"/>
-                          <a:tab pos="3657600" algn="l"/>
-                          <a:tab pos="4572000" algn="l"/>
-                          <a:tab pos="5486400" algn="l"/>
-                          <a:tab pos="6400800" algn="l"/>
-                          <a:tab pos="7315200" algn="l"/>
-                          <a:tab pos="8229600" algn="l"/>
-                          <a:tab pos="9144000" algn="l"/>
-                          <a:tab pos="10058400" algn="l"/>
-                        </a:tabLst>
                         <a:defRPr/>
                       </a:pPr>
-                      <a:endParaRPr kumimoji="0" lang="pt-BR" altLang="pt-BR" sz="800" u="none" strike="noStrike" kern="1200" cap="none" normalizeH="0" baseline="0" dirty="0">
+                      <a:endParaRPr kumimoji="0" lang="pt-BR" altLang="pt-BR" sz="1100" b="0" i="0" u="none" strike="noStrike" kern="1200" cap="none" normalizeH="0" baseline="0" dirty="0">
                         <a:ln>
                           <a:noFill/>
                         </a:ln>
@@ -13987,7 +14702,7 @@
                   </a:ext>
                 </a:extLst>
               </a:tr>
-              <a:tr h="505571">
+              <a:tr h="1043237">
                 <a:tc>
                   <a:txBody>
                     <a:bodyPr/>
@@ -14299,7 +15014,7 @@
                         </a:tabLst>
                       </a:pPr>
                       <a:r>
-                        <a:rPr kumimoji="0" lang="pt-BR" altLang="pt-BR" sz="800" u="none" strike="noStrike" kern="1200" cap="none" normalizeH="0" baseline="0" dirty="0">
+                        <a:rPr kumimoji="0" lang="pt-BR" altLang="pt-BR" sz="1100" b="0" i="0" u="none" strike="noStrike" kern="1200" cap="none" normalizeH="0" baseline="0" dirty="0">
                           <a:ln>
                             <a:noFill/>
                           </a:ln>
@@ -14316,7 +15031,7 @@
                           <a:spcPct val="94000"/>
                         </a:lnSpc>
                         <a:spcBef>
-                          <a:spcPts val="350"/>
+                          <a:spcPts val="450"/>
                         </a:spcBef>
                         <a:spcAft>
                           <a:spcPct val="0"/>
@@ -14340,7 +15055,175 @@
                           <a:tab pos="10058400" algn="l"/>
                         </a:tabLst>
                       </a:pPr>
-                      <a:endParaRPr kumimoji="0" lang="pt-BR" altLang="pt-BR" sz="800" b="1" i="0" u="none" strike="noStrike" cap="none" normalizeH="0" baseline="0" dirty="0">
+                      <a:r>
+                        <a:rPr kumimoji="0" lang="pt-BR" altLang="pt-BR" sz="1100" b="0" i="0" u="none" strike="noStrike" kern="1200" cap="none" normalizeH="0" baseline="0" dirty="0">
+                          <a:ln>
+                            <a:noFill/>
+                          </a:ln>
+                          <a:effectLst/>
+                          <a:latin typeface="Arial" panose="020B0604020202020204" pitchFamily="34" charset="0"/>
+                          <a:cs typeface="Arial" panose="020B0604020202020204" pitchFamily="34" charset="0"/>
+                        </a:rPr>
+                        <a:t>TA7.1 – Tentar editar uma notificação sem determinar o tempo.  </a:t>
+                      </a:r>
+                    </a:p>
+                    <a:p>
+                      <a:pPr marL="0" marR="0" lvl="0" indent="0" algn="l" defTabSz="449263" rtl="0" eaLnBrk="1" fontAlgn="base" latinLnBrk="0" hangingPunct="1">
+                        <a:lnSpc>
+                          <a:spcPct val="94000"/>
+                        </a:lnSpc>
+                        <a:spcBef>
+                          <a:spcPts val="450"/>
+                        </a:spcBef>
+                        <a:spcAft>
+                          <a:spcPct val="0"/>
+                        </a:spcAft>
+                        <a:buClrTx/>
+                        <a:buSzPct val="70000"/>
+                        <a:buFontTx/>
+                        <a:buNone/>
+                        <a:tabLst>
+                          <a:tab pos="0" algn="l"/>
+                          <a:tab pos="914400" algn="l"/>
+                          <a:tab pos="1828800" algn="l"/>
+                          <a:tab pos="2743200" algn="l"/>
+                          <a:tab pos="3657600" algn="l"/>
+                          <a:tab pos="4572000" algn="l"/>
+                          <a:tab pos="5486400" algn="l"/>
+                          <a:tab pos="6400800" algn="l"/>
+                          <a:tab pos="7315200" algn="l"/>
+                          <a:tab pos="8229600" algn="l"/>
+                          <a:tab pos="9144000" algn="l"/>
+                          <a:tab pos="10058400" algn="l"/>
+                        </a:tabLst>
+                      </a:pPr>
+                      <a:r>
+                        <a:rPr kumimoji="0" lang="pt-BR" altLang="pt-BR" sz="1100" b="0" i="0" u="none" strike="noStrike" kern="1200" cap="none" normalizeH="0" baseline="0" dirty="0">
+                          <a:ln>
+                            <a:noFill/>
+                          </a:ln>
+                          <a:effectLst/>
+                          <a:latin typeface="Arial" panose="020B0604020202020204" pitchFamily="34" charset="0"/>
+                          <a:cs typeface="Arial" panose="020B0604020202020204" pitchFamily="34" charset="0"/>
+                        </a:rPr>
+                        <a:t>TA7.2 – Tentar editar uma notificação com um tempo determinado.</a:t>
+                      </a:r>
+                    </a:p>
+                    <a:p>
+                      <a:pPr marL="0" marR="0" lvl="0" indent="0" algn="l" defTabSz="449263" rtl="0" eaLnBrk="1" fontAlgn="base" latinLnBrk="0" hangingPunct="1">
+                        <a:lnSpc>
+                          <a:spcPct val="94000"/>
+                        </a:lnSpc>
+                        <a:spcBef>
+                          <a:spcPts val="450"/>
+                        </a:spcBef>
+                        <a:spcAft>
+                          <a:spcPct val="0"/>
+                        </a:spcAft>
+                        <a:buClrTx/>
+                        <a:buSzPct val="70000"/>
+                        <a:buFontTx/>
+                        <a:buNone/>
+                        <a:tabLst>
+                          <a:tab pos="0" algn="l"/>
+                          <a:tab pos="914400" algn="l"/>
+                          <a:tab pos="1828800" algn="l"/>
+                          <a:tab pos="2743200" algn="l"/>
+                          <a:tab pos="3657600" algn="l"/>
+                          <a:tab pos="4572000" algn="l"/>
+                          <a:tab pos="5486400" algn="l"/>
+                          <a:tab pos="6400800" algn="l"/>
+                          <a:tab pos="7315200" algn="l"/>
+                          <a:tab pos="8229600" algn="l"/>
+                          <a:tab pos="9144000" algn="l"/>
+                          <a:tab pos="10058400" algn="l"/>
+                        </a:tabLst>
+                      </a:pPr>
+                      <a:r>
+                        <a:rPr kumimoji="0" lang="pt-BR" altLang="pt-BR" sz="1100" b="0" i="0" u="none" strike="noStrike" kern="1200" cap="none" normalizeH="0" baseline="0" dirty="0">
+                          <a:ln>
+                            <a:noFill/>
+                          </a:ln>
+                          <a:effectLst/>
+                          <a:latin typeface="Arial" panose="020B0604020202020204" pitchFamily="34" charset="0"/>
+                          <a:cs typeface="Arial" panose="020B0604020202020204" pitchFamily="34" charset="0"/>
+                        </a:rPr>
+                        <a:t>TA7.3 – Tentar criar uma notificação sem determinar o tempo.  </a:t>
+                      </a:r>
+                    </a:p>
+                    <a:p>
+                      <a:pPr marL="0" marR="0" lvl="0" indent="0" algn="l" defTabSz="449263" rtl="0" eaLnBrk="1" fontAlgn="base" latinLnBrk="0" hangingPunct="1">
+                        <a:lnSpc>
+                          <a:spcPct val="94000"/>
+                        </a:lnSpc>
+                        <a:spcBef>
+                          <a:spcPts val="450"/>
+                        </a:spcBef>
+                        <a:spcAft>
+                          <a:spcPct val="0"/>
+                        </a:spcAft>
+                        <a:buClrTx/>
+                        <a:buSzPct val="70000"/>
+                        <a:buFontTx/>
+                        <a:buNone/>
+                        <a:tabLst>
+                          <a:tab pos="0" algn="l"/>
+                          <a:tab pos="914400" algn="l"/>
+                          <a:tab pos="1828800" algn="l"/>
+                          <a:tab pos="2743200" algn="l"/>
+                          <a:tab pos="3657600" algn="l"/>
+                          <a:tab pos="4572000" algn="l"/>
+                          <a:tab pos="5486400" algn="l"/>
+                          <a:tab pos="6400800" algn="l"/>
+                          <a:tab pos="7315200" algn="l"/>
+                          <a:tab pos="8229600" algn="l"/>
+                          <a:tab pos="9144000" algn="l"/>
+                          <a:tab pos="10058400" algn="l"/>
+                        </a:tabLst>
+                      </a:pPr>
+                      <a:r>
+                        <a:rPr kumimoji="0" lang="pt-BR" altLang="pt-BR" sz="1100" b="0" i="0" u="none" strike="noStrike" kern="1200" cap="none" normalizeH="0" baseline="0" dirty="0">
+                          <a:ln>
+                            <a:noFill/>
+                          </a:ln>
+                          <a:effectLst/>
+                          <a:latin typeface="Arial" panose="020B0604020202020204" pitchFamily="34" charset="0"/>
+                          <a:cs typeface="Arial" panose="020B0604020202020204" pitchFamily="34" charset="0"/>
+                        </a:rPr>
+                        <a:t>TA7.4 – Tentar criar uma notificação com um tempo determinado.</a:t>
+                      </a:r>
+                    </a:p>
+                    <a:p>
+                      <a:pPr marL="0" marR="0" lvl="0" indent="0" algn="l" defTabSz="449263" rtl="0" eaLnBrk="1" fontAlgn="base" latinLnBrk="0" hangingPunct="1">
+                        <a:lnSpc>
+                          <a:spcPct val="94000"/>
+                        </a:lnSpc>
+                        <a:spcBef>
+                          <a:spcPts val="350"/>
+                        </a:spcBef>
+                        <a:spcAft>
+                          <a:spcPct val="0"/>
+                        </a:spcAft>
+                        <a:buClrTx/>
+                        <a:buSzPct val="70000"/>
+                        <a:buFontTx/>
+                        <a:buNone/>
+                        <a:tabLst>
+                          <a:tab pos="0" algn="l"/>
+                          <a:tab pos="914400" algn="l"/>
+                          <a:tab pos="1828800" algn="l"/>
+                          <a:tab pos="2743200" algn="l"/>
+                          <a:tab pos="3657600" algn="l"/>
+                          <a:tab pos="4572000" algn="l"/>
+                          <a:tab pos="5486400" algn="l"/>
+                          <a:tab pos="6400800" algn="l"/>
+                          <a:tab pos="7315200" algn="l"/>
+                          <a:tab pos="8229600" algn="l"/>
+                          <a:tab pos="9144000" algn="l"/>
+                          <a:tab pos="10058400" algn="l"/>
+                        </a:tabLst>
+                      </a:pPr>
+                      <a:endParaRPr kumimoji="0" lang="pt-BR" altLang="pt-BR" sz="1100" b="0" i="0" u="none" strike="noStrike" cap="none" normalizeH="0" baseline="0" dirty="0">
                         <a:ln>
                           <a:noFill/>
                         </a:ln>
@@ -14361,7 +15244,7 @@
                   </a:ext>
                 </a:extLst>
               </a:tr>
-              <a:tr h="525957">
+              <a:tr h="377188">
                 <a:tc>
                   <a:txBody>
                     <a:bodyPr/>
@@ -14397,7 +15280,7 @@
                         </a:tabLst>
                       </a:pPr>
                       <a:r>
-                        <a:rPr kumimoji="0" lang="pt-BR" altLang="pt-BR" sz="800" u="none" strike="noStrike" kern="1200" cap="none" normalizeH="0" baseline="0" dirty="0">
+                        <a:rPr kumimoji="0" lang="pt-BR" altLang="pt-BR" sz="1100" b="0" i="0" u="none" strike="noStrike" kern="1200" cap="none" normalizeH="0" baseline="0" dirty="0">
                           <a:ln>
                             <a:noFill/>
                           </a:ln>
@@ -14439,7 +15322,7 @@
                         </a:tabLst>
                       </a:pPr>
                       <a:r>
-                        <a:rPr lang="pt-BR" sz="800" dirty="0">
+                        <a:rPr lang="pt-BR" sz="1100" b="0" i="0" dirty="0">
                           <a:latin typeface="Arial" panose="020B0604020202020204" pitchFamily="34" charset="0"/>
                           <a:cs typeface="Arial" panose="020B0604020202020204" pitchFamily="34" charset="0"/>
                         </a:rPr>
@@ -14455,7 +15338,7 @@
                   </a:ext>
                 </a:extLst>
               </a:tr>
-              <a:tr h="245094">
+              <a:tr h="207654">
                 <a:tc>
                   <a:txBody>
                     <a:bodyPr/>
@@ -14767,7 +15650,7 @@
                         </a:tabLst>
                       </a:pPr>
                       <a:r>
-                        <a:rPr kumimoji="0" lang="pt-BR" altLang="pt-BR" sz="800" u="none" strike="noStrike" kern="1200" cap="none" normalizeH="0" baseline="0" dirty="0">
+                        <a:rPr kumimoji="0" lang="pt-BR" altLang="pt-BR" sz="1100" b="0" i="0" u="none" strike="noStrike" kern="1200" cap="none" normalizeH="0" baseline="0" dirty="0">
                           <a:ln>
                             <a:noFill/>
                           </a:ln>
@@ -14777,7 +15660,7 @@
                         </a:rPr>
                         <a:t>Estimativa: ...horas                                           Tempo de Elaboração:  ...horas</a:t>
                       </a:r>
-                      <a:endParaRPr kumimoji="0" lang="pt-BR" altLang="pt-BR" sz="800" u="none" strike="noStrike" kern="1200" cap="none" normalizeH="0" baseline="0" dirty="0">
+                      <a:endParaRPr kumimoji="0" lang="pt-BR" altLang="pt-BR" sz="1100" b="0" i="0" u="none" strike="noStrike" kern="1200" cap="none" normalizeH="0" baseline="0" dirty="0">
                         <a:ln>
                           <a:noFill/>
                         </a:ln>
@@ -14847,14 +15730,14 @@
           <p:nvPr>
             <p:extLst>
               <p:ext uri="{D42A27DB-BD31-4B8C-83A1-F6EECF244321}">
-                <p14:modId xmlns:p14="http://schemas.microsoft.com/office/powerpoint/2010/main" val="2720540347"/>
+                <p14:modId xmlns:p14="http://schemas.microsoft.com/office/powerpoint/2010/main" val="1149054500"/>
               </p:ext>
             </p:extLst>
           </p:nvPr>
         </p:nvGraphicFramePr>
         <p:xfrm>
           <a:off x="155618" y="134958"/>
-          <a:ext cx="11805723" cy="6393535"/>
+          <a:ext cx="11805723" cy="5475616"/>
         </p:xfrm>
         <a:graphic>
           <a:graphicData uri="http://schemas.openxmlformats.org/drawingml/2006/table">
@@ -14871,7 +15754,7 @@
                   </a:extLst>
                 </a:gridCol>
               </a:tblGrid>
-              <a:tr h="360455">
+              <a:tr h="174075">
                 <a:tc>
                   <a:txBody>
                     <a:bodyPr/>
@@ -15183,29 +16066,19 @@
                         </a:tabLst>
                       </a:pPr>
                       <a:r>
-                        <a:rPr kumimoji="0" lang="pt-BR" altLang="pt-BR" sz="800" u="none" strike="noStrike" kern="1200" cap="none" normalizeH="0" baseline="0" dirty="0">
+                        <a:rPr kumimoji="0" lang="pt-BR" altLang="pt-BR" sz="1100" b="0" u="none" strike="noStrike" kern="1200" cap="none" normalizeH="0" baseline="0" dirty="0">
                           <a:ln>
                             <a:noFill/>
                           </a:ln>
+                          <a:solidFill>
+                            <a:schemeClr val="tx1"/>
+                          </a:solidFill>
                           <a:effectLst/>
                           <a:latin typeface="Arial" panose="020B0604020202020204" pitchFamily="34" charset="0"/>
                           <a:cs typeface="Arial" panose="020B0604020202020204" pitchFamily="34" charset="0"/>
                         </a:rPr>
                         <a:t>US08 – VISUALIZAR LANÇAMENTOS</a:t>
                       </a:r>
-                      <a:endParaRPr kumimoji="0" lang="pt-BR" altLang="pt-BR" sz="800" b="1" u="none" strike="noStrike" kern="1200" cap="none" normalizeH="0" baseline="0" dirty="0">
-                        <a:ln>
-                          <a:noFill/>
-                        </a:ln>
-                        <a:solidFill>
-                          <a:schemeClr val="accent6">
-                            <a:lumMod val="75000"/>
-                          </a:schemeClr>
-                        </a:solidFill>
-                        <a:effectLst/>
-                        <a:latin typeface="Arial" panose="020B0604020202020204" pitchFamily="34" charset="0"/>
-                        <a:cs typeface="Arial" panose="020B0604020202020204" pitchFamily="34" charset="0"/>
-                      </a:endParaRPr>
                     </a:p>
                   </a:txBody>
                   <a:tcPr marT="59335" marB="45726" anchor="ctr" horzOverflow="overflow"/>
@@ -15216,7 +16089,7 @@
                   </a:ext>
                 </a:extLst>
               </a:tr>
-              <a:tr h="352121">
+              <a:tr h="172877">
                 <a:tc>
                   <a:txBody>
                     <a:bodyPr/>
@@ -15528,10 +16401,13 @@
                         </a:tabLst>
                       </a:pPr>
                       <a:r>
-                        <a:rPr kumimoji="0" lang="pt-BR" altLang="pt-BR" sz="800" u="none" strike="noStrike" kern="1200" cap="none" normalizeH="0" baseline="0" dirty="0">
+                        <a:rPr kumimoji="0" lang="pt-BR" altLang="pt-BR" sz="1100" b="0" u="none" strike="noStrike" kern="1200" cap="none" normalizeH="0" baseline="0" dirty="0">
                           <a:ln>
                             <a:noFill/>
                           </a:ln>
+                          <a:solidFill>
+                            <a:schemeClr val="tx1"/>
+                          </a:solidFill>
                           <a:effectLst/>
                           <a:latin typeface="Arial" panose="020B0604020202020204" pitchFamily="34" charset="0"/>
                           <a:cs typeface="Arial" panose="020B0604020202020204" pitchFamily="34" charset="0"/>
@@ -15548,7 +16424,7 @@
                   </a:ext>
                 </a:extLst>
               </a:tr>
-              <a:tr h="1097241">
+              <a:tr h="1019723">
                 <a:tc>
                   <a:txBody>
                     <a:bodyPr/>
@@ -15860,10 +16736,13 @@
                         </a:tabLst>
                       </a:pPr>
                       <a:r>
-                        <a:rPr kumimoji="0" lang="pt-BR" altLang="pt-BR" sz="800" u="none" strike="noStrike" kern="1200" cap="none" normalizeH="0" baseline="0" dirty="0">
+                        <a:rPr kumimoji="0" lang="pt-BR" altLang="pt-BR" sz="1100" b="0" u="none" strike="noStrike" kern="1200" cap="none" normalizeH="0" baseline="0" dirty="0">
                           <a:ln>
                             <a:noFill/>
                           </a:ln>
+                          <a:solidFill>
+                            <a:schemeClr val="tx1"/>
+                          </a:solidFill>
                           <a:effectLst/>
                           <a:latin typeface="Arial" panose="020B0604020202020204" pitchFamily="34" charset="0"/>
                           <a:cs typeface="Arial" panose="020B0604020202020204" pitchFamily="34" charset="0"/>
@@ -15902,10 +16781,13 @@
                         </a:tabLst>
                       </a:pPr>
                       <a:r>
-                        <a:rPr kumimoji="0" lang="pt-BR" altLang="pt-BR" sz="800" u="none" strike="noStrike" kern="1200" cap="none" normalizeH="0" baseline="0" dirty="0">
+                        <a:rPr kumimoji="0" lang="pt-BR" altLang="pt-BR" sz="1100" b="0" u="none" strike="noStrike" kern="1200" cap="none" normalizeH="0" baseline="0" dirty="0">
                           <a:ln>
                             <a:noFill/>
                           </a:ln>
+                          <a:solidFill>
+                            <a:schemeClr val="tx1"/>
+                          </a:solidFill>
                           <a:effectLst/>
                           <a:latin typeface="Arial" panose="020B0604020202020204" pitchFamily="34" charset="0"/>
                           <a:cs typeface="Arial" panose="020B0604020202020204" pitchFamily="34" charset="0"/>
@@ -15944,10 +16826,13 @@
                         </a:tabLst>
                       </a:pPr>
                       <a:r>
-                        <a:rPr kumimoji="0" lang="pt-BR" altLang="pt-BR" sz="800" u="none" strike="noStrike" kern="1200" cap="none" normalizeH="0" baseline="0" dirty="0">
+                        <a:rPr kumimoji="0" lang="pt-BR" altLang="pt-BR" sz="1100" b="0" u="none" strike="noStrike" kern="1200" cap="none" normalizeH="0" baseline="0" dirty="0">
                           <a:ln>
                             <a:noFill/>
                           </a:ln>
+                          <a:solidFill>
+                            <a:schemeClr val="tx1"/>
+                          </a:solidFill>
                           <a:effectLst/>
                           <a:latin typeface="Arial" panose="020B0604020202020204" pitchFamily="34" charset="0"/>
                           <a:cs typeface="Arial" panose="020B0604020202020204" pitchFamily="34" charset="0"/>
@@ -15986,10 +16871,13 @@
                         </a:tabLst>
                       </a:pPr>
                       <a:r>
-                        <a:rPr kumimoji="0" lang="pt-BR" altLang="pt-BR" sz="800" u="none" strike="noStrike" kern="1200" cap="none" normalizeH="0" baseline="0" dirty="0">
+                        <a:rPr kumimoji="0" lang="pt-BR" altLang="pt-BR" sz="1100" b="0" u="none" strike="noStrike" kern="1200" cap="none" normalizeH="0" baseline="0" dirty="0">
                           <a:ln>
                             <a:noFill/>
                           </a:ln>
+                          <a:solidFill>
+                            <a:schemeClr val="tx1"/>
+                          </a:solidFill>
                           <a:effectLst/>
                           <a:latin typeface="Arial" panose="020B0604020202020204" pitchFamily="34" charset="0"/>
                           <a:cs typeface="Arial" panose="020B0604020202020204" pitchFamily="34" charset="0"/>
@@ -16028,10 +16916,13 @@
                         </a:tabLst>
                       </a:pPr>
                       <a:r>
-                        <a:rPr kumimoji="0" lang="pt-BR" altLang="pt-BR" sz="800" u="none" strike="noStrike" kern="1200" cap="none" normalizeH="0" baseline="0" dirty="0">
+                        <a:rPr kumimoji="0" lang="pt-BR" altLang="pt-BR" sz="1100" b="0" u="none" strike="noStrike" kern="1200" cap="none" normalizeH="0" baseline="0" dirty="0">
                           <a:ln>
                             <a:noFill/>
                           </a:ln>
+                          <a:solidFill>
+                            <a:schemeClr val="tx1"/>
+                          </a:solidFill>
                           <a:effectLst/>
                           <a:latin typeface="Arial" panose="020B0604020202020204" pitchFamily="34" charset="0"/>
                           <a:cs typeface="Arial" panose="020B0604020202020204" pitchFamily="34" charset="0"/>
@@ -16070,15 +16961,63 @@
                         </a:tabLst>
                       </a:pPr>
                       <a:r>
-                        <a:rPr kumimoji="0" lang="pt-BR" altLang="pt-BR" sz="800" u="none" strike="noStrike" kern="1200" cap="none" normalizeH="0" baseline="0" dirty="0">
+                        <a:rPr kumimoji="0" lang="pt-BR" altLang="pt-BR" sz="1100" b="0" u="none" strike="noStrike" kern="1200" cap="none" normalizeH="0" baseline="0" dirty="0">
                           <a:ln>
                             <a:noFill/>
                           </a:ln>
+                          <a:solidFill>
+                            <a:schemeClr val="tx1"/>
+                          </a:solidFill>
                           <a:effectLst/>
                           <a:latin typeface="Arial" panose="020B0604020202020204" pitchFamily="34" charset="0"/>
                           <a:cs typeface="Arial" panose="020B0604020202020204" pitchFamily="34" charset="0"/>
                         </a:rPr>
                         <a:t>Filtrar lançamentos por conta financeira</a:t>
+                      </a:r>
+                    </a:p>
+                    <a:p>
+                      <a:pPr marL="171450" marR="0" lvl="0" indent="-171450" algn="l" defTabSz="449263" rtl="0" eaLnBrk="1" fontAlgn="base" latinLnBrk="0" hangingPunct="1">
+                        <a:lnSpc>
+                          <a:spcPct val="94000"/>
+                        </a:lnSpc>
+                        <a:spcBef>
+                          <a:spcPts val="450"/>
+                        </a:spcBef>
+                        <a:spcAft>
+                          <a:spcPct val="0"/>
+                        </a:spcAft>
+                        <a:buClrTx/>
+                        <a:buSzPct val="70000"/>
+                        <a:buFont typeface="Arial" panose="020B0604020202020204" pitchFamily="34" charset="0"/>
+                        <a:buChar char="•"/>
+                        <a:tabLst>
+                          <a:tab pos="0" algn="l"/>
+                          <a:tab pos="914400" algn="l"/>
+                          <a:tab pos="1828800" algn="l"/>
+                          <a:tab pos="2743200" algn="l"/>
+                          <a:tab pos="3657600" algn="l"/>
+                          <a:tab pos="4572000" algn="l"/>
+                          <a:tab pos="5486400" algn="l"/>
+                          <a:tab pos="6400800" algn="l"/>
+                          <a:tab pos="7315200" algn="l"/>
+                          <a:tab pos="8229600" algn="l"/>
+                          <a:tab pos="9144000" algn="l"/>
+                          <a:tab pos="10058400" algn="l"/>
+                        </a:tabLst>
+                      </a:pPr>
+                      <a:r>
+                        <a:rPr kumimoji="0" lang="pt-BR" altLang="pt-BR" sz="1100" b="0" u="none" strike="noStrike" kern="1200" cap="none" normalizeH="0" baseline="0" dirty="0">
+                          <a:ln>
+                            <a:noFill/>
+                          </a:ln>
+                          <a:solidFill>
+                            <a:schemeClr val="tx1"/>
+                          </a:solidFill>
+                          <a:effectLst/>
+                          <a:latin typeface="Arial" panose="020B0604020202020204" pitchFamily="34" charset="0"/>
+                          <a:cs typeface="Arial" panose="020B0604020202020204" pitchFamily="34" charset="0"/>
+                        </a:rPr>
+                        <a:t>Filtrar lançamentos por categorias</a:t>
                       </a:r>
                     </a:p>
                   </a:txBody>
@@ -16090,7 +17029,7 @@
                   </a:ext>
                 </a:extLst>
               </a:tr>
-              <a:tr h="3295583">
+              <a:tr h="1108977">
                 <a:tc>
                   <a:txBody>
                     <a:bodyPr/>
@@ -16402,10 +17341,13 @@
                         </a:tabLst>
                       </a:pPr>
                       <a:r>
-                        <a:rPr kumimoji="0" lang="pt-BR" altLang="pt-BR" sz="800" u="none" strike="noStrike" kern="1200" cap="none" normalizeH="0" baseline="0" dirty="0">
+                        <a:rPr kumimoji="0" lang="pt-BR" altLang="pt-BR" sz="1100" b="0" u="none" strike="noStrike" kern="1200" cap="none" normalizeH="0" baseline="0" dirty="0">
                           <a:ln>
                             <a:noFill/>
                           </a:ln>
+                          <a:solidFill>
+                            <a:schemeClr val="tx1"/>
+                          </a:solidFill>
                           <a:effectLst/>
                           <a:latin typeface="Arial" panose="020B0604020202020204" pitchFamily="34" charset="0"/>
                           <a:cs typeface="Arial" panose="020B0604020202020204" pitchFamily="34" charset="0"/>
@@ -16444,15 +17386,18 @@
                         </a:tabLst>
                       </a:pPr>
                       <a:r>
-                        <a:rPr kumimoji="0" lang="pt-BR" altLang="pt-BR" sz="800" u="none" strike="noStrike" kern="1200" cap="none" normalizeH="0" baseline="0" dirty="0">
+                        <a:rPr kumimoji="0" lang="pt-BR" altLang="pt-BR" sz="1100" b="0" u="none" strike="noStrike" kern="1200" cap="none" normalizeH="0" baseline="0" dirty="0">
                           <a:ln>
                             <a:noFill/>
                           </a:ln>
+                          <a:solidFill>
+                            <a:schemeClr val="tx1"/>
+                          </a:solidFill>
                           <a:effectLst/>
                           <a:latin typeface="Arial" panose="020B0604020202020204" pitchFamily="34" charset="0"/>
                           <a:cs typeface="Arial" panose="020B0604020202020204" pitchFamily="34" charset="0"/>
                         </a:rPr>
-                        <a:t>RN81 – Os possíveis filtros de lançamentos devem ser no mínimo: por período de tempo, por tipo de lançamento, por conta, vencidos, próximos a vencer, e,  já efetivados.</a:t>
+                        <a:t>RN8.1 – Os possíveis filtros de lançamentos devem ser no mínimo: por período de tempo, por tipo de lançamento, por conta, vencidos, próximos a vencer, e,  já efetivados.</a:t>
                       </a:r>
                     </a:p>
                     <a:p>
@@ -16461,7 +17406,7 @@
                           <a:spcPct val="94000"/>
                         </a:lnSpc>
                         <a:spcBef>
-                          <a:spcPts val="450"/>
+                          <a:spcPts val="400"/>
                         </a:spcBef>
                         <a:spcAft>
                           <a:spcPct val="0"/>
@@ -16486,15 +17431,19 @@
                         </a:tabLst>
                       </a:pPr>
                       <a:r>
-                        <a:rPr kumimoji="0" lang="pt-BR" altLang="pt-BR" sz="800" u="none" strike="noStrike" kern="1200" cap="none" normalizeH="0" baseline="0" dirty="0">
+                        <a:rPr kumimoji="0" lang="pt-BR" altLang="pt-BR" sz="1100" b="0" i="0" u="none" strike="noStrike" kern="1200" cap="none" normalizeH="0" baseline="0" dirty="0">
                           <a:ln>
                             <a:noFill/>
                           </a:ln>
+                          <a:solidFill>
+                            <a:schemeClr val="tx1"/>
+                          </a:solidFill>
                           <a:effectLst/>
                           <a:latin typeface="Arial" panose="020B0604020202020204" pitchFamily="34" charset="0"/>
+                          <a:ea typeface="DejaVu Sans" charset="0"/>
                           <a:cs typeface="Arial" panose="020B0604020202020204" pitchFamily="34" charset="0"/>
                         </a:rPr>
-                        <a:t>RN82 - ...</a:t>
+                        <a:t>RN8.2 – Os lançamentos podem ser ordenados na lista por nome ou data.</a:t>
                       </a:r>
                     </a:p>
                     <a:p>
@@ -16503,7 +17452,7 @@
                           <a:spcPct val="94000"/>
                         </a:lnSpc>
                         <a:spcBef>
-                          <a:spcPts val="450"/>
+                          <a:spcPts val="400"/>
                         </a:spcBef>
                         <a:spcAft>
                           <a:spcPct val="0"/>
@@ -16528,15 +17477,62 @@
                         </a:tabLst>
                         <a:defRPr/>
                       </a:pPr>
-                      <a:endParaRPr kumimoji="0" lang="pt-BR" altLang="pt-BR" sz="800" u="none" strike="noStrike" kern="1200" cap="none" normalizeH="0" baseline="0" dirty="0">
+                      <a:r>
+                        <a:rPr kumimoji="0" lang="pt-BR" altLang="pt-BR" sz="1100" b="0" i="0" u="none" strike="noStrike" kern="1200" cap="none" normalizeH="0" baseline="0" dirty="0">
+                          <a:ln>
+                            <a:noFill/>
+                          </a:ln>
+                          <a:solidFill>
+                            <a:schemeClr val="tx1"/>
+                          </a:solidFill>
+                          <a:effectLst/>
+                          <a:latin typeface="Arial" panose="020B0604020202020204" pitchFamily="34" charset="0"/>
+                          <a:ea typeface="DejaVu Sans" charset="0"/>
+                          <a:cs typeface="Arial" panose="020B0604020202020204" pitchFamily="34" charset="0"/>
+                        </a:rPr>
+                        <a:t>RN8.3 – Listar os lançamentos sem nenhum filtro informado.</a:t>
+                      </a:r>
+                    </a:p>
+                    <a:p>
+                      <a:pPr marL="0" marR="0" lvl="0" indent="0" algn="l" defTabSz="449263" rtl="0" eaLnBrk="1" fontAlgn="base" latinLnBrk="0" hangingPunct="1">
+                        <a:lnSpc>
+                          <a:spcPct val="94000"/>
+                        </a:lnSpc>
+                        <a:spcBef>
+                          <a:spcPts val="400"/>
+                        </a:spcBef>
+                        <a:spcAft>
+                          <a:spcPct val="0"/>
+                        </a:spcAft>
+                        <a:buClrTx/>
+                        <a:buSzPct val="70000"/>
+                        <a:buFontTx/>
+                        <a:buNone/>
+                        <a:tabLst>
+                          <a:tab pos="0" algn="l"/>
+                          <a:tab pos="914400" algn="l"/>
+                          <a:tab pos="1828800" algn="l"/>
+                          <a:tab pos="2743200" algn="l"/>
+                          <a:tab pos="3657600" algn="l"/>
+                          <a:tab pos="4572000" algn="l"/>
+                          <a:tab pos="5486400" algn="l"/>
+                          <a:tab pos="6400800" algn="l"/>
+                          <a:tab pos="7315200" algn="l"/>
+                          <a:tab pos="8229600" algn="l"/>
+                          <a:tab pos="9144000" algn="l"/>
+                          <a:tab pos="10058400" algn="l"/>
+                        </a:tabLst>
+                      </a:pPr>
+                      <a:endParaRPr kumimoji="0" lang="pt-BR" altLang="pt-BR" sz="1100" b="0" i="0" u="none" strike="noStrike" kern="1200" cap="none" normalizeH="0" baseline="0" dirty="0">
                         <a:ln>
                           <a:noFill/>
                         </a:ln>
                         <a:solidFill>
-                          <a:srgbClr val="000000"/>
+                          <a:schemeClr val="tx1"/>
                         </a:solidFill>
                         <a:effectLst/>
                         <a:latin typeface="Arial" panose="020B0604020202020204" pitchFamily="34" charset="0"/>
+                        <a:ea typeface="DejaVu Sans" charset="0"/>
                         <a:cs typeface="Arial" panose="020B0604020202020204" pitchFamily="34" charset="0"/>
                       </a:endParaRPr>
                     </a:p>
@@ -16549,7 +17545,7 @@
                   </a:ext>
                 </a:extLst>
               </a:tr>
-              <a:tr h="505571">
+              <a:tr h="959342">
                 <a:tc>
                   <a:txBody>
                     <a:bodyPr/>
@@ -16861,10 +17857,13 @@
                         </a:tabLst>
                       </a:pPr>
                       <a:r>
-                        <a:rPr kumimoji="0" lang="pt-BR" altLang="pt-BR" sz="800" u="none" strike="noStrike" kern="1200" cap="none" normalizeH="0" baseline="0" dirty="0">
+                        <a:rPr kumimoji="0" lang="pt-BR" altLang="pt-BR" sz="1100" b="0" u="none" strike="noStrike" kern="1200" cap="none" normalizeH="0" baseline="0" dirty="0">
                           <a:ln>
                             <a:noFill/>
                           </a:ln>
+                          <a:solidFill>
+                            <a:schemeClr val="tx1"/>
+                          </a:solidFill>
                           <a:effectLst/>
                           <a:latin typeface="Arial" panose="020B0604020202020204" pitchFamily="34" charset="0"/>
                           <a:cs typeface="Arial" panose="020B0604020202020204" pitchFamily="34" charset="0"/>
@@ -16902,17 +17901,261 @@
                           <a:tab pos="10058400" algn="l"/>
                         </a:tabLst>
                       </a:pPr>
-                      <a:endParaRPr kumimoji="0" lang="pt-BR" altLang="pt-BR" sz="800" b="1" i="0" u="none" strike="noStrike" cap="none" normalizeH="0" baseline="0" dirty="0">
+                      <a:r>
+                        <a:rPr kumimoji="0" lang="pt-BR" altLang="pt-BR" sz="1100" b="0" i="0" u="none" strike="noStrike" cap="none" normalizeH="0" baseline="0" dirty="0">
+                          <a:ln>
+                            <a:noFill/>
+                          </a:ln>
+                          <a:solidFill>
+                            <a:schemeClr val="tx1"/>
+                          </a:solidFill>
+                          <a:effectLst/>
+                          <a:latin typeface="Arial" panose="020B0604020202020204" pitchFamily="34" charset="0"/>
+                          <a:cs typeface="Arial" panose="020B0604020202020204" pitchFamily="34" charset="0"/>
+                        </a:rPr>
+                        <a:t>TA8.1 – Tentar listar os lançamentos por período de tempo.</a:t>
+                      </a:r>
+                    </a:p>
+                    <a:p>
+                      <a:pPr marL="0" marR="0" lvl="0" indent="0" algn="l" defTabSz="449263" rtl="0" eaLnBrk="1" fontAlgn="base" latinLnBrk="0" hangingPunct="1">
+                        <a:lnSpc>
+                          <a:spcPct val="94000"/>
+                        </a:lnSpc>
+                        <a:spcBef>
+                          <a:spcPts val="350"/>
+                        </a:spcBef>
+                        <a:spcAft>
+                          <a:spcPct val="0"/>
+                        </a:spcAft>
+                        <a:buClrTx/>
+                        <a:buSzPct val="70000"/>
+                        <a:buFontTx/>
+                        <a:buNone/>
+                        <a:tabLst>
+                          <a:tab pos="0" algn="l"/>
+                          <a:tab pos="914400" algn="l"/>
+                          <a:tab pos="1828800" algn="l"/>
+                          <a:tab pos="2743200" algn="l"/>
+                          <a:tab pos="3657600" algn="l"/>
+                          <a:tab pos="4572000" algn="l"/>
+                          <a:tab pos="5486400" algn="l"/>
+                          <a:tab pos="6400800" algn="l"/>
+                          <a:tab pos="7315200" algn="l"/>
+                          <a:tab pos="8229600" algn="l"/>
+                          <a:tab pos="9144000" algn="l"/>
+                          <a:tab pos="10058400" algn="l"/>
+                        </a:tabLst>
+                        <a:defRPr/>
+                      </a:pPr>
+                      <a:r>
+                        <a:rPr kumimoji="0" lang="pt-BR" altLang="pt-BR" sz="1100" b="0" i="0" u="none" strike="noStrike" cap="none" normalizeH="0" baseline="0" dirty="0">
+                          <a:ln>
+                            <a:noFill/>
+                          </a:ln>
+                          <a:solidFill>
+                            <a:schemeClr val="tx1"/>
+                          </a:solidFill>
+                          <a:effectLst/>
+                          <a:latin typeface="Arial" panose="020B0604020202020204" pitchFamily="34" charset="0"/>
+                          <a:cs typeface="Arial" panose="020B0604020202020204" pitchFamily="34" charset="0"/>
+                        </a:rPr>
+                        <a:t>TA8.2 – Tentar listar os lançamentos por tipo de lançamento.</a:t>
+                      </a:r>
+                    </a:p>
+                    <a:p>
+                      <a:pPr marL="0" marR="0" lvl="0" indent="0" algn="l" defTabSz="449263" rtl="0" eaLnBrk="1" fontAlgn="base" latinLnBrk="0" hangingPunct="1">
+                        <a:lnSpc>
+                          <a:spcPct val="94000"/>
+                        </a:lnSpc>
+                        <a:spcBef>
+                          <a:spcPts val="350"/>
+                        </a:spcBef>
+                        <a:spcAft>
+                          <a:spcPct val="0"/>
+                        </a:spcAft>
+                        <a:buClrTx/>
+                        <a:buSzPct val="70000"/>
+                        <a:buFontTx/>
+                        <a:buNone/>
+                        <a:tabLst>
+                          <a:tab pos="0" algn="l"/>
+                          <a:tab pos="914400" algn="l"/>
+                          <a:tab pos="1828800" algn="l"/>
+                          <a:tab pos="2743200" algn="l"/>
+                          <a:tab pos="3657600" algn="l"/>
+                          <a:tab pos="4572000" algn="l"/>
+                          <a:tab pos="5486400" algn="l"/>
+                          <a:tab pos="6400800" algn="l"/>
+                          <a:tab pos="7315200" algn="l"/>
+                          <a:tab pos="8229600" algn="l"/>
+                          <a:tab pos="9144000" algn="l"/>
+                          <a:tab pos="10058400" algn="l"/>
+                        </a:tabLst>
+                        <a:defRPr/>
+                      </a:pPr>
+                      <a:r>
+                        <a:rPr kumimoji="0" lang="pt-BR" altLang="pt-BR" sz="1100" b="0" i="0" u="none" strike="noStrike" cap="none" normalizeH="0" baseline="0" dirty="0">
+                          <a:ln>
+                            <a:noFill/>
+                          </a:ln>
+                          <a:solidFill>
+                            <a:schemeClr val="tx1"/>
+                          </a:solidFill>
+                          <a:effectLst/>
+                          <a:latin typeface="Arial" panose="020B0604020202020204" pitchFamily="34" charset="0"/>
+                          <a:cs typeface="Arial" panose="020B0604020202020204" pitchFamily="34" charset="0"/>
+                        </a:rPr>
+                        <a:t>TA8.3 – Tentar listar os lançamentos por conta financeira.</a:t>
+                      </a:r>
+                    </a:p>
+                    <a:p>
+                      <a:pPr marL="0" marR="0" lvl="0" indent="0" algn="l" defTabSz="449263" rtl="0" eaLnBrk="1" fontAlgn="base" latinLnBrk="0" hangingPunct="1">
+                        <a:lnSpc>
+                          <a:spcPct val="94000"/>
+                        </a:lnSpc>
+                        <a:spcBef>
+                          <a:spcPts val="350"/>
+                        </a:spcBef>
+                        <a:spcAft>
+                          <a:spcPct val="0"/>
+                        </a:spcAft>
+                        <a:buClrTx/>
+                        <a:buSzPct val="70000"/>
+                        <a:buFontTx/>
+                        <a:buNone/>
+                        <a:tabLst>
+                          <a:tab pos="0" algn="l"/>
+                          <a:tab pos="914400" algn="l"/>
+                          <a:tab pos="1828800" algn="l"/>
+                          <a:tab pos="2743200" algn="l"/>
+                          <a:tab pos="3657600" algn="l"/>
+                          <a:tab pos="4572000" algn="l"/>
+                          <a:tab pos="5486400" algn="l"/>
+                          <a:tab pos="6400800" algn="l"/>
+                          <a:tab pos="7315200" algn="l"/>
+                          <a:tab pos="8229600" algn="l"/>
+                          <a:tab pos="9144000" algn="l"/>
+                          <a:tab pos="10058400" algn="l"/>
+                        </a:tabLst>
+                        <a:defRPr/>
+                      </a:pPr>
+                      <a:r>
+                        <a:rPr kumimoji="0" lang="pt-BR" altLang="pt-BR" sz="1100" b="0" i="0" u="none" strike="noStrike" cap="none" normalizeH="0" baseline="0" dirty="0">
+                          <a:ln>
+                            <a:noFill/>
+                          </a:ln>
+                          <a:solidFill>
+                            <a:schemeClr val="tx1"/>
+                          </a:solidFill>
+                          <a:effectLst/>
+                          <a:latin typeface="Arial" panose="020B0604020202020204" pitchFamily="34" charset="0"/>
+                          <a:cs typeface="Arial" panose="020B0604020202020204" pitchFamily="34" charset="0"/>
+                        </a:rPr>
+                        <a:t>TA8.4 – Tentar listar os lançamentos por vencidos.</a:t>
+                      </a:r>
+                    </a:p>
+                    <a:p>
+                      <a:pPr marL="0" marR="0" lvl="0" indent="0" algn="l" defTabSz="449263" rtl="0" eaLnBrk="1" fontAlgn="base" latinLnBrk="0" hangingPunct="1">
+                        <a:lnSpc>
+                          <a:spcPct val="94000"/>
+                        </a:lnSpc>
+                        <a:spcBef>
+                          <a:spcPts val="350"/>
+                        </a:spcBef>
+                        <a:spcAft>
+                          <a:spcPct val="0"/>
+                        </a:spcAft>
+                        <a:buClrTx/>
+                        <a:buSzPct val="70000"/>
+                        <a:buFontTx/>
+                        <a:buNone/>
+                        <a:tabLst>
+                          <a:tab pos="0" algn="l"/>
+                          <a:tab pos="914400" algn="l"/>
+                          <a:tab pos="1828800" algn="l"/>
+                          <a:tab pos="2743200" algn="l"/>
+                          <a:tab pos="3657600" algn="l"/>
+                          <a:tab pos="4572000" algn="l"/>
+                          <a:tab pos="5486400" algn="l"/>
+                          <a:tab pos="6400800" algn="l"/>
+                          <a:tab pos="7315200" algn="l"/>
+                          <a:tab pos="8229600" algn="l"/>
+                          <a:tab pos="9144000" algn="l"/>
+                          <a:tab pos="10058400" algn="l"/>
+                        </a:tabLst>
+                        <a:defRPr/>
+                      </a:pPr>
+                      <a:r>
+                        <a:rPr kumimoji="0" lang="pt-BR" altLang="pt-BR" sz="1100" b="0" i="0" u="none" strike="noStrike" cap="none" normalizeH="0" baseline="0" dirty="0">
+                          <a:ln>
+                            <a:noFill/>
+                          </a:ln>
+                          <a:solidFill>
+                            <a:schemeClr val="tx1"/>
+                          </a:solidFill>
+                          <a:effectLst/>
+                          <a:latin typeface="Arial" panose="020B0604020202020204" pitchFamily="34" charset="0"/>
+                          <a:cs typeface="Arial" panose="020B0604020202020204" pitchFamily="34" charset="0"/>
+                        </a:rPr>
+                        <a:t>TA8.5 – Tentar listar os lançamentos por próximos a vencer.</a:t>
+                      </a:r>
+                      <a:endParaRPr kumimoji="0" lang="pt-BR" altLang="pt-BR" sz="1100" b="0" u="none" strike="noStrike" kern="1200" cap="none" normalizeH="0" baseline="0" dirty="0">
                         <a:ln>
                           <a:noFill/>
                         </a:ln>
                         <a:solidFill>
-                          <a:srgbClr val="00B050"/>
+                          <a:schemeClr val="tx1"/>
                         </a:solidFill>
                         <a:effectLst/>
                         <a:latin typeface="Arial" panose="020B0604020202020204" pitchFamily="34" charset="0"/>
                         <a:cs typeface="Arial" panose="020B0604020202020204" pitchFamily="34" charset="0"/>
                       </a:endParaRPr>
+                    </a:p>
+                    <a:p>
+                      <a:pPr marL="0" marR="0" lvl="0" indent="0" algn="l" defTabSz="449263" rtl="0" eaLnBrk="1" fontAlgn="base" latinLnBrk="0" hangingPunct="1">
+                        <a:lnSpc>
+                          <a:spcPct val="94000"/>
+                        </a:lnSpc>
+                        <a:spcBef>
+                          <a:spcPts val="350"/>
+                        </a:spcBef>
+                        <a:spcAft>
+                          <a:spcPct val="0"/>
+                        </a:spcAft>
+                        <a:buClrTx/>
+                        <a:buSzPct val="70000"/>
+                        <a:buFontTx/>
+                        <a:buNone/>
+                        <a:tabLst>
+                          <a:tab pos="0" algn="l"/>
+                          <a:tab pos="914400" algn="l"/>
+                          <a:tab pos="1828800" algn="l"/>
+                          <a:tab pos="2743200" algn="l"/>
+                          <a:tab pos="3657600" algn="l"/>
+                          <a:tab pos="4572000" algn="l"/>
+                          <a:tab pos="5486400" algn="l"/>
+                          <a:tab pos="6400800" algn="l"/>
+                          <a:tab pos="7315200" algn="l"/>
+                          <a:tab pos="8229600" algn="l"/>
+                          <a:tab pos="9144000" algn="l"/>
+                          <a:tab pos="10058400" algn="l"/>
+                        </a:tabLst>
+                        <a:defRPr/>
+                      </a:pPr>
+                      <a:r>
+                        <a:rPr kumimoji="0" lang="pt-BR" altLang="pt-BR" sz="1100" b="0" i="0" u="none" strike="noStrike" cap="none" normalizeH="0" baseline="0" dirty="0">
+                          <a:ln>
+                            <a:noFill/>
+                          </a:ln>
+                          <a:solidFill>
+                            <a:schemeClr val="tx1"/>
+                          </a:solidFill>
+                          <a:effectLst/>
+                          <a:latin typeface="Arial" panose="020B0604020202020204" pitchFamily="34" charset="0"/>
+                          <a:cs typeface="Arial" panose="020B0604020202020204" pitchFamily="34" charset="0"/>
+                        </a:rPr>
+                        <a:t>TA8.6 – Tentar listar os lançamentos por categoria.</a:t>
+                      </a:r>
                     </a:p>
                   </a:txBody>
                   <a:tcPr marT="57823" marB="45726" anchor="ctr" horzOverflow="overflow"/>
@@ -16923,7 +18166,7 @@
                   </a:ext>
                 </a:extLst>
               </a:tr>
-              <a:tr h="525957">
+              <a:tr h="314017">
                 <a:tc>
                   <a:txBody>
                     <a:bodyPr/>
@@ -16959,10 +18202,13 @@
                         </a:tabLst>
                       </a:pPr>
                       <a:r>
-                        <a:rPr kumimoji="0" lang="pt-BR" altLang="pt-BR" sz="800" u="none" strike="noStrike" kern="1200" cap="none" normalizeH="0" baseline="0" dirty="0">
+                        <a:rPr kumimoji="0" lang="pt-BR" altLang="pt-BR" sz="1100" b="0" u="none" strike="noStrike" kern="1200" cap="none" normalizeH="0" baseline="0" dirty="0">
                           <a:ln>
                             <a:noFill/>
                           </a:ln>
+                          <a:solidFill>
+                            <a:schemeClr val="tx1"/>
+                          </a:solidFill>
                           <a:effectLst/>
                           <a:latin typeface="Arial" panose="020B0604020202020204" pitchFamily="34" charset="0"/>
                           <a:cs typeface="Arial" panose="020B0604020202020204" pitchFamily="34" charset="0"/>
@@ -17001,7 +18247,10 @@
                         </a:tabLst>
                       </a:pPr>
                       <a:r>
-                        <a:rPr lang="pt-BR" sz="800" dirty="0">
+                        <a:rPr lang="pt-BR" sz="1100" b="0" dirty="0">
+                          <a:solidFill>
+                            <a:schemeClr val="tx1"/>
+                          </a:solidFill>
                           <a:latin typeface="Arial" panose="020B0604020202020204" pitchFamily="34" charset="0"/>
                           <a:cs typeface="Arial" panose="020B0604020202020204" pitchFamily="34" charset="0"/>
                         </a:rPr>
@@ -17017,7 +18266,7 @@
                   </a:ext>
                 </a:extLst>
               </a:tr>
-              <a:tr h="245094">
+              <a:tr h="172877">
                 <a:tc>
                   <a:txBody>
                     <a:bodyPr/>
@@ -17329,27 +18578,19 @@
                         </a:tabLst>
                       </a:pPr>
                       <a:r>
-                        <a:rPr kumimoji="0" lang="pt-BR" altLang="pt-BR" sz="800" u="none" strike="noStrike" kern="1200" cap="none" normalizeH="0" baseline="0" dirty="0">
+                        <a:rPr kumimoji="0" lang="pt-BR" altLang="pt-BR" sz="1100" b="0" u="none" strike="noStrike" kern="1200" cap="none" normalizeH="0" baseline="0" dirty="0">
                           <a:ln>
                             <a:noFill/>
                           </a:ln>
+                          <a:solidFill>
+                            <a:schemeClr val="tx1"/>
+                          </a:solidFill>
                           <a:effectLst/>
                           <a:latin typeface="Arial" panose="020B0604020202020204" pitchFamily="34" charset="0"/>
                           <a:cs typeface="Arial" panose="020B0604020202020204" pitchFamily="34" charset="0"/>
                         </a:rPr>
                         <a:t>Estimativa: ...horas                                           Tempo de Elaboração:  ...horas</a:t>
                       </a:r>
-                      <a:endParaRPr kumimoji="0" lang="pt-BR" altLang="pt-BR" sz="800" u="none" strike="noStrike" kern="1200" cap="none" normalizeH="0" baseline="0" dirty="0">
-                        <a:ln>
-                          <a:noFill/>
-                        </a:ln>
-                        <a:solidFill>
-                          <a:srgbClr val="000000"/>
-                        </a:solidFill>
-                        <a:effectLst/>
-                        <a:latin typeface="Arial" panose="020B0604020202020204" pitchFamily="34" charset="0"/>
-                        <a:cs typeface="Arial" panose="020B0604020202020204" pitchFamily="34" charset="0"/>
-                      </a:endParaRPr>
                     </a:p>
                   </a:txBody>
                   <a:tcPr marT="57823" marB="45726" anchor="ctr" horzOverflow="overflow"/>

--- a/GestaoFinancaPessoal/GestaoFinancaPessoal/Documentos/Entrega-02/UserStories.pptx
+++ b/GestaoFinancaPessoal/GestaoFinancaPessoal/Documentos/Entrega-02/UserStories.pptx
@@ -200,7 +200,7 @@
           <a:p>
             <a:fld id="{59A9F43D-7447-447E-A29C-D6932C4AEFE9}" type="datetimeFigureOut">
               <a:rPr lang="pt-BR" smtClean="0"/>
-              <a:t>04/05/2019</a:t>
+              <a:t>05/05/2019</a:t>
             </a:fld>
             <a:endParaRPr lang="pt-BR"/>
           </a:p>
@@ -2334,7 +2334,7 @@
           <a:p>
             <a:fld id="{41691924-F185-4213-BC46-97937F4C6F71}" type="datetimeFigureOut">
               <a:rPr lang="pt-BR" smtClean="0"/>
-              <a:t>04/05/2019</a:t>
+              <a:t>05/05/2019</a:t>
             </a:fld>
             <a:endParaRPr lang="pt-BR"/>
           </a:p>
@@ -2532,7 +2532,7 @@
           <a:p>
             <a:fld id="{41691924-F185-4213-BC46-97937F4C6F71}" type="datetimeFigureOut">
               <a:rPr lang="pt-BR" smtClean="0"/>
-              <a:t>04/05/2019</a:t>
+              <a:t>05/05/2019</a:t>
             </a:fld>
             <a:endParaRPr lang="pt-BR"/>
           </a:p>
@@ -2740,7 +2740,7 @@
           <a:p>
             <a:fld id="{41691924-F185-4213-BC46-97937F4C6F71}" type="datetimeFigureOut">
               <a:rPr lang="pt-BR" smtClean="0"/>
-              <a:t>04/05/2019</a:t>
+              <a:t>05/05/2019</a:t>
             </a:fld>
             <a:endParaRPr lang="pt-BR"/>
           </a:p>
@@ -2938,7 +2938,7 @@
           <a:p>
             <a:fld id="{41691924-F185-4213-BC46-97937F4C6F71}" type="datetimeFigureOut">
               <a:rPr lang="pt-BR" smtClean="0"/>
-              <a:t>04/05/2019</a:t>
+              <a:t>05/05/2019</a:t>
             </a:fld>
             <a:endParaRPr lang="pt-BR"/>
           </a:p>
@@ -3213,7 +3213,7 @@
           <a:p>
             <a:fld id="{41691924-F185-4213-BC46-97937F4C6F71}" type="datetimeFigureOut">
               <a:rPr lang="pt-BR" smtClean="0"/>
-              <a:t>04/05/2019</a:t>
+              <a:t>05/05/2019</a:t>
             </a:fld>
             <a:endParaRPr lang="pt-BR"/>
           </a:p>
@@ -3478,7 +3478,7 @@
           <a:p>
             <a:fld id="{41691924-F185-4213-BC46-97937F4C6F71}" type="datetimeFigureOut">
               <a:rPr lang="pt-BR" smtClean="0"/>
-              <a:t>04/05/2019</a:t>
+              <a:t>05/05/2019</a:t>
             </a:fld>
             <a:endParaRPr lang="pt-BR"/>
           </a:p>
@@ -3890,7 +3890,7 @@
           <a:p>
             <a:fld id="{41691924-F185-4213-BC46-97937F4C6F71}" type="datetimeFigureOut">
               <a:rPr lang="pt-BR" smtClean="0"/>
-              <a:t>04/05/2019</a:t>
+              <a:t>05/05/2019</a:t>
             </a:fld>
             <a:endParaRPr lang="pt-BR"/>
           </a:p>
@@ -4031,7 +4031,7 @@
           <a:p>
             <a:fld id="{41691924-F185-4213-BC46-97937F4C6F71}" type="datetimeFigureOut">
               <a:rPr lang="pt-BR" smtClean="0"/>
-              <a:t>04/05/2019</a:t>
+              <a:t>05/05/2019</a:t>
             </a:fld>
             <a:endParaRPr lang="pt-BR"/>
           </a:p>
@@ -4144,7 +4144,7 @@
           <a:p>
             <a:fld id="{41691924-F185-4213-BC46-97937F4C6F71}" type="datetimeFigureOut">
               <a:rPr lang="pt-BR" smtClean="0"/>
-              <a:t>04/05/2019</a:t>
+              <a:t>05/05/2019</a:t>
             </a:fld>
             <a:endParaRPr lang="pt-BR"/>
           </a:p>
@@ -4455,7 +4455,7 @@
           <a:p>
             <a:fld id="{41691924-F185-4213-BC46-97937F4C6F71}" type="datetimeFigureOut">
               <a:rPr lang="pt-BR" smtClean="0"/>
-              <a:t>04/05/2019</a:t>
+              <a:t>05/05/2019</a:t>
             </a:fld>
             <a:endParaRPr lang="pt-BR"/>
           </a:p>
@@ -4743,7 +4743,7 @@
           <a:p>
             <a:fld id="{41691924-F185-4213-BC46-97937F4C6F71}" type="datetimeFigureOut">
               <a:rPr lang="pt-BR" smtClean="0"/>
-              <a:t>04/05/2019</a:t>
+              <a:t>05/05/2019</a:t>
             </a:fld>
             <a:endParaRPr lang="pt-BR"/>
           </a:p>
@@ -4984,7 +4984,7 @@
           <a:p>
             <a:fld id="{41691924-F185-4213-BC46-97937F4C6F71}" type="datetimeFigureOut">
               <a:rPr lang="pt-BR" smtClean="0"/>
-              <a:t>04/05/2019</a:t>
+              <a:t>05/05/2019</a:t>
             </a:fld>
             <a:endParaRPr lang="pt-BR"/>
           </a:p>
@@ -8931,14 +8931,14 @@
           <p:nvPr>
             <p:extLst>
               <p:ext uri="{D42A27DB-BD31-4B8C-83A1-F6EECF244321}">
-                <p14:modId xmlns:p14="http://schemas.microsoft.com/office/powerpoint/2010/main" val="2905120726"/>
+                <p14:modId xmlns:p14="http://schemas.microsoft.com/office/powerpoint/2010/main" val="435253398"/>
               </p:ext>
             </p:extLst>
           </p:nvPr>
         </p:nvGraphicFramePr>
         <p:xfrm>
           <a:off x="117072" y="114301"/>
-          <a:ext cx="11899220" cy="8244276"/>
+          <a:ext cx="11899220" cy="8153398"/>
         </p:xfrm>
         <a:graphic>
           <a:graphicData uri="http://schemas.openxmlformats.org/drawingml/2006/table">
@@ -11736,48 +11736,6 @@
                           <a:tab pos="9144000" algn="l"/>
                           <a:tab pos="10058400" algn="l"/>
                         </a:tabLst>
-                      </a:pPr>
-                      <a:r>
-                        <a:rPr kumimoji="0" lang="pt-BR" altLang="pt-BR" sz="800" u="none" strike="noStrike" cap="none" normalizeH="0" baseline="0" dirty="0">
-                          <a:ln>
-                            <a:noFill/>
-                          </a:ln>
-                          <a:effectLst/>
-                          <a:latin typeface="Arial" panose="020B0604020202020204" pitchFamily="34" charset="0"/>
-                          <a:cs typeface="Arial" panose="020B0604020202020204" pitchFamily="34" charset="0"/>
-                        </a:rPr>
-                        <a:t>TA5.3 – Tentar criar dois favorecidos ou pagadores com o mesmo nome.</a:t>
-                      </a:r>
-                    </a:p>
-                    <a:p>
-                      <a:pPr marL="0" marR="0" lvl="0" indent="0" algn="l" defTabSz="449263" rtl="0" eaLnBrk="1" fontAlgn="base" latinLnBrk="0" hangingPunct="1">
-                        <a:lnSpc>
-                          <a:spcPct val="94000"/>
-                        </a:lnSpc>
-                        <a:spcBef>
-                          <a:spcPts val="350"/>
-                        </a:spcBef>
-                        <a:spcAft>
-                          <a:spcPct val="0"/>
-                        </a:spcAft>
-                        <a:buClrTx/>
-                        <a:buSzPct val="70000"/>
-                        <a:buFontTx/>
-                        <a:buNone/>
-                        <a:tabLst>
-                          <a:tab pos="0" algn="l"/>
-                          <a:tab pos="914400" algn="l"/>
-                          <a:tab pos="1828800" algn="l"/>
-                          <a:tab pos="2743200" algn="l"/>
-                          <a:tab pos="3657600" algn="l"/>
-                          <a:tab pos="4572000" algn="l"/>
-                          <a:tab pos="5486400" algn="l"/>
-                          <a:tab pos="6400800" algn="l"/>
-                          <a:tab pos="7315200" algn="l"/>
-                          <a:tab pos="8229600" algn="l"/>
-                          <a:tab pos="9144000" algn="l"/>
-                          <a:tab pos="10058400" algn="l"/>
-                        </a:tabLst>
                         <a:defRPr/>
                       </a:pPr>
                       <a:r>
@@ -11789,7 +11747,7 @@
                           <a:latin typeface="Arial" panose="020B0604020202020204" pitchFamily="34" charset="0"/>
                           <a:cs typeface="Arial" panose="020B0604020202020204" pitchFamily="34" charset="0"/>
                         </a:rPr>
-                        <a:t>TA5.4 – Tentar criar dois favorecidos ou pagadores com nomes diferentes.</a:t>
+                        <a:t>TA5.3 – Tentar criar pessoa do tipo jurídica sem indicar o nome da pessoa física como contato.</a:t>
                       </a:r>
                     </a:p>
                     <a:p>
@@ -11832,7 +11790,7 @@
                           <a:latin typeface="Arial" panose="020B0604020202020204" pitchFamily="34" charset="0"/>
                           <a:cs typeface="Arial" panose="020B0604020202020204" pitchFamily="34" charset="0"/>
                         </a:rPr>
-                        <a:t>TA5.5 – Tentar criar pessoa do tipo jurídica sem indicar o nome da pessoa física como contato.</a:t>
+                        <a:t>TA5.4 – Tentar criar pessoa do tipo jurídica indicando nome da pessoa física como contato.</a:t>
                       </a:r>
                     </a:p>
                     <a:p>
@@ -11875,50 +11833,7 @@
                           <a:latin typeface="Arial" panose="020B0604020202020204" pitchFamily="34" charset="0"/>
                           <a:cs typeface="Arial" panose="020B0604020202020204" pitchFamily="34" charset="0"/>
                         </a:rPr>
-                        <a:t>TA5.6 – Tentar criar pessoa do tipo jurídica indicando nome da pessoa física como contato.</a:t>
-                      </a:r>
-                    </a:p>
-                    <a:p>
-                      <a:pPr marL="0" marR="0" lvl="0" indent="0" algn="l" defTabSz="449263" rtl="0" eaLnBrk="1" fontAlgn="base" latinLnBrk="0" hangingPunct="1">
-                        <a:lnSpc>
-                          <a:spcPct val="94000"/>
-                        </a:lnSpc>
-                        <a:spcBef>
-                          <a:spcPts val="350"/>
-                        </a:spcBef>
-                        <a:spcAft>
-                          <a:spcPct val="0"/>
-                        </a:spcAft>
-                        <a:buClrTx/>
-                        <a:buSzPct val="70000"/>
-                        <a:buFontTx/>
-                        <a:buNone/>
-                        <a:tabLst>
-                          <a:tab pos="0" algn="l"/>
-                          <a:tab pos="914400" algn="l"/>
-                          <a:tab pos="1828800" algn="l"/>
-                          <a:tab pos="2743200" algn="l"/>
-                          <a:tab pos="3657600" algn="l"/>
-                          <a:tab pos="4572000" algn="l"/>
-                          <a:tab pos="5486400" algn="l"/>
-                          <a:tab pos="6400800" algn="l"/>
-                          <a:tab pos="7315200" algn="l"/>
-                          <a:tab pos="8229600" algn="l"/>
-                          <a:tab pos="9144000" algn="l"/>
-                          <a:tab pos="10058400" algn="l"/>
-                        </a:tabLst>
-                        <a:defRPr/>
-                      </a:pPr>
-                      <a:r>
-                        <a:rPr kumimoji="0" lang="pt-BR" altLang="pt-BR" sz="800" u="none" strike="noStrike" cap="none" normalizeH="0" baseline="0" dirty="0">
-                          <a:ln>
-                            <a:noFill/>
-                          </a:ln>
-                          <a:effectLst/>
-                          <a:latin typeface="Arial" panose="020B0604020202020204" pitchFamily="34" charset="0"/>
-                          <a:cs typeface="Arial" panose="020B0604020202020204" pitchFamily="34" charset="0"/>
-                        </a:rPr>
-                        <a:t>TA5.7 – Tentar criar dois favorecidos ou pagadores sem </a:t>
+                        <a:t>TA5.5 – Tentar criar favorecidos ou pagadores sem </a:t>
                       </a:r>
                       <a:r>
                         <a:rPr kumimoji="0" lang="pt-BR" altLang="pt-BR" sz="800" u="none" strike="noStrike" kern="1200" cap="none" normalizeH="0" baseline="0" dirty="0">
@@ -11972,7 +11887,61 @@
                           <a:latin typeface="Arial" panose="020B0604020202020204" pitchFamily="34" charset="0"/>
                           <a:cs typeface="Arial" panose="020B0604020202020204" pitchFamily="34" charset="0"/>
                         </a:rPr>
-                        <a:t>TA5.8 – Tentar criar dois favorecidos ou pagadores sem </a:t>
+                        <a:t>TA5.6 – Tentar criar favorecidos ou pagadores com </a:t>
+                      </a:r>
+                      <a:r>
+                        <a:rPr kumimoji="0" lang="pt-BR" altLang="pt-BR" sz="800" u="none" strike="noStrike" kern="1200" cap="none" normalizeH="0" baseline="0" dirty="0">
+                          <a:ln>
+                            <a:noFill/>
+                          </a:ln>
+                          <a:effectLst/>
+                          <a:latin typeface="Arial" panose="020B0604020202020204" pitchFamily="34" charset="0"/>
+                          <a:cs typeface="Arial" panose="020B0604020202020204" pitchFamily="34" charset="0"/>
+                        </a:rPr>
+                        <a:t>CPF/CNPJ.</a:t>
+                      </a:r>
+                    </a:p>
+                    <a:p>
+                      <a:pPr marL="0" marR="0" lvl="0" indent="0" algn="l" defTabSz="449263" rtl="0" eaLnBrk="1" fontAlgn="base" latinLnBrk="0" hangingPunct="1">
+                        <a:lnSpc>
+                          <a:spcPct val="94000"/>
+                        </a:lnSpc>
+                        <a:spcBef>
+                          <a:spcPts val="350"/>
+                        </a:spcBef>
+                        <a:spcAft>
+                          <a:spcPct val="0"/>
+                        </a:spcAft>
+                        <a:buClrTx/>
+                        <a:buSzPct val="70000"/>
+                        <a:buFontTx/>
+                        <a:buNone/>
+                        <a:tabLst>
+                          <a:tab pos="0" algn="l"/>
+                          <a:tab pos="914400" algn="l"/>
+                          <a:tab pos="1828800" algn="l"/>
+                          <a:tab pos="2743200" algn="l"/>
+                          <a:tab pos="3657600" algn="l"/>
+                          <a:tab pos="4572000" algn="l"/>
+                          <a:tab pos="5486400" algn="l"/>
+                          <a:tab pos="6400800" algn="l"/>
+                          <a:tab pos="7315200" algn="l"/>
+                          <a:tab pos="8229600" algn="l"/>
+                          <a:tab pos="9144000" algn="l"/>
+                          <a:tab pos="10058400" algn="l"/>
+                        </a:tabLst>
+                        <a:defRPr/>
+                      </a:pPr>
+                      <a:r>
+                        <a:rPr kumimoji="0" lang="pt-BR" altLang="pt-BR" sz="800" u="none" strike="noStrike" cap="none" normalizeH="0" baseline="0" dirty="0">
+                          <a:ln>
+                            <a:noFill/>
+                          </a:ln>
+                          <a:effectLst/>
+                          <a:latin typeface="Arial" panose="020B0604020202020204" pitchFamily="34" charset="0"/>
+                          <a:cs typeface="Arial" panose="020B0604020202020204" pitchFamily="34" charset="0"/>
+                        </a:rPr>
+                        <a:t>TA5.7 – Tentar criar favorecidos ou pagadores sem </a:t>
                       </a:r>
                       <a:r>
                         <a:rPr kumimoji="0" lang="pt-BR" altLang="pt-BR" sz="800" u="none" strike="noStrike" kern="1200" cap="none" normalizeH="0" baseline="0" dirty="0">
@@ -12034,7 +12003,7 @@
                           <a:latin typeface="Arial" panose="020B0604020202020204" pitchFamily="34" charset="0"/>
                           <a:cs typeface="Arial" panose="020B0604020202020204" pitchFamily="34" charset="0"/>
                         </a:rPr>
-                        <a:t>TA5.9 – Tentar criar dois favorecidos ou pagadores sem </a:t>
+                        <a:t>TA5.8 – Tentar criar favorecidos ou pagadores sem </a:t>
                       </a:r>
                       <a:r>
                         <a:rPr lang="pt-BR" sz="800" kern="1200" dirty="0">
@@ -12096,7 +12065,7 @@
                           <a:latin typeface="Arial" panose="020B0604020202020204" pitchFamily="34" charset="0"/>
                           <a:cs typeface="Arial" panose="020B0604020202020204" pitchFamily="34" charset="0"/>
                         </a:rPr>
-                        <a:t>TA5.10 – Tentar criar dois favorecidos ou pagadores sem </a:t>
+                        <a:t>TA5.9 – Tentar criar favorecidos ou pagadores sem </a:t>
                       </a:r>
                       <a:r>
                         <a:rPr lang="pt-BR" sz="800" kern="1200" dirty="0">
@@ -12158,7 +12127,7 @@
                           <a:latin typeface="Arial" panose="020B0604020202020204" pitchFamily="34" charset="0"/>
                           <a:cs typeface="Arial" panose="020B0604020202020204" pitchFamily="34" charset="0"/>
                         </a:rPr>
-                        <a:t>TA5.11 – Tentar criar dois favorecidos ou pagadores sem </a:t>
+                        <a:t>TA5.10 – Tentar criar favorecidos ou pagadores sem </a:t>
                       </a:r>
                       <a:r>
                         <a:rPr lang="pt-BR" sz="800" kern="1200" dirty="0">
@@ -12220,7 +12189,7 @@
                           <a:latin typeface="Arial" panose="020B0604020202020204" pitchFamily="34" charset="0"/>
                           <a:cs typeface="Arial" panose="020B0604020202020204" pitchFamily="34" charset="0"/>
                         </a:rPr>
-                        <a:t>TA5.12 – Tentar criar dois favorecidos ou pagadores sem </a:t>
+                        <a:t>TA5.11 – Tentar criar favorecidos ou pagadores sem </a:t>
                       </a:r>
                       <a:r>
                         <a:rPr lang="pt-BR" sz="800" kern="1200" dirty="0">
@@ -12282,7 +12251,7 @@
                           <a:latin typeface="Arial" panose="020B0604020202020204" pitchFamily="34" charset="0"/>
                           <a:cs typeface="Arial" panose="020B0604020202020204" pitchFamily="34" charset="0"/>
                         </a:rPr>
-                        <a:t>TA5.13 – Tentar criar dois favorecidos ou pagadores sem </a:t>
+                        <a:t>TA5.12 – Tentar criar favorecidos ou pagadores sem </a:t>
                       </a:r>
                       <a:r>
                         <a:rPr lang="pt-BR" sz="800" kern="1200" dirty="0">
@@ -12344,7 +12313,7 @@
                           <a:latin typeface="Arial" panose="020B0604020202020204" pitchFamily="34" charset="0"/>
                           <a:cs typeface="Arial" panose="020B0604020202020204" pitchFamily="34" charset="0"/>
                         </a:rPr>
-                        <a:t>TA5.14 – Tentar criar dois favorecidos ou pagadores sem </a:t>
+                        <a:t>TA5.13 – Tentar criar favorecidos ou pagadores sem </a:t>
                       </a:r>
                       <a:r>
                         <a:rPr lang="pt-BR" sz="800" kern="1200" dirty="0">
@@ -12406,7 +12375,7 @@
                           <a:latin typeface="Arial" panose="020B0604020202020204" pitchFamily="34" charset="0"/>
                           <a:cs typeface="Arial" panose="020B0604020202020204" pitchFamily="34" charset="0"/>
                         </a:rPr>
-                        <a:t>TA5.15 – Tentar criar dois favorecidos ou pagadores sem </a:t>
+                        <a:t>TA5.14 – Tentar criar favorecidos ou pagadores sem </a:t>
                       </a:r>
                       <a:r>
                         <a:rPr lang="pt-BR" sz="800" kern="1200" dirty="0">
@@ -12468,7 +12437,7 @@
                           <a:latin typeface="Arial" panose="020B0604020202020204" pitchFamily="34" charset="0"/>
                           <a:cs typeface="Arial" panose="020B0604020202020204" pitchFamily="34" charset="0"/>
                         </a:rPr>
-                        <a:t>TA5.16 – Tentar criar dois favorecidos ou pagadores sem </a:t>
+                        <a:t>TA5.15 – Tentar criar favorecidos ou pagadores sem </a:t>
                       </a:r>
                       <a:r>
                         <a:rPr lang="pt-BR" sz="800" kern="1200" dirty="0">

--- a/GestaoFinancaPessoal/GestaoFinancaPessoal/Documentos/Entrega-02/UserStories.pptx
+++ b/GestaoFinancaPessoal/GestaoFinancaPessoal/Documentos/Entrega-02/UserStories.pptx
@@ -200,7 +200,7 @@
           <a:p>
             <a:fld id="{59A9F43D-7447-447E-A29C-D6932C4AEFE9}" type="datetimeFigureOut">
               <a:rPr lang="pt-BR" smtClean="0"/>
-              <a:t>05/05/2019</a:t>
+              <a:t>06/05/2019</a:t>
             </a:fld>
             <a:endParaRPr lang="pt-BR"/>
           </a:p>
@@ -2334,7 +2334,7 @@
           <a:p>
             <a:fld id="{41691924-F185-4213-BC46-97937F4C6F71}" type="datetimeFigureOut">
               <a:rPr lang="pt-BR" smtClean="0"/>
-              <a:t>05/05/2019</a:t>
+              <a:t>06/05/2019</a:t>
             </a:fld>
             <a:endParaRPr lang="pt-BR"/>
           </a:p>
@@ -2532,7 +2532,7 @@
           <a:p>
             <a:fld id="{41691924-F185-4213-BC46-97937F4C6F71}" type="datetimeFigureOut">
               <a:rPr lang="pt-BR" smtClean="0"/>
-              <a:t>05/05/2019</a:t>
+              <a:t>06/05/2019</a:t>
             </a:fld>
             <a:endParaRPr lang="pt-BR"/>
           </a:p>
@@ -2740,7 +2740,7 @@
           <a:p>
             <a:fld id="{41691924-F185-4213-BC46-97937F4C6F71}" type="datetimeFigureOut">
               <a:rPr lang="pt-BR" smtClean="0"/>
-              <a:t>05/05/2019</a:t>
+              <a:t>06/05/2019</a:t>
             </a:fld>
             <a:endParaRPr lang="pt-BR"/>
           </a:p>
@@ -2938,7 +2938,7 @@
           <a:p>
             <a:fld id="{41691924-F185-4213-BC46-97937F4C6F71}" type="datetimeFigureOut">
               <a:rPr lang="pt-BR" smtClean="0"/>
-              <a:t>05/05/2019</a:t>
+              <a:t>06/05/2019</a:t>
             </a:fld>
             <a:endParaRPr lang="pt-BR"/>
           </a:p>
@@ -3213,7 +3213,7 @@
           <a:p>
             <a:fld id="{41691924-F185-4213-BC46-97937F4C6F71}" type="datetimeFigureOut">
               <a:rPr lang="pt-BR" smtClean="0"/>
-              <a:t>05/05/2019</a:t>
+              <a:t>06/05/2019</a:t>
             </a:fld>
             <a:endParaRPr lang="pt-BR"/>
           </a:p>
@@ -3478,7 +3478,7 @@
           <a:p>
             <a:fld id="{41691924-F185-4213-BC46-97937F4C6F71}" type="datetimeFigureOut">
               <a:rPr lang="pt-BR" smtClean="0"/>
-              <a:t>05/05/2019</a:t>
+              <a:t>06/05/2019</a:t>
             </a:fld>
             <a:endParaRPr lang="pt-BR"/>
           </a:p>
@@ -3890,7 +3890,7 @@
           <a:p>
             <a:fld id="{41691924-F185-4213-BC46-97937F4C6F71}" type="datetimeFigureOut">
               <a:rPr lang="pt-BR" smtClean="0"/>
-              <a:t>05/05/2019</a:t>
+              <a:t>06/05/2019</a:t>
             </a:fld>
             <a:endParaRPr lang="pt-BR"/>
           </a:p>
@@ -4031,7 +4031,7 @@
           <a:p>
             <a:fld id="{41691924-F185-4213-BC46-97937F4C6F71}" type="datetimeFigureOut">
               <a:rPr lang="pt-BR" smtClean="0"/>
-              <a:t>05/05/2019</a:t>
+              <a:t>06/05/2019</a:t>
             </a:fld>
             <a:endParaRPr lang="pt-BR"/>
           </a:p>
@@ -4144,7 +4144,7 @@
           <a:p>
             <a:fld id="{41691924-F185-4213-BC46-97937F4C6F71}" type="datetimeFigureOut">
               <a:rPr lang="pt-BR" smtClean="0"/>
-              <a:t>05/05/2019</a:t>
+              <a:t>06/05/2019</a:t>
             </a:fld>
             <a:endParaRPr lang="pt-BR"/>
           </a:p>
@@ -4455,7 +4455,7 @@
           <a:p>
             <a:fld id="{41691924-F185-4213-BC46-97937F4C6F71}" type="datetimeFigureOut">
               <a:rPr lang="pt-BR" smtClean="0"/>
-              <a:t>05/05/2019</a:t>
+              <a:t>06/05/2019</a:t>
             </a:fld>
             <a:endParaRPr lang="pt-BR"/>
           </a:p>
@@ -4743,7 +4743,7 @@
           <a:p>
             <a:fld id="{41691924-F185-4213-BC46-97937F4C6F71}" type="datetimeFigureOut">
               <a:rPr lang="pt-BR" smtClean="0"/>
-              <a:t>05/05/2019</a:t>
+              <a:t>06/05/2019</a:t>
             </a:fld>
             <a:endParaRPr lang="pt-BR"/>
           </a:p>
@@ -4984,7 +4984,7 @@
           <a:p>
             <a:fld id="{41691924-F185-4213-BC46-97937F4C6F71}" type="datetimeFigureOut">
               <a:rPr lang="pt-BR" smtClean="0"/>
-              <a:t>05/05/2019</a:t>
+              <a:t>06/05/2019</a:t>
             </a:fld>
             <a:endParaRPr lang="pt-BR"/>
           </a:p>
@@ -5416,14 +5416,14 @@
           <p:nvPr>
             <p:extLst>
               <p:ext uri="{D42A27DB-BD31-4B8C-83A1-F6EECF244321}">
-                <p14:modId xmlns:p14="http://schemas.microsoft.com/office/powerpoint/2010/main" val="1548597955"/>
+                <p14:modId xmlns:p14="http://schemas.microsoft.com/office/powerpoint/2010/main" val="591274616"/>
               </p:ext>
             </p:extLst>
           </p:nvPr>
         </p:nvGraphicFramePr>
         <p:xfrm>
           <a:off x="158482" y="200026"/>
-          <a:ext cx="11778145" cy="6584541"/>
+          <a:ext cx="11778145" cy="6125992"/>
         </p:xfrm>
         <a:graphic>
           <a:graphicData uri="http://schemas.openxmlformats.org/drawingml/2006/table">
@@ -8027,330 +8027,7 @@
                           <a:ea typeface="DejaVu Sans" charset="0"/>
                           <a:cs typeface="Arial" panose="020B0604020202020204" pitchFamily="34" charset="0"/>
                         </a:rPr>
-                        <a:t>TA4.8 – Tentar gerar um lançamento recorrente de despesa ou receita sem numero de inicio e final de parcela.</a:t>
-                      </a:r>
-                    </a:p>
-                    <a:p>
-                      <a:pPr marL="0" marR="0" lvl="0" indent="0" algn="l" defTabSz="449263" rtl="0" eaLnBrk="1" fontAlgn="base" latinLnBrk="0" hangingPunct="1">
-                        <a:lnSpc>
-                          <a:spcPct val="94000"/>
-                        </a:lnSpc>
-                        <a:spcBef>
-                          <a:spcPts val="350"/>
-                        </a:spcBef>
-                        <a:spcAft>
-                          <a:spcPct val="0"/>
-                        </a:spcAft>
-                        <a:buClrTx/>
-                        <a:buSzPct val="70000"/>
-                        <a:buFontTx/>
-                        <a:buNone/>
-                        <a:tabLst>
-                          <a:tab pos="0" algn="l"/>
-                          <a:tab pos="914400" algn="l"/>
-                          <a:tab pos="1828800" algn="l"/>
-                          <a:tab pos="2743200" algn="l"/>
-                          <a:tab pos="3657600" algn="l"/>
-                          <a:tab pos="4572000" algn="l"/>
-                          <a:tab pos="5486400" algn="l"/>
-                          <a:tab pos="6400800" algn="l"/>
-                          <a:tab pos="7315200" algn="l"/>
-                          <a:tab pos="8229600" algn="l"/>
-                          <a:tab pos="9144000" algn="l"/>
-                          <a:tab pos="10058400" algn="l"/>
-                        </a:tabLst>
-                        <a:defRPr/>
-                      </a:pPr>
-                      <a:r>
-                        <a:rPr kumimoji="0" lang="pt-BR" altLang="pt-BR" sz="1000" b="0" i="0" u="none" strike="noStrike" cap="none" normalizeH="0" baseline="0" dirty="0">
-                          <a:ln>
-                            <a:noFill/>
-                          </a:ln>
-                          <a:solidFill>
-                            <a:schemeClr val="tx1"/>
-                          </a:solidFill>
-                          <a:effectLst/>
-                          <a:latin typeface="Arial" panose="020B0604020202020204" pitchFamily="34" charset="0"/>
-                          <a:ea typeface="DejaVu Sans" charset="0"/>
-                          <a:cs typeface="Arial" panose="020B0604020202020204" pitchFamily="34" charset="0"/>
-                        </a:rPr>
-                        <a:t>TA4.9 – Tentar gerar um lançamento recorrente de despesa ou receita com numero de inicio e final de parcela.</a:t>
-                      </a:r>
-                    </a:p>
-                    <a:p>
-                      <a:pPr marL="0" marR="0" lvl="0" indent="0" algn="l" defTabSz="449263" rtl="0" eaLnBrk="1" fontAlgn="base" latinLnBrk="0" hangingPunct="1">
-                        <a:lnSpc>
-                          <a:spcPct val="76000"/>
-                        </a:lnSpc>
-                        <a:spcBef>
-                          <a:spcPts val="400"/>
-                        </a:spcBef>
-                        <a:spcAft>
-                          <a:spcPct val="0"/>
-                        </a:spcAft>
-                        <a:buClrTx/>
-                        <a:buSzPct val="70000"/>
-                        <a:buFontTx/>
-                        <a:buNone/>
-                        <a:tabLst>
-                          <a:tab pos="0" algn="l"/>
-                          <a:tab pos="914400" algn="l"/>
-                          <a:tab pos="1828800" algn="l"/>
-                          <a:tab pos="2743200" algn="l"/>
-                          <a:tab pos="3657600" algn="l"/>
-                          <a:tab pos="4572000" algn="l"/>
-                          <a:tab pos="5486400" algn="l"/>
-                          <a:tab pos="6400800" algn="l"/>
-                          <a:tab pos="7315200" algn="l"/>
-                          <a:tab pos="8229600" algn="l"/>
-                          <a:tab pos="9144000" algn="l"/>
-                          <a:tab pos="10058400" algn="l"/>
-                        </a:tabLst>
-                      </a:pPr>
-                      <a:r>
-                        <a:rPr kumimoji="0" lang="pt-BR" altLang="pt-BR" sz="1000" b="0" i="0" u="none" strike="noStrike" cap="none" normalizeH="0" baseline="0" dirty="0">
-                          <a:ln>
-                            <a:noFill/>
-                          </a:ln>
-                          <a:solidFill>
-                            <a:schemeClr val="tx1"/>
-                          </a:solidFill>
-                          <a:effectLst/>
-                          <a:latin typeface="Arial" panose="020B0604020202020204" pitchFamily="34" charset="0"/>
-                          <a:ea typeface="DejaVu Sans" charset="0"/>
-                          <a:cs typeface="Arial" panose="020B0604020202020204" pitchFamily="34" charset="0"/>
-                        </a:rPr>
-                        <a:t>TA4.10 – Tentar editar um lançamento recorrente de despesa ou receita sem uma conta.</a:t>
-                      </a:r>
-                    </a:p>
-                    <a:p>
-                      <a:pPr marL="0" marR="0" lvl="0" indent="0" algn="l" defTabSz="449263" rtl="0" eaLnBrk="1" fontAlgn="base" latinLnBrk="0" hangingPunct="1">
-                        <a:lnSpc>
-                          <a:spcPct val="76000"/>
-                        </a:lnSpc>
-                        <a:spcBef>
-                          <a:spcPts val="400"/>
-                        </a:spcBef>
-                        <a:spcAft>
-                          <a:spcPct val="0"/>
-                        </a:spcAft>
-                        <a:buClrTx/>
-                        <a:buSzPct val="70000"/>
-                        <a:buFontTx/>
-                        <a:buNone/>
-                        <a:tabLst>
-                          <a:tab pos="0" algn="l"/>
-                          <a:tab pos="914400" algn="l"/>
-                          <a:tab pos="1828800" algn="l"/>
-                          <a:tab pos="2743200" algn="l"/>
-                          <a:tab pos="3657600" algn="l"/>
-                          <a:tab pos="4572000" algn="l"/>
-                          <a:tab pos="5486400" algn="l"/>
-                          <a:tab pos="6400800" algn="l"/>
-                          <a:tab pos="7315200" algn="l"/>
-                          <a:tab pos="8229600" algn="l"/>
-                          <a:tab pos="9144000" algn="l"/>
-                          <a:tab pos="10058400" algn="l"/>
-                        </a:tabLst>
-                      </a:pPr>
-                      <a:r>
-                        <a:rPr kumimoji="0" lang="pt-BR" altLang="pt-BR" sz="1000" b="0" i="0" u="none" strike="noStrike" cap="none" normalizeH="0" baseline="0" dirty="0">
-                          <a:ln>
-                            <a:noFill/>
-                          </a:ln>
-                          <a:solidFill>
-                            <a:schemeClr val="tx1"/>
-                          </a:solidFill>
-                          <a:effectLst/>
-                          <a:latin typeface="Arial" panose="020B0604020202020204" pitchFamily="34" charset="0"/>
-                          <a:ea typeface="DejaVu Sans" charset="0"/>
-                          <a:cs typeface="Arial" panose="020B0604020202020204" pitchFamily="34" charset="0"/>
-                        </a:rPr>
-                        <a:t>TA4.11 – Tentar editar um lançamento recorrente de despesa ou receita com uma conta.</a:t>
-                      </a:r>
-                    </a:p>
-                    <a:p>
-                      <a:pPr marL="0" marR="0" lvl="0" indent="0" algn="l" defTabSz="449263" rtl="0" eaLnBrk="1" fontAlgn="base" latinLnBrk="0" hangingPunct="1">
-                        <a:lnSpc>
-                          <a:spcPct val="76000"/>
-                        </a:lnSpc>
-                        <a:spcBef>
-                          <a:spcPts val="400"/>
-                        </a:spcBef>
-                        <a:spcAft>
-                          <a:spcPct val="0"/>
-                        </a:spcAft>
-                        <a:buClrTx/>
-                        <a:buSzPct val="70000"/>
-                        <a:buFontTx/>
-                        <a:buNone/>
-                        <a:tabLst>
-                          <a:tab pos="0" algn="l"/>
-                          <a:tab pos="914400" algn="l"/>
-                          <a:tab pos="1828800" algn="l"/>
-                          <a:tab pos="2743200" algn="l"/>
-                          <a:tab pos="3657600" algn="l"/>
-                          <a:tab pos="4572000" algn="l"/>
-                          <a:tab pos="5486400" algn="l"/>
-                          <a:tab pos="6400800" algn="l"/>
-                          <a:tab pos="7315200" algn="l"/>
-                          <a:tab pos="8229600" algn="l"/>
-                          <a:tab pos="9144000" algn="l"/>
-                          <a:tab pos="10058400" algn="l"/>
-                        </a:tabLst>
-                      </a:pPr>
-                      <a:r>
-                        <a:rPr kumimoji="0" lang="pt-BR" altLang="pt-BR" sz="1000" b="0" i="0" u="none" strike="noStrike" cap="none" normalizeH="0" baseline="0" dirty="0">
-                          <a:ln>
-                            <a:noFill/>
-                          </a:ln>
-                          <a:solidFill>
-                            <a:schemeClr val="tx1"/>
-                          </a:solidFill>
-                          <a:effectLst/>
-                          <a:latin typeface="Arial" panose="020B0604020202020204" pitchFamily="34" charset="0"/>
-                          <a:ea typeface="DejaVu Sans" charset="0"/>
-                          <a:cs typeface="Arial" panose="020B0604020202020204" pitchFamily="34" charset="0"/>
-                        </a:rPr>
-                        <a:t>TA4.12 – Tentar editar um lançamento recorrente de despesa ou receita sem uma categoria ou subcategoria .</a:t>
-                      </a:r>
-                    </a:p>
-                    <a:p>
-                      <a:pPr marL="0" marR="0" lvl="0" indent="0" algn="l" defTabSz="449263" rtl="0" eaLnBrk="1" fontAlgn="base" latinLnBrk="0" hangingPunct="1">
-                        <a:lnSpc>
-                          <a:spcPct val="76000"/>
-                        </a:lnSpc>
-                        <a:spcBef>
-                          <a:spcPts val="400"/>
-                        </a:spcBef>
-                        <a:spcAft>
-                          <a:spcPct val="0"/>
-                        </a:spcAft>
-                        <a:buClrTx/>
-                        <a:buSzPct val="70000"/>
-                        <a:buFontTx/>
-                        <a:buNone/>
-                        <a:tabLst>
-                          <a:tab pos="0" algn="l"/>
-                          <a:tab pos="914400" algn="l"/>
-                          <a:tab pos="1828800" algn="l"/>
-                          <a:tab pos="2743200" algn="l"/>
-                          <a:tab pos="3657600" algn="l"/>
-                          <a:tab pos="4572000" algn="l"/>
-                          <a:tab pos="5486400" algn="l"/>
-                          <a:tab pos="6400800" algn="l"/>
-                          <a:tab pos="7315200" algn="l"/>
-                          <a:tab pos="8229600" algn="l"/>
-                          <a:tab pos="9144000" algn="l"/>
-                          <a:tab pos="10058400" algn="l"/>
-                        </a:tabLst>
-                      </a:pPr>
-                      <a:r>
-                        <a:rPr kumimoji="0" lang="pt-BR" altLang="pt-BR" sz="1000" b="0" i="0" u="none" strike="noStrike" cap="none" normalizeH="0" baseline="0" dirty="0">
-                          <a:ln>
-                            <a:noFill/>
-                          </a:ln>
-                          <a:solidFill>
-                            <a:schemeClr val="tx1"/>
-                          </a:solidFill>
-                          <a:effectLst/>
-                          <a:latin typeface="Arial" panose="020B0604020202020204" pitchFamily="34" charset="0"/>
-                          <a:ea typeface="DejaVu Sans" charset="0"/>
-                          <a:cs typeface="Arial" panose="020B0604020202020204" pitchFamily="34" charset="0"/>
-                        </a:rPr>
-                        <a:t>TA4.13 – Tentar editar um lançamento recorrente de despesa ou receita com categoria ou subcategoria.</a:t>
-                      </a:r>
-                    </a:p>
-                    <a:p>
-                      <a:pPr marL="0" marR="0" lvl="0" indent="0" algn="l" defTabSz="449263" rtl="0" eaLnBrk="1" fontAlgn="base" latinLnBrk="0" hangingPunct="1">
-                        <a:lnSpc>
-                          <a:spcPct val="76000"/>
-                        </a:lnSpc>
-                        <a:spcBef>
-                          <a:spcPts val="400"/>
-                        </a:spcBef>
-                        <a:spcAft>
-                          <a:spcPct val="0"/>
-                        </a:spcAft>
-                        <a:buClrTx/>
-                        <a:buSzPct val="70000"/>
-                        <a:buFontTx/>
-                        <a:buNone/>
-                        <a:tabLst>
-                          <a:tab pos="0" algn="l"/>
-                          <a:tab pos="914400" algn="l"/>
-                          <a:tab pos="1828800" algn="l"/>
-                          <a:tab pos="2743200" algn="l"/>
-                          <a:tab pos="3657600" algn="l"/>
-                          <a:tab pos="4572000" algn="l"/>
-                          <a:tab pos="5486400" algn="l"/>
-                          <a:tab pos="6400800" algn="l"/>
-                          <a:tab pos="7315200" algn="l"/>
-                          <a:tab pos="8229600" algn="l"/>
-                          <a:tab pos="9144000" algn="l"/>
-                          <a:tab pos="10058400" algn="l"/>
-                        </a:tabLst>
-                      </a:pPr>
-                      <a:r>
-                        <a:rPr kumimoji="0" lang="pt-BR" altLang="pt-BR" sz="1000" b="0" i="0" u="none" strike="noStrike" cap="none" normalizeH="0" baseline="0" dirty="0">
-                          <a:ln>
-                            <a:noFill/>
-                          </a:ln>
-                          <a:solidFill>
-                            <a:schemeClr val="tx1"/>
-                          </a:solidFill>
-                          <a:effectLst/>
-                          <a:latin typeface="Arial" panose="020B0604020202020204" pitchFamily="34" charset="0"/>
-                          <a:ea typeface="DejaVu Sans" charset="0"/>
-                          <a:cs typeface="Arial" panose="020B0604020202020204" pitchFamily="34" charset="0"/>
-                        </a:rPr>
-                        <a:t>TA4.14 – Tentar editar um lançamento recorrente de despesa ou receita sem numero de inicio e final de parcela.</a:t>
-                      </a:r>
-                    </a:p>
-                    <a:p>
-                      <a:pPr marL="0" marR="0" lvl="0" indent="0" algn="l" defTabSz="449263" rtl="0" eaLnBrk="1" fontAlgn="base" latinLnBrk="0" hangingPunct="1">
-                        <a:lnSpc>
-                          <a:spcPct val="76000"/>
-                        </a:lnSpc>
-                        <a:spcBef>
-                          <a:spcPts val="400"/>
-                        </a:spcBef>
-                        <a:spcAft>
-                          <a:spcPct val="0"/>
-                        </a:spcAft>
-                        <a:buClrTx/>
-                        <a:buSzPct val="70000"/>
-                        <a:buFontTx/>
-                        <a:buNone/>
-                        <a:tabLst>
-                          <a:tab pos="0" algn="l"/>
-                          <a:tab pos="914400" algn="l"/>
-                          <a:tab pos="1828800" algn="l"/>
-                          <a:tab pos="2743200" algn="l"/>
-                          <a:tab pos="3657600" algn="l"/>
-                          <a:tab pos="4572000" algn="l"/>
-                          <a:tab pos="5486400" algn="l"/>
-                          <a:tab pos="6400800" algn="l"/>
-                          <a:tab pos="7315200" algn="l"/>
-                          <a:tab pos="8229600" algn="l"/>
-                          <a:tab pos="9144000" algn="l"/>
-                          <a:tab pos="10058400" algn="l"/>
-                        </a:tabLst>
-                      </a:pPr>
-                      <a:r>
-                        <a:rPr kumimoji="0" lang="pt-BR" altLang="pt-BR" sz="1000" b="0" i="0" u="none" strike="noStrike" cap="none" normalizeH="0" baseline="0" dirty="0">
-                          <a:ln>
-                            <a:noFill/>
-                          </a:ln>
-                          <a:solidFill>
-                            <a:schemeClr val="tx1"/>
-                          </a:solidFill>
-                          <a:effectLst/>
-                          <a:latin typeface="Arial" panose="020B0604020202020204" pitchFamily="34" charset="0"/>
-                          <a:ea typeface="DejaVu Sans" charset="0"/>
-                          <a:cs typeface="Arial" panose="020B0604020202020204" pitchFamily="34" charset="0"/>
-                        </a:rPr>
-                        <a:t>TA4.15 – Tentar editar um lançamento recorrente de despesa ou receita com numero de inicio e final de parcela.</a:t>
+                        <a:t>TA4.8 – Tentar editar um lançamento.</a:t>
                       </a:r>
                       <a:endParaRPr kumimoji="0" lang="pt-BR" altLang="pt-BR" sz="1000" b="0" i="0" u="none" strike="noStrike" cap="none" normalizeH="0" baseline="0" dirty="0">
                         <a:ln>
@@ -13011,7 +12688,7 @@
           <p:nvPr>
             <p:extLst>
               <p:ext uri="{D42A27DB-BD31-4B8C-83A1-F6EECF244321}">
-                <p14:modId xmlns:p14="http://schemas.microsoft.com/office/powerpoint/2010/main" val="715418448"/>
+                <p14:modId xmlns:p14="http://schemas.microsoft.com/office/powerpoint/2010/main" val="2388639524"/>
               </p:ext>
             </p:extLst>
           </p:nvPr>
@@ -15699,14 +15376,14 @@
           <p:nvPr>
             <p:extLst>
               <p:ext uri="{D42A27DB-BD31-4B8C-83A1-F6EECF244321}">
-                <p14:modId xmlns:p14="http://schemas.microsoft.com/office/powerpoint/2010/main" val="1149054500"/>
+                <p14:modId xmlns:p14="http://schemas.microsoft.com/office/powerpoint/2010/main" val="1533746099"/>
               </p:ext>
             </p:extLst>
           </p:nvPr>
         </p:nvGraphicFramePr>
         <p:xfrm>
           <a:off x="155618" y="134958"/>
-          <a:ext cx="11805723" cy="5475616"/>
+          <a:ext cx="11805723" cy="5046102"/>
         </p:xfrm>
         <a:graphic>
           <a:graphicData uri="http://schemas.openxmlformats.org/drawingml/2006/table">
@@ -16942,51 +16619,6 @@
                           <a:cs typeface="Arial" panose="020B0604020202020204" pitchFamily="34" charset="0"/>
                         </a:rPr>
                         <a:t>Filtrar lançamentos por conta financeira</a:t>
-                      </a:r>
-                    </a:p>
-                    <a:p>
-                      <a:pPr marL="171450" marR="0" lvl="0" indent="-171450" algn="l" defTabSz="449263" rtl="0" eaLnBrk="1" fontAlgn="base" latinLnBrk="0" hangingPunct="1">
-                        <a:lnSpc>
-                          <a:spcPct val="94000"/>
-                        </a:lnSpc>
-                        <a:spcBef>
-                          <a:spcPts val="450"/>
-                        </a:spcBef>
-                        <a:spcAft>
-                          <a:spcPct val="0"/>
-                        </a:spcAft>
-                        <a:buClrTx/>
-                        <a:buSzPct val="70000"/>
-                        <a:buFont typeface="Arial" panose="020B0604020202020204" pitchFamily="34" charset="0"/>
-                        <a:buChar char="•"/>
-                        <a:tabLst>
-                          <a:tab pos="0" algn="l"/>
-                          <a:tab pos="914400" algn="l"/>
-                          <a:tab pos="1828800" algn="l"/>
-                          <a:tab pos="2743200" algn="l"/>
-                          <a:tab pos="3657600" algn="l"/>
-                          <a:tab pos="4572000" algn="l"/>
-                          <a:tab pos="5486400" algn="l"/>
-                          <a:tab pos="6400800" algn="l"/>
-                          <a:tab pos="7315200" algn="l"/>
-                          <a:tab pos="8229600" algn="l"/>
-                          <a:tab pos="9144000" algn="l"/>
-                          <a:tab pos="10058400" algn="l"/>
-                        </a:tabLst>
-                      </a:pPr>
-                      <a:r>
-                        <a:rPr kumimoji="0" lang="pt-BR" altLang="pt-BR" sz="1100" b="0" u="none" strike="noStrike" kern="1200" cap="none" normalizeH="0" baseline="0" dirty="0">
-                          <a:ln>
-                            <a:noFill/>
-                          </a:ln>
-                          <a:solidFill>
-                            <a:schemeClr val="tx1"/>
-                          </a:solidFill>
-                          <a:effectLst/>
-                          <a:latin typeface="Arial" panose="020B0604020202020204" pitchFamily="34" charset="0"/>
-                          <a:cs typeface="Arial" panose="020B0604020202020204" pitchFamily="34" charset="0"/>
-                        </a:rPr>
-                        <a:t>Filtrar lançamentos por categorias</a:t>
                       </a:r>
                     </a:p>
                   </a:txBody>
@@ -17514,7 +17146,7 @@
                   </a:ext>
                 </a:extLst>
               </a:tr>
-              <a:tr h="959342">
+              <a:tr h="1055601">
                 <a:tc>
                   <a:txBody>
                     <a:bodyPr/>
@@ -18079,52 +17711,6 @@
                         <a:latin typeface="Arial" panose="020B0604020202020204" pitchFamily="34" charset="0"/>
                         <a:cs typeface="Arial" panose="020B0604020202020204" pitchFamily="34" charset="0"/>
                       </a:endParaRPr>
-                    </a:p>
-                    <a:p>
-                      <a:pPr marL="0" marR="0" lvl="0" indent="0" algn="l" defTabSz="449263" rtl="0" eaLnBrk="1" fontAlgn="base" latinLnBrk="0" hangingPunct="1">
-                        <a:lnSpc>
-                          <a:spcPct val="94000"/>
-                        </a:lnSpc>
-                        <a:spcBef>
-                          <a:spcPts val="350"/>
-                        </a:spcBef>
-                        <a:spcAft>
-                          <a:spcPct val="0"/>
-                        </a:spcAft>
-                        <a:buClrTx/>
-                        <a:buSzPct val="70000"/>
-                        <a:buFontTx/>
-                        <a:buNone/>
-                        <a:tabLst>
-                          <a:tab pos="0" algn="l"/>
-                          <a:tab pos="914400" algn="l"/>
-                          <a:tab pos="1828800" algn="l"/>
-                          <a:tab pos="2743200" algn="l"/>
-                          <a:tab pos="3657600" algn="l"/>
-                          <a:tab pos="4572000" algn="l"/>
-                          <a:tab pos="5486400" algn="l"/>
-                          <a:tab pos="6400800" algn="l"/>
-                          <a:tab pos="7315200" algn="l"/>
-                          <a:tab pos="8229600" algn="l"/>
-                          <a:tab pos="9144000" algn="l"/>
-                          <a:tab pos="10058400" algn="l"/>
-                        </a:tabLst>
-                        <a:defRPr/>
-                      </a:pPr>
-                      <a:r>
-                        <a:rPr kumimoji="0" lang="pt-BR" altLang="pt-BR" sz="1100" b="0" i="0" u="none" strike="noStrike" cap="none" normalizeH="0" baseline="0" dirty="0">
-                          <a:ln>
-                            <a:noFill/>
-                          </a:ln>
-                          <a:solidFill>
-                            <a:schemeClr val="tx1"/>
-                          </a:solidFill>
-                          <a:effectLst/>
-                          <a:latin typeface="Arial" panose="020B0604020202020204" pitchFamily="34" charset="0"/>
-                          <a:cs typeface="Arial" panose="020B0604020202020204" pitchFamily="34" charset="0"/>
-                        </a:rPr>
-                        <a:t>TA8.6 – Tentar listar os lançamentos por categoria.</a:t>
-                      </a:r>
                     </a:p>
                   </a:txBody>
                   <a:tcPr marT="57823" marB="45726" anchor="ctr" horzOverflow="overflow"/>
